--- a/GroupHomework/Record.pptx
+++ b/GroupHomework/Record.pptx
@@ -9,8 +9,10 @@
     <p:sldId id="257" r:id="rId3"/>
     <p:sldId id="258" r:id="rId4"/>
     <p:sldId id="259" r:id="rId5"/>
-    <p:sldId id="261" r:id="rId6"/>
-    <p:sldId id="260" r:id="rId7"/>
+    <p:sldId id="263" r:id="rId6"/>
+    <p:sldId id="264" r:id="rId7"/>
+    <p:sldId id="261" r:id="rId8"/>
+    <p:sldId id="262" r:id="rId9"/>
   </p:sldIdLst>
   <p:sldSz cx="12192000" cy="6858000"/>
   <p:notesSz cx="6858000" cy="9144000"/>
@@ -3354,7 +3356,7 @@
           <a:p>
             <a:r>
               <a:rPr lang="en-US" altLang="zh-CN" dirty="0"/>
-              <a:t>Decision Tree</a:t>
+              <a:t>Decision Tree &amp; Document Clustering</a:t>
             </a:r>
             <a:endParaRPr lang="zh-CN" altLang="en-US" dirty="0"/>
           </a:p>
@@ -3439,43 +3441,1457 @@
           <a:bodyPr/>
           <a:lstStyle/>
           <a:p>
+            <a:r>
+              <a:rPr lang="en-US" altLang="zh-CN" dirty="0"/>
+              <a:t>Decision Tree</a:t>
+            </a:r>
             <a:endParaRPr lang="zh-CN" altLang="en-US" dirty="0"/>
           </a:p>
         </p:txBody>
       </p:sp>
-      <p:sp>
-        <p:nvSpPr>
-          <p:cNvPr id="3" name="内容占位符 2">
+      <p:graphicFrame>
+        <p:nvGraphicFramePr>
+          <p:cNvPr id="5" name="表格 4">
             <a:extLst>
               <a:ext uri="{FF2B5EF4-FFF2-40B4-BE49-F238E27FC236}">
-                <a16:creationId xmlns:a16="http://schemas.microsoft.com/office/drawing/2014/main" id="{E547CDF9-6B5E-45E5-8880-6AD5FC2453D7}"/>
+                <a16:creationId xmlns:a16="http://schemas.microsoft.com/office/drawing/2014/main" id="{ECB9384B-8BDB-4D0C-956F-ECCEFD9A57D6}"/>
               </a:ext>
             </a:extLst>
           </p:cNvPr>
-          <p:cNvSpPr>
-            <a:spLocks noGrp="1"/>
-          </p:cNvSpPr>
+          <p:cNvGraphicFramePr>
+            <a:graphicFrameLocks noGrp="1"/>
+          </p:cNvGraphicFramePr>
           <p:nvPr>
-            <p:ph idx="1"/>
+            <p:extLst>
+              <p:ext uri="{D42A27DB-BD31-4B8C-83A1-F6EECF244321}">
+                <p14:modId xmlns:p14="http://schemas.microsoft.com/office/powerpoint/2010/main" val="3323771416"/>
+              </p:ext>
+            </p:extLst>
           </p:nvPr>
+        </p:nvGraphicFramePr>
+        <p:xfrm>
+          <a:off x="2712720" y="1965623"/>
+          <a:ext cx="8128000" cy="4079240"/>
+        </p:xfrm>
+        <a:graphic>
+          <a:graphicData uri="http://schemas.openxmlformats.org/drawingml/2006/table">
+            <a:tbl>
+              <a:tblPr firstRow="1" bandRow="1">
+                <a:tableStyleId>{5940675A-B579-460E-94D1-54222C63F5DA}</a:tableStyleId>
+              </a:tblPr>
+              <a:tblGrid>
+                <a:gridCol w="1625600">
+                  <a:extLst>
+                    <a:ext uri="{9D8B030D-6E8A-4147-A177-3AD203B41FA5}">
+                      <a16:colId xmlns:a16="http://schemas.microsoft.com/office/drawing/2014/main" val="3166744673"/>
+                    </a:ext>
+                  </a:extLst>
+                </a:gridCol>
+                <a:gridCol w="1625600">
+                  <a:extLst>
+                    <a:ext uri="{9D8B030D-6E8A-4147-A177-3AD203B41FA5}">
+                      <a16:colId xmlns:a16="http://schemas.microsoft.com/office/drawing/2014/main" val="879969066"/>
+                    </a:ext>
+                  </a:extLst>
+                </a:gridCol>
+                <a:gridCol w="1625600">
+                  <a:extLst>
+                    <a:ext uri="{9D8B030D-6E8A-4147-A177-3AD203B41FA5}">
+                      <a16:colId xmlns:a16="http://schemas.microsoft.com/office/drawing/2014/main" val="1703852355"/>
+                    </a:ext>
+                  </a:extLst>
+                </a:gridCol>
+                <a:gridCol w="1625600">
+                  <a:extLst>
+                    <a:ext uri="{9D8B030D-6E8A-4147-A177-3AD203B41FA5}">
+                      <a16:colId xmlns:a16="http://schemas.microsoft.com/office/drawing/2014/main" val="303369437"/>
+                    </a:ext>
+                  </a:extLst>
+                </a:gridCol>
+                <a:gridCol w="1625600">
+                  <a:extLst>
+                    <a:ext uri="{9D8B030D-6E8A-4147-A177-3AD203B41FA5}">
+                      <a16:colId xmlns:a16="http://schemas.microsoft.com/office/drawing/2014/main" val="3974500516"/>
+                    </a:ext>
+                  </a:extLst>
+                </a:gridCol>
+              </a:tblGrid>
+              <a:tr h="370840">
+                <a:tc>
+                  <a:txBody>
+                    <a:bodyPr/>
+                    <a:lstStyle/>
+                    <a:p>
+                      <a:r>
+                        <a:rPr lang="en-US" altLang="zh-CN" dirty="0">
+                          <a:latin typeface="Times New Roman" panose="02020603050405020304" pitchFamily="18" charset="0"/>
+                          <a:cs typeface="Times New Roman" panose="02020603050405020304" pitchFamily="18" charset="0"/>
+                        </a:rPr>
+                        <a:t>Age</a:t>
+                      </a:r>
+                      <a:endParaRPr lang="zh-CN" altLang="en-US" dirty="0">
+                        <a:latin typeface="Times New Roman" panose="02020603050405020304" pitchFamily="18" charset="0"/>
+                        <a:cs typeface="Times New Roman" panose="02020603050405020304" pitchFamily="18" charset="0"/>
+                      </a:endParaRPr>
+                    </a:p>
+                  </a:txBody>
+                  <a:tcPr/>
+                </a:tc>
+                <a:tc>
+                  <a:txBody>
+                    <a:bodyPr/>
+                    <a:lstStyle/>
+                    <a:p>
+                      <a:r>
+                        <a:rPr lang="en-US" altLang="zh-CN" dirty="0">
+                          <a:latin typeface="Times New Roman" panose="02020603050405020304" pitchFamily="18" charset="0"/>
+                          <a:cs typeface="Times New Roman" panose="02020603050405020304" pitchFamily="18" charset="0"/>
+                        </a:rPr>
+                        <a:t>Income</a:t>
+                      </a:r>
+                      <a:endParaRPr lang="zh-CN" altLang="en-US" dirty="0">
+                        <a:latin typeface="Times New Roman" panose="02020603050405020304" pitchFamily="18" charset="0"/>
+                        <a:cs typeface="Times New Roman" panose="02020603050405020304" pitchFamily="18" charset="0"/>
+                      </a:endParaRPr>
+                    </a:p>
+                  </a:txBody>
+                  <a:tcPr/>
+                </a:tc>
+                <a:tc>
+                  <a:txBody>
+                    <a:bodyPr/>
+                    <a:lstStyle/>
+                    <a:p>
+                      <a:r>
+                        <a:rPr lang="en-US" altLang="zh-CN" dirty="0">
+                          <a:latin typeface="Times New Roman" panose="02020603050405020304" pitchFamily="18" charset="0"/>
+                          <a:cs typeface="Times New Roman" panose="02020603050405020304" pitchFamily="18" charset="0"/>
+                        </a:rPr>
+                        <a:t>Region</a:t>
+                      </a:r>
+                      <a:endParaRPr lang="zh-CN" altLang="en-US" dirty="0">
+                        <a:latin typeface="Times New Roman" panose="02020603050405020304" pitchFamily="18" charset="0"/>
+                        <a:cs typeface="Times New Roman" panose="02020603050405020304" pitchFamily="18" charset="0"/>
+                      </a:endParaRPr>
+                    </a:p>
+                  </a:txBody>
+                  <a:tcPr/>
+                </a:tc>
+                <a:tc>
+                  <a:txBody>
+                    <a:bodyPr/>
+                    <a:lstStyle/>
+                    <a:p>
+                      <a:r>
+                        <a:rPr lang="en-US" altLang="zh-CN" dirty="0">
+                          <a:latin typeface="Times New Roman" panose="02020603050405020304" pitchFamily="18" charset="0"/>
+                          <a:cs typeface="Times New Roman" panose="02020603050405020304" pitchFamily="18" charset="0"/>
+                        </a:rPr>
+                        <a:t>Credit rating</a:t>
+                      </a:r>
+                      <a:endParaRPr lang="zh-CN" altLang="en-US" dirty="0">
+                        <a:latin typeface="Times New Roman" panose="02020603050405020304" pitchFamily="18" charset="0"/>
+                        <a:cs typeface="Times New Roman" panose="02020603050405020304" pitchFamily="18" charset="0"/>
+                      </a:endParaRPr>
+                    </a:p>
+                  </a:txBody>
+                  <a:tcPr/>
+                </a:tc>
+                <a:tc>
+                  <a:txBody>
+                    <a:bodyPr/>
+                    <a:lstStyle/>
+                    <a:p>
+                      <a:r>
+                        <a:rPr lang="en-US" altLang="zh-CN" dirty="0">
+                          <a:latin typeface="Times New Roman" panose="02020603050405020304" pitchFamily="18" charset="0"/>
+                          <a:cs typeface="Times New Roman" panose="02020603050405020304" pitchFamily="18" charset="0"/>
+                        </a:rPr>
+                        <a:t>Buy motorbike?</a:t>
+                      </a:r>
+                      <a:endParaRPr lang="zh-CN" altLang="en-US" dirty="0">
+                        <a:latin typeface="Times New Roman" panose="02020603050405020304" pitchFamily="18" charset="0"/>
+                        <a:cs typeface="Times New Roman" panose="02020603050405020304" pitchFamily="18" charset="0"/>
+                      </a:endParaRPr>
+                    </a:p>
+                  </a:txBody>
+                  <a:tcPr/>
+                </a:tc>
+                <a:extLst>
+                  <a:ext uri="{0D108BD9-81ED-4DB2-BD59-A6C34878D82A}">
+                    <a16:rowId xmlns:a16="http://schemas.microsoft.com/office/drawing/2014/main" val="651713583"/>
+                  </a:ext>
+                </a:extLst>
+              </a:tr>
+              <a:tr h="370840">
+                <a:tc>
+                  <a:txBody>
+                    <a:bodyPr/>
+                    <a:lstStyle/>
+                    <a:p>
+                      <a:r>
+                        <a:rPr lang="en-US" altLang="zh-CN" dirty="0">
+                          <a:latin typeface="Times New Roman" panose="02020603050405020304" pitchFamily="18" charset="0"/>
+                          <a:cs typeface="Times New Roman" panose="02020603050405020304" pitchFamily="18" charset="0"/>
+                        </a:rPr>
+                        <a:t>&lt;20</a:t>
+                      </a:r>
+                      <a:endParaRPr lang="zh-CN" altLang="en-US" dirty="0">
+                        <a:latin typeface="Times New Roman" panose="02020603050405020304" pitchFamily="18" charset="0"/>
+                        <a:cs typeface="Times New Roman" panose="02020603050405020304" pitchFamily="18" charset="0"/>
+                      </a:endParaRPr>
+                    </a:p>
+                  </a:txBody>
+                  <a:tcPr/>
+                </a:tc>
+                <a:tc>
+                  <a:txBody>
+                    <a:bodyPr/>
+                    <a:lstStyle/>
+                    <a:p>
+                      <a:r>
+                        <a:rPr lang="en-US" altLang="zh-CN" dirty="0">
+                          <a:latin typeface="Times New Roman" panose="02020603050405020304" pitchFamily="18" charset="0"/>
+                          <a:cs typeface="Times New Roman" panose="02020603050405020304" pitchFamily="18" charset="0"/>
+                        </a:rPr>
+                        <a:t>High</a:t>
+                      </a:r>
+                      <a:endParaRPr lang="zh-CN" altLang="en-US" dirty="0">
+                        <a:latin typeface="Times New Roman" panose="02020603050405020304" pitchFamily="18" charset="0"/>
+                        <a:cs typeface="Times New Roman" panose="02020603050405020304" pitchFamily="18" charset="0"/>
+                      </a:endParaRPr>
+                    </a:p>
+                  </a:txBody>
+                  <a:tcPr/>
+                </a:tc>
+                <a:tc>
+                  <a:txBody>
+                    <a:bodyPr/>
+                    <a:lstStyle/>
+                    <a:p>
+                      <a:r>
+                        <a:rPr lang="en-US" altLang="zh-CN" dirty="0">
+                          <a:latin typeface="Times New Roman" panose="02020603050405020304" pitchFamily="18" charset="0"/>
+                          <a:cs typeface="Times New Roman" panose="02020603050405020304" pitchFamily="18" charset="0"/>
+                        </a:rPr>
+                        <a:t>USA</a:t>
+                      </a:r>
+                      <a:endParaRPr lang="zh-CN" altLang="en-US" dirty="0">
+                        <a:latin typeface="Times New Roman" panose="02020603050405020304" pitchFamily="18" charset="0"/>
+                        <a:cs typeface="Times New Roman" panose="02020603050405020304" pitchFamily="18" charset="0"/>
+                      </a:endParaRPr>
+                    </a:p>
+                  </a:txBody>
+                  <a:tcPr/>
+                </a:tc>
+                <a:tc>
+                  <a:txBody>
+                    <a:bodyPr/>
+                    <a:lstStyle/>
+                    <a:p>
+                      <a:r>
+                        <a:rPr lang="en-US" altLang="zh-CN" dirty="0">
+                          <a:latin typeface="Times New Roman" panose="02020603050405020304" pitchFamily="18" charset="0"/>
+                          <a:cs typeface="Times New Roman" panose="02020603050405020304" pitchFamily="18" charset="0"/>
+                        </a:rPr>
+                        <a:t>Low</a:t>
+                      </a:r>
+                      <a:endParaRPr lang="zh-CN" altLang="en-US" dirty="0">
+                        <a:latin typeface="Times New Roman" panose="02020603050405020304" pitchFamily="18" charset="0"/>
+                        <a:cs typeface="Times New Roman" panose="02020603050405020304" pitchFamily="18" charset="0"/>
+                      </a:endParaRPr>
+                    </a:p>
+                  </a:txBody>
+                  <a:tcPr/>
+                </a:tc>
+                <a:tc>
+                  <a:txBody>
+                    <a:bodyPr/>
+                    <a:lstStyle/>
+                    <a:p>
+                      <a:r>
+                        <a:rPr lang="en-US" altLang="zh-CN" dirty="0">
+                          <a:latin typeface="Times New Roman" panose="02020603050405020304" pitchFamily="18" charset="0"/>
+                          <a:cs typeface="Times New Roman" panose="02020603050405020304" pitchFamily="18" charset="0"/>
+                        </a:rPr>
+                        <a:t>No</a:t>
+                      </a:r>
+                    </a:p>
+                  </a:txBody>
+                  <a:tcPr/>
+                </a:tc>
+                <a:extLst>
+                  <a:ext uri="{0D108BD9-81ED-4DB2-BD59-A6C34878D82A}">
+                    <a16:rowId xmlns:a16="http://schemas.microsoft.com/office/drawing/2014/main" val="2516360826"/>
+                  </a:ext>
+                </a:extLst>
+              </a:tr>
+              <a:tr h="370840">
+                <a:tc>
+                  <a:txBody>
+                    <a:bodyPr/>
+                    <a:lstStyle/>
+                    <a:p>
+                      <a:r>
+                        <a:rPr lang="en-US" altLang="zh-CN" dirty="0">
+                          <a:latin typeface="Times New Roman" panose="02020603050405020304" pitchFamily="18" charset="0"/>
+                          <a:cs typeface="Times New Roman" panose="02020603050405020304" pitchFamily="18" charset="0"/>
+                        </a:rPr>
+                        <a:t>&lt;20</a:t>
+                      </a:r>
+                      <a:endParaRPr lang="zh-CN" altLang="en-US" dirty="0">
+                        <a:latin typeface="Times New Roman" panose="02020603050405020304" pitchFamily="18" charset="0"/>
+                        <a:cs typeface="Times New Roman" panose="02020603050405020304" pitchFamily="18" charset="0"/>
+                      </a:endParaRPr>
+                    </a:p>
+                  </a:txBody>
+                  <a:tcPr/>
+                </a:tc>
+                <a:tc>
+                  <a:txBody>
+                    <a:bodyPr/>
+                    <a:lstStyle/>
+                    <a:p>
+                      <a:r>
+                        <a:rPr lang="en-US" altLang="zh-CN" dirty="0">
+                          <a:latin typeface="Times New Roman" panose="02020603050405020304" pitchFamily="18" charset="0"/>
+                          <a:cs typeface="Times New Roman" panose="02020603050405020304" pitchFamily="18" charset="0"/>
+                        </a:rPr>
+                        <a:t>High</a:t>
+                      </a:r>
+                      <a:endParaRPr lang="zh-CN" altLang="en-US" dirty="0">
+                        <a:latin typeface="Times New Roman" panose="02020603050405020304" pitchFamily="18" charset="0"/>
+                        <a:cs typeface="Times New Roman" panose="02020603050405020304" pitchFamily="18" charset="0"/>
+                      </a:endParaRPr>
+                    </a:p>
+                  </a:txBody>
+                  <a:tcPr/>
+                </a:tc>
+                <a:tc>
+                  <a:txBody>
+                    <a:bodyPr/>
+                    <a:lstStyle/>
+                    <a:p>
+                      <a:r>
+                        <a:rPr lang="en-US" altLang="zh-CN" dirty="0">
+                          <a:latin typeface="Times New Roman" panose="02020603050405020304" pitchFamily="18" charset="0"/>
+                          <a:cs typeface="Times New Roman" panose="02020603050405020304" pitchFamily="18" charset="0"/>
+                        </a:rPr>
+                        <a:t>USA</a:t>
+                      </a:r>
+                      <a:endParaRPr lang="zh-CN" altLang="en-US" dirty="0">
+                        <a:latin typeface="Times New Roman" panose="02020603050405020304" pitchFamily="18" charset="0"/>
+                        <a:cs typeface="Times New Roman" panose="02020603050405020304" pitchFamily="18" charset="0"/>
+                      </a:endParaRPr>
+                    </a:p>
+                  </a:txBody>
+                  <a:tcPr/>
+                </a:tc>
+                <a:tc>
+                  <a:txBody>
+                    <a:bodyPr/>
+                    <a:lstStyle/>
+                    <a:p>
+                      <a:r>
+                        <a:rPr lang="en-US" altLang="zh-CN" dirty="0">
+                          <a:latin typeface="Times New Roman" panose="02020603050405020304" pitchFamily="18" charset="0"/>
+                          <a:cs typeface="Times New Roman" panose="02020603050405020304" pitchFamily="18" charset="0"/>
+                        </a:rPr>
+                        <a:t>Low</a:t>
+                      </a:r>
+                      <a:endParaRPr lang="zh-CN" altLang="en-US" dirty="0">
+                        <a:latin typeface="Times New Roman" panose="02020603050405020304" pitchFamily="18" charset="0"/>
+                        <a:cs typeface="Times New Roman" panose="02020603050405020304" pitchFamily="18" charset="0"/>
+                      </a:endParaRPr>
+                    </a:p>
+                  </a:txBody>
+                  <a:tcPr/>
+                </a:tc>
+                <a:tc>
+                  <a:txBody>
+                    <a:bodyPr/>
+                    <a:lstStyle/>
+                    <a:p>
+                      <a:r>
+                        <a:rPr lang="en-US" altLang="zh-CN" dirty="0">
+                          <a:latin typeface="Times New Roman" panose="02020603050405020304" pitchFamily="18" charset="0"/>
+                          <a:cs typeface="Times New Roman" panose="02020603050405020304" pitchFamily="18" charset="0"/>
+                        </a:rPr>
+                        <a:t>No</a:t>
+                      </a:r>
+                    </a:p>
+                  </a:txBody>
+                  <a:tcPr/>
+                </a:tc>
+                <a:extLst>
+                  <a:ext uri="{0D108BD9-81ED-4DB2-BD59-A6C34878D82A}">
+                    <a16:rowId xmlns:a16="http://schemas.microsoft.com/office/drawing/2014/main" val="1163193027"/>
+                  </a:ext>
+                </a:extLst>
+              </a:tr>
+              <a:tr h="370840">
+                <a:tc>
+                  <a:txBody>
+                    <a:bodyPr/>
+                    <a:lstStyle/>
+                    <a:p>
+                      <a:r>
+                        <a:rPr lang="en-US" altLang="zh-CN" dirty="0">
+                          <a:latin typeface="Times New Roman" panose="02020603050405020304" pitchFamily="18" charset="0"/>
+                          <a:cs typeface="Times New Roman" panose="02020603050405020304" pitchFamily="18" charset="0"/>
+                        </a:rPr>
+                        <a:t>21…50</a:t>
+                      </a:r>
+                      <a:endParaRPr lang="zh-CN" altLang="en-US" dirty="0">
+                        <a:latin typeface="Times New Roman" panose="02020603050405020304" pitchFamily="18" charset="0"/>
+                        <a:cs typeface="Times New Roman" panose="02020603050405020304" pitchFamily="18" charset="0"/>
+                      </a:endParaRPr>
+                    </a:p>
+                  </a:txBody>
+                  <a:tcPr/>
+                </a:tc>
+                <a:tc>
+                  <a:txBody>
+                    <a:bodyPr/>
+                    <a:lstStyle/>
+                    <a:p>
+                      <a:r>
+                        <a:rPr lang="en-US" altLang="zh-CN" dirty="0">
+                          <a:latin typeface="Times New Roman" panose="02020603050405020304" pitchFamily="18" charset="0"/>
+                          <a:cs typeface="Times New Roman" panose="02020603050405020304" pitchFamily="18" charset="0"/>
+                        </a:rPr>
+                        <a:t>High</a:t>
+                      </a:r>
+                      <a:endParaRPr lang="zh-CN" altLang="en-US" dirty="0">
+                        <a:latin typeface="Times New Roman" panose="02020603050405020304" pitchFamily="18" charset="0"/>
+                        <a:cs typeface="Times New Roman" panose="02020603050405020304" pitchFamily="18" charset="0"/>
+                      </a:endParaRPr>
+                    </a:p>
+                  </a:txBody>
+                  <a:tcPr/>
+                </a:tc>
+                <a:tc>
+                  <a:txBody>
+                    <a:bodyPr/>
+                    <a:lstStyle/>
+                    <a:p>
+                      <a:r>
+                        <a:rPr lang="en-US" altLang="zh-CN" dirty="0">
+                          <a:latin typeface="Times New Roman" panose="02020603050405020304" pitchFamily="18" charset="0"/>
+                          <a:cs typeface="Times New Roman" panose="02020603050405020304" pitchFamily="18" charset="0"/>
+                        </a:rPr>
+                        <a:t>USA</a:t>
+                      </a:r>
+                      <a:endParaRPr lang="zh-CN" altLang="en-US" dirty="0">
+                        <a:latin typeface="Times New Roman" panose="02020603050405020304" pitchFamily="18" charset="0"/>
+                        <a:cs typeface="Times New Roman" panose="02020603050405020304" pitchFamily="18" charset="0"/>
+                      </a:endParaRPr>
+                    </a:p>
+                  </a:txBody>
+                  <a:tcPr/>
+                </a:tc>
+                <a:tc>
+                  <a:txBody>
+                    <a:bodyPr/>
+                    <a:lstStyle/>
+                    <a:p>
+                      <a:r>
+                        <a:rPr lang="en-US" altLang="zh-CN" dirty="0">
+                          <a:latin typeface="Times New Roman" panose="02020603050405020304" pitchFamily="18" charset="0"/>
+                          <a:cs typeface="Times New Roman" panose="02020603050405020304" pitchFamily="18" charset="0"/>
+                        </a:rPr>
+                        <a:t>Low</a:t>
+                      </a:r>
+                      <a:endParaRPr lang="zh-CN" altLang="en-US" dirty="0">
+                        <a:latin typeface="Times New Roman" panose="02020603050405020304" pitchFamily="18" charset="0"/>
+                        <a:cs typeface="Times New Roman" panose="02020603050405020304" pitchFamily="18" charset="0"/>
+                      </a:endParaRPr>
+                    </a:p>
+                  </a:txBody>
+                  <a:tcPr/>
+                </a:tc>
+                <a:tc>
+                  <a:txBody>
+                    <a:bodyPr/>
+                    <a:lstStyle/>
+                    <a:p>
+                      <a:r>
+                        <a:rPr lang="en-US" altLang="zh-CN" dirty="0">
+                          <a:latin typeface="Times New Roman" panose="02020603050405020304" pitchFamily="18" charset="0"/>
+                          <a:cs typeface="Times New Roman" panose="02020603050405020304" pitchFamily="18" charset="0"/>
+                        </a:rPr>
+                        <a:t>Yes</a:t>
+                      </a:r>
+                      <a:endParaRPr lang="zh-CN" altLang="en-US" dirty="0">
+                        <a:latin typeface="Times New Roman" panose="02020603050405020304" pitchFamily="18" charset="0"/>
+                        <a:cs typeface="Times New Roman" panose="02020603050405020304" pitchFamily="18" charset="0"/>
+                      </a:endParaRPr>
+                    </a:p>
+                  </a:txBody>
+                  <a:tcPr/>
+                </a:tc>
+                <a:extLst>
+                  <a:ext uri="{0D108BD9-81ED-4DB2-BD59-A6C34878D82A}">
+                    <a16:rowId xmlns:a16="http://schemas.microsoft.com/office/drawing/2014/main" val="1404336287"/>
+                  </a:ext>
+                </a:extLst>
+              </a:tr>
+              <a:tr h="370840">
+                <a:tc>
+                  <a:txBody>
+                    <a:bodyPr/>
+                    <a:lstStyle/>
+                    <a:p>
+                      <a:r>
+                        <a:rPr lang="en-US" altLang="zh-CN" dirty="0">
+                          <a:latin typeface="Times New Roman" panose="02020603050405020304" pitchFamily="18" charset="0"/>
+                          <a:cs typeface="Times New Roman" panose="02020603050405020304" pitchFamily="18" charset="0"/>
+                        </a:rPr>
+                        <a:t>&gt;50</a:t>
+                      </a:r>
+                      <a:endParaRPr lang="zh-CN" altLang="en-US" dirty="0">
+                        <a:latin typeface="Times New Roman" panose="02020603050405020304" pitchFamily="18" charset="0"/>
+                        <a:cs typeface="Times New Roman" panose="02020603050405020304" pitchFamily="18" charset="0"/>
+                      </a:endParaRPr>
+                    </a:p>
+                  </a:txBody>
+                  <a:tcPr/>
+                </a:tc>
+                <a:tc>
+                  <a:txBody>
+                    <a:bodyPr/>
+                    <a:lstStyle/>
+                    <a:p>
+                      <a:r>
+                        <a:rPr lang="en-US" altLang="zh-CN" dirty="0">
+                          <a:latin typeface="Times New Roman" panose="02020603050405020304" pitchFamily="18" charset="0"/>
+                          <a:cs typeface="Times New Roman" panose="02020603050405020304" pitchFamily="18" charset="0"/>
+                        </a:rPr>
+                        <a:t>Medium</a:t>
+                      </a:r>
+                      <a:endParaRPr lang="zh-CN" altLang="en-US" dirty="0">
+                        <a:latin typeface="Times New Roman" panose="02020603050405020304" pitchFamily="18" charset="0"/>
+                        <a:cs typeface="Times New Roman" panose="02020603050405020304" pitchFamily="18" charset="0"/>
+                      </a:endParaRPr>
+                    </a:p>
+                  </a:txBody>
+                  <a:tcPr/>
+                </a:tc>
+                <a:tc>
+                  <a:txBody>
+                    <a:bodyPr/>
+                    <a:lstStyle/>
+                    <a:p>
+                      <a:r>
+                        <a:rPr lang="en-US" altLang="zh-CN" dirty="0">
+                          <a:latin typeface="Times New Roman" panose="02020603050405020304" pitchFamily="18" charset="0"/>
+                          <a:cs typeface="Times New Roman" panose="02020603050405020304" pitchFamily="18" charset="0"/>
+                        </a:rPr>
+                        <a:t>USA</a:t>
+                      </a:r>
+                      <a:endParaRPr lang="zh-CN" altLang="en-US" dirty="0">
+                        <a:latin typeface="Times New Roman" panose="02020603050405020304" pitchFamily="18" charset="0"/>
+                        <a:cs typeface="Times New Roman" panose="02020603050405020304" pitchFamily="18" charset="0"/>
+                      </a:endParaRPr>
+                    </a:p>
+                  </a:txBody>
+                  <a:tcPr/>
+                </a:tc>
+                <a:tc>
+                  <a:txBody>
+                    <a:bodyPr/>
+                    <a:lstStyle/>
+                    <a:p>
+                      <a:r>
+                        <a:rPr lang="en-US" altLang="zh-CN" dirty="0">
+                          <a:latin typeface="Times New Roman" panose="02020603050405020304" pitchFamily="18" charset="0"/>
+                          <a:cs typeface="Times New Roman" panose="02020603050405020304" pitchFamily="18" charset="0"/>
+                        </a:rPr>
+                        <a:t>Low</a:t>
+                      </a:r>
+                      <a:endParaRPr lang="zh-CN" altLang="en-US" dirty="0">
+                        <a:latin typeface="Times New Roman" panose="02020603050405020304" pitchFamily="18" charset="0"/>
+                        <a:cs typeface="Times New Roman" panose="02020603050405020304" pitchFamily="18" charset="0"/>
+                      </a:endParaRPr>
+                    </a:p>
+                  </a:txBody>
+                  <a:tcPr/>
+                </a:tc>
+                <a:tc>
+                  <a:txBody>
+                    <a:bodyPr/>
+                    <a:lstStyle/>
+                    <a:p>
+                      <a:r>
+                        <a:rPr lang="en-US" altLang="zh-CN" dirty="0">
+                          <a:latin typeface="Times New Roman" panose="02020603050405020304" pitchFamily="18" charset="0"/>
+                          <a:cs typeface="Times New Roman" panose="02020603050405020304" pitchFamily="18" charset="0"/>
+                        </a:rPr>
+                        <a:t>Yes</a:t>
+                      </a:r>
+                      <a:endParaRPr lang="zh-CN" altLang="en-US" dirty="0">
+                        <a:latin typeface="Times New Roman" panose="02020603050405020304" pitchFamily="18" charset="0"/>
+                        <a:cs typeface="Times New Roman" panose="02020603050405020304" pitchFamily="18" charset="0"/>
+                      </a:endParaRPr>
+                    </a:p>
+                  </a:txBody>
+                  <a:tcPr/>
+                </a:tc>
+                <a:extLst>
+                  <a:ext uri="{0D108BD9-81ED-4DB2-BD59-A6C34878D82A}">
+                    <a16:rowId xmlns:a16="http://schemas.microsoft.com/office/drawing/2014/main" val="3337969406"/>
+                  </a:ext>
+                </a:extLst>
+              </a:tr>
+              <a:tr h="370840">
+                <a:tc>
+                  <a:txBody>
+                    <a:bodyPr/>
+                    <a:lstStyle/>
+                    <a:p>
+                      <a:r>
+                        <a:rPr lang="en-US" altLang="zh-CN" dirty="0">
+                          <a:latin typeface="Times New Roman" panose="02020603050405020304" pitchFamily="18" charset="0"/>
+                          <a:cs typeface="Times New Roman" panose="02020603050405020304" pitchFamily="18" charset="0"/>
+                        </a:rPr>
+                        <a:t>&gt;50</a:t>
+                      </a:r>
+                      <a:endParaRPr lang="zh-CN" altLang="en-US" dirty="0">
+                        <a:latin typeface="Times New Roman" panose="02020603050405020304" pitchFamily="18" charset="0"/>
+                        <a:cs typeface="Times New Roman" panose="02020603050405020304" pitchFamily="18" charset="0"/>
+                      </a:endParaRPr>
+                    </a:p>
+                  </a:txBody>
+                  <a:tcPr/>
+                </a:tc>
+                <a:tc>
+                  <a:txBody>
+                    <a:bodyPr/>
+                    <a:lstStyle/>
+                    <a:p>
+                      <a:r>
+                        <a:rPr lang="en-US" altLang="zh-CN" dirty="0">
+                          <a:latin typeface="Times New Roman" panose="02020603050405020304" pitchFamily="18" charset="0"/>
+                          <a:cs typeface="Times New Roman" panose="02020603050405020304" pitchFamily="18" charset="0"/>
+                        </a:rPr>
+                        <a:t>Low</a:t>
+                      </a:r>
+                      <a:endParaRPr lang="zh-CN" altLang="en-US" dirty="0">
+                        <a:latin typeface="Times New Roman" panose="02020603050405020304" pitchFamily="18" charset="0"/>
+                        <a:cs typeface="Times New Roman" panose="02020603050405020304" pitchFamily="18" charset="0"/>
+                      </a:endParaRPr>
+                    </a:p>
+                  </a:txBody>
+                  <a:tcPr/>
+                </a:tc>
+                <a:tc>
+                  <a:txBody>
+                    <a:bodyPr/>
+                    <a:lstStyle/>
+                    <a:p>
+                      <a:r>
+                        <a:rPr lang="en-US" altLang="zh-CN" dirty="0">
+                          <a:latin typeface="Times New Roman" panose="02020603050405020304" pitchFamily="18" charset="0"/>
+                          <a:cs typeface="Times New Roman" panose="02020603050405020304" pitchFamily="18" charset="0"/>
+                        </a:rPr>
+                        <a:t>CHINA</a:t>
+                      </a:r>
+                      <a:endParaRPr lang="zh-CN" altLang="en-US" dirty="0">
+                        <a:latin typeface="Times New Roman" panose="02020603050405020304" pitchFamily="18" charset="0"/>
+                        <a:cs typeface="Times New Roman" panose="02020603050405020304" pitchFamily="18" charset="0"/>
+                      </a:endParaRPr>
+                    </a:p>
+                  </a:txBody>
+                  <a:tcPr/>
+                </a:tc>
+                <a:tc>
+                  <a:txBody>
+                    <a:bodyPr/>
+                    <a:lstStyle/>
+                    <a:p>
+                      <a:r>
+                        <a:rPr lang="en-US" altLang="zh-CN" dirty="0">
+                          <a:latin typeface="Times New Roman" panose="02020603050405020304" pitchFamily="18" charset="0"/>
+                          <a:cs typeface="Times New Roman" panose="02020603050405020304" pitchFamily="18" charset="0"/>
+                        </a:rPr>
+                        <a:t>Low</a:t>
+                      </a:r>
+                      <a:endParaRPr lang="zh-CN" altLang="en-US" dirty="0">
+                        <a:latin typeface="Times New Roman" panose="02020603050405020304" pitchFamily="18" charset="0"/>
+                        <a:cs typeface="Times New Roman" panose="02020603050405020304" pitchFamily="18" charset="0"/>
+                      </a:endParaRPr>
+                    </a:p>
+                  </a:txBody>
+                  <a:tcPr/>
+                </a:tc>
+                <a:tc>
+                  <a:txBody>
+                    <a:bodyPr/>
+                    <a:lstStyle/>
+                    <a:p>
+                      <a:r>
+                        <a:rPr lang="en-US" altLang="zh-CN" dirty="0">
+                          <a:latin typeface="Times New Roman" panose="02020603050405020304" pitchFamily="18" charset="0"/>
+                          <a:cs typeface="Times New Roman" panose="02020603050405020304" pitchFamily="18" charset="0"/>
+                        </a:rPr>
+                        <a:t>Yes</a:t>
+                      </a:r>
+                      <a:endParaRPr lang="zh-CN" altLang="en-US" dirty="0">
+                        <a:latin typeface="Times New Roman" panose="02020603050405020304" pitchFamily="18" charset="0"/>
+                        <a:cs typeface="Times New Roman" panose="02020603050405020304" pitchFamily="18" charset="0"/>
+                      </a:endParaRPr>
+                    </a:p>
+                  </a:txBody>
+                  <a:tcPr/>
+                </a:tc>
+                <a:extLst>
+                  <a:ext uri="{0D108BD9-81ED-4DB2-BD59-A6C34878D82A}">
+                    <a16:rowId xmlns:a16="http://schemas.microsoft.com/office/drawing/2014/main" val="1253795345"/>
+                  </a:ext>
+                </a:extLst>
+              </a:tr>
+              <a:tr h="370840">
+                <a:tc>
+                  <a:txBody>
+                    <a:bodyPr/>
+                    <a:lstStyle/>
+                    <a:p>
+                      <a:r>
+                        <a:rPr lang="en-US" altLang="zh-CN" dirty="0">
+                          <a:latin typeface="Times New Roman" panose="02020603050405020304" pitchFamily="18" charset="0"/>
+                          <a:cs typeface="Times New Roman" panose="02020603050405020304" pitchFamily="18" charset="0"/>
+                        </a:rPr>
+                        <a:t>&gt;50</a:t>
+                      </a:r>
+                      <a:endParaRPr lang="zh-CN" altLang="en-US" dirty="0">
+                        <a:latin typeface="Times New Roman" panose="02020603050405020304" pitchFamily="18" charset="0"/>
+                        <a:cs typeface="Times New Roman" panose="02020603050405020304" pitchFamily="18" charset="0"/>
+                      </a:endParaRPr>
+                    </a:p>
+                  </a:txBody>
+                  <a:tcPr/>
+                </a:tc>
+                <a:tc>
+                  <a:txBody>
+                    <a:bodyPr/>
+                    <a:lstStyle/>
+                    <a:p>
+                      <a:r>
+                        <a:rPr lang="en-US" altLang="zh-CN" dirty="0">
+                          <a:latin typeface="Times New Roman" panose="02020603050405020304" pitchFamily="18" charset="0"/>
+                          <a:cs typeface="Times New Roman" panose="02020603050405020304" pitchFamily="18" charset="0"/>
+                        </a:rPr>
+                        <a:t>Low</a:t>
+                      </a:r>
+                      <a:endParaRPr lang="zh-CN" altLang="en-US" dirty="0">
+                        <a:latin typeface="Times New Roman" panose="02020603050405020304" pitchFamily="18" charset="0"/>
+                        <a:cs typeface="Times New Roman" panose="02020603050405020304" pitchFamily="18" charset="0"/>
+                      </a:endParaRPr>
+                    </a:p>
+                  </a:txBody>
+                  <a:tcPr/>
+                </a:tc>
+                <a:tc>
+                  <a:txBody>
+                    <a:bodyPr/>
+                    <a:lstStyle/>
+                    <a:p>
+                      <a:r>
+                        <a:rPr lang="en-US" altLang="zh-CN" dirty="0">
+                          <a:latin typeface="Times New Roman" panose="02020603050405020304" pitchFamily="18" charset="0"/>
+                          <a:cs typeface="Times New Roman" panose="02020603050405020304" pitchFamily="18" charset="0"/>
+                        </a:rPr>
+                        <a:t>CHINA</a:t>
+                      </a:r>
+                      <a:endParaRPr lang="zh-CN" altLang="en-US" dirty="0">
+                        <a:latin typeface="Times New Roman" panose="02020603050405020304" pitchFamily="18" charset="0"/>
+                        <a:cs typeface="Times New Roman" panose="02020603050405020304" pitchFamily="18" charset="0"/>
+                      </a:endParaRPr>
+                    </a:p>
+                  </a:txBody>
+                  <a:tcPr/>
+                </a:tc>
+                <a:tc>
+                  <a:txBody>
+                    <a:bodyPr/>
+                    <a:lstStyle/>
+                    <a:p>
+                      <a:r>
+                        <a:rPr lang="en-US" altLang="zh-CN" dirty="0">
+                          <a:latin typeface="Times New Roman" panose="02020603050405020304" pitchFamily="18" charset="0"/>
+                          <a:cs typeface="Times New Roman" panose="02020603050405020304" pitchFamily="18" charset="0"/>
+                        </a:rPr>
+                        <a:t>High</a:t>
+                      </a:r>
+                      <a:endParaRPr lang="zh-CN" altLang="en-US" dirty="0">
+                        <a:latin typeface="Times New Roman" panose="02020603050405020304" pitchFamily="18" charset="0"/>
+                        <a:cs typeface="Times New Roman" panose="02020603050405020304" pitchFamily="18" charset="0"/>
+                      </a:endParaRPr>
+                    </a:p>
+                  </a:txBody>
+                  <a:tcPr/>
+                </a:tc>
+                <a:tc>
+                  <a:txBody>
+                    <a:bodyPr/>
+                    <a:lstStyle/>
+                    <a:p>
+                      <a:r>
+                        <a:rPr lang="en-US" altLang="zh-CN" dirty="0">
+                          <a:latin typeface="Times New Roman" panose="02020603050405020304" pitchFamily="18" charset="0"/>
+                          <a:cs typeface="Times New Roman" panose="02020603050405020304" pitchFamily="18" charset="0"/>
+                        </a:rPr>
+                        <a:t>No</a:t>
+                      </a:r>
+                      <a:endParaRPr lang="zh-CN" altLang="en-US" dirty="0">
+                        <a:latin typeface="Times New Roman" panose="02020603050405020304" pitchFamily="18" charset="0"/>
+                        <a:cs typeface="Times New Roman" panose="02020603050405020304" pitchFamily="18" charset="0"/>
+                      </a:endParaRPr>
+                    </a:p>
+                  </a:txBody>
+                  <a:tcPr/>
+                </a:tc>
+                <a:extLst>
+                  <a:ext uri="{0D108BD9-81ED-4DB2-BD59-A6C34878D82A}">
+                    <a16:rowId xmlns:a16="http://schemas.microsoft.com/office/drawing/2014/main" val="1229279688"/>
+                  </a:ext>
+                </a:extLst>
+              </a:tr>
+              <a:tr h="370840">
+                <a:tc>
+                  <a:txBody>
+                    <a:bodyPr/>
+                    <a:lstStyle/>
+                    <a:p>
+                      <a:r>
+                        <a:rPr lang="en-US" altLang="zh-CN" dirty="0">
+                          <a:latin typeface="Times New Roman" panose="02020603050405020304" pitchFamily="18" charset="0"/>
+                          <a:cs typeface="Times New Roman" panose="02020603050405020304" pitchFamily="18" charset="0"/>
+                        </a:rPr>
+                        <a:t>21…50</a:t>
+                      </a:r>
+                      <a:endParaRPr lang="zh-CN" altLang="en-US" dirty="0">
+                        <a:latin typeface="Times New Roman" panose="02020603050405020304" pitchFamily="18" charset="0"/>
+                        <a:cs typeface="Times New Roman" panose="02020603050405020304" pitchFamily="18" charset="0"/>
+                      </a:endParaRPr>
+                    </a:p>
+                  </a:txBody>
+                  <a:tcPr/>
+                </a:tc>
+                <a:tc>
+                  <a:txBody>
+                    <a:bodyPr/>
+                    <a:lstStyle/>
+                    <a:p>
+                      <a:r>
+                        <a:rPr lang="en-US" altLang="zh-CN" dirty="0">
+                          <a:latin typeface="Times New Roman" panose="02020603050405020304" pitchFamily="18" charset="0"/>
+                          <a:cs typeface="Times New Roman" panose="02020603050405020304" pitchFamily="18" charset="0"/>
+                        </a:rPr>
+                        <a:t>Low</a:t>
+                      </a:r>
+                      <a:endParaRPr lang="zh-CN" altLang="en-US" dirty="0">
+                        <a:latin typeface="Times New Roman" panose="02020603050405020304" pitchFamily="18" charset="0"/>
+                        <a:cs typeface="Times New Roman" panose="02020603050405020304" pitchFamily="18" charset="0"/>
+                      </a:endParaRPr>
+                    </a:p>
+                  </a:txBody>
+                  <a:tcPr/>
+                </a:tc>
+                <a:tc>
+                  <a:txBody>
+                    <a:bodyPr/>
+                    <a:lstStyle/>
+                    <a:p>
+                      <a:r>
+                        <a:rPr lang="en-US" altLang="zh-CN" dirty="0">
+                          <a:latin typeface="Times New Roman" panose="02020603050405020304" pitchFamily="18" charset="0"/>
+                          <a:cs typeface="Times New Roman" panose="02020603050405020304" pitchFamily="18" charset="0"/>
+                        </a:rPr>
+                        <a:t>CHINA</a:t>
+                      </a:r>
+                      <a:endParaRPr lang="zh-CN" altLang="en-US" dirty="0">
+                        <a:latin typeface="Times New Roman" panose="02020603050405020304" pitchFamily="18" charset="0"/>
+                        <a:cs typeface="Times New Roman" panose="02020603050405020304" pitchFamily="18" charset="0"/>
+                      </a:endParaRPr>
+                    </a:p>
+                  </a:txBody>
+                  <a:tcPr/>
+                </a:tc>
+                <a:tc>
+                  <a:txBody>
+                    <a:bodyPr/>
+                    <a:lstStyle/>
+                    <a:p>
+                      <a:r>
+                        <a:rPr lang="en-US" altLang="zh-CN" dirty="0">
+                          <a:latin typeface="Times New Roman" panose="02020603050405020304" pitchFamily="18" charset="0"/>
+                          <a:cs typeface="Times New Roman" panose="02020603050405020304" pitchFamily="18" charset="0"/>
+                        </a:rPr>
+                        <a:t>High</a:t>
+                      </a:r>
+                      <a:endParaRPr lang="zh-CN" altLang="en-US" dirty="0">
+                        <a:latin typeface="Times New Roman" panose="02020603050405020304" pitchFamily="18" charset="0"/>
+                        <a:cs typeface="Times New Roman" panose="02020603050405020304" pitchFamily="18" charset="0"/>
+                      </a:endParaRPr>
+                    </a:p>
+                  </a:txBody>
+                  <a:tcPr/>
+                </a:tc>
+                <a:tc>
+                  <a:txBody>
+                    <a:bodyPr/>
+                    <a:lstStyle/>
+                    <a:p>
+                      <a:r>
+                        <a:rPr lang="en-US" altLang="zh-CN" dirty="0">
+                          <a:latin typeface="Times New Roman" panose="02020603050405020304" pitchFamily="18" charset="0"/>
+                          <a:cs typeface="Times New Roman" panose="02020603050405020304" pitchFamily="18" charset="0"/>
+                        </a:rPr>
+                        <a:t>Yes</a:t>
+                      </a:r>
+                      <a:endParaRPr lang="zh-CN" altLang="en-US" dirty="0">
+                        <a:latin typeface="Times New Roman" panose="02020603050405020304" pitchFamily="18" charset="0"/>
+                        <a:cs typeface="Times New Roman" panose="02020603050405020304" pitchFamily="18" charset="0"/>
+                      </a:endParaRPr>
+                    </a:p>
+                  </a:txBody>
+                  <a:tcPr/>
+                </a:tc>
+                <a:extLst>
+                  <a:ext uri="{0D108BD9-81ED-4DB2-BD59-A6C34878D82A}">
+                    <a16:rowId xmlns:a16="http://schemas.microsoft.com/office/drawing/2014/main" val="2670783605"/>
+                  </a:ext>
+                </a:extLst>
+              </a:tr>
+              <a:tr h="370840">
+                <a:tc>
+                  <a:txBody>
+                    <a:bodyPr/>
+                    <a:lstStyle/>
+                    <a:p>
+                      <a:r>
+                        <a:rPr lang="en-US" altLang="zh-CN" dirty="0">
+                          <a:latin typeface="Times New Roman" panose="02020603050405020304" pitchFamily="18" charset="0"/>
+                          <a:cs typeface="Times New Roman" panose="02020603050405020304" pitchFamily="18" charset="0"/>
+                        </a:rPr>
+                        <a:t>&lt;20</a:t>
+                      </a:r>
+                      <a:endParaRPr lang="zh-CN" altLang="en-US" dirty="0">
+                        <a:latin typeface="Times New Roman" panose="02020603050405020304" pitchFamily="18" charset="0"/>
+                        <a:cs typeface="Times New Roman" panose="02020603050405020304" pitchFamily="18" charset="0"/>
+                      </a:endParaRPr>
+                    </a:p>
+                  </a:txBody>
+                  <a:tcPr/>
+                </a:tc>
+                <a:tc>
+                  <a:txBody>
+                    <a:bodyPr/>
+                    <a:lstStyle/>
+                    <a:p>
+                      <a:r>
+                        <a:rPr lang="en-US" altLang="zh-CN" dirty="0">
+                          <a:latin typeface="Times New Roman" panose="02020603050405020304" pitchFamily="18" charset="0"/>
+                          <a:cs typeface="Times New Roman" panose="02020603050405020304" pitchFamily="18" charset="0"/>
+                        </a:rPr>
+                        <a:t>Medium</a:t>
+                      </a:r>
+                      <a:endParaRPr lang="zh-CN" altLang="en-US" dirty="0">
+                        <a:latin typeface="Times New Roman" panose="02020603050405020304" pitchFamily="18" charset="0"/>
+                        <a:cs typeface="Times New Roman" panose="02020603050405020304" pitchFamily="18" charset="0"/>
+                      </a:endParaRPr>
+                    </a:p>
+                  </a:txBody>
+                  <a:tcPr/>
+                </a:tc>
+                <a:tc>
+                  <a:txBody>
+                    <a:bodyPr/>
+                    <a:lstStyle/>
+                    <a:p>
+                      <a:r>
+                        <a:rPr lang="en-US" altLang="zh-CN" dirty="0">
+                          <a:latin typeface="Times New Roman" panose="02020603050405020304" pitchFamily="18" charset="0"/>
+                          <a:cs typeface="Times New Roman" panose="02020603050405020304" pitchFamily="18" charset="0"/>
+                        </a:rPr>
+                        <a:t>USA</a:t>
+                      </a:r>
+                      <a:endParaRPr lang="zh-CN" altLang="en-US" dirty="0">
+                        <a:latin typeface="Times New Roman" panose="02020603050405020304" pitchFamily="18" charset="0"/>
+                        <a:cs typeface="Times New Roman" panose="02020603050405020304" pitchFamily="18" charset="0"/>
+                      </a:endParaRPr>
+                    </a:p>
+                  </a:txBody>
+                  <a:tcPr/>
+                </a:tc>
+                <a:tc>
+                  <a:txBody>
+                    <a:bodyPr/>
+                    <a:lstStyle/>
+                    <a:p>
+                      <a:r>
+                        <a:rPr lang="en-US" altLang="zh-CN" dirty="0">
+                          <a:latin typeface="Times New Roman" panose="02020603050405020304" pitchFamily="18" charset="0"/>
+                          <a:cs typeface="Times New Roman" panose="02020603050405020304" pitchFamily="18" charset="0"/>
+                        </a:rPr>
+                        <a:t>Low</a:t>
+                      </a:r>
+                      <a:endParaRPr lang="zh-CN" altLang="en-US" dirty="0">
+                        <a:latin typeface="Times New Roman" panose="02020603050405020304" pitchFamily="18" charset="0"/>
+                        <a:cs typeface="Times New Roman" panose="02020603050405020304" pitchFamily="18" charset="0"/>
+                      </a:endParaRPr>
+                    </a:p>
+                  </a:txBody>
+                  <a:tcPr/>
+                </a:tc>
+                <a:tc>
+                  <a:txBody>
+                    <a:bodyPr/>
+                    <a:lstStyle/>
+                    <a:p>
+                      <a:r>
+                        <a:rPr lang="en-US" altLang="zh-CN" dirty="0">
+                          <a:latin typeface="Times New Roman" panose="02020603050405020304" pitchFamily="18" charset="0"/>
+                          <a:cs typeface="Times New Roman" panose="02020603050405020304" pitchFamily="18" charset="0"/>
+                        </a:rPr>
+                        <a:t>No</a:t>
+                      </a:r>
+                      <a:endParaRPr lang="zh-CN" altLang="en-US" dirty="0">
+                        <a:latin typeface="Times New Roman" panose="02020603050405020304" pitchFamily="18" charset="0"/>
+                        <a:cs typeface="Times New Roman" panose="02020603050405020304" pitchFamily="18" charset="0"/>
+                      </a:endParaRPr>
+                    </a:p>
+                  </a:txBody>
+                  <a:tcPr/>
+                </a:tc>
+                <a:extLst>
+                  <a:ext uri="{0D108BD9-81ED-4DB2-BD59-A6C34878D82A}">
+                    <a16:rowId xmlns:a16="http://schemas.microsoft.com/office/drawing/2014/main" val="256328676"/>
+                  </a:ext>
+                </a:extLst>
+              </a:tr>
+              <a:tr h="370840">
+                <a:tc>
+                  <a:txBody>
+                    <a:bodyPr/>
+                    <a:lstStyle/>
+                    <a:p>
+                      <a:pPr marL="0" marR="0" indent="0" algn="l" defTabSz="914400" rtl="0" eaLnBrk="1" fontAlgn="auto" latinLnBrk="0" hangingPunct="1">
+                        <a:lnSpc>
+                          <a:spcPct val="100000"/>
+                        </a:lnSpc>
+                        <a:spcBef>
+                          <a:spcPts val="0"/>
+                        </a:spcBef>
+                        <a:spcAft>
+                          <a:spcPts val="0"/>
+                        </a:spcAft>
+                        <a:buClrTx/>
+                        <a:buSzTx/>
+                        <a:buFontTx/>
+                        <a:buNone/>
+                        <a:tabLst/>
+                        <a:defRPr/>
+                      </a:pPr>
+                      <a:r>
+                        <a:rPr lang="en-US" altLang="zh-CN" dirty="0">
+                          <a:latin typeface="Times New Roman" panose="02020603050405020304" pitchFamily="18" charset="0"/>
+                          <a:cs typeface="Times New Roman" panose="02020603050405020304" pitchFamily="18" charset="0"/>
+                        </a:rPr>
+                        <a:t>&lt;20</a:t>
+                      </a:r>
+                      <a:endParaRPr lang="zh-CN" altLang="en-US" dirty="0">
+                        <a:latin typeface="Times New Roman" panose="02020603050405020304" pitchFamily="18" charset="0"/>
+                        <a:cs typeface="Times New Roman" panose="02020603050405020304" pitchFamily="18" charset="0"/>
+                      </a:endParaRPr>
+                    </a:p>
+                  </a:txBody>
+                  <a:tcPr/>
+                </a:tc>
+                <a:tc>
+                  <a:txBody>
+                    <a:bodyPr/>
+                    <a:lstStyle/>
+                    <a:p>
+                      <a:pPr marL="0" marR="0" indent="0" algn="l" defTabSz="914400" rtl="0" eaLnBrk="1" fontAlgn="auto" latinLnBrk="0" hangingPunct="1">
+                        <a:lnSpc>
+                          <a:spcPct val="100000"/>
+                        </a:lnSpc>
+                        <a:spcBef>
+                          <a:spcPts val="0"/>
+                        </a:spcBef>
+                        <a:spcAft>
+                          <a:spcPts val="0"/>
+                        </a:spcAft>
+                        <a:buClrTx/>
+                        <a:buSzTx/>
+                        <a:buFontTx/>
+                        <a:buNone/>
+                        <a:tabLst/>
+                        <a:defRPr/>
+                      </a:pPr>
+                      <a:r>
+                        <a:rPr lang="en-US" altLang="zh-CN" dirty="0">
+                          <a:latin typeface="Times New Roman" panose="02020603050405020304" pitchFamily="18" charset="0"/>
+                          <a:cs typeface="Times New Roman" panose="02020603050405020304" pitchFamily="18" charset="0"/>
+                        </a:rPr>
+                        <a:t>Low</a:t>
+                      </a:r>
+                      <a:endParaRPr lang="zh-CN" altLang="en-US" dirty="0">
+                        <a:latin typeface="Times New Roman" panose="02020603050405020304" pitchFamily="18" charset="0"/>
+                        <a:cs typeface="Times New Roman" panose="02020603050405020304" pitchFamily="18" charset="0"/>
+                      </a:endParaRPr>
+                    </a:p>
+                  </a:txBody>
+                  <a:tcPr/>
+                </a:tc>
+                <a:tc>
+                  <a:txBody>
+                    <a:bodyPr/>
+                    <a:lstStyle/>
+                    <a:p>
+                      <a:pPr marL="0" marR="0" indent="0" algn="l" defTabSz="914400" rtl="0" eaLnBrk="1" fontAlgn="auto" latinLnBrk="0" hangingPunct="1">
+                        <a:lnSpc>
+                          <a:spcPct val="100000"/>
+                        </a:lnSpc>
+                        <a:spcBef>
+                          <a:spcPts val="0"/>
+                        </a:spcBef>
+                        <a:spcAft>
+                          <a:spcPts val="0"/>
+                        </a:spcAft>
+                        <a:buClrTx/>
+                        <a:buSzTx/>
+                        <a:buFontTx/>
+                        <a:buNone/>
+                        <a:tabLst/>
+                        <a:defRPr/>
+                      </a:pPr>
+                      <a:r>
+                        <a:rPr lang="en-US" altLang="zh-CN" dirty="0">
+                          <a:latin typeface="Times New Roman" panose="02020603050405020304" pitchFamily="18" charset="0"/>
+                          <a:cs typeface="Times New Roman" panose="02020603050405020304" pitchFamily="18" charset="0"/>
+                        </a:rPr>
+                        <a:t>CHINA</a:t>
+                      </a:r>
+                      <a:endParaRPr lang="zh-CN" altLang="en-US" dirty="0">
+                        <a:latin typeface="Times New Roman" panose="02020603050405020304" pitchFamily="18" charset="0"/>
+                        <a:cs typeface="Times New Roman" panose="02020603050405020304" pitchFamily="18" charset="0"/>
+                      </a:endParaRPr>
+                    </a:p>
+                  </a:txBody>
+                  <a:tcPr/>
+                </a:tc>
+                <a:tc>
+                  <a:txBody>
+                    <a:bodyPr/>
+                    <a:lstStyle/>
+                    <a:p>
+                      <a:pPr marL="0" marR="0" indent="0" algn="l" defTabSz="914400" rtl="0" eaLnBrk="1" fontAlgn="auto" latinLnBrk="0" hangingPunct="1">
+                        <a:lnSpc>
+                          <a:spcPct val="100000"/>
+                        </a:lnSpc>
+                        <a:spcBef>
+                          <a:spcPts val="0"/>
+                        </a:spcBef>
+                        <a:spcAft>
+                          <a:spcPts val="0"/>
+                        </a:spcAft>
+                        <a:buClrTx/>
+                        <a:buSzTx/>
+                        <a:buFontTx/>
+                        <a:buNone/>
+                        <a:tabLst/>
+                        <a:defRPr/>
+                      </a:pPr>
+                      <a:r>
+                        <a:rPr lang="en-US" altLang="zh-CN" dirty="0">
+                          <a:latin typeface="Times New Roman" panose="02020603050405020304" pitchFamily="18" charset="0"/>
+                          <a:cs typeface="Times New Roman" panose="02020603050405020304" pitchFamily="18" charset="0"/>
+                        </a:rPr>
+                        <a:t>Low</a:t>
+                      </a:r>
+                      <a:endParaRPr lang="zh-CN" altLang="en-US" dirty="0">
+                        <a:latin typeface="Times New Roman" panose="02020603050405020304" pitchFamily="18" charset="0"/>
+                        <a:cs typeface="Times New Roman" panose="02020603050405020304" pitchFamily="18" charset="0"/>
+                      </a:endParaRPr>
+                    </a:p>
+                  </a:txBody>
+                  <a:tcPr/>
+                </a:tc>
+                <a:tc>
+                  <a:txBody>
+                    <a:bodyPr/>
+                    <a:lstStyle/>
+                    <a:p>
+                      <a:pPr marL="0" marR="0" indent="0" algn="l" defTabSz="914400" rtl="0" eaLnBrk="1" fontAlgn="auto" latinLnBrk="0" hangingPunct="1">
+                        <a:lnSpc>
+                          <a:spcPct val="100000"/>
+                        </a:lnSpc>
+                        <a:spcBef>
+                          <a:spcPts val="0"/>
+                        </a:spcBef>
+                        <a:spcAft>
+                          <a:spcPts val="0"/>
+                        </a:spcAft>
+                        <a:buClrTx/>
+                        <a:buSzTx/>
+                        <a:buFontTx/>
+                        <a:buNone/>
+                        <a:tabLst/>
+                        <a:defRPr/>
+                      </a:pPr>
+                      <a:r>
+                        <a:rPr lang="en-US" altLang="zh-CN" dirty="0">
+                          <a:latin typeface="Times New Roman" panose="02020603050405020304" pitchFamily="18" charset="0"/>
+                          <a:cs typeface="Times New Roman" panose="02020603050405020304" pitchFamily="18" charset="0"/>
+                        </a:rPr>
+                        <a:t>Yes</a:t>
+                      </a:r>
+                      <a:endParaRPr lang="zh-CN" altLang="en-US" dirty="0">
+                        <a:latin typeface="Times New Roman" panose="02020603050405020304" pitchFamily="18" charset="0"/>
+                        <a:cs typeface="Times New Roman" panose="02020603050405020304" pitchFamily="18" charset="0"/>
+                      </a:endParaRPr>
+                    </a:p>
+                  </a:txBody>
+                  <a:tcPr/>
+                </a:tc>
+                <a:extLst>
+                  <a:ext uri="{0D108BD9-81ED-4DB2-BD59-A6C34878D82A}">
+                    <a16:rowId xmlns:a16="http://schemas.microsoft.com/office/drawing/2014/main" val="2722090350"/>
+                  </a:ext>
+                </a:extLst>
+              </a:tr>
+              <a:tr h="370840">
+                <a:tc>
+                  <a:txBody>
+                    <a:bodyPr/>
+                    <a:lstStyle/>
+                    <a:p>
+                      <a:pPr marL="0" marR="0" indent="0" algn="l" defTabSz="914400" rtl="0" eaLnBrk="1" fontAlgn="auto" latinLnBrk="0" hangingPunct="1">
+                        <a:lnSpc>
+                          <a:spcPct val="100000"/>
+                        </a:lnSpc>
+                        <a:spcBef>
+                          <a:spcPts val="0"/>
+                        </a:spcBef>
+                        <a:spcAft>
+                          <a:spcPts val="0"/>
+                        </a:spcAft>
+                        <a:buClrTx/>
+                        <a:buSzTx/>
+                        <a:buFontTx/>
+                        <a:buNone/>
+                        <a:tabLst/>
+                        <a:defRPr/>
+                      </a:pPr>
+                      <a:r>
+                        <a:rPr lang="en-US" altLang="zh-CN" dirty="0">
+                          <a:latin typeface="Times New Roman" panose="02020603050405020304" pitchFamily="18" charset="0"/>
+                          <a:cs typeface="Times New Roman" panose="02020603050405020304" pitchFamily="18" charset="0"/>
+                        </a:rPr>
+                        <a:t>&gt;50</a:t>
+                      </a:r>
+                      <a:endParaRPr lang="zh-CN" altLang="en-US" dirty="0">
+                        <a:latin typeface="Times New Roman" panose="02020603050405020304" pitchFamily="18" charset="0"/>
+                        <a:cs typeface="Times New Roman" panose="02020603050405020304" pitchFamily="18" charset="0"/>
+                      </a:endParaRPr>
+                    </a:p>
+                  </a:txBody>
+                  <a:tcPr/>
+                </a:tc>
+                <a:tc>
+                  <a:txBody>
+                    <a:bodyPr/>
+                    <a:lstStyle/>
+                    <a:p>
+                      <a:pPr marL="0" marR="0" indent="0" algn="l" defTabSz="914400" rtl="0" eaLnBrk="1" fontAlgn="auto" latinLnBrk="0" hangingPunct="1">
+                        <a:lnSpc>
+                          <a:spcPct val="100000"/>
+                        </a:lnSpc>
+                        <a:spcBef>
+                          <a:spcPts val="0"/>
+                        </a:spcBef>
+                        <a:spcAft>
+                          <a:spcPts val="0"/>
+                        </a:spcAft>
+                        <a:buClrTx/>
+                        <a:buSzTx/>
+                        <a:buFontTx/>
+                        <a:buNone/>
+                        <a:tabLst/>
+                        <a:defRPr/>
+                      </a:pPr>
+                      <a:r>
+                        <a:rPr lang="en-US" altLang="zh-CN" dirty="0">
+                          <a:latin typeface="Times New Roman" panose="02020603050405020304" pitchFamily="18" charset="0"/>
+                          <a:cs typeface="Times New Roman" panose="02020603050405020304" pitchFamily="18" charset="0"/>
+                        </a:rPr>
+                        <a:t>Medium</a:t>
+                      </a:r>
+                      <a:endParaRPr lang="zh-CN" altLang="en-US" dirty="0">
+                        <a:latin typeface="Times New Roman" panose="02020603050405020304" pitchFamily="18" charset="0"/>
+                        <a:cs typeface="Times New Roman" panose="02020603050405020304" pitchFamily="18" charset="0"/>
+                      </a:endParaRPr>
+                    </a:p>
+                  </a:txBody>
+                  <a:tcPr/>
+                </a:tc>
+                <a:tc>
+                  <a:txBody>
+                    <a:bodyPr/>
+                    <a:lstStyle/>
+                    <a:p>
+                      <a:pPr marL="0" marR="0" indent="0" algn="l" defTabSz="914400" rtl="0" eaLnBrk="1" fontAlgn="auto" latinLnBrk="0" hangingPunct="1">
+                        <a:lnSpc>
+                          <a:spcPct val="100000"/>
+                        </a:lnSpc>
+                        <a:spcBef>
+                          <a:spcPts val="0"/>
+                        </a:spcBef>
+                        <a:spcAft>
+                          <a:spcPts val="0"/>
+                        </a:spcAft>
+                        <a:buClrTx/>
+                        <a:buSzTx/>
+                        <a:buFontTx/>
+                        <a:buNone/>
+                        <a:tabLst/>
+                        <a:defRPr/>
+                      </a:pPr>
+                      <a:r>
+                        <a:rPr lang="en-US" altLang="zh-CN" dirty="0">
+                          <a:latin typeface="Times New Roman" panose="02020603050405020304" pitchFamily="18" charset="0"/>
+                          <a:cs typeface="Times New Roman" panose="02020603050405020304" pitchFamily="18" charset="0"/>
+                        </a:rPr>
+                        <a:t>CHINA</a:t>
+                      </a:r>
+                      <a:endParaRPr lang="zh-CN" altLang="en-US" dirty="0">
+                        <a:latin typeface="Times New Roman" panose="02020603050405020304" pitchFamily="18" charset="0"/>
+                        <a:cs typeface="Times New Roman" panose="02020603050405020304" pitchFamily="18" charset="0"/>
+                      </a:endParaRPr>
+                    </a:p>
+                  </a:txBody>
+                  <a:tcPr/>
+                </a:tc>
+                <a:tc>
+                  <a:txBody>
+                    <a:bodyPr/>
+                    <a:lstStyle/>
+                    <a:p>
+                      <a:pPr marL="0" marR="0" indent="0" algn="l" defTabSz="914400" rtl="0" eaLnBrk="1" fontAlgn="auto" latinLnBrk="0" hangingPunct="1">
+                        <a:lnSpc>
+                          <a:spcPct val="100000"/>
+                        </a:lnSpc>
+                        <a:spcBef>
+                          <a:spcPts val="0"/>
+                        </a:spcBef>
+                        <a:spcAft>
+                          <a:spcPts val="0"/>
+                        </a:spcAft>
+                        <a:buClrTx/>
+                        <a:buSzTx/>
+                        <a:buFontTx/>
+                        <a:buNone/>
+                        <a:tabLst/>
+                        <a:defRPr/>
+                      </a:pPr>
+                      <a:r>
+                        <a:rPr lang="en-US" altLang="zh-CN" dirty="0">
+                          <a:latin typeface="Times New Roman" panose="02020603050405020304" pitchFamily="18" charset="0"/>
+                          <a:cs typeface="Times New Roman" panose="02020603050405020304" pitchFamily="18" charset="0"/>
+                        </a:rPr>
+                        <a:t>Low</a:t>
+                      </a:r>
+                      <a:endParaRPr lang="zh-CN" altLang="en-US" dirty="0">
+                        <a:latin typeface="Times New Roman" panose="02020603050405020304" pitchFamily="18" charset="0"/>
+                        <a:cs typeface="Times New Roman" panose="02020603050405020304" pitchFamily="18" charset="0"/>
+                      </a:endParaRPr>
+                    </a:p>
+                  </a:txBody>
+                  <a:tcPr/>
+                </a:tc>
+                <a:tc>
+                  <a:txBody>
+                    <a:bodyPr/>
+                    <a:lstStyle/>
+                    <a:p>
+                      <a:pPr marL="0" marR="0" indent="0" algn="l" defTabSz="914400" rtl="0" eaLnBrk="1" fontAlgn="auto" latinLnBrk="0" hangingPunct="1">
+                        <a:lnSpc>
+                          <a:spcPct val="100000"/>
+                        </a:lnSpc>
+                        <a:spcBef>
+                          <a:spcPts val="0"/>
+                        </a:spcBef>
+                        <a:spcAft>
+                          <a:spcPts val="0"/>
+                        </a:spcAft>
+                        <a:buClrTx/>
+                        <a:buSzTx/>
+                        <a:buFontTx/>
+                        <a:buNone/>
+                        <a:tabLst/>
+                        <a:defRPr/>
+                      </a:pPr>
+                      <a:r>
+                        <a:rPr lang="en-US" altLang="zh-CN" dirty="0">
+                          <a:latin typeface="Times New Roman" panose="02020603050405020304" pitchFamily="18" charset="0"/>
+                          <a:cs typeface="Times New Roman" panose="02020603050405020304" pitchFamily="18" charset="0"/>
+                        </a:rPr>
+                        <a:t>Yes</a:t>
+                      </a:r>
+                      <a:endParaRPr lang="zh-CN" altLang="en-US" dirty="0">
+                        <a:latin typeface="Times New Roman" panose="02020603050405020304" pitchFamily="18" charset="0"/>
+                        <a:cs typeface="Times New Roman" panose="02020603050405020304" pitchFamily="18" charset="0"/>
+                      </a:endParaRPr>
+                    </a:p>
+                  </a:txBody>
+                  <a:tcPr/>
+                </a:tc>
+                <a:extLst>
+                  <a:ext uri="{0D108BD9-81ED-4DB2-BD59-A6C34878D82A}">
+                    <a16:rowId xmlns:a16="http://schemas.microsoft.com/office/drawing/2014/main" val="24383650"/>
+                  </a:ext>
+                </a:extLst>
+              </a:tr>
+            </a:tbl>
+          </a:graphicData>
+        </a:graphic>
+      </p:graphicFrame>
+      <p:sp>
+        <p:nvSpPr>
+          <p:cNvPr id="8" name="文本框 7">
+            <a:extLst>
+              <a:ext uri="{FF2B5EF4-FFF2-40B4-BE49-F238E27FC236}">
+                <a16:creationId xmlns:a16="http://schemas.microsoft.com/office/drawing/2014/main" id="{560BE821-56E1-4821-AC62-3449368EEBF5}"/>
+              </a:ext>
+            </a:extLst>
+          </p:cNvPr>
+          <p:cNvSpPr txBox="1"/>
+          <p:nvPr/>
         </p:nvSpPr>
-        <p:spPr/>
+        <p:spPr>
+          <a:xfrm>
+            <a:off x="965200" y="1778953"/>
+            <a:ext cx="1747520" cy="523220"/>
+          </a:xfrm>
+          <a:prstGeom prst="rect">
+            <a:avLst/>
+          </a:prstGeom>
+          <a:noFill/>
+        </p:spPr>
         <p:txBody>
-          <a:bodyPr/>
+          <a:bodyPr wrap="square" rtlCol="0">
+            <a:spAutoFit/>
+          </a:bodyPr>
           <a:lstStyle/>
           <a:p>
             <a:r>
-              <a:rPr lang="en-US" altLang="zh-CN" dirty="0" err="1"/>
+              <a:rPr lang="en-US" altLang="zh-CN" sz="2800" dirty="0" err="1"/>
               <a:t>DataSet</a:t>
             </a:r>
-            <a:r>
-              <a:rPr lang="en-US" altLang="zh-CN" dirty="0"/>
-              <a:t> </a:t>
-            </a:r>
-            <a:r>
-              <a:rPr lang="zh-CN" altLang="en-US" dirty="0"/>
-              <a:t>默认最后一列是训练标签</a:t>
-            </a:r>
+            <a:endParaRPr lang="zh-CN" altLang="en-US" sz="2800" dirty="0"/>
           </a:p>
         </p:txBody>
       </p:sp>
@@ -3509,35 +4925,6 @@
           <a:chExt cx="0" cy="0"/>
         </a:xfrm>
       </p:grpSpPr>
-      <p:sp>
-        <p:nvSpPr>
-          <p:cNvPr id="2" name="标题 1">
-            <a:extLst>
-              <a:ext uri="{FF2B5EF4-FFF2-40B4-BE49-F238E27FC236}">
-                <a16:creationId xmlns:a16="http://schemas.microsoft.com/office/drawing/2014/main" id="{65459B71-F5DB-4586-8CA2-2009DE4544F8}"/>
-              </a:ext>
-            </a:extLst>
-          </p:cNvPr>
-          <p:cNvSpPr>
-            <a:spLocks noGrp="1"/>
-          </p:cNvSpPr>
-          <p:nvPr>
-            <p:ph type="title"/>
-          </p:nvPr>
-        </p:nvSpPr>
-        <p:spPr/>
-        <p:txBody>
-          <a:bodyPr/>
-          <a:lstStyle/>
-          <a:p>
-            <a:r>
-              <a:rPr lang="en-US" altLang="zh-CN" dirty="0"/>
-              <a:t>entropy</a:t>
-            </a:r>
-            <a:endParaRPr lang="zh-CN" altLang="en-US" dirty="0"/>
-          </a:p>
-        </p:txBody>
-      </p:sp>
       <p:graphicFrame>
         <p:nvGraphicFramePr>
           <p:cNvPr id="4" name="表格 3">
@@ -3553,13 +4940,13 @@
           <p:nvPr>
             <p:extLst>
               <p:ext uri="{D42A27DB-BD31-4B8C-83A1-F6EECF244321}">
-                <p14:modId xmlns:p14="http://schemas.microsoft.com/office/powerpoint/2010/main" val="267598948"/>
+                <p14:modId xmlns:p14="http://schemas.microsoft.com/office/powerpoint/2010/main" val="460543077"/>
               </p:ext>
             </p:extLst>
           </p:nvPr>
         </p:nvGraphicFramePr>
         <p:xfrm>
-          <a:off x="2713791" y="1690688"/>
+          <a:off x="2185471" y="2390637"/>
           <a:ext cx="454526" cy="3085208"/>
         </p:xfrm>
         <a:graphic>
@@ -3952,7 +5339,7 @@
         </p:nvSpPr>
         <p:spPr>
           <a:xfrm>
-            <a:off x="1331495" y="2021305"/>
+            <a:off x="1331495" y="2920127"/>
             <a:ext cx="657726" cy="369332"/>
           </a:xfrm>
           <a:prstGeom prst="rect">
@@ -3974,6 +5361,157 @@
           </a:p>
         </p:txBody>
       </p:sp>
+      <p:sp>
+        <p:nvSpPr>
+          <p:cNvPr id="7" name="标题 1">
+            <a:extLst>
+              <a:ext uri="{FF2B5EF4-FFF2-40B4-BE49-F238E27FC236}">
+                <a16:creationId xmlns:a16="http://schemas.microsoft.com/office/drawing/2014/main" id="{7628CEA1-DE67-4E4A-8BDB-38D6A0315053}"/>
+              </a:ext>
+            </a:extLst>
+          </p:cNvPr>
+          <p:cNvSpPr txBox="1">
+            <a:spLocks/>
+          </p:cNvSpPr>
+          <p:nvPr/>
+        </p:nvSpPr>
+        <p:spPr>
+          <a:xfrm>
+            <a:off x="990600" y="517525"/>
+            <a:ext cx="10515600" cy="1325563"/>
+          </a:xfrm>
+          <a:prstGeom prst="rect">
+            <a:avLst/>
+          </a:prstGeom>
+        </p:spPr>
+        <p:txBody>
+          <a:bodyPr vert="horz" lIns="91440" tIns="45720" rIns="91440" bIns="45720" rtlCol="0" anchor="ctr">
+            <a:normAutofit/>
+          </a:bodyPr>
+          <a:lstStyle>
+            <a:lvl1pPr algn="l" defTabSz="914400" rtl="0" eaLnBrk="1" latinLnBrk="0" hangingPunct="1">
+              <a:lnSpc>
+                <a:spcPct val="90000"/>
+              </a:lnSpc>
+              <a:spcBef>
+                <a:spcPct val="0"/>
+              </a:spcBef>
+              <a:buNone/>
+              <a:defRPr sz="4400" kern="1200">
+                <a:solidFill>
+                  <a:schemeClr val="tx1"/>
+                </a:solidFill>
+                <a:latin typeface="+mj-lt"/>
+                <a:ea typeface="+mj-ea"/>
+                <a:cs typeface="+mj-cs"/>
+              </a:defRPr>
+            </a:lvl1pPr>
+          </a:lstStyle>
+          <a:p>
+            <a:r>
+              <a:rPr lang="en-US" altLang="zh-CN"/>
+              <a:t>Decision Tree</a:t>
+            </a:r>
+            <a:endParaRPr lang="zh-CN" altLang="en-US" dirty="0"/>
+          </a:p>
+        </p:txBody>
+      </p:sp>
+      <p:sp>
+        <p:nvSpPr>
+          <p:cNvPr id="8" name="文本框 7">
+            <a:extLst>
+              <a:ext uri="{FF2B5EF4-FFF2-40B4-BE49-F238E27FC236}">
+                <a16:creationId xmlns:a16="http://schemas.microsoft.com/office/drawing/2014/main" id="{0EC0EDDE-4E35-4073-AF28-F5B6374D4857}"/>
+              </a:ext>
+            </a:extLst>
+          </p:cNvPr>
+          <p:cNvSpPr txBox="1"/>
+          <p:nvPr/>
+        </p:nvSpPr>
+        <p:spPr>
+          <a:xfrm>
+            <a:off x="1186581" y="1737360"/>
+            <a:ext cx="1605280" cy="523220"/>
+          </a:xfrm>
+          <a:prstGeom prst="rect">
+            <a:avLst/>
+          </a:prstGeom>
+          <a:noFill/>
+        </p:spPr>
+        <p:txBody>
+          <a:bodyPr wrap="square" rtlCol="0">
+            <a:spAutoFit/>
+          </a:bodyPr>
+          <a:lstStyle/>
+          <a:p>
+            <a:r>
+              <a:rPr lang="en-US" altLang="zh-CN" sz="2800" dirty="0"/>
+              <a:t>entropy</a:t>
+            </a:r>
+            <a:endParaRPr lang="zh-CN" altLang="en-US" sz="2800" dirty="0"/>
+          </a:p>
+        </p:txBody>
+      </p:sp>
+      <p:graphicFrame>
+        <p:nvGraphicFramePr>
+          <p:cNvPr id="9" name="表格 8">
+            <a:extLst>
+              <a:ext uri="{FF2B5EF4-FFF2-40B4-BE49-F238E27FC236}">
+                <a16:creationId xmlns:a16="http://schemas.microsoft.com/office/drawing/2014/main" id="{2CEC9EEA-9C8B-49D5-A1A5-9082A7D9B064}"/>
+              </a:ext>
+            </a:extLst>
+          </p:cNvPr>
+          <p:cNvGraphicFramePr>
+            <a:graphicFrameLocks noGrp="1"/>
+          </p:cNvGraphicFramePr>
+          <p:nvPr>
+            <p:extLst>
+              <p:ext uri="{D42A27DB-BD31-4B8C-83A1-F6EECF244321}">
+                <p14:modId xmlns:p14="http://schemas.microsoft.com/office/powerpoint/2010/main" val="2220761396"/>
+              </p:ext>
+            </p:extLst>
+          </p:nvPr>
+        </p:nvGraphicFramePr>
+        <p:xfrm>
+          <a:off x="5181600" y="3246120"/>
+          <a:ext cx="447040" cy="365760"/>
+        </p:xfrm>
+        <a:graphic>
+          <a:graphicData uri="http://schemas.openxmlformats.org/drawingml/2006/table">
+            <a:tbl>
+              <a:tblPr firstRow="1" bandRow="1">
+                <a:tableStyleId>{5C22544A-7EE6-4342-B048-85BDC9FD1C3A}</a:tableStyleId>
+              </a:tblPr>
+              <a:tblGrid>
+                <a:gridCol w="447040">
+                  <a:extLst>
+                    <a:ext uri="{9D8B030D-6E8A-4147-A177-3AD203B41FA5}">
+                      <a16:colId xmlns:a16="http://schemas.microsoft.com/office/drawing/2014/main" val="2627843466"/>
+                    </a:ext>
+                  </a:extLst>
+                </a:gridCol>
+              </a:tblGrid>
+              <a:tr h="358147">
+                <a:tc>
+                  <a:txBody>
+                    <a:bodyPr/>
+                    <a:lstStyle/>
+                    <a:p>
+                      <a:endParaRPr lang="zh-CN" altLang="en-US" dirty="0"/>
+                    </a:p>
+                  </a:txBody>
+                  <a:tcPr/>
+                </a:tc>
+                <a:extLst>
+                  <a:ext uri="{0D108BD9-81ED-4DB2-BD59-A6C34878D82A}">
+                    <a16:rowId xmlns:a16="http://schemas.microsoft.com/office/drawing/2014/main" val="2203953501"/>
+                  </a:ext>
+                </a:extLst>
+              </a:tr>
+            </a:tbl>
+          </a:graphicData>
+        </a:graphic>
+      </p:graphicFrame>
     </p:spTree>
     <p:extLst>
       <p:ext uri="{BB962C8B-B14F-4D97-AF65-F5344CB8AC3E}">
@@ -4004,12 +5542,778 @@
           <a:chExt cx="0" cy="0"/>
         </a:xfrm>
       </p:grpSpPr>
+      <p:grpSp>
+        <p:nvGrpSpPr>
+          <p:cNvPr id="10" name="组合 9">
+            <a:extLst>
+              <a:ext uri="{FF2B5EF4-FFF2-40B4-BE49-F238E27FC236}">
+                <a16:creationId xmlns:a16="http://schemas.microsoft.com/office/drawing/2014/main" id="{5C0D24EC-045C-4FCC-9429-D6737D903B7F}"/>
+              </a:ext>
+            </a:extLst>
+          </p:cNvPr>
+          <p:cNvGrpSpPr/>
+          <p:nvPr/>
+        </p:nvGrpSpPr>
+        <p:grpSpPr>
+          <a:xfrm>
+            <a:off x="2187443" y="2005262"/>
+            <a:ext cx="4641448" cy="2716980"/>
+            <a:chOff x="2187443" y="2005262"/>
+            <a:chExt cx="4641448" cy="2716980"/>
+          </a:xfrm>
+        </p:grpSpPr>
+        <p:sp>
+          <p:nvSpPr>
+            <p:cNvPr id="4" name="椭圆 3">
+              <a:extLst>
+                <a:ext uri="{FF2B5EF4-FFF2-40B4-BE49-F238E27FC236}">
+                  <a16:creationId xmlns:a16="http://schemas.microsoft.com/office/drawing/2014/main" id="{67A98A7B-39F2-4DB3-81E9-558745FE46E8}"/>
+                </a:ext>
+              </a:extLst>
+            </p:cNvPr>
+            <p:cNvSpPr/>
+            <p:nvPr/>
+          </p:nvSpPr>
+          <p:spPr>
+            <a:xfrm>
+              <a:off x="3994485" y="2005262"/>
+              <a:ext cx="1090862" cy="545432"/>
+            </a:xfrm>
+            <a:prstGeom prst="ellipse">
+              <a:avLst/>
+            </a:prstGeom>
+            <a:solidFill>
+              <a:schemeClr val="bg1"/>
+            </a:solidFill>
+            <a:ln>
+              <a:solidFill>
+                <a:schemeClr val="tx1"/>
+              </a:solidFill>
+            </a:ln>
+          </p:spPr>
+          <p:style>
+            <a:lnRef idx="2">
+              <a:schemeClr val="accent1">
+                <a:shade val="50000"/>
+              </a:schemeClr>
+            </a:lnRef>
+            <a:fillRef idx="1">
+              <a:schemeClr val="accent1"/>
+            </a:fillRef>
+            <a:effectRef idx="0">
+              <a:schemeClr val="accent1"/>
+            </a:effectRef>
+            <a:fontRef idx="minor">
+              <a:schemeClr val="lt1"/>
+            </a:fontRef>
+          </p:style>
+          <p:txBody>
+            <a:bodyPr rtlCol="0" anchor="ctr"/>
+            <a:lstStyle/>
+            <a:p>
+              <a:pPr algn="ctr"/>
+              <a:r>
+                <a:rPr lang="en-US" altLang="zh-CN" sz="1200" dirty="0">
+                  <a:solidFill>
+                    <a:schemeClr val="tx1"/>
+                  </a:solidFill>
+                </a:rPr>
+                <a:t>Weather</a:t>
+              </a:r>
+              <a:endParaRPr lang="zh-CN" altLang="en-US" sz="1200" dirty="0">
+                <a:solidFill>
+                  <a:schemeClr val="tx1"/>
+                </a:solidFill>
+              </a:endParaRPr>
+            </a:p>
+          </p:txBody>
+        </p:sp>
+        <p:sp>
+          <p:nvSpPr>
+            <p:cNvPr id="6" name="椭圆 5">
+              <a:extLst>
+                <a:ext uri="{FF2B5EF4-FFF2-40B4-BE49-F238E27FC236}">
+                  <a16:creationId xmlns:a16="http://schemas.microsoft.com/office/drawing/2014/main" id="{8CEB46F2-0D54-4ACA-876D-8B209A906A60}"/>
+                </a:ext>
+              </a:extLst>
+            </p:cNvPr>
+            <p:cNvSpPr/>
+            <p:nvPr/>
+          </p:nvSpPr>
+          <p:spPr>
+            <a:xfrm>
+              <a:off x="2903623" y="2695073"/>
+              <a:ext cx="1090862" cy="545432"/>
+            </a:xfrm>
+            <a:prstGeom prst="ellipse">
+              <a:avLst/>
+            </a:prstGeom>
+            <a:solidFill>
+              <a:schemeClr val="bg1"/>
+            </a:solidFill>
+            <a:ln>
+              <a:solidFill>
+                <a:schemeClr val="tx1"/>
+              </a:solidFill>
+            </a:ln>
+          </p:spPr>
+          <p:style>
+            <a:lnRef idx="2">
+              <a:schemeClr val="accent1">
+                <a:shade val="50000"/>
+              </a:schemeClr>
+            </a:lnRef>
+            <a:fillRef idx="1">
+              <a:schemeClr val="accent1"/>
+            </a:fillRef>
+            <a:effectRef idx="0">
+              <a:schemeClr val="accent1"/>
+            </a:effectRef>
+            <a:fontRef idx="minor">
+              <a:schemeClr val="lt1"/>
+            </a:fontRef>
+          </p:style>
+          <p:txBody>
+            <a:bodyPr rtlCol="0" anchor="ctr"/>
+            <a:lstStyle/>
+            <a:p>
+              <a:pPr algn="ctr"/>
+              <a:r>
+                <a:rPr lang="en-US" altLang="zh-CN" sz="1200" dirty="0">
+                  <a:solidFill>
+                    <a:schemeClr val="tx1"/>
+                  </a:solidFill>
+                </a:rPr>
+                <a:t>Mood</a:t>
+              </a:r>
+              <a:endParaRPr lang="zh-CN" altLang="en-US" sz="1200" dirty="0">
+                <a:solidFill>
+                  <a:schemeClr val="tx1"/>
+                </a:solidFill>
+              </a:endParaRPr>
+            </a:p>
+          </p:txBody>
+        </p:sp>
+        <p:sp>
+          <p:nvSpPr>
+            <p:cNvPr id="7" name="椭圆 6">
+              <a:extLst>
+                <a:ext uri="{FF2B5EF4-FFF2-40B4-BE49-F238E27FC236}">
+                  <a16:creationId xmlns:a16="http://schemas.microsoft.com/office/drawing/2014/main" id="{712332CE-2173-448C-B29A-4F65C770C36E}"/>
+                </a:ext>
+              </a:extLst>
+            </p:cNvPr>
+            <p:cNvSpPr/>
+            <p:nvPr/>
+          </p:nvSpPr>
+          <p:spPr>
+            <a:xfrm>
+              <a:off x="5005138" y="2695073"/>
+              <a:ext cx="1090862" cy="545432"/>
+            </a:xfrm>
+            <a:prstGeom prst="ellipse">
+              <a:avLst/>
+            </a:prstGeom>
+            <a:solidFill>
+              <a:schemeClr val="bg1"/>
+            </a:solidFill>
+            <a:ln>
+              <a:solidFill>
+                <a:schemeClr val="tx1"/>
+              </a:solidFill>
+            </a:ln>
+          </p:spPr>
+          <p:style>
+            <a:lnRef idx="2">
+              <a:schemeClr val="accent1">
+                <a:shade val="50000"/>
+              </a:schemeClr>
+            </a:lnRef>
+            <a:fillRef idx="1">
+              <a:schemeClr val="accent1"/>
+            </a:fillRef>
+            <a:effectRef idx="0">
+              <a:schemeClr val="accent1"/>
+            </a:effectRef>
+            <a:fontRef idx="minor">
+              <a:schemeClr val="lt1"/>
+            </a:fontRef>
+          </p:style>
+          <p:txBody>
+            <a:bodyPr rtlCol="0" anchor="ctr"/>
+            <a:lstStyle/>
+            <a:p>
+              <a:pPr algn="ctr"/>
+              <a:r>
+                <a:rPr lang="en-US" altLang="zh-CN" sz="1200" dirty="0">
+                  <a:solidFill>
+                    <a:schemeClr val="tx1"/>
+                  </a:solidFill>
+                </a:rPr>
+                <a:t>Mood</a:t>
+              </a:r>
+              <a:endParaRPr lang="zh-CN" altLang="en-US" sz="1200" dirty="0">
+                <a:solidFill>
+                  <a:schemeClr val="tx1"/>
+                </a:solidFill>
+              </a:endParaRPr>
+            </a:p>
+          </p:txBody>
+        </p:sp>
+        <p:cxnSp>
+          <p:nvCxnSpPr>
+            <p:cNvPr id="9" name="直接箭头连接符 8">
+              <a:extLst>
+                <a:ext uri="{FF2B5EF4-FFF2-40B4-BE49-F238E27FC236}">
+                  <a16:creationId xmlns:a16="http://schemas.microsoft.com/office/drawing/2014/main" id="{EC05CC43-2920-4BF1-94CB-F673295DAADD}"/>
+                </a:ext>
+              </a:extLst>
+            </p:cNvPr>
+            <p:cNvCxnSpPr>
+              <a:stCxn id="4" idx="3"/>
+              <a:endCxn id="6" idx="7"/>
+            </p:cNvCxnSpPr>
+            <p:nvPr/>
+          </p:nvCxnSpPr>
+          <p:spPr>
+            <a:xfrm flipH="1">
+              <a:off x="3834732" y="2470817"/>
+              <a:ext cx="319506" cy="304133"/>
+            </a:xfrm>
+            <a:prstGeom prst="straightConnector1">
+              <a:avLst/>
+            </a:prstGeom>
+            <a:ln>
+              <a:tailEnd type="triangle"/>
+            </a:ln>
+          </p:spPr>
+          <p:style>
+            <a:lnRef idx="1">
+              <a:schemeClr val="accent1"/>
+            </a:lnRef>
+            <a:fillRef idx="0">
+              <a:schemeClr val="accent1"/>
+            </a:fillRef>
+            <a:effectRef idx="0">
+              <a:schemeClr val="accent1"/>
+            </a:effectRef>
+            <a:fontRef idx="minor">
+              <a:schemeClr val="tx1"/>
+            </a:fontRef>
+          </p:style>
+        </p:cxnSp>
+        <p:cxnSp>
+          <p:nvCxnSpPr>
+            <p:cNvPr id="11" name="直接箭头连接符 10">
+              <a:extLst>
+                <a:ext uri="{FF2B5EF4-FFF2-40B4-BE49-F238E27FC236}">
+                  <a16:creationId xmlns:a16="http://schemas.microsoft.com/office/drawing/2014/main" id="{AE3518B5-B893-493D-8A92-6BBEFADF5C04}"/>
+                </a:ext>
+              </a:extLst>
+            </p:cNvPr>
+            <p:cNvCxnSpPr>
+              <a:stCxn id="4" idx="5"/>
+              <a:endCxn id="7" idx="1"/>
+            </p:cNvCxnSpPr>
+            <p:nvPr/>
+          </p:nvCxnSpPr>
+          <p:spPr>
+            <a:xfrm>
+              <a:off x="4925594" y="2470817"/>
+              <a:ext cx="239297" cy="304133"/>
+            </a:xfrm>
+            <a:prstGeom prst="straightConnector1">
+              <a:avLst/>
+            </a:prstGeom>
+            <a:ln>
+              <a:tailEnd type="triangle"/>
+            </a:ln>
+          </p:spPr>
+          <p:style>
+            <a:lnRef idx="1">
+              <a:schemeClr val="accent1"/>
+            </a:lnRef>
+            <a:fillRef idx="0">
+              <a:schemeClr val="accent1"/>
+            </a:fillRef>
+            <a:effectRef idx="0">
+              <a:schemeClr val="accent1"/>
+            </a:effectRef>
+            <a:fontRef idx="minor">
+              <a:schemeClr val="tx1"/>
+            </a:fontRef>
+          </p:style>
+        </p:cxnSp>
+        <p:sp>
+          <p:nvSpPr>
+            <p:cNvPr id="12" name="文本框 11">
+              <a:extLst>
+                <a:ext uri="{FF2B5EF4-FFF2-40B4-BE49-F238E27FC236}">
+                  <a16:creationId xmlns:a16="http://schemas.microsoft.com/office/drawing/2014/main" id="{38D55E73-B5BA-4C7D-B1C6-61384E06182F}"/>
+                </a:ext>
+              </a:extLst>
+            </p:cNvPr>
+            <p:cNvSpPr txBox="1"/>
+            <p:nvPr/>
+          </p:nvSpPr>
+          <p:spPr>
+            <a:xfrm>
+              <a:off x="3369178" y="2403338"/>
+              <a:ext cx="1090862" cy="307777"/>
+            </a:xfrm>
+            <a:prstGeom prst="rect">
+              <a:avLst/>
+            </a:prstGeom>
+            <a:noFill/>
+          </p:spPr>
+          <p:txBody>
+            <a:bodyPr wrap="square" rtlCol="0">
+              <a:spAutoFit/>
+            </a:bodyPr>
+            <a:lstStyle/>
+            <a:p>
+              <a:r>
+                <a:rPr lang="en-US" altLang="zh-CN" sz="1400" dirty="0"/>
+                <a:t>cloudy</a:t>
+              </a:r>
+              <a:endParaRPr lang="zh-CN" altLang="en-US" sz="1400" dirty="0"/>
+            </a:p>
+          </p:txBody>
+        </p:sp>
+        <p:sp>
+          <p:nvSpPr>
+            <p:cNvPr id="13" name="文本框 12">
+              <a:extLst>
+                <a:ext uri="{FF2B5EF4-FFF2-40B4-BE49-F238E27FC236}">
+                  <a16:creationId xmlns:a16="http://schemas.microsoft.com/office/drawing/2014/main" id="{750B93A3-3CDF-4396-B1AD-55260A65A8C4}"/>
+                </a:ext>
+              </a:extLst>
+            </p:cNvPr>
+            <p:cNvSpPr txBox="1"/>
+            <p:nvPr/>
+          </p:nvSpPr>
+          <p:spPr>
+            <a:xfrm>
+              <a:off x="4917741" y="2403338"/>
+              <a:ext cx="1090862" cy="307777"/>
+            </a:xfrm>
+            <a:prstGeom prst="rect">
+              <a:avLst/>
+            </a:prstGeom>
+            <a:noFill/>
+          </p:spPr>
+          <p:txBody>
+            <a:bodyPr wrap="square" rtlCol="0">
+              <a:spAutoFit/>
+            </a:bodyPr>
+            <a:lstStyle/>
+            <a:p>
+              <a:r>
+                <a:rPr lang="en-US" altLang="zh-CN" sz="1400" dirty="0"/>
+                <a:t>sunny</a:t>
+              </a:r>
+              <a:endParaRPr lang="zh-CN" altLang="en-US" sz="1400" dirty="0"/>
+            </a:p>
+          </p:txBody>
+        </p:sp>
+        <p:cxnSp>
+          <p:nvCxnSpPr>
+            <p:cNvPr id="15" name="直接箭头连接符 14">
+              <a:extLst>
+                <a:ext uri="{FF2B5EF4-FFF2-40B4-BE49-F238E27FC236}">
+                  <a16:creationId xmlns:a16="http://schemas.microsoft.com/office/drawing/2014/main" id="{F004768D-D9DF-4FBD-ADC1-C7803D40066F}"/>
+                </a:ext>
+              </a:extLst>
+            </p:cNvPr>
+            <p:cNvCxnSpPr>
+              <a:stCxn id="6" idx="3"/>
+            </p:cNvCxnSpPr>
+            <p:nvPr/>
+          </p:nvCxnSpPr>
+          <p:spPr>
+            <a:xfrm flipH="1">
+              <a:off x="2727158" y="3160628"/>
+              <a:ext cx="336218" cy="448846"/>
+            </a:xfrm>
+            <a:prstGeom prst="straightConnector1">
+              <a:avLst/>
+            </a:prstGeom>
+            <a:ln>
+              <a:tailEnd type="triangle"/>
+            </a:ln>
+          </p:spPr>
+          <p:style>
+            <a:lnRef idx="1">
+              <a:schemeClr val="accent1"/>
+            </a:lnRef>
+            <a:fillRef idx="0">
+              <a:schemeClr val="accent1"/>
+            </a:fillRef>
+            <a:effectRef idx="0">
+              <a:schemeClr val="accent1"/>
+            </a:effectRef>
+            <a:fontRef idx="minor">
+              <a:schemeClr val="tx1"/>
+            </a:fontRef>
+          </p:style>
+        </p:cxnSp>
+        <p:sp>
+          <p:nvSpPr>
+            <p:cNvPr id="16" name="文本框 15">
+              <a:extLst>
+                <a:ext uri="{FF2B5EF4-FFF2-40B4-BE49-F238E27FC236}">
+                  <a16:creationId xmlns:a16="http://schemas.microsoft.com/office/drawing/2014/main" id="{9461D507-3F7B-4FB3-A729-1167199BCD13}"/>
+                </a:ext>
+              </a:extLst>
+            </p:cNvPr>
+            <p:cNvSpPr txBox="1"/>
+            <p:nvPr/>
+          </p:nvSpPr>
+          <p:spPr>
+            <a:xfrm>
+              <a:off x="2349836" y="3561611"/>
+              <a:ext cx="1090862" cy="307777"/>
+            </a:xfrm>
+            <a:prstGeom prst="rect">
+              <a:avLst/>
+            </a:prstGeom>
+            <a:noFill/>
+          </p:spPr>
+          <p:txBody>
+            <a:bodyPr wrap="square" rtlCol="0">
+              <a:spAutoFit/>
+            </a:bodyPr>
+            <a:lstStyle/>
+            <a:p>
+              <a:r>
+                <a:rPr lang="en-US" altLang="zh-CN" sz="1400" dirty="0"/>
+                <a:t>maybe</a:t>
+              </a:r>
+              <a:endParaRPr lang="zh-CN" altLang="en-US" sz="1400" dirty="0"/>
+            </a:p>
+          </p:txBody>
+        </p:sp>
+        <p:sp>
+          <p:nvSpPr>
+            <p:cNvPr id="17" name="文本框 16">
+              <a:extLst>
+                <a:ext uri="{FF2B5EF4-FFF2-40B4-BE49-F238E27FC236}">
+                  <a16:creationId xmlns:a16="http://schemas.microsoft.com/office/drawing/2014/main" id="{15EC6509-625C-4DF5-8D61-E69975F7249D}"/>
+                </a:ext>
+              </a:extLst>
+            </p:cNvPr>
+            <p:cNvSpPr txBox="1"/>
+            <p:nvPr/>
+          </p:nvSpPr>
+          <p:spPr>
+            <a:xfrm>
+              <a:off x="3962736" y="3561611"/>
+              <a:ext cx="1090862" cy="307777"/>
+            </a:xfrm>
+            <a:prstGeom prst="rect">
+              <a:avLst/>
+            </a:prstGeom>
+            <a:noFill/>
+          </p:spPr>
+          <p:txBody>
+            <a:bodyPr wrap="square" rtlCol="0">
+              <a:spAutoFit/>
+            </a:bodyPr>
+            <a:lstStyle/>
+            <a:p>
+              <a:r>
+                <a:rPr lang="en-US" altLang="zh-CN" sz="1400" dirty="0"/>
+                <a:t>yes</a:t>
+              </a:r>
+              <a:endParaRPr lang="zh-CN" altLang="en-US" sz="1400" dirty="0"/>
+            </a:p>
+          </p:txBody>
+        </p:sp>
+        <p:cxnSp>
+          <p:nvCxnSpPr>
+            <p:cNvPr id="19" name="直接箭头连接符 18">
+              <a:extLst>
+                <a:ext uri="{FF2B5EF4-FFF2-40B4-BE49-F238E27FC236}">
+                  <a16:creationId xmlns:a16="http://schemas.microsoft.com/office/drawing/2014/main" id="{ABA8314F-ACED-4481-8222-1A01714D7386}"/>
+                </a:ext>
+              </a:extLst>
+            </p:cNvPr>
+            <p:cNvCxnSpPr>
+              <a:stCxn id="6" idx="5"/>
+            </p:cNvCxnSpPr>
+            <p:nvPr/>
+          </p:nvCxnSpPr>
+          <p:spPr>
+            <a:xfrm>
+              <a:off x="3834732" y="3160628"/>
+              <a:ext cx="319506" cy="400983"/>
+            </a:xfrm>
+            <a:prstGeom prst="straightConnector1">
+              <a:avLst/>
+            </a:prstGeom>
+            <a:ln>
+              <a:tailEnd type="triangle"/>
+            </a:ln>
+          </p:spPr>
+          <p:style>
+            <a:lnRef idx="1">
+              <a:schemeClr val="accent1"/>
+            </a:lnRef>
+            <a:fillRef idx="0">
+              <a:schemeClr val="accent1"/>
+            </a:fillRef>
+            <a:effectRef idx="0">
+              <a:schemeClr val="accent1"/>
+            </a:effectRef>
+            <a:fontRef idx="minor">
+              <a:schemeClr val="tx1"/>
+            </a:fontRef>
+          </p:style>
+        </p:cxnSp>
+        <p:sp>
+          <p:nvSpPr>
+            <p:cNvPr id="20" name="文本框 19">
+              <a:extLst>
+                <a:ext uri="{FF2B5EF4-FFF2-40B4-BE49-F238E27FC236}">
+                  <a16:creationId xmlns:a16="http://schemas.microsoft.com/office/drawing/2014/main" id="{C68D364A-AEB1-4C73-A6D4-BAE64E16AFE2}"/>
+                </a:ext>
+              </a:extLst>
+            </p:cNvPr>
+            <p:cNvSpPr txBox="1"/>
+            <p:nvPr/>
+          </p:nvSpPr>
+          <p:spPr>
+            <a:xfrm>
+              <a:off x="5286210" y="3532240"/>
+              <a:ext cx="1090862" cy="307777"/>
+            </a:xfrm>
+            <a:prstGeom prst="rect">
+              <a:avLst/>
+            </a:prstGeom>
+            <a:noFill/>
+          </p:spPr>
+          <p:txBody>
+            <a:bodyPr wrap="square" rtlCol="0">
+              <a:spAutoFit/>
+            </a:bodyPr>
+            <a:lstStyle/>
+            <a:p>
+              <a:r>
+                <a:rPr lang="en-US" altLang="zh-CN" sz="1400" dirty="0"/>
+                <a:t>no</a:t>
+              </a:r>
+              <a:endParaRPr lang="zh-CN" altLang="en-US" sz="1400" dirty="0"/>
+            </a:p>
+          </p:txBody>
+        </p:sp>
+        <p:cxnSp>
+          <p:nvCxnSpPr>
+            <p:cNvPr id="22" name="直接箭头连接符 21">
+              <a:extLst>
+                <a:ext uri="{FF2B5EF4-FFF2-40B4-BE49-F238E27FC236}">
+                  <a16:creationId xmlns:a16="http://schemas.microsoft.com/office/drawing/2014/main" id="{12FBBBD7-4A03-41F5-9450-75D2E2420C4B}"/>
+                </a:ext>
+              </a:extLst>
+            </p:cNvPr>
+            <p:cNvCxnSpPr>
+              <a:cxnSpLocks/>
+              <a:stCxn id="7" idx="4"/>
+            </p:cNvCxnSpPr>
+            <p:nvPr/>
+          </p:nvCxnSpPr>
+          <p:spPr>
+            <a:xfrm>
+              <a:off x="5550569" y="3240505"/>
+              <a:ext cx="0" cy="291735"/>
+            </a:xfrm>
+            <a:prstGeom prst="straightConnector1">
+              <a:avLst/>
+            </a:prstGeom>
+            <a:ln>
+              <a:tailEnd type="triangle"/>
+            </a:ln>
+          </p:spPr>
+          <p:style>
+            <a:lnRef idx="1">
+              <a:schemeClr val="accent1"/>
+            </a:lnRef>
+            <a:fillRef idx="0">
+              <a:schemeClr val="accent1"/>
+            </a:fillRef>
+            <a:effectRef idx="0">
+              <a:schemeClr val="accent1"/>
+            </a:effectRef>
+            <a:fontRef idx="minor">
+              <a:schemeClr val="tx1"/>
+            </a:fontRef>
+          </p:style>
+        </p:cxnSp>
+        <p:sp>
+          <p:nvSpPr>
+            <p:cNvPr id="18" name="文本框 17">
+              <a:extLst>
+                <a:ext uri="{FF2B5EF4-FFF2-40B4-BE49-F238E27FC236}">
+                  <a16:creationId xmlns:a16="http://schemas.microsoft.com/office/drawing/2014/main" id="{350E0319-6049-4926-ACD2-7821C7E534A2}"/>
+                </a:ext>
+              </a:extLst>
+            </p:cNvPr>
+            <p:cNvSpPr txBox="1"/>
+            <p:nvPr/>
+          </p:nvSpPr>
+          <p:spPr>
+            <a:xfrm>
+              <a:off x="2278648" y="3142500"/>
+              <a:ext cx="1090862" cy="307777"/>
+            </a:xfrm>
+            <a:prstGeom prst="rect">
+              <a:avLst/>
+            </a:prstGeom>
+            <a:noFill/>
+          </p:spPr>
+          <p:txBody>
+            <a:bodyPr wrap="square" rtlCol="0">
+              <a:spAutoFit/>
+            </a:bodyPr>
+            <a:lstStyle/>
+            <a:p>
+              <a:r>
+                <a:rPr lang="en-US" altLang="zh-CN" sz="1400" dirty="0"/>
+                <a:t>good</a:t>
+              </a:r>
+              <a:endParaRPr lang="zh-CN" altLang="en-US" sz="1400" dirty="0"/>
+            </a:p>
+          </p:txBody>
+        </p:sp>
+        <p:sp>
+          <p:nvSpPr>
+            <p:cNvPr id="21" name="文本框 20">
+              <a:extLst>
+                <a:ext uri="{FF2B5EF4-FFF2-40B4-BE49-F238E27FC236}">
+                  <a16:creationId xmlns:a16="http://schemas.microsoft.com/office/drawing/2014/main" id="{FD86FFDF-3497-4D04-8AAF-F2E074D5B7BB}"/>
+                </a:ext>
+              </a:extLst>
+            </p:cNvPr>
+            <p:cNvSpPr txBox="1"/>
+            <p:nvPr/>
+          </p:nvSpPr>
+          <p:spPr>
+            <a:xfrm>
+              <a:off x="3560095" y="3183466"/>
+              <a:ext cx="1090862" cy="307777"/>
+            </a:xfrm>
+            <a:prstGeom prst="rect">
+              <a:avLst/>
+            </a:prstGeom>
+            <a:noFill/>
+          </p:spPr>
+          <p:txBody>
+            <a:bodyPr wrap="square" rtlCol="0">
+              <a:spAutoFit/>
+            </a:bodyPr>
+            <a:lstStyle/>
+            <a:p>
+              <a:r>
+                <a:rPr lang="en-US" altLang="zh-CN" sz="1400" dirty="0"/>
+                <a:t>sad</a:t>
+              </a:r>
+              <a:endParaRPr lang="zh-CN" altLang="en-US" sz="1400" dirty="0"/>
+            </a:p>
+          </p:txBody>
+        </p:sp>
+        <p:sp>
+          <p:nvSpPr>
+            <p:cNvPr id="23" name="文本框 22">
+              <a:extLst>
+                <a:ext uri="{FF2B5EF4-FFF2-40B4-BE49-F238E27FC236}">
+                  <a16:creationId xmlns:a16="http://schemas.microsoft.com/office/drawing/2014/main" id="{BB2F78DB-7228-4E8F-AEBB-B11AA9212379}"/>
+                </a:ext>
+              </a:extLst>
+            </p:cNvPr>
+            <p:cNvSpPr txBox="1"/>
+            <p:nvPr/>
+          </p:nvSpPr>
+          <p:spPr>
+            <a:xfrm>
+              <a:off x="5630113" y="3187209"/>
+              <a:ext cx="1090862" cy="307777"/>
+            </a:xfrm>
+            <a:prstGeom prst="rect">
+              <a:avLst/>
+            </a:prstGeom>
+            <a:noFill/>
+          </p:spPr>
+          <p:txBody>
+            <a:bodyPr wrap="square" rtlCol="0">
+              <a:spAutoFit/>
+            </a:bodyPr>
+            <a:lstStyle/>
+            <a:p>
+              <a:r>
+                <a:rPr lang="en-US" altLang="zh-CN" sz="1400" dirty="0"/>
+                <a:t>good</a:t>
+              </a:r>
+              <a:endParaRPr lang="zh-CN" altLang="en-US" sz="1400" dirty="0"/>
+            </a:p>
+          </p:txBody>
+        </p:sp>
+        <p:sp>
+          <p:nvSpPr>
+            <p:cNvPr id="8" name="文本框 7">
+              <a:extLst>
+                <a:ext uri="{FF2B5EF4-FFF2-40B4-BE49-F238E27FC236}">
+                  <a16:creationId xmlns:a16="http://schemas.microsoft.com/office/drawing/2014/main" id="{0B2AA8B2-635B-4D8F-8A31-E7130A16CCCD}"/>
+                </a:ext>
+              </a:extLst>
+            </p:cNvPr>
+            <p:cNvSpPr txBox="1"/>
+            <p:nvPr/>
+          </p:nvSpPr>
+          <p:spPr>
+            <a:xfrm>
+              <a:off x="2187443" y="4352910"/>
+              <a:ext cx="4641448" cy="369332"/>
+            </a:xfrm>
+            <a:prstGeom prst="rect">
+              <a:avLst/>
+            </a:prstGeom>
+            <a:noFill/>
+          </p:spPr>
+          <p:txBody>
+            <a:bodyPr wrap="square" rtlCol="0">
+              <a:spAutoFit/>
+            </a:bodyPr>
+            <a:lstStyle/>
+            <a:p>
+              <a:r>
+                <a:rPr lang="zh-CN" altLang="en-US" dirty="0"/>
+                <a:t>遇到“完全新”的样本</a:t>
+              </a:r>
+              <a:r>
+                <a:rPr lang="en-US" altLang="zh-CN" dirty="0"/>
+                <a:t>[“</a:t>
+              </a:r>
+              <a:r>
+                <a:rPr lang="en-US" altLang="zh-CN" dirty="0" err="1"/>
+                <a:t>sunny”,”sad</a:t>
+              </a:r>
+              <a:r>
+                <a:rPr lang="en-US" altLang="zh-CN" dirty="0"/>
+                <a:t>”],</a:t>
+              </a:r>
+              <a:r>
+                <a:rPr lang="zh-CN" altLang="en-US" dirty="0"/>
+                <a:t>如何判定</a:t>
+              </a:r>
+            </a:p>
+          </p:txBody>
+        </p:sp>
+      </p:grpSp>
       <p:sp>
         <p:nvSpPr>
-          <p:cNvPr id="2" name="标题 1">
+          <p:cNvPr id="24" name="标题 1">
             <a:extLst>
               <a:ext uri="{FF2B5EF4-FFF2-40B4-BE49-F238E27FC236}">
-                <a16:creationId xmlns:a16="http://schemas.microsoft.com/office/drawing/2014/main" id="{2C63DAF8-C43C-4C77-AC38-D92EB7D42575}"/>
+                <a16:creationId xmlns:a16="http://schemas.microsoft.com/office/drawing/2014/main" id="{3009CD87-D6EB-4142-8168-5F92045105C7}"/>
               </a:ext>
             </a:extLst>
           </p:cNvPr>
@@ -4020,725 +6324,21 @@
             <p:ph type="title"/>
           </p:nvPr>
         </p:nvSpPr>
-        <p:spPr/>
+        <p:spPr>
+          <a:xfrm>
+            <a:off x="838200" y="365125"/>
+            <a:ext cx="10515600" cy="1325563"/>
+          </a:xfrm>
+        </p:spPr>
         <p:txBody>
           <a:bodyPr/>
           <a:lstStyle/>
           <a:p>
             <a:r>
-              <a:rPr lang="zh-CN" altLang="en-US" dirty="0"/>
-              <a:t>遇到“完全新”的样本</a:t>
-            </a:r>
-            <a:r>
               <a:rPr lang="en-US" altLang="zh-CN" dirty="0"/>
-              <a:t>[“</a:t>
-            </a:r>
-            <a:r>
-              <a:rPr lang="en-US" altLang="zh-CN" dirty="0" err="1"/>
-              <a:t>sunny”,”sad</a:t>
-            </a:r>
-            <a:r>
-              <a:rPr lang="en-US" altLang="zh-CN" dirty="0"/>
-              <a:t>”],</a:t>
-            </a:r>
-            <a:r>
-              <a:rPr lang="zh-CN" altLang="en-US" dirty="0"/>
-              <a:t>如何处理？</a:t>
-            </a:r>
-          </a:p>
-        </p:txBody>
-      </p:sp>
-      <p:sp>
-        <p:nvSpPr>
-          <p:cNvPr id="4" name="椭圆 3">
-            <a:extLst>
-              <a:ext uri="{FF2B5EF4-FFF2-40B4-BE49-F238E27FC236}">
-                <a16:creationId xmlns:a16="http://schemas.microsoft.com/office/drawing/2014/main" id="{67A98A7B-39F2-4DB3-81E9-558745FE46E8}"/>
-              </a:ext>
-            </a:extLst>
-          </p:cNvPr>
-          <p:cNvSpPr/>
-          <p:nvPr/>
-        </p:nvSpPr>
-        <p:spPr>
-          <a:xfrm>
-            <a:off x="3994485" y="2005262"/>
-            <a:ext cx="1090862" cy="545432"/>
-          </a:xfrm>
-          <a:prstGeom prst="ellipse">
-            <a:avLst/>
-          </a:prstGeom>
-          <a:solidFill>
-            <a:schemeClr val="bg1"/>
-          </a:solidFill>
-          <a:ln>
-            <a:solidFill>
-              <a:schemeClr val="tx1"/>
-            </a:solidFill>
-          </a:ln>
-        </p:spPr>
-        <p:style>
-          <a:lnRef idx="2">
-            <a:schemeClr val="accent1">
-              <a:shade val="50000"/>
-            </a:schemeClr>
-          </a:lnRef>
-          <a:fillRef idx="1">
-            <a:schemeClr val="accent1"/>
-          </a:fillRef>
-          <a:effectRef idx="0">
-            <a:schemeClr val="accent1"/>
-          </a:effectRef>
-          <a:fontRef idx="minor">
-            <a:schemeClr val="lt1"/>
-          </a:fontRef>
-        </p:style>
-        <p:txBody>
-          <a:bodyPr rtlCol="0" anchor="ctr"/>
-          <a:lstStyle/>
-          <a:p>
-            <a:pPr algn="ctr"/>
-            <a:r>
-              <a:rPr lang="en-US" altLang="zh-CN" sz="1200" dirty="0">
-                <a:solidFill>
-                  <a:schemeClr val="tx1"/>
-                </a:solidFill>
-              </a:rPr>
-              <a:t>Weather</a:t>
-            </a:r>
-            <a:endParaRPr lang="zh-CN" altLang="en-US" sz="1200" dirty="0">
-              <a:solidFill>
-                <a:schemeClr val="tx1"/>
-              </a:solidFill>
-            </a:endParaRPr>
-          </a:p>
-        </p:txBody>
-      </p:sp>
-      <p:sp>
-        <p:nvSpPr>
-          <p:cNvPr id="6" name="椭圆 5">
-            <a:extLst>
-              <a:ext uri="{FF2B5EF4-FFF2-40B4-BE49-F238E27FC236}">
-                <a16:creationId xmlns:a16="http://schemas.microsoft.com/office/drawing/2014/main" id="{8CEB46F2-0D54-4ACA-876D-8B209A906A60}"/>
-              </a:ext>
-            </a:extLst>
-          </p:cNvPr>
-          <p:cNvSpPr/>
-          <p:nvPr/>
-        </p:nvSpPr>
-        <p:spPr>
-          <a:xfrm>
-            <a:off x="2903623" y="2695073"/>
-            <a:ext cx="1090862" cy="545432"/>
-          </a:xfrm>
-          <a:prstGeom prst="ellipse">
-            <a:avLst/>
-          </a:prstGeom>
-          <a:solidFill>
-            <a:schemeClr val="bg1"/>
-          </a:solidFill>
-          <a:ln>
-            <a:solidFill>
-              <a:schemeClr val="tx1"/>
-            </a:solidFill>
-          </a:ln>
-        </p:spPr>
-        <p:style>
-          <a:lnRef idx="2">
-            <a:schemeClr val="accent1">
-              <a:shade val="50000"/>
-            </a:schemeClr>
-          </a:lnRef>
-          <a:fillRef idx="1">
-            <a:schemeClr val="accent1"/>
-          </a:fillRef>
-          <a:effectRef idx="0">
-            <a:schemeClr val="accent1"/>
-          </a:effectRef>
-          <a:fontRef idx="minor">
-            <a:schemeClr val="lt1"/>
-          </a:fontRef>
-        </p:style>
-        <p:txBody>
-          <a:bodyPr rtlCol="0" anchor="ctr"/>
-          <a:lstStyle/>
-          <a:p>
-            <a:pPr algn="ctr"/>
-            <a:r>
-              <a:rPr lang="en-US" altLang="zh-CN" sz="1200" dirty="0">
-                <a:solidFill>
-                  <a:schemeClr val="tx1"/>
-                </a:solidFill>
-              </a:rPr>
-              <a:t>Mood</a:t>
-            </a:r>
-            <a:endParaRPr lang="zh-CN" altLang="en-US" sz="1200" dirty="0">
-              <a:solidFill>
-                <a:schemeClr val="tx1"/>
-              </a:solidFill>
-            </a:endParaRPr>
-          </a:p>
-        </p:txBody>
-      </p:sp>
-      <p:sp>
-        <p:nvSpPr>
-          <p:cNvPr id="7" name="椭圆 6">
-            <a:extLst>
-              <a:ext uri="{FF2B5EF4-FFF2-40B4-BE49-F238E27FC236}">
-                <a16:creationId xmlns:a16="http://schemas.microsoft.com/office/drawing/2014/main" id="{712332CE-2173-448C-B29A-4F65C770C36E}"/>
-              </a:ext>
-            </a:extLst>
-          </p:cNvPr>
-          <p:cNvSpPr/>
-          <p:nvPr/>
-        </p:nvSpPr>
-        <p:spPr>
-          <a:xfrm>
-            <a:off x="5005138" y="2695073"/>
-            <a:ext cx="1090862" cy="545432"/>
-          </a:xfrm>
-          <a:prstGeom prst="ellipse">
-            <a:avLst/>
-          </a:prstGeom>
-          <a:solidFill>
-            <a:schemeClr val="bg1"/>
-          </a:solidFill>
-          <a:ln>
-            <a:solidFill>
-              <a:schemeClr val="tx1"/>
-            </a:solidFill>
-          </a:ln>
-        </p:spPr>
-        <p:style>
-          <a:lnRef idx="2">
-            <a:schemeClr val="accent1">
-              <a:shade val="50000"/>
-            </a:schemeClr>
-          </a:lnRef>
-          <a:fillRef idx="1">
-            <a:schemeClr val="accent1"/>
-          </a:fillRef>
-          <a:effectRef idx="0">
-            <a:schemeClr val="accent1"/>
-          </a:effectRef>
-          <a:fontRef idx="minor">
-            <a:schemeClr val="lt1"/>
-          </a:fontRef>
-        </p:style>
-        <p:txBody>
-          <a:bodyPr rtlCol="0" anchor="ctr"/>
-          <a:lstStyle/>
-          <a:p>
-            <a:pPr algn="ctr"/>
-            <a:r>
-              <a:rPr lang="en-US" altLang="zh-CN" sz="1200" dirty="0">
-                <a:solidFill>
-                  <a:schemeClr val="tx1"/>
-                </a:solidFill>
-              </a:rPr>
-              <a:t>Mood</a:t>
-            </a:r>
-            <a:endParaRPr lang="zh-CN" altLang="en-US" sz="1200" dirty="0">
-              <a:solidFill>
-                <a:schemeClr val="tx1"/>
-              </a:solidFill>
-            </a:endParaRPr>
-          </a:p>
-        </p:txBody>
-      </p:sp>
-      <p:cxnSp>
-        <p:nvCxnSpPr>
-          <p:cNvPr id="9" name="直接箭头连接符 8">
-            <a:extLst>
-              <a:ext uri="{FF2B5EF4-FFF2-40B4-BE49-F238E27FC236}">
-                <a16:creationId xmlns:a16="http://schemas.microsoft.com/office/drawing/2014/main" id="{EC05CC43-2920-4BF1-94CB-F673295DAADD}"/>
-              </a:ext>
-            </a:extLst>
-          </p:cNvPr>
-          <p:cNvCxnSpPr>
-            <a:stCxn id="4" idx="3"/>
-            <a:endCxn id="6" idx="7"/>
-          </p:cNvCxnSpPr>
-          <p:nvPr/>
-        </p:nvCxnSpPr>
-        <p:spPr>
-          <a:xfrm flipH="1">
-            <a:off x="3834732" y="2470817"/>
-            <a:ext cx="319506" cy="304133"/>
-          </a:xfrm>
-          <a:prstGeom prst="straightConnector1">
-            <a:avLst/>
-          </a:prstGeom>
-          <a:ln>
-            <a:tailEnd type="triangle"/>
-          </a:ln>
-        </p:spPr>
-        <p:style>
-          <a:lnRef idx="1">
-            <a:schemeClr val="accent1"/>
-          </a:lnRef>
-          <a:fillRef idx="0">
-            <a:schemeClr val="accent1"/>
-          </a:fillRef>
-          <a:effectRef idx="0">
-            <a:schemeClr val="accent1"/>
-          </a:effectRef>
-          <a:fontRef idx="minor">
-            <a:schemeClr val="tx1"/>
-          </a:fontRef>
-        </p:style>
-      </p:cxnSp>
-      <p:cxnSp>
-        <p:nvCxnSpPr>
-          <p:cNvPr id="11" name="直接箭头连接符 10">
-            <a:extLst>
-              <a:ext uri="{FF2B5EF4-FFF2-40B4-BE49-F238E27FC236}">
-                <a16:creationId xmlns:a16="http://schemas.microsoft.com/office/drawing/2014/main" id="{AE3518B5-B893-493D-8A92-6BBEFADF5C04}"/>
-              </a:ext>
-            </a:extLst>
-          </p:cNvPr>
-          <p:cNvCxnSpPr>
-            <a:stCxn id="4" idx="5"/>
-            <a:endCxn id="7" idx="1"/>
-          </p:cNvCxnSpPr>
-          <p:nvPr/>
-        </p:nvCxnSpPr>
-        <p:spPr>
-          <a:xfrm>
-            <a:off x="4925594" y="2470817"/>
-            <a:ext cx="239297" cy="304133"/>
-          </a:xfrm>
-          <a:prstGeom prst="straightConnector1">
-            <a:avLst/>
-          </a:prstGeom>
-          <a:ln>
-            <a:tailEnd type="triangle"/>
-          </a:ln>
-        </p:spPr>
-        <p:style>
-          <a:lnRef idx="1">
-            <a:schemeClr val="accent1"/>
-          </a:lnRef>
-          <a:fillRef idx="0">
-            <a:schemeClr val="accent1"/>
-          </a:fillRef>
-          <a:effectRef idx="0">
-            <a:schemeClr val="accent1"/>
-          </a:effectRef>
-          <a:fontRef idx="minor">
-            <a:schemeClr val="tx1"/>
-          </a:fontRef>
-        </p:style>
-      </p:cxnSp>
-      <p:sp>
-        <p:nvSpPr>
-          <p:cNvPr id="12" name="文本框 11">
-            <a:extLst>
-              <a:ext uri="{FF2B5EF4-FFF2-40B4-BE49-F238E27FC236}">
-                <a16:creationId xmlns:a16="http://schemas.microsoft.com/office/drawing/2014/main" id="{38D55E73-B5BA-4C7D-B1C6-61384E06182F}"/>
-              </a:ext>
-            </a:extLst>
-          </p:cNvPr>
-          <p:cNvSpPr txBox="1"/>
-          <p:nvPr/>
-        </p:nvSpPr>
-        <p:spPr>
-          <a:xfrm>
-            <a:off x="3369178" y="2403338"/>
-            <a:ext cx="1090862" cy="307777"/>
-          </a:xfrm>
-          <a:prstGeom prst="rect">
-            <a:avLst/>
-          </a:prstGeom>
-          <a:noFill/>
-        </p:spPr>
-        <p:txBody>
-          <a:bodyPr wrap="square" rtlCol="0">
-            <a:spAutoFit/>
-          </a:bodyPr>
-          <a:lstStyle/>
-          <a:p>
-            <a:r>
-              <a:rPr lang="en-US" altLang="zh-CN" sz="1400" dirty="0"/>
-              <a:t>cloudy</a:t>
-            </a:r>
-            <a:endParaRPr lang="zh-CN" altLang="en-US" sz="1400" dirty="0"/>
-          </a:p>
-        </p:txBody>
-      </p:sp>
-      <p:sp>
-        <p:nvSpPr>
-          <p:cNvPr id="13" name="文本框 12">
-            <a:extLst>
-              <a:ext uri="{FF2B5EF4-FFF2-40B4-BE49-F238E27FC236}">
-                <a16:creationId xmlns:a16="http://schemas.microsoft.com/office/drawing/2014/main" id="{750B93A3-3CDF-4396-B1AD-55260A65A8C4}"/>
-              </a:ext>
-            </a:extLst>
-          </p:cNvPr>
-          <p:cNvSpPr txBox="1"/>
-          <p:nvPr/>
-        </p:nvSpPr>
-        <p:spPr>
-          <a:xfrm>
-            <a:off x="4917741" y="2403338"/>
-            <a:ext cx="1090862" cy="307777"/>
-          </a:xfrm>
-          <a:prstGeom prst="rect">
-            <a:avLst/>
-          </a:prstGeom>
-          <a:noFill/>
-        </p:spPr>
-        <p:txBody>
-          <a:bodyPr wrap="square" rtlCol="0">
-            <a:spAutoFit/>
-          </a:bodyPr>
-          <a:lstStyle/>
-          <a:p>
-            <a:r>
-              <a:rPr lang="en-US" altLang="zh-CN" sz="1400" dirty="0"/>
-              <a:t>sunny</a:t>
-            </a:r>
-            <a:endParaRPr lang="zh-CN" altLang="en-US" sz="1400" dirty="0"/>
-          </a:p>
-        </p:txBody>
-      </p:sp>
-      <p:cxnSp>
-        <p:nvCxnSpPr>
-          <p:cNvPr id="15" name="直接箭头连接符 14">
-            <a:extLst>
-              <a:ext uri="{FF2B5EF4-FFF2-40B4-BE49-F238E27FC236}">
-                <a16:creationId xmlns:a16="http://schemas.microsoft.com/office/drawing/2014/main" id="{F004768D-D9DF-4FBD-ADC1-C7803D40066F}"/>
-              </a:ext>
-            </a:extLst>
-          </p:cNvPr>
-          <p:cNvCxnSpPr>
-            <a:stCxn id="6" idx="3"/>
-          </p:cNvCxnSpPr>
-          <p:nvPr/>
-        </p:nvCxnSpPr>
-        <p:spPr>
-          <a:xfrm flipH="1">
-            <a:off x="2727158" y="3160628"/>
-            <a:ext cx="336218" cy="448846"/>
-          </a:xfrm>
-          <a:prstGeom prst="straightConnector1">
-            <a:avLst/>
-          </a:prstGeom>
-          <a:ln>
-            <a:tailEnd type="triangle"/>
-          </a:ln>
-        </p:spPr>
-        <p:style>
-          <a:lnRef idx="1">
-            <a:schemeClr val="accent1"/>
-          </a:lnRef>
-          <a:fillRef idx="0">
-            <a:schemeClr val="accent1"/>
-          </a:fillRef>
-          <a:effectRef idx="0">
-            <a:schemeClr val="accent1"/>
-          </a:effectRef>
-          <a:fontRef idx="minor">
-            <a:schemeClr val="tx1"/>
-          </a:fontRef>
-        </p:style>
-      </p:cxnSp>
-      <p:sp>
-        <p:nvSpPr>
-          <p:cNvPr id="16" name="文本框 15">
-            <a:extLst>
-              <a:ext uri="{FF2B5EF4-FFF2-40B4-BE49-F238E27FC236}">
-                <a16:creationId xmlns:a16="http://schemas.microsoft.com/office/drawing/2014/main" id="{9461D507-3F7B-4FB3-A729-1167199BCD13}"/>
-              </a:ext>
-            </a:extLst>
-          </p:cNvPr>
-          <p:cNvSpPr txBox="1"/>
-          <p:nvPr/>
-        </p:nvSpPr>
-        <p:spPr>
-          <a:xfrm>
-            <a:off x="2349836" y="3561611"/>
-            <a:ext cx="1090862" cy="307777"/>
-          </a:xfrm>
-          <a:prstGeom prst="rect">
-            <a:avLst/>
-          </a:prstGeom>
-          <a:noFill/>
-        </p:spPr>
-        <p:txBody>
-          <a:bodyPr wrap="square" rtlCol="0">
-            <a:spAutoFit/>
-          </a:bodyPr>
-          <a:lstStyle/>
-          <a:p>
-            <a:r>
-              <a:rPr lang="en-US" altLang="zh-CN" sz="1400" dirty="0"/>
-              <a:t>maybe</a:t>
-            </a:r>
-            <a:endParaRPr lang="zh-CN" altLang="en-US" sz="1400" dirty="0"/>
-          </a:p>
-        </p:txBody>
-      </p:sp>
-      <p:sp>
-        <p:nvSpPr>
-          <p:cNvPr id="17" name="文本框 16">
-            <a:extLst>
-              <a:ext uri="{FF2B5EF4-FFF2-40B4-BE49-F238E27FC236}">
-                <a16:creationId xmlns:a16="http://schemas.microsoft.com/office/drawing/2014/main" id="{15EC6509-625C-4DF5-8D61-E69975F7249D}"/>
-              </a:ext>
-            </a:extLst>
-          </p:cNvPr>
-          <p:cNvSpPr txBox="1"/>
-          <p:nvPr/>
-        </p:nvSpPr>
-        <p:spPr>
-          <a:xfrm>
-            <a:off x="3962736" y="3561611"/>
-            <a:ext cx="1090862" cy="307777"/>
-          </a:xfrm>
-          <a:prstGeom prst="rect">
-            <a:avLst/>
-          </a:prstGeom>
-          <a:noFill/>
-        </p:spPr>
-        <p:txBody>
-          <a:bodyPr wrap="square" rtlCol="0">
-            <a:spAutoFit/>
-          </a:bodyPr>
-          <a:lstStyle/>
-          <a:p>
-            <a:r>
-              <a:rPr lang="en-US" altLang="zh-CN" sz="1400" dirty="0"/>
-              <a:t>yes</a:t>
-            </a:r>
-            <a:endParaRPr lang="zh-CN" altLang="en-US" sz="1400" dirty="0"/>
-          </a:p>
-        </p:txBody>
-      </p:sp>
-      <p:cxnSp>
-        <p:nvCxnSpPr>
-          <p:cNvPr id="19" name="直接箭头连接符 18">
-            <a:extLst>
-              <a:ext uri="{FF2B5EF4-FFF2-40B4-BE49-F238E27FC236}">
-                <a16:creationId xmlns:a16="http://schemas.microsoft.com/office/drawing/2014/main" id="{ABA8314F-ACED-4481-8222-1A01714D7386}"/>
-              </a:ext>
-            </a:extLst>
-          </p:cNvPr>
-          <p:cNvCxnSpPr>
-            <a:stCxn id="6" idx="5"/>
-          </p:cNvCxnSpPr>
-          <p:nvPr/>
-        </p:nvCxnSpPr>
-        <p:spPr>
-          <a:xfrm>
-            <a:off x="3834732" y="3160628"/>
-            <a:ext cx="319506" cy="400983"/>
-          </a:xfrm>
-          <a:prstGeom prst="straightConnector1">
-            <a:avLst/>
-          </a:prstGeom>
-          <a:ln>
-            <a:tailEnd type="triangle"/>
-          </a:ln>
-        </p:spPr>
-        <p:style>
-          <a:lnRef idx="1">
-            <a:schemeClr val="accent1"/>
-          </a:lnRef>
-          <a:fillRef idx="0">
-            <a:schemeClr val="accent1"/>
-          </a:fillRef>
-          <a:effectRef idx="0">
-            <a:schemeClr val="accent1"/>
-          </a:effectRef>
-          <a:fontRef idx="minor">
-            <a:schemeClr val="tx1"/>
-          </a:fontRef>
-        </p:style>
-      </p:cxnSp>
-      <p:sp>
-        <p:nvSpPr>
-          <p:cNvPr id="20" name="文本框 19">
-            <a:extLst>
-              <a:ext uri="{FF2B5EF4-FFF2-40B4-BE49-F238E27FC236}">
-                <a16:creationId xmlns:a16="http://schemas.microsoft.com/office/drawing/2014/main" id="{C68D364A-AEB1-4C73-A6D4-BAE64E16AFE2}"/>
-              </a:ext>
-            </a:extLst>
-          </p:cNvPr>
-          <p:cNvSpPr txBox="1"/>
-          <p:nvPr/>
-        </p:nvSpPr>
-        <p:spPr>
-          <a:xfrm>
-            <a:off x="5286210" y="3532240"/>
-            <a:ext cx="1090862" cy="307777"/>
-          </a:xfrm>
-          <a:prstGeom prst="rect">
-            <a:avLst/>
-          </a:prstGeom>
-          <a:noFill/>
-        </p:spPr>
-        <p:txBody>
-          <a:bodyPr wrap="square" rtlCol="0">
-            <a:spAutoFit/>
-          </a:bodyPr>
-          <a:lstStyle/>
-          <a:p>
-            <a:r>
-              <a:rPr lang="en-US" altLang="zh-CN" sz="1400" dirty="0"/>
-              <a:t>yes</a:t>
-            </a:r>
-            <a:endParaRPr lang="zh-CN" altLang="en-US" sz="1400" dirty="0"/>
-          </a:p>
-        </p:txBody>
-      </p:sp>
-      <p:cxnSp>
-        <p:nvCxnSpPr>
-          <p:cNvPr id="22" name="直接箭头连接符 21">
-            <a:extLst>
-              <a:ext uri="{FF2B5EF4-FFF2-40B4-BE49-F238E27FC236}">
-                <a16:creationId xmlns:a16="http://schemas.microsoft.com/office/drawing/2014/main" id="{12FBBBD7-4A03-41F5-9450-75D2E2420C4B}"/>
-              </a:ext>
-            </a:extLst>
-          </p:cNvPr>
-          <p:cNvCxnSpPr>
-            <a:cxnSpLocks/>
-            <a:stCxn id="7" idx="4"/>
-          </p:cNvCxnSpPr>
-          <p:nvPr/>
-        </p:nvCxnSpPr>
-        <p:spPr>
-          <a:xfrm>
-            <a:off x="5550569" y="3240505"/>
-            <a:ext cx="0" cy="291735"/>
-          </a:xfrm>
-          <a:prstGeom prst="straightConnector1">
-            <a:avLst/>
-          </a:prstGeom>
-          <a:ln>
-            <a:tailEnd type="triangle"/>
-          </a:ln>
-        </p:spPr>
-        <p:style>
-          <a:lnRef idx="1">
-            <a:schemeClr val="accent1"/>
-          </a:lnRef>
-          <a:fillRef idx="0">
-            <a:schemeClr val="accent1"/>
-          </a:fillRef>
-          <a:effectRef idx="0">
-            <a:schemeClr val="accent1"/>
-          </a:effectRef>
-          <a:fontRef idx="minor">
-            <a:schemeClr val="tx1"/>
-          </a:fontRef>
-        </p:style>
-      </p:cxnSp>
-      <p:sp>
-        <p:nvSpPr>
-          <p:cNvPr id="18" name="文本框 17">
-            <a:extLst>
-              <a:ext uri="{FF2B5EF4-FFF2-40B4-BE49-F238E27FC236}">
-                <a16:creationId xmlns:a16="http://schemas.microsoft.com/office/drawing/2014/main" id="{350E0319-6049-4926-ACD2-7821C7E534A2}"/>
-              </a:ext>
-            </a:extLst>
-          </p:cNvPr>
-          <p:cNvSpPr txBox="1"/>
-          <p:nvPr/>
-        </p:nvSpPr>
-        <p:spPr>
-          <a:xfrm>
-            <a:off x="2278648" y="3142500"/>
-            <a:ext cx="1090862" cy="307777"/>
-          </a:xfrm>
-          <a:prstGeom prst="rect">
-            <a:avLst/>
-          </a:prstGeom>
-          <a:noFill/>
-        </p:spPr>
-        <p:txBody>
-          <a:bodyPr wrap="square" rtlCol="0">
-            <a:spAutoFit/>
-          </a:bodyPr>
-          <a:lstStyle/>
-          <a:p>
-            <a:r>
-              <a:rPr lang="en-US" altLang="zh-CN" sz="1400" dirty="0"/>
-              <a:t>good</a:t>
-            </a:r>
-            <a:endParaRPr lang="zh-CN" altLang="en-US" sz="1400" dirty="0"/>
-          </a:p>
-        </p:txBody>
-      </p:sp>
-      <p:sp>
-        <p:nvSpPr>
-          <p:cNvPr id="21" name="文本框 20">
-            <a:extLst>
-              <a:ext uri="{FF2B5EF4-FFF2-40B4-BE49-F238E27FC236}">
-                <a16:creationId xmlns:a16="http://schemas.microsoft.com/office/drawing/2014/main" id="{FD86FFDF-3497-4D04-8AAF-F2E074D5B7BB}"/>
-              </a:ext>
-            </a:extLst>
-          </p:cNvPr>
-          <p:cNvSpPr txBox="1"/>
-          <p:nvPr/>
-        </p:nvSpPr>
-        <p:spPr>
-          <a:xfrm>
-            <a:off x="3560095" y="3183466"/>
-            <a:ext cx="1090862" cy="307777"/>
-          </a:xfrm>
-          <a:prstGeom prst="rect">
-            <a:avLst/>
-          </a:prstGeom>
-          <a:noFill/>
-        </p:spPr>
-        <p:txBody>
-          <a:bodyPr wrap="square" rtlCol="0">
-            <a:spAutoFit/>
-          </a:bodyPr>
-          <a:lstStyle/>
-          <a:p>
-            <a:r>
-              <a:rPr lang="en-US" altLang="zh-CN" sz="1400" dirty="0"/>
-              <a:t>sad</a:t>
-            </a:r>
-            <a:endParaRPr lang="zh-CN" altLang="en-US" sz="1400" dirty="0"/>
-          </a:p>
-        </p:txBody>
-      </p:sp>
-      <p:sp>
-        <p:nvSpPr>
-          <p:cNvPr id="23" name="文本框 22">
-            <a:extLst>
-              <a:ext uri="{FF2B5EF4-FFF2-40B4-BE49-F238E27FC236}">
-                <a16:creationId xmlns:a16="http://schemas.microsoft.com/office/drawing/2014/main" id="{BB2F78DB-7228-4E8F-AEBB-B11AA9212379}"/>
-              </a:ext>
-            </a:extLst>
-          </p:cNvPr>
-          <p:cNvSpPr txBox="1"/>
-          <p:nvPr/>
-        </p:nvSpPr>
-        <p:spPr>
-          <a:xfrm>
-            <a:off x="5630113" y="3187209"/>
-            <a:ext cx="1090862" cy="307777"/>
-          </a:xfrm>
-          <a:prstGeom prst="rect">
-            <a:avLst/>
-          </a:prstGeom>
-          <a:noFill/>
-        </p:spPr>
-        <p:txBody>
-          <a:bodyPr wrap="square" rtlCol="0">
-            <a:spAutoFit/>
-          </a:bodyPr>
-          <a:lstStyle/>
-          <a:p>
-            <a:r>
-              <a:rPr lang="en-US" altLang="zh-CN" sz="1400" dirty="0"/>
-              <a:t>good</a:t>
-            </a:r>
-            <a:endParaRPr lang="zh-CN" altLang="en-US" sz="1400" dirty="0"/>
+              <a:t>Decision Tree</a:t>
+            </a:r>
+            <a:endParaRPr lang="zh-CN" altLang="en-US" dirty="0"/>
           </a:p>
         </p:txBody>
       </p:sp>
@@ -4777,7 +6377,7 @@
           <p:cNvPr id="2" name="标题 1">
             <a:extLst>
               <a:ext uri="{FF2B5EF4-FFF2-40B4-BE49-F238E27FC236}">
-                <a16:creationId xmlns:a16="http://schemas.microsoft.com/office/drawing/2014/main" id="{1C466F9C-A062-4190-90AD-D9D4BE80BD10}"/>
+                <a16:creationId xmlns:a16="http://schemas.microsoft.com/office/drawing/2014/main" id="{E7F3B5D2-3398-481D-9DA9-2792DF94771F}"/>
               </a:ext>
             </a:extLst>
           </p:cNvPr>
@@ -4795,89 +6395,64 @@
           <a:p>
             <a:r>
               <a:rPr lang="zh-CN" altLang="en-US" dirty="0"/>
-              <a:t>测试样本的特征不完备如何处理？</a:t>
-            </a:r>
+              <a:t>决策树结构</a:t>
+            </a:r>
+            <a:r>
+              <a:rPr lang="en-US" altLang="zh-CN" dirty="0"/>
+              <a:t>(</a:t>
+            </a:r>
+            <a:r>
+              <a:rPr lang="zh-CN" altLang="en-US" dirty="0"/>
+              <a:t>字典结构</a:t>
+            </a:r>
+            <a:r>
+              <a:rPr lang="en-US" altLang="zh-CN" dirty="0"/>
+              <a:t>)</a:t>
+            </a:r>
+            <a:endParaRPr lang="zh-CN" altLang="en-US" dirty="0"/>
           </a:p>
         </p:txBody>
       </p:sp>
-      <p:sp>
-        <p:nvSpPr>
-          <p:cNvPr id="3" name="内容占位符 2">
+      <p:pic>
+        <p:nvPicPr>
+          <p:cNvPr id="6" name="图片 5">
             <a:extLst>
               <a:ext uri="{FF2B5EF4-FFF2-40B4-BE49-F238E27FC236}">
-                <a16:creationId xmlns:a16="http://schemas.microsoft.com/office/drawing/2014/main" id="{76987DC3-7A30-4034-B22C-313E2009128F}"/>
+                <a16:creationId xmlns:a16="http://schemas.microsoft.com/office/drawing/2014/main" id="{82926BD7-2403-4D73-98C6-B22550FA8398}"/>
               </a:ext>
             </a:extLst>
           </p:cNvPr>
-          <p:cNvSpPr>
-            <a:spLocks noGrp="1"/>
-          </p:cNvSpPr>
-          <p:nvPr>
-            <p:ph idx="1"/>
-          </p:nvPr>
-        </p:nvSpPr>
-        <p:spPr/>
-        <p:txBody>
-          <a:bodyPr/>
-          <a:lstStyle/>
-          <a:p>
-            <a:r>
-              <a:rPr lang="en-US" altLang="zh-CN" dirty="0"/>
-              <a:t>new = ['21…50','High','USA’]</a:t>
-            </a:r>
-          </a:p>
-          <a:p>
-            <a:r>
-              <a:rPr lang="zh-CN" altLang="en-US" dirty="0"/>
-              <a:t>完整的待测试的样本的特征应该为</a:t>
-            </a:r>
-            <a:r>
-              <a:rPr lang="en-US" altLang="zh-CN" dirty="0"/>
-              <a:t>[</a:t>
-            </a:r>
-            <a:r>
-              <a:rPr lang="en-US" altLang="zh-CN" dirty="0" err="1"/>
-              <a:t>Age,Income,Region,Credit</a:t>
-            </a:r>
-            <a:r>
-              <a:rPr lang="en-US" altLang="zh-CN" dirty="0"/>
-              <a:t> rating] </a:t>
-            </a:r>
-            <a:r>
-              <a:rPr lang="zh-CN" altLang="en-US" dirty="0"/>
-              <a:t>这</a:t>
-            </a:r>
-            <a:r>
-              <a:rPr lang="en-US" altLang="zh-CN" dirty="0"/>
-              <a:t>4</a:t>
-            </a:r>
-            <a:r>
-              <a:rPr lang="zh-CN" altLang="en-US" dirty="0"/>
-              <a:t>个属性，而上述</a:t>
-            </a:r>
-            <a:r>
-              <a:rPr lang="en-US" altLang="zh-CN" dirty="0"/>
-              <a:t>new </a:t>
-            </a:r>
-            <a:r>
-              <a:rPr lang="zh-CN" altLang="en-US" dirty="0"/>
-              <a:t>样本只有</a:t>
-            </a:r>
-            <a:r>
-              <a:rPr lang="en-US" altLang="zh-CN" dirty="0"/>
-              <a:t>3</a:t>
-            </a:r>
-            <a:r>
-              <a:rPr lang="zh-CN" altLang="en-US" dirty="0"/>
-              <a:t>个特征</a:t>
-            </a:r>
-          </a:p>
-        </p:txBody>
-      </p:sp>
+          <p:cNvPicPr>
+            <a:picLocks noChangeAspect="1"/>
+          </p:cNvPicPr>
+          <p:nvPr/>
+        </p:nvPicPr>
+        <p:blipFill>
+          <a:blip r:embed="rId2">
+            <a:extLst>
+              <a:ext uri="{28A0092B-C50C-407E-A947-70E740481C1C}">
+                <a14:useLocalDpi xmlns:a14="http://schemas.microsoft.com/office/drawing/2010/main" val="0"/>
+              </a:ext>
+            </a:extLst>
+          </a:blip>
+          <a:stretch>
+            <a:fillRect/>
+          </a:stretch>
+        </p:blipFill>
+        <p:spPr>
+          <a:xfrm>
+            <a:off x="3103880" y="1860578"/>
+            <a:ext cx="4224621" cy="3136844"/>
+          </a:xfrm>
+          <a:prstGeom prst="rect">
+            <a:avLst/>
+          </a:prstGeom>
+        </p:spPr>
+      </p:pic>
     </p:spTree>
     <p:extLst>
       <p:ext uri="{BB962C8B-B14F-4D97-AF65-F5344CB8AC3E}">
-        <p14:creationId xmlns:p14="http://schemas.microsoft.com/office/powerpoint/2010/main" val="239441364"/>
+        <p14:creationId xmlns:p14="http://schemas.microsoft.com/office/powerpoint/2010/main" val="2361495408"/>
       </p:ext>
     </p:extLst>
   </p:cSld>
@@ -4906,10 +6481,1285 @@
       </p:grpSpPr>
       <p:sp>
         <p:nvSpPr>
+          <p:cNvPr id="4" name="文本框 3">
+            <a:extLst>
+              <a:ext uri="{FF2B5EF4-FFF2-40B4-BE49-F238E27FC236}">
+                <a16:creationId xmlns:a16="http://schemas.microsoft.com/office/drawing/2014/main" id="{4A508B2D-00DC-40A3-A610-A82DF8FC7E7C}"/>
+              </a:ext>
+            </a:extLst>
+          </p:cNvPr>
+          <p:cNvSpPr txBox="1"/>
+          <p:nvPr/>
+        </p:nvSpPr>
+        <p:spPr>
+          <a:xfrm>
+            <a:off x="868949" y="4034223"/>
+            <a:ext cx="3965539" cy="2308324"/>
+          </a:xfrm>
+          <a:prstGeom prst="rect">
+            <a:avLst/>
+          </a:prstGeom>
+          <a:noFill/>
+        </p:spPr>
+        <p:txBody>
+          <a:bodyPr wrap="square" rtlCol="0">
+            <a:spAutoFit/>
+          </a:bodyPr>
+          <a:lstStyle/>
+          <a:p>
+            <a:r>
+              <a:rPr lang="en-US" altLang="zh-CN" b="1" dirty="0"/>
+              <a:t>{</a:t>
+            </a:r>
+            <a:r>
+              <a:rPr lang="en-US" altLang="zh-CN" dirty="0"/>
+              <a:t>'Weather’: </a:t>
+            </a:r>
+          </a:p>
+          <a:p>
+            <a:r>
+              <a:rPr lang="en-US" altLang="zh-CN" dirty="0"/>
+              <a:t>    </a:t>
+            </a:r>
+            <a:r>
+              <a:rPr lang="en-US" altLang="zh-CN" dirty="0">
+                <a:solidFill>
+                  <a:srgbClr val="C00000"/>
+                </a:solidFill>
+              </a:rPr>
+              <a:t>{</a:t>
+            </a:r>
+            <a:r>
+              <a:rPr lang="en-US" altLang="zh-CN" dirty="0"/>
+              <a:t>'cloudy’: </a:t>
+            </a:r>
+          </a:p>
+          <a:p>
+            <a:r>
+              <a:rPr lang="en-US" altLang="zh-CN" dirty="0"/>
+              <a:t>        </a:t>
+            </a:r>
+            <a:r>
+              <a:rPr lang="en-US" altLang="zh-CN" dirty="0">
+                <a:solidFill>
+                  <a:srgbClr val="00B0F0"/>
+                </a:solidFill>
+              </a:rPr>
+              <a:t>{</a:t>
+            </a:r>
+            <a:r>
+              <a:rPr lang="en-US" altLang="zh-CN" dirty="0"/>
+              <a:t>'Mood’: </a:t>
+            </a:r>
+          </a:p>
+          <a:p>
+            <a:r>
+              <a:rPr lang="en-US" altLang="zh-CN" dirty="0"/>
+              <a:t>           </a:t>
+            </a:r>
+            <a:r>
+              <a:rPr lang="en-US" altLang="zh-CN" dirty="0">
+                <a:solidFill>
+                  <a:srgbClr val="00B050"/>
+                </a:solidFill>
+              </a:rPr>
+              <a:t> {</a:t>
+            </a:r>
+            <a:r>
+              <a:rPr lang="en-US" altLang="zh-CN" dirty="0"/>
+              <a:t>'good': 'maybe', 'sad': 'yes</a:t>
+            </a:r>
+            <a:r>
+              <a:rPr lang="en-US" altLang="zh-CN" dirty="0">
+                <a:solidFill>
+                  <a:srgbClr val="00B050"/>
+                </a:solidFill>
+              </a:rPr>
+              <a:t>’} </a:t>
+            </a:r>
+            <a:r>
+              <a:rPr lang="en-US" altLang="zh-CN" dirty="0">
+                <a:solidFill>
+                  <a:srgbClr val="00B0F0"/>
+                </a:solidFill>
+              </a:rPr>
+              <a:t>}</a:t>
+            </a:r>
+            <a:r>
+              <a:rPr lang="en-US" altLang="zh-CN" dirty="0"/>
+              <a:t>,</a:t>
+            </a:r>
+          </a:p>
+          <a:p>
+            <a:r>
+              <a:rPr lang="en-US" altLang="zh-CN" dirty="0"/>
+              <a:t>      'sunny’: </a:t>
+            </a:r>
+          </a:p>
+          <a:p>
+            <a:r>
+              <a:rPr lang="en-US" altLang="zh-CN" dirty="0"/>
+              <a:t>         </a:t>
+            </a:r>
+            <a:r>
+              <a:rPr lang="en-US" altLang="zh-CN" dirty="0">
+                <a:solidFill>
+                  <a:srgbClr val="00B0F0"/>
+                </a:solidFill>
+              </a:rPr>
+              <a:t>{</a:t>
+            </a:r>
+            <a:r>
+              <a:rPr lang="en-US" altLang="zh-CN" dirty="0"/>
+              <a:t>'Mood': </a:t>
+            </a:r>
+            <a:r>
+              <a:rPr lang="en-US" altLang="zh-CN" dirty="0">
+                <a:solidFill>
+                  <a:srgbClr val="00B050"/>
+                </a:solidFill>
+              </a:rPr>
+              <a:t>{</a:t>
+            </a:r>
+            <a:r>
+              <a:rPr lang="en-US" altLang="zh-CN" dirty="0"/>
+              <a:t>'good': 'no’</a:t>
+            </a:r>
+            <a:r>
+              <a:rPr lang="en-US" altLang="zh-CN" dirty="0">
+                <a:solidFill>
+                  <a:srgbClr val="00B050"/>
+                </a:solidFill>
+              </a:rPr>
+              <a:t>}</a:t>
+            </a:r>
+            <a:r>
+              <a:rPr lang="en-US" altLang="zh-CN" dirty="0"/>
+              <a:t> </a:t>
+            </a:r>
+            <a:r>
+              <a:rPr lang="en-US" altLang="zh-CN" dirty="0">
+                <a:solidFill>
+                  <a:srgbClr val="00B0F0"/>
+                </a:solidFill>
+              </a:rPr>
+              <a:t>}</a:t>
+            </a:r>
+          </a:p>
+          <a:p>
+            <a:r>
+              <a:rPr lang="en-US" altLang="zh-CN" dirty="0"/>
+              <a:t>   </a:t>
+            </a:r>
+            <a:r>
+              <a:rPr lang="en-US" altLang="zh-CN" dirty="0">
+                <a:solidFill>
+                  <a:srgbClr val="C00000"/>
+                </a:solidFill>
+              </a:rPr>
+              <a:t> }</a:t>
+            </a:r>
+          </a:p>
+          <a:p>
+            <a:r>
+              <a:rPr lang="en-US" altLang="zh-CN" b="1" dirty="0"/>
+              <a:t>}</a:t>
+            </a:r>
+            <a:endParaRPr lang="zh-CN" altLang="en-US" b="1" dirty="0"/>
+          </a:p>
+        </p:txBody>
+      </p:sp>
+      <p:sp>
+        <p:nvSpPr>
+          <p:cNvPr id="5" name="文本框 4">
+            <a:extLst>
+              <a:ext uri="{FF2B5EF4-FFF2-40B4-BE49-F238E27FC236}">
+                <a16:creationId xmlns:a16="http://schemas.microsoft.com/office/drawing/2014/main" id="{F49EC185-EA2B-4940-93B6-E24EDAD5746E}"/>
+              </a:ext>
+            </a:extLst>
+          </p:cNvPr>
+          <p:cNvSpPr txBox="1"/>
+          <p:nvPr/>
+        </p:nvSpPr>
+        <p:spPr>
+          <a:xfrm>
+            <a:off x="695527" y="2197394"/>
+            <a:ext cx="4841240" cy="1477328"/>
+          </a:xfrm>
+          <a:prstGeom prst="rect">
+            <a:avLst/>
+          </a:prstGeom>
+          <a:noFill/>
+        </p:spPr>
+        <p:txBody>
+          <a:bodyPr wrap="square" rtlCol="0">
+            <a:spAutoFit/>
+          </a:bodyPr>
+          <a:lstStyle/>
+          <a:p>
+            <a:r>
+              <a:rPr lang="en-US" altLang="zh-CN" dirty="0"/>
+              <a:t> </a:t>
+            </a:r>
+            <a:r>
+              <a:rPr lang="en-US" altLang="zh-CN" dirty="0" err="1"/>
+              <a:t>dataSet</a:t>
+            </a:r>
+            <a:r>
+              <a:rPr lang="en-US" altLang="zh-CN" dirty="0"/>
+              <a:t> = [['</a:t>
+            </a:r>
+            <a:r>
+              <a:rPr lang="en-US" altLang="zh-CN" dirty="0" err="1"/>
+              <a:t>cloudy','good','maybe</a:t>
+            </a:r>
+            <a:r>
+              <a:rPr lang="en-US" altLang="zh-CN" dirty="0"/>
+              <a:t>'],</a:t>
+            </a:r>
+          </a:p>
+          <a:p>
+            <a:r>
+              <a:rPr lang="en-US" altLang="zh-CN" dirty="0"/>
+              <a:t>               ['</a:t>
+            </a:r>
+            <a:r>
+              <a:rPr lang="en-US" altLang="zh-CN" dirty="0" err="1"/>
+              <a:t>cloudy','sad','yes</a:t>
+            </a:r>
+            <a:r>
+              <a:rPr lang="en-US" altLang="zh-CN" dirty="0"/>
+              <a:t>'],</a:t>
+            </a:r>
+          </a:p>
+          <a:p>
+            <a:r>
+              <a:rPr lang="en-US" altLang="zh-CN" dirty="0"/>
+              <a:t>               ['</a:t>
+            </a:r>
+            <a:r>
+              <a:rPr lang="en-US" altLang="zh-CN" dirty="0" err="1"/>
+              <a:t>cloudy','sad','maybe</a:t>
+            </a:r>
+            <a:r>
+              <a:rPr lang="en-US" altLang="zh-CN" dirty="0"/>
+              <a:t>'],</a:t>
+            </a:r>
+          </a:p>
+          <a:p>
+            <a:r>
+              <a:rPr lang="en-US" altLang="zh-CN" dirty="0"/>
+              <a:t>               ['</a:t>
+            </a:r>
+            <a:r>
+              <a:rPr lang="en-US" altLang="zh-CN" dirty="0" err="1"/>
+              <a:t>sunny','good','no</a:t>
+            </a:r>
+            <a:r>
+              <a:rPr lang="en-US" altLang="zh-CN" dirty="0"/>
+              <a:t>'],</a:t>
+            </a:r>
+          </a:p>
+          <a:p>
+            <a:r>
+              <a:rPr lang="en-US" altLang="zh-CN" dirty="0"/>
+              <a:t>               ['</a:t>
+            </a:r>
+            <a:r>
+              <a:rPr lang="en-US" altLang="zh-CN" dirty="0" err="1"/>
+              <a:t>sunny','good','no</a:t>
+            </a:r>
+            <a:r>
+              <a:rPr lang="en-US" altLang="zh-CN" dirty="0"/>
+              <a:t>']]</a:t>
+            </a:r>
+            <a:endParaRPr lang="zh-CN" altLang="en-US" dirty="0"/>
+          </a:p>
+        </p:txBody>
+      </p:sp>
+      <p:grpSp>
+        <p:nvGrpSpPr>
+          <p:cNvPr id="6" name="组合 5">
+            <a:extLst>
+              <a:ext uri="{FF2B5EF4-FFF2-40B4-BE49-F238E27FC236}">
+                <a16:creationId xmlns:a16="http://schemas.microsoft.com/office/drawing/2014/main" id="{B86EE997-A88F-4825-8755-593C611F7874}"/>
+              </a:ext>
+            </a:extLst>
+          </p:cNvPr>
+          <p:cNvGrpSpPr/>
+          <p:nvPr/>
+        </p:nvGrpSpPr>
+        <p:grpSpPr>
+          <a:xfrm>
+            <a:off x="5924718" y="2471405"/>
+            <a:ext cx="4442327" cy="1864126"/>
+            <a:chOff x="2278648" y="2005262"/>
+            <a:chExt cx="4442327" cy="1864126"/>
+          </a:xfrm>
+        </p:grpSpPr>
+        <p:sp>
+          <p:nvSpPr>
+            <p:cNvPr id="7" name="椭圆 6">
+              <a:extLst>
+                <a:ext uri="{FF2B5EF4-FFF2-40B4-BE49-F238E27FC236}">
+                  <a16:creationId xmlns:a16="http://schemas.microsoft.com/office/drawing/2014/main" id="{299C2A4B-2AED-4E81-A852-42EFD9E359E5}"/>
+                </a:ext>
+              </a:extLst>
+            </p:cNvPr>
+            <p:cNvSpPr/>
+            <p:nvPr/>
+          </p:nvSpPr>
+          <p:spPr>
+            <a:xfrm>
+              <a:off x="3994485" y="2005262"/>
+              <a:ext cx="1090862" cy="545432"/>
+            </a:xfrm>
+            <a:prstGeom prst="ellipse">
+              <a:avLst/>
+            </a:prstGeom>
+            <a:solidFill>
+              <a:schemeClr val="bg1"/>
+            </a:solidFill>
+            <a:ln>
+              <a:solidFill>
+                <a:schemeClr val="tx1"/>
+              </a:solidFill>
+            </a:ln>
+          </p:spPr>
+          <p:style>
+            <a:lnRef idx="2">
+              <a:schemeClr val="accent1">
+                <a:shade val="50000"/>
+              </a:schemeClr>
+            </a:lnRef>
+            <a:fillRef idx="1">
+              <a:schemeClr val="accent1"/>
+            </a:fillRef>
+            <a:effectRef idx="0">
+              <a:schemeClr val="accent1"/>
+            </a:effectRef>
+            <a:fontRef idx="minor">
+              <a:schemeClr val="lt1"/>
+            </a:fontRef>
+          </p:style>
+          <p:txBody>
+            <a:bodyPr rtlCol="0" anchor="ctr"/>
+            <a:lstStyle/>
+            <a:p>
+              <a:pPr algn="ctr"/>
+              <a:r>
+                <a:rPr lang="en-US" altLang="zh-CN" sz="1200" dirty="0">
+                  <a:solidFill>
+                    <a:schemeClr val="tx1"/>
+                  </a:solidFill>
+                </a:rPr>
+                <a:t>Weather</a:t>
+              </a:r>
+              <a:endParaRPr lang="zh-CN" altLang="en-US" sz="1200" dirty="0">
+                <a:solidFill>
+                  <a:schemeClr val="tx1"/>
+                </a:solidFill>
+              </a:endParaRPr>
+            </a:p>
+          </p:txBody>
+        </p:sp>
+        <p:sp>
+          <p:nvSpPr>
+            <p:cNvPr id="8" name="椭圆 7">
+              <a:extLst>
+                <a:ext uri="{FF2B5EF4-FFF2-40B4-BE49-F238E27FC236}">
+                  <a16:creationId xmlns:a16="http://schemas.microsoft.com/office/drawing/2014/main" id="{477B6B8C-DDC9-41A1-A365-023B9BB20F59}"/>
+                </a:ext>
+              </a:extLst>
+            </p:cNvPr>
+            <p:cNvSpPr/>
+            <p:nvPr/>
+          </p:nvSpPr>
+          <p:spPr>
+            <a:xfrm>
+              <a:off x="2903623" y="2695073"/>
+              <a:ext cx="1090862" cy="545432"/>
+            </a:xfrm>
+            <a:prstGeom prst="ellipse">
+              <a:avLst/>
+            </a:prstGeom>
+            <a:solidFill>
+              <a:schemeClr val="bg1"/>
+            </a:solidFill>
+            <a:ln>
+              <a:solidFill>
+                <a:schemeClr val="tx1"/>
+              </a:solidFill>
+            </a:ln>
+          </p:spPr>
+          <p:style>
+            <a:lnRef idx="2">
+              <a:schemeClr val="accent1">
+                <a:shade val="50000"/>
+              </a:schemeClr>
+            </a:lnRef>
+            <a:fillRef idx="1">
+              <a:schemeClr val="accent1"/>
+            </a:fillRef>
+            <a:effectRef idx="0">
+              <a:schemeClr val="accent1"/>
+            </a:effectRef>
+            <a:fontRef idx="minor">
+              <a:schemeClr val="lt1"/>
+            </a:fontRef>
+          </p:style>
+          <p:txBody>
+            <a:bodyPr rtlCol="0" anchor="ctr"/>
+            <a:lstStyle/>
+            <a:p>
+              <a:pPr algn="ctr"/>
+              <a:r>
+                <a:rPr lang="en-US" altLang="zh-CN" sz="1200" dirty="0">
+                  <a:solidFill>
+                    <a:schemeClr val="tx1"/>
+                  </a:solidFill>
+                </a:rPr>
+                <a:t>Mood</a:t>
+              </a:r>
+              <a:endParaRPr lang="zh-CN" altLang="en-US" sz="1200" dirty="0">
+                <a:solidFill>
+                  <a:schemeClr val="tx1"/>
+                </a:solidFill>
+              </a:endParaRPr>
+            </a:p>
+          </p:txBody>
+        </p:sp>
+        <p:sp>
+          <p:nvSpPr>
+            <p:cNvPr id="9" name="椭圆 8">
+              <a:extLst>
+                <a:ext uri="{FF2B5EF4-FFF2-40B4-BE49-F238E27FC236}">
+                  <a16:creationId xmlns:a16="http://schemas.microsoft.com/office/drawing/2014/main" id="{E56FF1D0-45A0-462A-8D50-C94CB22E59DA}"/>
+                </a:ext>
+              </a:extLst>
+            </p:cNvPr>
+            <p:cNvSpPr/>
+            <p:nvPr/>
+          </p:nvSpPr>
+          <p:spPr>
+            <a:xfrm>
+              <a:off x="5005138" y="2695073"/>
+              <a:ext cx="1090862" cy="545432"/>
+            </a:xfrm>
+            <a:prstGeom prst="ellipse">
+              <a:avLst/>
+            </a:prstGeom>
+            <a:solidFill>
+              <a:schemeClr val="bg1"/>
+            </a:solidFill>
+            <a:ln>
+              <a:solidFill>
+                <a:schemeClr val="tx1"/>
+              </a:solidFill>
+            </a:ln>
+          </p:spPr>
+          <p:style>
+            <a:lnRef idx="2">
+              <a:schemeClr val="accent1">
+                <a:shade val="50000"/>
+              </a:schemeClr>
+            </a:lnRef>
+            <a:fillRef idx="1">
+              <a:schemeClr val="accent1"/>
+            </a:fillRef>
+            <a:effectRef idx="0">
+              <a:schemeClr val="accent1"/>
+            </a:effectRef>
+            <a:fontRef idx="minor">
+              <a:schemeClr val="lt1"/>
+            </a:fontRef>
+          </p:style>
+          <p:txBody>
+            <a:bodyPr rtlCol="0" anchor="ctr"/>
+            <a:lstStyle/>
+            <a:p>
+              <a:pPr algn="ctr"/>
+              <a:r>
+                <a:rPr lang="en-US" altLang="zh-CN" sz="1200" dirty="0">
+                  <a:solidFill>
+                    <a:schemeClr val="tx1"/>
+                  </a:solidFill>
+                </a:rPr>
+                <a:t>Mood</a:t>
+              </a:r>
+              <a:endParaRPr lang="zh-CN" altLang="en-US" sz="1200" dirty="0">
+                <a:solidFill>
+                  <a:schemeClr val="tx1"/>
+                </a:solidFill>
+              </a:endParaRPr>
+            </a:p>
+          </p:txBody>
+        </p:sp>
+        <p:cxnSp>
+          <p:nvCxnSpPr>
+            <p:cNvPr id="10" name="直接箭头连接符 9">
+              <a:extLst>
+                <a:ext uri="{FF2B5EF4-FFF2-40B4-BE49-F238E27FC236}">
+                  <a16:creationId xmlns:a16="http://schemas.microsoft.com/office/drawing/2014/main" id="{1B5C23BC-849A-4E9C-80F0-7A1DC7607C44}"/>
+                </a:ext>
+              </a:extLst>
+            </p:cNvPr>
+            <p:cNvCxnSpPr>
+              <a:stCxn id="7" idx="3"/>
+              <a:endCxn id="8" idx="7"/>
+            </p:cNvCxnSpPr>
+            <p:nvPr/>
+          </p:nvCxnSpPr>
+          <p:spPr>
+            <a:xfrm flipH="1">
+              <a:off x="3834732" y="2470817"/>
+              <a:ext cx="319506" cy="304133"/>
+            </a:xfrm>
+            <a:prstGeom prst="straightConnector1">
+              <a:avLst/>
+            </a:prstGeom>
+            <a:ln>
+              <a:tailEnd type="triangle"/>
+            </a:ln>
+          </p:spPr>
+          <p:style>
+            <a:lnRef idx="1">
+              <a:schemeClr val="accent1"/>
+            </a:lnRef>
+            <a:fillRef idx="0">
+              <a:schemeClr val="accent1"/>
+            </a:fillRef>
+            <a:effectRef idx="0">
+              <a:schemeClr val="accent1"/>
+            </a:effectRef>
+            <a:fontRef idx="minor">
+              <a:schemeClr val="tx1"/>
+            </a:fontRef>
+          </p:style>
+        </p:cxnSp>
+        <p:cxnSp>
+          <p:nvCxnSpPr>
+            <p:cNvPr id="11" name="直接箭头连接符 10">
+              <a:extLst>
+                <a:ext uri="{FF2B5EF4-FFF2-40B4-BE49-F238E27FC236}">
+                  <a16:creationId xmlns:a16="http://schemas.microsoft.com/office/drawing/2014/main" id="{D6E755EC-15EA-4633-AE5F-EE0F609CA67D}"/>
+                </a:ext>
+              </a:extLst>
+            </p:cNvPr>
+            <p:cNvCxnSpPr>
+              <a:stCxn id="7" idx="5"/>
+              <a:endCxn id="9" idx="1"/>
+            </p:cNvCxnSpPr>
+            <p:nvPr/>
+          </p:nvCxnSpPr>
+          <p:spPr>
+            <a:xfrm>
+              <a:off x="4925594" y="2470817"/>
+              <a:ext cx="239297" cy="304133"/>
+            </a:xfrm>
+            <a:prstGeom prst="straightConnector1">
+              <a:avLst/>
+            </a:prstGeom>
+            <a:ln>
+              <a:tailEnd type="triangle"/>
+            </a:ln>
+          </p:spPr>
+          <p:style>
+            <a:lnRef idx="1">
+              <a:schemeClr val="accent1"/>
+            </a:lnRef>
+            <a:fillRef idx="0">
+              <a:schemeClr val="accent1"/>
+            </a:fillRef>
+            <a:effectRef idx="0">
+              <a:schemeClr val="accent1"/>
+            </a:effectRef>
+            <a:fontRef idx="minor">
+              <a:schemeClr val="tx1"/>
+            </a:fontRef>
+          </p:style>
+        </p:cxnSp>
+        <p:sp>
+          <p:nvSpPr>
+            <p:cNvPr id="12" name="文本框 11">
+              <a:extLst>
+                <a:ext uri="{FF2B5EF4-FFF2-40B4-BE49-F238E27FC236}">
+                  <a16:creationId xmlns:a16="http://schemas.microsoft.com/office/drawing/2014/main" id="{7D203B9D-1086-4536-B41B-57541F32F120}"/>
+                </a:ext>
+              </a:extLst>
+            </p:cNvPr>
+            <p:cNvSpPr txBox="1"/>
+            <p:nvPr/>
+          </p:nvSpPr>
+          <p:spPr>
+            <a:xfrm>
+              <a:off x="3369178" y="2403338"/>
+              <a:ext cx="1090862" cy="307777"/>
+            </a:xfrm>
+            <a:prstGeom prst="rect">
+              <a:avLst/>
+            </a:prstGeom>
+            <a:noFill/>
+          </p:spPr>
+          <p:txBody>
+            <a:bodyPr wrap="square" rtlCol="0">
+              <a:spAutoFit/>
+            </a:bodyPr>
+            <a:lstStyle/>
+            <a:p>
+              <a:r>
+                <a:rPr lang="en-US" altLang="zh-CN" sz="1400" dirty="0"/>
+                <a:t>cloudy</a:t>
+              </a:r>
+              <a:endParaRPr lang="zh-CN" altLang="en-US" sz="1400" dirty="0"/>
+            </a:p>
+          </p:txBody>
+        </p:sp>
+        <p:sp>
+          <p:nvSpPr>
+            <p:cNvPr id="13" name="文本框 12">
+              <a:extLst>
+                <a:ext uri="{FF2B5EF4-FFF2-40B4-BE49-F238E27FC236}">
+                  <a16:creationId xmlns:a16="http://schemas.microsoft.com/office/drawing/2014/main" id="{9FA6DDE6-998F-4069-BFBA-484A046E85E9}"/>
+                </a:ext>
+              </a:extLst>
+            </p:cNvPr>
+            <p:cNvSpPr txBox="1"/>
+            <p:nvPr/>
+          </p:nvSpPr>
+          <p:spPr>
+            <a:xfrm>
+              <a:off x="4917741" y="2403338"/>
+              <a:ext cx="1090862" cy="307777"/>
+            </a:xfrm>
+            <a:prstGeom prst="rect">
+              <a:avLst/>
+            </a:prstGeom>
+            <a:noFill/>
+          </p:spPr>
+          <p:txBody>
+            <a:bodyPr wrap="square" rtlCol="0">
+              <a:spAutoFit/>
+            </a:bodyPr>
+            <a:lstStyle/>
+            <a:p>
+              <a:r>
+                <a:rPr lang="en-US" altLang="zh-CN" sz="1400" dirty="0"/>
+                <a:t>sunny</a:t>
+              </a:r>
+              <a:endParaRPr lang="zh-CN" altLang="en-US" sz="1400" dirty="0"/>
+            </a:p>
+          </p:txBody>
+        </p:sp>
+        <p:cxnSp>
+          <p:nvCxnSpPr>
+            <p:cNvPr id="14" name="直接箭头连接符 13">
+              <a:extLst>
+                <a:ext uri="{FF2B5EF4-FFF2-40B4-BE49-F238E27FC236}">
+                  <a16:creationId xmlns:a16="http://schemas.microsoft.com/office/drawing/2014/main" id="{9575BC50-3571-4950-9BBD-5BC988A771F0}"/>
+                </a:ext>
+              </a:extLst>
+            </p:cNvPr>
+            <p:cNvCxnSpPr>
+              <a:stCxn id="8" idx="3"/>
+            </p:cNvCxnSpPr>
+            <p:nvPr/>
+          </p:nvCxnSpPr>
+          <p:spPr>
+            <a:xfrm flipH="1">
+              <a:off x="2727158" y="3160628"/>
+              <a:ext cx="336218" cy="448846"/>
+            </a:xfrm>
+            <a:prstGeom prst="straightConnector1">
+              <a:avLst/>
+            </a:prstGeom>
+            <a:ln>
+              <a:tailEnd type="triangle"/>
+            </a:ln>
+          </p:spPr>
+          <p:style>
+            <a:lnRef idx="1">
+              <a:schemeClr val="accent1"/>
+            </a:lnRef>
+            <a:fillRef idx="0">
+              <a:schemeClr val="accent1"/>
+            </a:fillRef>
+            <a:effectRef idx="0">
+              <a:schemeClr val="accent1"/>
+            </a:effectRef>
+            <a:fontRef idx="minor">
+              <a:schemeClr val="tx1"/>
+            </a:fontRef>
+          </p:style>
+        </p:cxnSp>
+        <p:sp>
+          <p:nvSpPr>
+            <p:cNvPr id="15" name="文本框 14">
+              <a:extLst>
+                <a:ext uri="{FF2B5EF4-FFF2-40B4-BE49-F238E27FC236}">
+                  <a16:creationId xmlns:a16="http://schemas.microsoft.com/office/drawing/2014/main" id="{A06A2976-371D-4867-B439-B610167207B9}"/>
+                </a:ext>
+              </a:extLst>
+            </p:cNvPr>
+            <p:cNvSpPr txBox="1"/>
+            <p:nvPr/>
+          </p:nvSpPr>
+          <p:spPr>
+            <a:xfrm>
+              <a:off x="2349836" y="3561611"/>
+              <a:ext cx="1090862" cy="307777"/>
+            </a:xfrm>
+            <a:prstGeom prst="rect">
+              <a:avLst/>
+            </a:prstGeom>
+            <a:noFill/>
+          </p:spPr>
+          <p:txBody>
+            <a:bodyPr wrap="square" rtlCol="0">
+              <a:spAutoFit/>
+            </a:bodyPr>
+            <a:lstStyle/>
+            <a:p>
+              <a:r>
+                <a:rPr lang="en-US" altLang="zh-CN" sz="1400" dirty="0"/>
+                <a:t>maybe</a:t>
+              </a:r>
+              <a:endParaRPr lang="zh-CN" altLang="en-US" sz="1400" dirty="0"/>
+            </a:p>
+          </p:txBody>
+        </p:sp>
+        <p:sp>
+          <p:nvSpPr>
+            <p:cNvPr id="16" name="文本框 15">
+              <a:extLst>
+                <a:ext uri="{FF2B5EF4-FFF2-40B4-BE49-F238E27FC236}">
+                  <a16:creationId xmlns:a16="http://schemas.microsoft.com/office/drawing/2014/main" id="{A596E7E1-0757-41C5-B71B-CD8172C15A35}"/>
+                </a:ext>
+              </a:extLst>
+            </p:cNvPr>
+            <p:cNvSpPr txBox="1"/>
+            <p:nvPr/>
+          </p:nvSpPr>
+          <p:spPr>
+            <a:xfrm>
+              <a:off x="3962736" y="3561611"/>
+              <a:ext cx="1090862" cy="307777"/>
+            </a:xfrm>
+            <a:prstGeom prst="rect">
+              <a:avLst/>
+            </a:prstGeom>
+            <a:noFill/>
+          </p:spPr>
+          <p:txBody>
+            <a:bodyPr wrap="square" rtlCol="0">
+              <a:spAutoFit/>
+            </a:bodyPr>
+            <a:lstStyle/>
+            <a:p>
+              <a:r>
+                <a:rPr lang="en-US" altLang="zh-CN" sz="1400" dirty="0"/>
+                <a:t>yes</a:t>
+              </a:r>
+              <a:endParaRPr lang="zh-CN" altLang="en-US" sz="1400" dirty="0"/>
+            </a:p>
+          </p:txBody>
+        </p:sp>
+        <p:cxnSp>
+          <p:nvCxnSpPr>
+            <p:cNvPr id="17" name="直接箭头连接符 16">
+              <a:extLst>
+                <a:ext uri="{FF2B5EF4-FFF2-40B4-BE49-F238E27FC236}">
+                  <a16:creationId xmlns:a16="http://schemas.microsoft.com/office/drawing/2014/main" id="{48AF9C68-B07F-400F-BC1C-9E31B892412F}"/>
+                </a:ext>
+              </a:extLst>
+            </p:cNvPr>
+            <p:cNvCxnSpPr>
+              <a:stCxn id="8" idx="5"/>
+            </p:cNvCxnSpPr>
+            <p:nvPr/>
+          </p:nvCxnSpPr>
+          <p:spPr>
+            <a:xfrm>
+              <a:off x="3834732" y="3160628"/>
+              <a:ext cx="319506" cy="400983"/>
+            </a:xfrm>
+            <a:prstGeom prst="straightConnector1">
+              <a:avLst/>
+            </a:prstGeom>
+            <a:ln>
+              <a:tailEnd type="triangle"/>
+            </a:ln>
+          </p:spPr>
+          <p:style>
+            <a:lnRef idx="1">
+              <a:schemeClr val="accent1"/>
+            </a:lnRef>
+            <a:fillRef idx="0">
+              <a:schemeClr val="accent1"/>
+            </a:fillRef>
+            <a:effectRef idx="0">
+              <a:schemeClr val="accent1"/>
+            </a:effectRef>
+            <a:fontRef idx="minor">
+              <a:schemeClr val="tx1"/>
+            </a:fontRef>
+          </p:style>
+        </p:cxnSp>
+        <p:sp>
+          <p:nvSpPr>
+            <p:cNvPr id="18" name="文本框 17">
+              <a:extLst>
+                <a:ext uri="{FF2B5EF4-FFF2-40B4-BE49-F238E27FC236}">
+                  <a16:creationId xmlns:a16="http://schemas.microsoft.com/office/drawing/2014/main" id="{B4A69E7A-B475-48B9-AB21-7B3374E8A67B}"/>
+                </a:ext>
+              </a:extLst>
+            </p:cNvPr>
+            <p:cNvSpPr txBox="1"/>
+            <p:nvPr/>
+          </p:nvSpPr>
+          <p:spPr>
+            <a:xfrm>
+              <a:off x="5286210" y="3532240"/>
+              <a:ext cx="1090862" cy="307777"/>
+            </a:xfrm>
+            <a:prstGeom prst="rect">
+              <a:avLst/>
+            </a:prstGeom>
+            <a:noFill/>
+          </p:spPr>
+          <p:txBody>
+            <a:bodyPr wrap="square" rtlCol="0">
+              <a:spAutoFit/>
+            </a:bodyPr>
+            <a:lstStyle/>
+            <a:p>
+              <a:r>
+                <a:rPr lang="en-US" altLang="zh-CN" sz="1400" dirty="0"/>
+                <a:t>no</a:t>
+              </a:r>
+              <a:endParaRPr lang="zh-CN" altLang="en-US" sz="1400" dirty="0"/>
+            </a:p>
+          </p:txBody>
+        </p:sp>
+        <p:cxnSp>
+          <p:nvCxnSpPr>
+            <p:cNvPr id="19" name="直接箭头连接符 18">
+              <a:extLst>
+                <a:ext uri="{FF2B5EF4-FFF2-40B4-BE49-F238E27FC236}">
+                  <a16:creationId xmlns:a16="http://schemas.microsoft.com/office/drawing/2014/main" id="{C858ECEA-3460-430B-8479-638E79E2278C}"/>
+                </a:ext>
+              </a:extLst>
+            </p:cNvPr>
+            <p:cNvCxnSpPr>
+              <a:cxnSpLocks/>
+              <a:stCxn id="9" idx="4"/>
+            </p:cNvCxnSpPr>
+            <p:nvPr/>
+          </p:nvCxnSpPr>
+          <p:spPr>
+            <a:xfrm>
+              <a:off x="5550569" y="3240505"/>
+              <a:ext cx="0" cy="291735"/>
+            </a:xfrm>
+            <a:prstGeom prst="straightConnector1">
+              <a:avLst/>
+            </a:prstGeom>
+            <a:ln>
+              <a:tailEnd type="triangle"/>
+            </a:ln>
+          </p:spPr>
+          <p:style>
+            <a:lnRef idx="1">
+              <a:schemeClr val="accent1"/>
+            </a:lnRef>
+            <a:fillRef idx="0">
+              <a:schemeClr val="accent1"/>
+            </a:fillRef>
+            <a:effectRef idx="0">
+              <a:schemeClr val="accent1"/>
+            </a:effectRef>
+            <a:fontRef idx="minor">
+              <a:schemeClr val="tx1"/>
+            </a:fontRef>
+          </p:style>
+        </p:cxnSp>
+        <p:sp>
+          <p:nvSpPr>
+            <p:cNvPr id="20" name="文本框 19">
+              <a:extLst>
+                <a:ext uri="{FF2B5EF4-FFF2-40B4-BE49-F238E27FC236}">
+                  <a16:creationId xmlns:a16="http://schemas.microsoft.com/office/drawing/2014/main" id="{2EFF821B-0929-4DA3-8B5A-F49B6A2AA5D4}"/>
+                </a:ext>
+              </a:extLst>
+            </p:cNvPr>
+            <p:cNvSpPr txBox="1"/>
+            <p:nvPr/>
+          </p:nvSpPr>
+          <p:spPr>
+            <a:xfrm>
+              <a:off x="2278648" y="3142500"/>
+              <a:ext cx="1090862" cy="307777"/>
+            </a:xfrm>
+            <a:prstGeom prst="rect">
+              <a:avLst/>
+            </a:prstGeom>
+            <a:noFill/>
+          </p:spPr>
+          <p:txBody>
+            <a:bodyPr wrap="square" rtlCol="0">
+              <a:spAutoFit/>
+            </a:bodyPr>
+            <a:lstStyle/>
+            <a:p>
+              <a:r>
+                <a:rPr lang="en-US" altLang="zh-CN" sz="1400" dirty="0"/>
+                <a:t>good</a:t>
+              </a:r>
+              <a:endParaRPr lang="zh-CN" altLang="en-US" sz="1400" dirty="0"/>
+            </a:p>
+          </p:txBody>
+        </p:sp>
+        <p:sp>
+          <p:nvSpPr>
+            <p:cNvPr id="21" name="文本框 20">
+              <a:extLst>
+                <a:ext uri="{FF2B5EF4-FFF2-40B4-BE49-F238E27FC236}">
+                  <a16:creationId xmlns:a16="http://schemas.microsoft.com/office/drawing/2014/main" id="{13A0FD2C-A141-434A-A400-8557BF7014D9}"/>
+                </a:ext>
+              </a:extLst>
+            </p:cNvPr>
+            <p:cNvSpPr txBox="1"/>
+            <p:nvPr/>
+          </p:nvSpPr>
+          <p:spPr>
+            <a:xfrm>
+              <a:off x="3560095" y="3183466"/>
+              <a:ext cx="1090862" cy="307777"/>
+            </a:xfrm>
+            <a:prstGeom prst="rect">
+              <a:avLst/>
+            </a:prstGeom>
+            <a:noFill/>
+          </p:spPr>
+          <p:txBody>
+            <a:bodyPr wrap="square" rtlCol="0">
+              <a:spAutoFit/>
+            </a:bodyPr>
+            <a:lstStyle/>
+            <a:p>
+              <a:r>
+                <a:rPr lang="en-US" altLang="zh-CN" sz="1400" dirty="0"/>
+                <a:t>sad</a:t>
+              </a:r>
+              <a:endParaRPr lang="zh-CN" altLang="en-US" sz="1400" dirty="0"/>
+            </a:p>
+          </p:txBody>
+        </p:sp>
+        <p:sp>
+          <p:nvSpPr>
+            <p:cNvPr id="22" name="文本框 21">
+              <a:extLst>
+                <a:ext uri="{FF2B5EF4-FFF2-40B4-BE49-F238E27FC236}">
+                  <a16:creationId xmlns:a16="http://schemas.microsoft.com/office/drawing/2014/main" id="{81934147-8B85-4CB9-8815-E8A1DDA4AFD2}"/>
+                </a:ext>
+              </a:extLst>
+            </p:cNvPr>
+            <p:cNvSpPr txBox="1"/>
+            <p:nvPr/>
+          </p:nvSpPr>
+          <p:spPr>
+            <a:xfrm>
+              <a:off x="5630113" y="3187209"/>
+              <a:ext cx="1090862" cy="307777"/>
+            </a:xfrm>
+            <a:prstGeom prst="rect">
+              <a:avLst/>
+            </a:prstGeom>
+            <a:noFill/>
+          </p:spPr>
+          <p:txBody>
+            <a:bodyPr wrap="square" rtlCol="0">
+              <a:spAutoFit/>
+            </a:bodyPr>
+            <a:lstStyle/>
+            <a:p>
+              <a:r>
+                <a:rPr lang="en-US" altLang="zh-CN" sz="1400" dirty="0"/>
+                <a:t>good</a:t>
+              </a:r>
+              <a:endParaRPr lang="zh-CN" altLang="en-US" sz="1400" dirty="0"/>
+            </a:p>
+          </p:txBody>
+        </p:sp>
+      </p:grpSp>
+      <p:sp>
+        <p:nvSpPr>
+          <p:cNvPr id="24" name="标题 1">
+            <a:extLst>
+              <a:ext uri="{FF2B5EF4-FFF2-40B4-BE49-F238E27FC236}">
+                <a16:creationId xmlns:a16="http://schemas.microsoft.com/office/drawing/2014/main" id="{5750CDC1-7149-49B1-A626-D4D38884A252}"/>
+              </a:ext>
+            </a:extLst>
+          </p:cNvPr>
+          <p:cNvSpPr>
+            <a:spLocks noGrp="1"/>
+          </p:cNvSpPr>
+          <p:nvPr>
+            <p:ph type="title"/>
+          </p:nvPr>
+        </p:nvSpPr>
+        <p:spPr>
+          <a:xfrm>
+            <a:off x="838200" y="365125"/>
+            <a:ext cx="10515600" cy="1325563"/>
+          </a:xfrm>
+        </p:spPr>
+        <p:txBody>
+          <a:bodyPr/>
+          <a:lstStyle/>
+          <a:p>
+            <a:r>
+              <a:rPr lang="zh-CN" altLang="en-US" dirty="0"/>
+              <a:t>决策树字典结构实例</a:t>
+            </a:r>
+          </a:p>
+        </p:txBody>
+      </p:sp>
+    </p:spTree>
+    <p:extLst>
+      <p:ext uri="{BB962C8B-B14F-4D97-AF65-F5344CB8AC3E}">
+        <p14:creationId xmlns:p14="http://schemas.microsoft.com/office/powerpoint/2010/main" val="1017380603"/>
+      </p:ext>
+    </p:extLst>
+  </p:cSld>
+  <p:clrMapOvr>
+    <a:masterClrMapping/>
+  </p:clrMapOvr>
+</p:sld>
+</file>
+
+<file path=ppt/slides/slide7.xml><?xml version="1.0" encoding="utf-8"?>
+<p:sld xmlns:a="http://schemas.openxmlformats.org/drawingml/2006/main" xmlns:r="http://schemas.openxmlformats.org/officeDocument/2006/relationships" xmlns:p="http://schemas.openxmlformats.org/presentationml/2006/main">
+  <p:cSld>
+    <p:spTree>
+      <p:nvGrpSpPr>
+        <p:cNvPr id="1" name=""/>
+        <p:cNvGrpSpPr/>
+        <p:nvPr/>
+      </p:nvGrpSpPr>
+      <p:grpSpPr>
+        <a:xfrm>
+          <a:off x="0" y="0"/>
+          <a:ext cx="0" cy="0"/>
+          <a:chOff x="0" y="0"/>
+          <a:chExt cx="0" cy="0"/>
+        </a:xfrm>
+      </p:grpSpPr>
+      <p:sp>
+        <p:nvSpPr>
           <p:cNvPr id="2" name="标题 1">
             <a:extLst>
               <a:ext uri="{FF2B5EF4-FFF2-40B4-BE49-F238E27FC236}">
-                <a16:creationId xmlns:a16="http://schemas.microsoft.com/office/drawing/2014/main" id="{0EC9E301-BBAD-4EBF-B3FD-EC3C2598B78B}"/>
+                <a16:creationId xmlns:a16="http://schemas.microsoft.com/office/drawing/2014/main" id="{1C466F9C-A062-4190-90AD-D9D4BE80BD10}"/>
+              </a:ext>
+            </a:extLst>
+          </p:cNvPr>
+          <p:cNvSpPr>
+            <a:spLocks noGrp="1"/>
+          </p:cNvSpPr>
+          <p:nvPr>
+            <p:ph type="title"/>
+          </p:nvPr>
+        </p:nvSpPr>
+        <p:spPr>
+          <a:xfrm>
+            <a:off x="838200" y="1655445"/>
+            <a:ext cx="10515600" cy="1325563"/>
+          </a:xfrm>
+        </p:spPr>
+        <p:txBody>
+          <a:bodyPr/>
+          <a:lstStyle/>
+          <a:p>
+            <a:r>
+              <a:rPr lang="zh-CN" altLang="en-US" dirty="0"/>
+              <a:t>测试样本的特征不完备如何处理？</a:t>
+            </a:r>
+          </a:p>
+        </p:txBody>
+      </p:sp>
+      <p:sp>
+        <p:nvSpPr>
+          <p:cNvPr id="3" name="内容占位符 2">
+            <a:extLst>
+              <a:ext uri="{FF2B5EF4-FFF2-40B4-BE49-F238E27FC236}">
+                <a16:creationId xmlns:a16="http://schemas.microsoft.com/office/drawing/2014/main" id="{76987DC3-7A30-4034-B22C-313E2009128F}"/>
+              </a:ext>
+            </a:extLst>
+          </p:cNvPr>
+          <p:cNvSpPr>
+            <a:spLocks noGrp="1"/>
+          </p:cNvSpPr>
+          <p:nvPr>
+            <p:ph idx="1"/>
+          </p:nvPr>
+        </p:nvSpPr>
+        <p:spPr>
+          <a:xfrm>
+            <a:off x="838200" y="3026886"/>
+            <a:ext cx="10515600" cy="2175669"/>
+          </a:xfrm>
+        </p:spPr>
+        <p:txBody>
+          <a:bodyPr>
+            <a:normAutofit/>
+          </a:bodyPr>
+          <a:lstStyle/>
+          <a:p>
+            <a:r>
+              <a:rPr lang="en-US" altLang="zh-CN" sz="2400" dirty="0"/>
+              <a:t>new = ['21…50','High','USA’]</a:t>
+            </a:r>
+          </a:p>
+          <a:p>
+            <a:r>
+              <a:rPr lang="zh-CN" altLang="en-US" sz="2400" dirty="0"/>
+              <a:t>完整的待测试的样本的特征应该为</a:t>
+            </a:r>
+            <a:r>
+              <a:rPr lang="en-US" altLang="zh-CN" sz="2400" dirty="0"/>
+              <a:t>[</a:t>
+            </a:r>
+            <a:r>
+              <a:rPr lang="en-US" altLang="zh-CN" sz="2400" dirty="0" err="1"/>
+              <a:t>Age,Income,Region,Credit</a:t>
+            </a:r>
+            <a:r>
+              <a:rPr lang="en-US" altLang="zh-CN" sz="2400" dirty="0"/>
+              <a:t> rating] </a:t>
+            </a:r>
+            <a:r>
+              <a:rPr lang="zh-CN" altLang="en-US" sz="2400" dirty="0"/>
+              <a:t>这</a:t>
+            </a:r>
+            <a:r>
+              <a:rPr lang="en-US" altLang="zh-CN" sz="2400" dirty="0"/>
+              <a:t>4</a:t>
+            </a:r>
+            <a:r>
+              <a:rPr lang="zh-CN" altLang="en-US" sz="2400" dirty="0"/>
+              <a:t>个属性，而上述</a:t>
+            </a:r>
+            <a:r>
+              <a:rPr lang="en-US" altLang="zh-CN" sz="2400" dirty="0"/>
+              <a:t>new </a:t>
+            </a:r>
+            <a:r>
+              <a:rPr lang="zh-CN" altLang="en-US" sz="2400" dirty="0"/>
+              <a:t>样本只提供了</a:t>
+            </a:r>
+            <a:r>
+              <a:rPr lang="en-US" altLang="zh-CN" sz="2400" dirty="0"/>
+              <a:t>3</a:t>
+            </a:r>
+            <a:r>
+              <a:rPr lang="zh-CN" altLang="en-US" sz="2400" dirty="0"/>
+              <a:t>个特征值</a:t>
+            </a:r>
+          </a:p>
+        </p:txBody>
+      </p:sp>
+      <p:sp>
+        <p:nvSpPr>
+          <p:cNvPr id="4" name="标题 1">
+            <a:extLst>
+              <a:ext uri="{FF2B5EF4-FFF2-40B4-BE49-F238E27FC236}">
+                <a16:creationId xmlns:a16="http://schemas.microsoft.com/office/drawing/2014/main" id="{75502CED-E531-41C6-8447-88BB5DD5200C}"/>
+              </a:ext>
+            </a:extLst>
+          </p:cNvPr>
+          <p:cNvSpPr txBox="1">
+            <a:spLocks/>
+          </p:cNvSpPr>
+          <p:nvPr/>
+        </p:nvSpPr>
+        <p:spPr>
+          <a:xfrm>
+            <a:off x="838200" y="365125"/>
+            <a:ext cx="10515600" cy="1325563"/>
+          </a:xfrm>
+          <a:prstGeom prst="rect">
+            <a:avLst/>
+          </a:prstGeom>
+        </p:spPr>
+        <p:txBody>
+          <a:bodyPr vert="horz" lIns="91440" tIns="45720" rIns="91440" bIns="45720" rtlCol="0" anchor="ctr">
+            <a:normAutofit/>
+          </a:bodyPr>
+          <a:lstStyle>
+            <a:lvl1pPr algn="l" defTabSz="914400" rtl="0" eaLnBrk="1" latinLnBrk="0" hangingPunct="1">
+              <a:lnSpc>
+                <a:spcPct val="90000"/>
+              </a:lnSpc>
+              <a:spcBef>
+                <a:spcPct val="0"/>
+              </a:spcBef>
+              <a:buNone/>
+              <a:defRPr sz="4400" kern="1200">
+                <a:solidFill>
+                  <a:schemeClr val="tx1"/>
+                </a:solidFill>
+                <a:latin typeface="+mj-lt"/>
+                <a:ea typeface="+mj-ea"/>
+                <a:cs typeface="+mj-cs"/>
+              </a:defRPr>
+            </a:lvl1pPr>
+          </a:lstStyle>
+          <a:p>
+            <a:r>
+              <a:rPr lang="en-US" altLang="zh-CN"/>
+              <a:t>Decision Tree</a:t>
+            </a:r>
+            <a:endParaRPr lang="zh-CN" altLang="en-US" dirty="0"/>
+          </a:p>
+        </p:txBody>
+      </p:sp>
+    </p:spTree>
+    <p:extLst>
+      <p:ext uri="{BB962C8B-B14F-4D97-AF65-F5344CB8AC3E}">
+        <p14:creationId xmlns:p14="http://schemas.microsoft.com/office/powerpoint/2010/main" val="239441364"/>
+      </p:ext>
+    </p:extLst>
+  </p:cSld>
+  <p:clrMapOvr>
+    <a:masterClrMapping/>
+  </p:clrMapOvr>
+</p:sld>
+</file>
+
+<file path=ppt/slides/slide8.xml><?xml version="1.0" encoding="utf-8"?>
+<p:sld xmlns:a="http://schemas.openxmlformats.org/drawingml/2006/main" xmlns:r="http://schemas.openxmlformats.org/officeDocument/2006/relationships" xmlns:p="http://schemas.openxmlformats.org/presentationml/2006/main">
+  <p:cSld>
+    <p:spTree>
+      <p:nvGrpSpPr>
+        <p:cNvPr id="1" name=""/>
+        <p:cNvGrpSpPr/>
+        <p:nvPr/>
+      </p:nvGrpSpPr>
+      <p:grpSpPr>
+        <a:xfrm>
+          <a:off x="0" y="0"/>
+          <a:ext cx="0" cy="0"/>
+          <a:chOff x="0" y="0"/>
+          <a:chExt cx="0" cy="0"/>
+        </a:xfrm>
+      </p:grpSpPr>
+      <p:sp>
+        <p:nvSpPr>
+          <p:cNvPr id="2" name="标题 1">
+            <a:extLst>
+              <a:ext uri="{FF2B5EF4-FFF2-40B4-BE49-F238E27FC236}">
+                <a16:creationId xmlns:a16="http://schemas.microsoft.com/office/drawing/2014/main" id="{0BF6D003-29B0-4F4F-9A19-9858227754C9}"/>
               </a:ext>
             </a:extLst>
           </p:cNvPr>
@@ -4927,20 +7777,20 @@
           <a:p>
             <a:r>
               <a:rPr lang="en-US" altLang="zh-CN" dirty="0"/>
-              <a:t>Information gain ratio </a:t>
+              <a:t>Document Clustering</a:t>
             </a:r>
             <a:endParaRPr lang="zh-CN" altLang="en-US" dirty="0"/>
           </a:p>
         </p:txBody>
       </p:sp>
-      <mc:AlternateContent xmlns:mc="http://schemas.openxmlformats.org/markup-compatibility/2006" xmlns:a14="http://schemas.microsoft.com/office/drawing/2010/main">
-        <mc:Choice Requires="a14">
+      <mc:AlternateContent xmlns:mc="http://schemas.openxmlformats.org/markup-compatibility/2006">
+        <mc:Choice xmlns:a14="http://schemas.microsoft.com/office/drawing/2010/main" Requires="a14">
           <p:sp>
             <p:nvSpPr>
               <p:cNvPr id="3" name="内容占位符 2">
                 <a:extLst>
                   <a:ext uri="{FF2B5EF4-FFF2-40B4-BE49-F238E27FC236}">
-                    <a16:creationId xmlns:a16="http://schemas.microsoft.com/office/drawing/2014/main" id="{754D7BFF-63E7-4B44-A5BD-EEFCCE73DDD3}"/>
+                    <a16:creationId xmlns:a16="http://schemas.microsoft.com/office/drawing/2014/main" id="{88419300-C5D6-4835-9AB7-CCC1D8E8FF9F}"/>
                   </a:ext>
                 </a:extLst>
               </p:cNvPr>
@@ -4961,199 +7811,368 @@
                     <m:sSub>
                       <m:sSubPr>
                         <m:ctrlPr>
-                          <a:rPr lang="en-US" altLang="zh-CN" b="0" i="1" smtClean="0">
+                          <a:rPr lang="en-US" altLang="zh-CN" i="1">
                             <a:latin typeface="Cambria Math" panose="02040503050406030204" pitchFamily="18" charset="0"/>
                           </a:rPr>
                         </m:ctrlPr>
                       </m:sSubPr>
                       <m:e>
                         <m:r>
-                          <a:rPr lang="en-US" altLang="zh-CN" b="0" i="1" smtClean="0">
+                          <a:rPr lang="en-US" altLang="zh-CN" i="1">
                             <a:latin typeface="Cambria Math" panose="02040503050406030204" pitchFamily="18" charset="0"/>
                           </a:rPr>
-                          <m:t>𝑔</m:t>
+                          <m:t>𝐷</m:t>
                         </m:r>
                       </m:e>
                       <m:sub>
                         <m:r>
-                          <a:rPr lang="en-US" altLang="zh-CN" b="0" i="1" smtClean="0">
+                          <a:rPr lang="en-US" altLang="zh-CN" i="1">
                             <a:latin typeface="Cambria Math" panose="02040503050406030204" pitchFamily="18" charset="0"/>
                           </a:rPr>
-                          <m:t>𝑅</m:t>
+                          <m:t>𝐾𝐿</m:t>
                         </m:r>
                       </m:sub>
                     </m:sSub>
-                    <m:r>
-                      <a:rPr lang="en-US" altLang="zh-CN" b="0" i="1" smtClean="0">
-                        <a:latin typeface="Cambria Math" panose="02040503050406030204" pitchFamily="18" charset="0"/>
-                      </a:rPr>
-                      <m:t>=</m:t>
-                    </m:r>
-                    <m:f>
-                      <m:fPr>
+                    <m:d>
+                      <m:dPr>
                         <m:ctrlPr>
-                          <a:rPr lang="en-US" altLang="zh-CN" b="0" i="1" smtClean="0">
+                          <a:rPr lang="en-US" altLang="zh-CN" i="1">
                             <a:latin typeface="Cambria Math" panose="02040503050406030204" pitchFamily="18" charset="0"/>
                           </a:rPr>
                         </m:ctrlPr>
-                      </m:fPr>
-                      <m:num>
-                        <m:r>
-                          <a:rPr lang="en-US" altLang="zh-CN" b="0" i="1" smtClean="0">
-                            <a:latin typeface="Cambria Math" panose="02040503050406030204" pitchFamily="18" charset="0"/>
-                          </a:rPr>
-                          <m:t>𝑔</m:t>
-                        </m:r>
+                      </m:dPr>
+                      <m:e>
+                        <m:acc>
+                          <m:accPr>
+                            <m:chr m:val="⃗"/>
+                            <m:ctrlPr>
+                              <a:rPr lang="en-US" altLang="zh-CN" i="1">
+                                <a:latin typeface="Cambria Math" panose="02040503050406030204" pitchFamily="18" charset="0"/>
+                              </a:rPr>
+                            </m:ctrlPr>
+                          </m:accPr>
+                          <m:e>
+                            <m:r>
+                              <a:rPr lang="en-US" altLang="zh-CN" i="1">
+                                <a:latin typeface="Cambria Math" panose="02040503050406030204" pitchFamily="18" charset="0"/>
+                              </a:rPr>
+                              <m:t>𝑎</m:t>
+                            </m:r>
+                          </m:e>
+                        </m:acc>
                         <m:d>
                           <m:dPr>
+                            <m:begChr m:val="‖"/>
+                            <m:endChr m:val=""/>
                             <m:ctrlPr>
-                              <a:rPr lang="en-US" altLang="zh-CN" b="0" i="1" smtClean="0">
+                              <a:rPr lang="en-US" altLang="zh-CN" i="1">
                                 <a:latin typeface="Cambria Math" panose="02040503050406030204" pitchFamily="18" charset="0"/>
                               </a:rPr>
                             </m:ctrlPr>
                           </m:dPr>
                           <m:e>
-                            <m:r>
-                              <a:rPr lang="en-US" altLang="zh-CN" b="0" i="1" smtClean="0">
-                                <a:latin typeface="Cambria Math" panose="02040503050406030204" pitchFamily="18" charset="0"/>
-                              </a:rPr>
-                              <m:t>𝐷</m:t>
-                            </m:r>
-                            <m:r>
-                              <a:rPr lang="en-US" altLang="zh-CN" b="0" i="1" smtClean="0">
-                                <a:latin typeface="Cambria Math" panose="02040503050406030204" pitchFamily="18" charset="0"/>
-                              </a:rPr>
-                              <m:t>,</m:t>
-                            </m:r>
-                            <m:r>
-                              <a:rPr lang="en-US" altLang="zh-CN" b="0" i="1" smtClean="0">
-                                <a:latin typeface="Cambria Math" panose="02040503050406030204" pitchFamily="18" charset="0"/>
-                              </a:rPr>
-                              <m:t>𝑎</m:t>
-                            </m:r>
+                            <m:acc>
+                              <m:accPr>
+                                <m:chr m:val="⃗"/>
+                                <m:ctrlPr>
+                                  <a:rPr lang="en-US" altLang="zh-CN" i="1">
+                                    <a:latin typeface="Cambria Math" panose="02040503050406030204" pitchFamily="18" charset="0"/>
+                                  </a:rPr>
+                                </m:ctrlPr>
+                              </m:accPr>
+                              <m:e>
+                                <m:r>
+                                  <a:rPr lang="en-US" altLang="zh-CN" i="1">
+                                    <a:latin typeface="Cambria Math" panose="02040503050406030204" pitchFamily="18" charset="0"/>
+                                  </a:rPr>
+                                  <m:t>𝑏</m:t>
+                                </m:r>
+                              </m:e>
+                            </m:acc>
                           </m:e>
                         </m:d>
-                      </m:num>
-                      <m:den>
+                      </m:e>
+                    </m:d>
+                    <m:r>
+                      <a:rPr lang="en-US" altLang="zh-CN" i="1">
+                        <a:latin typeface="Cambria Math" panose="02040503050406030204" pitchFamily="18" charset="0"/>
+                      </a:rPr>
+                      <m:t>=</m:t>
+                    </m:r>
+                    <m:nary>
+                      <m:naryPr>
+                        <m:chr m:val="∑"/>
+                        <m:ctrlPr>
+                          <a:rPr lang="en-US" altLang="zh-CN" i="1">
+                            <a:latin typeface="Cambria Math" panose="02040503050406030204" pitchFamily="18" charset="0"/>
+                          </a:rPr>
+                        </m:ctrlPr>
+                      </m:naryPr>
+                      <m:sub>
+                        <m:r>
+                          <m:rPr>
+                            <m:brk m:alnAt="23"/>
+                          </m:rPr>
+                          <a:rPr lang="en-US" altLang="zh-CN" i="1">
+                            <a:latin typeface="Cambria Math" panose="02040503050406030204" pitchFamily="18" charset="0"/>
+                          </a:rPr>
+                          <m:t>𝑡</m:t>
+                        </m:r>
+                        <m:r>
+                          <a:rPr lang="en-US" altLang="zh-CN" i="1">
+                            <a:latin typeface="Cambria Math" panose="02040503050406030204" pitchFamily="18" charset="0"/>
+                          </a:rPr>
+                          <m:t>=1</m:t>
+                        </m:r>
+                      </m:sub>
+                      <m:sup>
+                        <m:r>
+                          <a:rPr lang="en-US" altLang="zh-CN" i="1">
+                            <a:latin typeface="Cambria Math" panose="02040503050406030204" pitchFamily="18" charset="0"/>
+                          </a:rPr>
+                          <m:t>𝑚</m:t>
+                        </m:r>
+                      </m:sup>
+                      <m:e>
                         <m:sSub>
                           <m:sSubPr>
                             <m:ctrlPr>
-                              <a:rPr lang="en-US" altLang="zh-CN" b="0" i="1" smtClean="0">
+                              <a:rPr lang="en-US" altLang="zh-CN" i="1">
                                 <a:latin typeface="Cambria Math" panose="02040503050406030204" pitchFamily="18" charset="0"/>
                               </a:rPr>
                             </m:ctrlPr>
                           </m:sSubPr>
                           <m:e>
                             <m:r>
-                              <a:rPr lang="en-US" altLang="zh-CN" b="0" i="1" smtClean="0">
+                              <a:rPr lang="en-US" altLang="zh-CN" i="1">
                                 <a:latin typeface="Cambria Math" panose="02040503050406030204" pitchFamily="18" charset="0"/>
                               </a:rPr>
-                              <m:t>𝐻</m:t>
+                              <m:t>𝑤</m:t>
                             </m:r>
                           </m:e>
                           <m:sub>
                             <m:r>
-                              <a:rPr lang="en-US" altLang="zh-CN" b="0" i="1" smtClean="0">
+                              <a:rPr lang="en-US" altLang="zh-CN" i="1">
+                                <a:latin typeface="Cambria Math" panose="02040503050406030204" pitchFamily="18" charset="0"/>
+                              </a:rPr>
+                              <m:t>𝑡</m:t>
+                            </m:r>
+                            <m:r>
+                              <a:rPr lang="en-US" altLang="zh-CN" i="1">
+                                <a:latin typeface="Cambria Math" panose="02040503050406030204" pitchFamily="18" charset="0"/>
+                              </a:rPr>
+                              <m:t>,</m:t>
+                            </m:r>
+                            <m:r>
+                              <a:rPr lang="en-US" altLang="zh-CN" i="1">
                                 <a:latin typeface="Cambria Math" panose="02040503050406030204" pitchFamily="18" charset="0"/>
                               </a:rPr>
                               <m:t>𝑎</m:t>
                             </m:r>
                           </m:sub>
                         </m:sSub>
-                        <m:d>
-                          <m:dPr>
+                        <m:r>
+                          <a:rPr lang="en-US" altLang="zh-CN" i="1">
+                            <a:latin typeface="Cambria Math" panose="02040503050406030204" pitchFamily="18" charset="0"/>
+                          </a:rPr>
+                          <m:t>×</m:t>
+                        </m:r>
+                        <m:r>
+                          <a:rPr lang="en-US" altLang="zh-CN" i="1">
+                            <a:latin typeface="Cambria Math" panose="02040503050406030204" pitchFamily="18" charset="0"/>
+                          </a:rPr>
+                          <m:t>𝑙𝑜𝑔</m:t>
+                        </m:r>
+                        <m:f>
+                          <m:fPr>
                             <m:ctrlPr>
-                              <a:rPr lang="en-US" altLang="zh-CN" b="0" i="1" smtClean="0">
+                              <a:rPr lang="en-US" altLang="zh-CN" i="1">
                                 <a:latin typeface="Cambria Math" panose="02040503050406030204" pitchFamily="18" charset="0"/>
                               </a:rPr>
                             </m:ctrlPr>
-                          </m:dPr>
-                          <m:e>
-                            <m:r>
-                              <a:rPr lang="en-US" altLang="zh-CN" b="0" i="1" smtClean="0">
-                                <a:latin typeface="Cambria Math" panose="02040503050406030204" pitchFamily="18" charset="0"/>
-                              </a:rPr>
-                              <m:t>𝐷</m:t>
-                            </m:r>
-                          </m:e>
-                        </m:d>
-                      </m:den>
-                    </m:f>
+                          </m:fPr>
+                          <m:num>
+                            <m:sSub>
+                              <m:sSubPr>
+                                <m:ctrlPr>
+                                  <a:rPr lang="en-US" altLang="zh-CN" i="1">
+                                    <a:latin typeface="Cambria Math" panose="02040503050406030204" pitchFamily="18" charset="0"/>
+                                  </a:rPr>
+                                </m:ctrlPr>
+                              </m:sSubPr>
+                              <m:e>
+                                <m:r>
+                                  <a:rPr lang="en-US" altLang="zh-CN" i="1">
+                                    <a:latin typeface="Cambria Math" panose="02040503050406030204" pitchFamily="18" charset="0"/>
+                                  </a:rPr>
+                                  <m:t>𝑤</m:t>
+                                </m:r>
+                              </m:e>
+                              <m:sub>
+                                <m:r>
+                                  <a:rPr lang="en-US" altLang="zh-CN" i="1">
+                                    <a:latin typeface="Cambria Math" panose="02040503050406030204" pitchFamily="18" charset="0"/>
+                                  </a:rPr>
+                                  <m:t>𝑡</m:t>
+                                </m:r>
+                                <m:r>
+                                  <a:rPr lang="en-US" altLang="zh-CN" i="1">
+                                    <a:latin typeface="Cambria Math" panose="02040503050406030204" pitchFamily="18" charset="0"/>
+                                  </a:rPr>
+                                  <m:t>,</m:t>
+                                </m:r>
+                                <m:r>
+                                  <a:rPr lang="en-US" altLang="zh-CN" i="1">
+                                    <a:latin typeface="Cambria Math" panose="02040503050406030204" pitchFamily="18" charset="0"/>
+                                  </a:rPr>
+                                  <m:t>𝑎</m:t>
+                                </m:r>
+                              </m:sub>
+                            </m:sSub>
+                          </m:num>
+                          <m:den>
+                            <m:sSub>
+                              <m:sSubPr>
+                                <m:ctrlPr>
+                                  <a:rPr lang="en-US" altLang="zh-CN" i="1" smtClean="0">
+                                    <a:solidFill>
+                                      <a:srgbClr val="C00000"/>
+                                    </a:solidFill>
+                                    <a:latin typeface="Cambria Math" panose="02040503050406030204" pitchFamily="18" charset="0"/>
+                                  </a:rPr>
+                                </m:ctrlPr>
+                              </m:sSubPr>
+                              <m:e>
+                                <m:r>
+                                  <a:rPr lang="en-US" altLang="zh-CN" i="1">
+                                    <a:solidFill>
+                                      <a:srgbClr val="C00000"/>
+                                    </a:solidFill>
+                                    <a:latin typeface="Cambria Math" panose="02040503050406030204" pitchFamily="18" charset="0"/>
+                                  </a:rPr>
+                                  <m:t>𝑤</m:t>
+                                </m:r>
+                              </m:e>
+                              <m:sub>
+                                <m:r>
+                                  <a:rPr lang="en-US" altLang="zh-CN" i="1">
+                                    <a:solidFill>
+                                      <a:srgbClr val="C00000"/>
+                                    </a:solidFill>
+                                    <a:latin typeface="Cambria Math" panose="02040503050406030204" pitchFamily="18" charset="0"/>
+                                  </a:rPr>
+                                  <m:t>𝑡</m:t>
+                                </m:r>
+                                <m:r>
+                                  <a:rPr lang="en-US" altLang="zh-CN" i="1">
+                                    <a:solidFill>
+                                      <a:srgbClr val="C00000"/>
+                                    </a:solidFill>
+                                    <a:latin typeface="Cambria Math" panose="02040503050406030204" pitchFamily="18" charset="0"/>
+                                  </a:rPr>
+                                  <m:t>,</m:t>
+                                </m:r>
+                                <m:r>
+                                  <a:rPr lang="en-US" altLang="zh-CN" i="1">
+                                    <a:solidFill>
+                                      <a:srgbClr val="C00000"/>
+                                    </a:solidFill>
+                                    <a:latin typeface="Cambria Math" panose="02040503050406030204" pitchFamily="18" charset="0"/>
+                                  </a:rPr>
+                                  <m:t>𝑏</m:t>
+                                </m:r>
+                              </m:sub>
+                            </m:sSub>
+                          </m:den>
+                        </m:f>
+                        <m:r>
+                          <a:rPr lang="en-US" altLang="zh-CN" i="1">
+                            <a:latin typeface="Cambria Math" panose="02040503050406030204" pitchFamily="18" charset="0"/>
+                          </a:rPr>
+                          <m:t>.</m:t>
+                        </m:r>
+                      </m:e>
+                    </m:nary>
                   </m:oMath>
                 </a14:m>
                 <a:r>
                   <a:rPr lang="zh-CN" altLang="en-US" dirty="0"/>
-                  <a:t> 中，分母</a:t>
+                  <a:t> </a:t>
                 </a:r>
+                <a:endParaRPr lang="en-US" altLang="zh-CN" dirty="0"/>
+              </a:p>
+              <a:p>
                 <a14:m>
                   <m:oMath xmlns:m="http://schemas.openxmlformats.org/officeDocument/2006/math">
                     <m:sSub>
                       <m:sSubPr>
                         <m:ctrlPr>
-                          <a:rPr lang="en-US" altLang="zh-CN" b="0" i="1" smtClean="0">
+                          <a:rPr lang="en-US" altLang="zh-CN" i="1">
+                            <a:solidFill>
+                              <a:srgbClr val="C00000"/>
+                            </a:solidFill>
                             <a:latin typeface="Cambria Math" panose="02040503050406030204" pitchFamily="18" charset="0"/>
                           </a:rPr>
                         </m:ctrlPr>
                       </m:sSubPr>
                       <m:e>
                         <m:r>
-                          <a:rPr lang="en-US" altLang="zh-CN" b="0" i="1" smtClean="0">
+                          <a:rPr lang="en-US" altLang="zh-CN" i="1">
+                            <a:solidFill>
+                              <a:srgbClr val="C00000"/>
+                            </a:solidFill>
                             <a:latin typeface="Cambria Math" panose="02040503050406030204" pitchFamily="18" charset="0"/>
                           </a:rPr>
-                          <m:t>𝐻</m:t>
+                          <m:t>𝑤</m:t>
                         </m:r>
                       </m:e>
                       <m:sub>
                         <m:r>
-                          <a:rPr lang="en-US" altLang="zh-CN" b="0" i="1" smtClean="0">
+                          <a:rPr lang="en-US" altLang="zh-CN" i="1">
+                            <a:solidFill>
+                              <a:srgbClr val="C00000"/>
+                            </a:solidFill>
                             <a:latin typeface="Cambria Math" panose="02040503050406030204" pitchFamily="18" charset="0"/>
                           </a:rPr>
-                          <m:t>𝑎</m:t>
+                          <m:t>𝑡</m:t>
+                        </m:r>
+                        <m:r>
+                          <a:rPr lang="en-US" altLang="zh-CN" i="1">
+                            <a:solidFill>
+                              <a:srgbClr val="C00000"/>
+                            </a:solidFill>
+                            <a:latin typeface="Cambria Math" panose="02040503050406030204" pitchFamily="18" charset="0"/>
+                          </a:rPr>
+                          <m:t>,</m:t>
+                        </m:r>
+                        <m:r>
+                          <a:rPr lang="en-US" altLang="zh-CN" i="1">
+                            <a:solidFill>
+                              <a:srgbClr val="C00000"/>
+                            </a:solidFill>
+                            <a:latin typeface="Cambria Math" panose="02040503050406030204" pitchFamily="18" charset="0"/>
+                          </a:rPr>
+                          <m:t>𝑏</m:t>
                         </m:r>
                       </m:sub>
                     </m:sSub>
-                    <m:d>
-                      <m:dPr>
-                        <m:ctrlPr>
-                          <a:rPr lang="en-US" altLang="zh-CN" b="0" i="1" smtClean="0">
-                            <a:latin typeface="Cambria Math" panose="02040503050406030204" pitchFamily="18" charset="0"/>
-                          </a:rPr>
-                        </m:ctrlPr>
-                      </m:dPr>
-                      <m:e>
-                        <m:r>
-                          <a:rPr lang="en-US" altLang="zh-CN" b="0" i="1" smtClean="0">
-                            <a:latin typeface="Cambria Math" panose="02040503050406030204" pitchFamily="18" charset="0"/>
-                          </a:rPr>
-                          <m:t>𝐷</m:t>
-                        </m:r>
-                      </m:e>
-                    </m:d>
                   </m:oMath>
                 </a14:m>
                 <a:r>
                   <a:rPr lang="zh-CN" altLang="en-US" dirty="0"/>
-                  <a:t>为</a:t>
-                </a:r>
-                <a:r>
-                  <a:rPr lang="en-US" altLang="zh-CN" dirty="0"/>
-                  <a:t>0</a:t>
-                </a:r>
-                <a:r>
-                  <a:rPr lang="zh-CN" altLang="en-US" dirty="0"/>
-                  <a:t>怎么处理？</a:t>
+                  <a:t> 为零怎么办？</a:t>
                 </a:r>
               </a:p>
             </p:txBody>
           </p:sp>
         </mc:Choice>
-        <mc:Fallback xmlns="">
+        <mc:Fallback>
           <p:sp>
             <p:nvSpPr>
               <p:cNvPr id="3" name="内容占位符 2">
                 <a:extLst>
                   <a:ext uri="{FF2B5EF4-FFF2-40B4-BE49-F238E27FC236}">
-                    <a16:creationId xmlns:a16="http://schemas.microsoft.com/office/drawing/2014/main" id="{754D7BFF-63E7-4B44-A5BD-EEFCCE73DDD3}"/>
+                    <a16:creationId xmlns:a16="http://schemas.microsoft.com/office/drawing/2014/main" id="{88419300-C5D6-4835-9AB7-CCC1D8E8FF9F}"/>
                   </a:ext>
                 </a:extLst>
               </p:cNvPr>
@@ -5190,7 +8209,7 @@
     </p:spTree>
     <p:extLst>
       <p:ext uri="{BB962C8B-B14F-4D97-AF65-F5344CB8AC3E}">
-        <p14:creationId xmlns:p14="http://schemas.microsoft.com/office/powerpoint/2010/main" val="333084898"/>
+        <p14:creationId xmlns:p14="http://schemas.microsoft.com/office/powerpoint/2010/main" val="2502445657"/>
       </p:ext>
     </p:extLst>
   </p:cSld>

--- a/GroupHomework/Record.pptx
+++ b/GroupHomework/Record.pptx
@@ -7,11 +7,11 @@
   <p:sldIdLst>
     <p:sldId id="256" r:id="rId2"/>
     <p:sldId id="257" r:id="rId3"/>
-    <p:sldId id="258" r:id="rId4"/>
+    <p:sldId id="263" r:id="rId4"/>
     <p:sldId id="259" r:id="rId5"/>
-    <p:sldId id="263" r:id="rId6"/>
-    <p:sldId id="264" r:id="rId7"/>
-    <p:sldId id="261" r:id="rId8"/>
+    <p:sldId id="261" r:id="rId6"/>
+    <p:sldId id="265" r:id="rId7"/>
+    <p:sldId id="266" r:id="rId8"/>
     <p:sldId id="262" r:id="rId9"/>
   </p:sldIdLst>
   <p:sldSz cx="12192000" cy="6858000"/>
@@ -266,7 +266,7 @@
           <a:p>
             <a:fld id="{C1A1EA91-298B-4DC2-BA8A-339FF847713D}" type="datetimeFigureOut">
               <a:rPr lang="zh-CN" altLang="en-US" smtClean="0"/>
-              <a:t>2019/11/2</a:t>
+              <a:t>2019/11/9</a:t>
             </a:fld>
             <a:endParaRPr lang="zh-CN" altLang="en-US"/>
           </a:p>
@@ -464,7 +464,7 @@
           <a:p>
             <a:fld id="{C1A1EA91-298B-4DC2-BA8A-339FF847713D}" type="datetimeFigureOut">
               <a:rPr lang="zh-CN" altLang="en-US" smtClean="0"/>
-              <a:t>2019/11/2</a:t>
+              <a:t>2019/11/9</a:t>
             </a:fld>
             <a:endParaRPr lang="zh-CN" altLang="en-US"/>
           </a:p>
@@ -672,7 +672,7 @@
           <a:p>
             <a:fld id="{C1A1EA91-298B-4DC2-BA8A-339FF847713D}" type="datetimeFigureOut">
               <a:rPr lang="zh-CN" altLang="en-US" smtClean="0"/>
-              <a:t>2019/11/2</a:t>
+              <a:t>2019/11/9</a:t>
             </a:fld>
             <a:endParaRPr lang="zh-CN" altLang="en-US"/>
           </a:p>
@@ -870,7 +870,7 @@
           <a:p>
             <a:fld id="{C1A1EA91-298B-4DC2-BA8A-339FF847713D}" type="datetimeFigureOut">
               <a:rPr lang="zh-CN" altLang="en-US" smtClean="0"/>
-              <a:t>2019/11/2</a:t>
+              <a:t>2019/11/9</a:t>
             </a:fld>
             <a:endParaRPr lang="zh-CN" altLang="en-US"/>
           </a:p>
@@ -1145,7 +1145,7 @@
           <a:p>
             <a:fld id="{C1A1EA91-298B-4DC2-BA8A-339FF847713D}" type="datetimeFigureOut">
               <a:rPr lang="zh-CN" altLang="en-US" smtClean="0"/>
-              <a:t>2019/11/2</a:t>
+              <a:t>2019/11/9</a:t>
             </a:fld>
             <a:endParaRPr lang="zh-CN" altLang="en-US"/>
           </a:p>
@@ -1410,7 +1410,7 @@
           <a:p>
             <a:fld id="{C1A1EA91-298B-4DC2-BA8A-339FF847713D}" type="datetimeFigureOut">
               <a:rPr lang="zh-CN" altLang="en-US" smtClean="0"/>
-              <a:t>2019/11/2</a:t>
+              <a:t>2019/11/9</a:t>
             </a:fld>
             <a:endParaRPr lang="zh-CN" altLang="en-US"/>
           </a:p>
@@ -1822,7 +1822,7 @@
           <a:p>
             <a:fld id="{C1A1EA91-298B-4DC2-BA8A-339FF847713D}" type="datetimeFigureOut">
               <a:rPr lang="zh-CN" altLang="en-US" smtClean="0"/>
-              <a:t>2019/11/2</a:t>
+              <a:t>2019/11/9</a:t>
             </a:fld>
             <a:endParaRPr lang="zh-CN" altLang="en-US"/>
           </a:p>
@@ -1963,7 +1963,7 @@
           <a:p>
             <a:fld id="{C1A1EA91-298B-4DC2-BA8A-339FF847713D}" type="datetimeFigureOut">
               <a:rPr lang="zh-CN" altLang="en-US" smtClean="0"/>
-              <a:t>2019/11/2</a:t>
+              <a:t>2019/11/9</a:t>
             </a:fld>
             <a:endParaRPr lang="zh-CN" altLang="en-US"/>
           </a:p>
@@ -2076,7 +2076,7 @@
           <a:p>
             <a:fld id="{C1A1EA91-298B-4DC2-BA8A-339FF847713D}" type="datetimeFigureOut">
               <a:rPr lang="zh-CN" altLang="en-US" smtClean="0"/>
-              <a:t>2019/11/2</a:t>
+              <a:t>2019/11/9</a:t>
             </a:fld>
             <a:endParaRPr lang="zh-CN" altLang="en-US"/>
           </a:p>
@@ -2387,7 +2387,7 @@
           <a:p>
             <a:fld id="{C1A1EA91-298B-4DC2-BA8A-339FF847713D}" type="datetimeFigureOut">
               <a:rPr lang="zh-CN" altLang="en-US" smtClean="0"/>
-              <a:t>2019/11/2</a:t>
+              <a:t>2019/11/9</a:t>
             </a:fld>
             <a:endParaRPr lang="zh-CN" altLang="en-US"/>
           </a:p>
@@ -2675,7 +2675,7 @@
           <a:p>
             <a:fld id="{C1A1EA91-298B-4DC2-BA8A-339FF847713D}" type="datetimeFigureOut">
               <a:rPr lang="zh-CN" altLang="en-US" smtClean="0"/>
-              <a:t>2019/11/2</a:t>
+              <a:t>2019/11/9</a:t>
             </a:fld>
             <a:endParaRPr lang="zh-CN" altLang="en-US"/>
           </a:p>
@@ -2916,7 +2916,7 @@
           <a:p>
             <a:fld id="{C1A1EA91-298B-4DC2-BA8A-339FF847713D}" type="datetimeFigureOut">
               <a:rPr lang="zh-CN" altLang="en-US" smtClean="0"/>
-              <a:t>2019/11/2</a:t>
+              <a:t>2019/11/9</a:t>
             </a:fld>
             <a:endParaRPr lang="zh-CN" altLang="en-US"/>
           </a:p>
@@ -3420,35 +3420,6 @@
           <a:chExt cx="0" cy="0"/>
         </a:xfrm>
       </p:grpSpPr>
-      <p:sp>
-        <p:nvSpPr>
-          <p:cNvPr id="2" name="标题 1">
-            <a:extLst>
-              <a:ext uri="{FF2B5EF4-FFF2-40B4-BE49-F238E27FC236}">
-                <a16:creationId xmlns:a16="http://schemas.microsoft.com/office/drawing/2014/main" id="{667795E0-771F-449B-9CF1-791EF03A71A3}"/>
-              </a:ext>
-            </a:extLst>
-          </p:cNvPr>
-          <p:cNvSpPr>
-            <a:spLocks noGrp="1"/>
-          </p:cNvSpPr>
-          <p:nvPr>
-            <p:ph type="title"/>
-          </p:nvPr>
-        </p:nvSpPr>
-        <p:spPr/>
-        <p:txBody>
-          <a:bodyPr/>
-          <a:lstStyle/>
-          <a:p>
-            <a:r>
-              <a:rPr lang="en-US" altLang="zh-CN" dirty="0"/>
-              <a:t>Decision Tree</a:t>
-            </a:r>
-            <a:endParaRPr lang="zh-CN" altLang="en-US" dirty="0"/>
-          </a:p>
-        </p:txBody>
-      </p:sp>
       <p:graphicFrame>
         <p:nvGraphicFramePr>
           <p:cNvPr id="5" name="表格 4">
@@ -4873,8 +4844,8 @@
         </p:nvSpPr>
         <p:spPr>
           <a:xfrm>
-            <a:off x="965200" y="1778953"/>
-            <a:ext cx="1747520" cy="523220"/>
+            <a:off x="730308" y="929005"/>
+            <a:ext cx="2465898" cy="584775"/>
           </a:xfrm>
           <a:prstGeom prst="rect">
             <a:avLst/>
@@ -4888,10 +4859,65 @@
           <a:lstStyle/>
           <a:p>
             <a:r>
-              <a:rPr lang="en-US" altLang="zh-CN" sz="2800" dirty="0" err="1"/>
-              <a:t>DataSet</a:t>
-            </a:r>
-            <a:endParaRPr lang="zh-CN" altLang="en-US" sz="2800" dirty="0"/>
+              <a:rPr lang="zh-CN" altLang="en-US" sz="3200" dirty="0"/>
+              <a:t>原始数据集</a:t>
+            </a:r>
+          </a:p>
+        </p:txBody>
+      </p:sp>
+      <p:sp>
+        <p:nvSpPr>
+          <p:cNvPr id="7" name="标题 1">
+            <a:extLst>
+              <a:ext uri="{FF2B5EF4-FFF2-40B4-BE49-F238E27FC236}">
+                <a16:creationId xmlns:a16="http://schemas.microsoft.com/office/drawing/2014/main" id="{160B23D8-3120-428D-ABA8-CC52FD47DCE0}"/>
+              </a:ext>
+            </a:extLst>
+          </p:cNvPr>
+          <p:cNvSpPr txBox="1">
+            <a:spLocks/>
+          </p:cNvSpPr>
+          <p:nvPr/>
+        </p:nvSpPr>
+        <p:spPr>
+          <a:xfrm>
+            <a:off x="3809798" y="188217"/>
+            <a:ext cx="4631422" cy="1325563"/>
+          </a:xfrm>
+          <a:prstGeom prst="rect">
+            <a:avLst/>
+          </a:prstGeom>
+        </p:spPr>
+        <p:txBody>
+          <a:bodyPr vert="horz" lIns="91440" tIns="45720" rIns="91440" bIns="45720" rtlCol="0" anchor="ctr">
+            <a:normAutofit/>
+          </a:bodyPr>
+          <a:lstStyle>
+            <a:lvl1pPr algn="l" defTabSz="914400" rtl="0" eaLnBrk="1" latinLnBrk="0" hangingPunct="1">
+              <a:lnSpc>
+                <a:spcPct val="90000"/>
+              </a:lnSpc>
+              <a:spcBef>
+                <a:spcPct val="0"/>
+              </a:spcBef>
+              <a:buNone/>
+              <a:defRPr sz="4400" kern="1200">
+                <a:solidFill>
+                  <a:schemeClr val="tx1"/>
+                </a:solidFill>
+                <a:latin typeface="+mj-lt"/>
+                <a:ea typeface="+mj-ea"/>
+                <a:cs typeface="+mj-cs"/>
+              </a:defRPr>
+            </a:lvl1pPr>
+          </a:lstStyle>
+          <a:p>
+            <a:pPr algn="ctr"/>
+            <a:r>
+              <a:rPr lang="en-US" altLang="zh-CN" dirty="0"/>
+              <a:t>Decision Tree </a:t>
+            </a:r>
+            <a:endParaRPr lang="zh-CN" altLang="en-US" dirty="0"/>
           </a:p>
         </p:txBody>
       </p:sp>
@@ -4925,448 +4951,48 @@
           <a:chExt cx="0" cy="0"/>
         </a:xfrm>
       </p:grpSpPr>
-      <p:graphicFrame>
-        <p:nvGraphicFramePr>
-          <p:cNvPr id="4" name="表格 3">
-            <a:extLst>
-              <a:ext uri="{FF2B5EF4-FFF2-40B4-BE49-F238E27FC236}">
-                <a16:creationId xmlns:a16="http://schemas.microsoft.com/office/drawing/2014/main" id="{BF168191-B072-4AF7-8E1F-A36C8537FDB0}"/>
-              </a:ext>
-            </a:extLst>
-          </p:cNvPr>
-          <p:cNvGraphicFramePr>
-            <a:graphicFrameLocks noGrp="1"/>
-          </p:cNvGraphicFramePr>
-          <p:nvPr>
-            <p:extLst>
-              <p:ext uri="{D42A27DB-BD31-4B8C-83A1-F6EECF244321}">
-                <p14:modId xmlns:p14="http://schemas.microsoft.com/office/powerpoint/2010/main" val="460543077"/>
-              </p:ext>
-            </p:extLst>
-          </p:nvPr>
-        </p:nvGraphicFramePr>
-        <p:xfrm>
-          <a:off x="2185471" y="2390637"/>
-          <a:ext cx="454526" cy="3085208"/>
-        </p:xfrm>
-        <a:graphic>
-          <a:graphicData uri="http://schemas.openxmlformats.org/drawingml/2006/table">
-            <a:tbl>
-              <a:tblPr firstRow="1" bandRow="1">
-                <a:tableStyleId>{5C22544A-7EE6-4342-B048-85BDC9FD1C3A}</a:tableStyleId>
-              </a:tblPr>
-              <a:tblGrid>
-                <a:gridCol w="454526">
-                  <a:extLst>
-                    <a:ext uri="{9D8B030D-6E8A-4147-A177-3AD203B41FA5}">
-                      <a16:colId xmlns:a16="http://schemas.microsoft.com/office/drawing/2014/main" val="1716301830"/>
-                    </a:ext>
-                  </a:extLst>
-                </a:gridCol>
-              </a:tblGrid>
-              <a:tr h="314102">
-                <a:tc>
-                  <a:txBody>
-                    <a:bodyPr/>
-                    <a:lstStyle/>
-                    <a:p>
-                      <a:endParaRPr lang="zh-CN" altLang="en-US" dirty="0"/>
-                    </a:p>
-                  </a:txBody>
-                  <a:tcPr>
-                    <a:lnL w="12700" cap="flat" cmpd="sng" algn="ctr">
-                      <a:solidFill>
-                        <a:schemeClr val="tx1"/>
-                      </a:solidFill>
-                      <a:prstDash val="solid"/>
-                      <a:round/>
-                      <a:headEnd type="none" w="med" len="med"/>
-                      <a:tailEnd type="none" w="med" len="med"/>
-                    </a:lnL>
-                    <a:lnR w="12700" cap="flat" cmpd="sng" algn="ctr">
-                      <a:solidFill>
-                        <a:schemeClr val="tx1"/>
-                      </a:solidFill>
-                      <a:prstDash val="solid"/>
-                      <a:round/>
-                      <a:headEnd type="none" w="med" len="med"/>
-                      <a:tailEnd type="none" w="med" len="med"/>
-                    </a:lnR>
-                    <a:lnT w="12700" cap="flat" cmpd="sng" algn="ctr">
-                      <a:solidFill>
-                        <a:schemeClr val="tx1"/>
-                      </a:solidFill>
-                      <a:prstDash val="solid"/>
-                      <a:round/>
-                      <a:headEnd type="none" w="med" len="med"/>
-                      <a:tailEnd type="none" w="med" len="med"/>
-                    </a:lnT>
-                    <a:lnB w="12700" cap="flat" cmpd="sng" algn="ctr">
-                      <a:solidFill>
-                        <a:schemeClr val="tx1"/>
-                      </a:solidFill>
-                      <a:prstDash val="solid"/>
-                      <a:round/>
-                      <a:headEnd type="none" w="med" len="med"/>
-                      <a:tailEnd type="none" w="med" len="med"/>
-                    </a:lnB>
-                    <a:solidFill>
-                      <a:schemeClr val="bg1"/>
-                    </a:solidFill>
-                  </a:tcPr>
-                </a:tc>
-                <a:extLst>
-                  <a:ext uri="{0D108BD9-81ED-4DB2-BD59-A6C34878D82A}">
-                    <a16:rowId xmlns:a16="http://schemas.microsoft.com/office/drawing/2014/main" val="756396300"/>
-                  </a:ext>
-                </a:extLst>
-              </a:tr>
-              <a:tr h="314102">
-                <a:tc>
-                  <a:txBody>
-                    <a:bodyPr/>
-                    <a:lstStyle/>
-                    <a:p>
-                      <a:endParaRPr lang="zh-CN" altLang="en-US"/>
-                    </a:p>
-                  </a:txBody>
-                  <a:tcPr>
-                    <a:lnL w="12700" cap="flat" cmpd="sng" algn="ctr">
-                      <a:solidFill>
-                        <a:schemeClr val="tx1"/>
-                      </a:solidFill>
-                      <a:prstDash val="solid"/>
-                      <a:round/>
-                      <a:headEnd type="none" w="med" len="med"/>
-                      <a:tailEnd type="none" w="med" len="med"/>
-                    </a:lnL>
-                    <a:lnR w="12700" cap="flat" cmpd="sng" algn="ctr">
-                      <a:solidFill>
-                        <a:schemeClr val="tx1"/>
-                      </a:solidFill>
-                      <a:prstDash val="solid"/>
-                      <a:round/>
-                      <a:headEnd type="none" w="med" len="med"/>
-                      <a:tailEnd type="none" w="med" len="med"/>
-                    </a:lnR>
-                    <a:lnT w="12700" cap="flat" cmpd="sng" algn="ctr">
-                      <a:solidFill>
-                        <a:schemeClr val="tx1"/>
-                      </a:solidFill>
-                      <a:prstDash val="solid"/>
-                      <a:round/>
-                      <a:headEnd type="none" w="med" len="med"/>
-                      <a:tailEnd type="none" w="med" len="med"/>
-                    </a:lnT>
-                    <a:lnB w="12700" cap="flat" cmpd="sng" algn="ctr">
-                      <a:solidFill>
-                        <a:schemeClr val="tx1"/>
-                      </a:solidFill>
-                      <a:prstDash val="solid"/>
-                      <a:round/>
-                      <a:headEnd type="none" w="med" len="med"/>
-                      <a:tailEnd type="none" w="med" len="med"/>
-                    </a:lnB>
-                    <a:solidFill>
-                      <a:schemeClr val="bg1"/>
-                    </a:solidFill>
-                  </a:tcPr>
-                </a:tc>
-                <a:extLst>
-                  <a:ext uri="{0D108BD9-81ED-4DB2-BD59-A6C34878D82A}">
-                    <a16:rowId xmlns:a16="http://schemas.microsoft.com/office/drawing/2014/main" val="3987198327"/>
-                  </a:ext>
-                </a:extLst>
-              </a:tr>
-              <a:tr h="314102">
-                <a:tc>
-                  <a:txBody>
-                    <a:bodyPr/>
-                    <a:lstStyle/>
-                    <a:p>
-                      <a:endParaRPr lang="zh-CN" altLang="en-US"/>
-                    </a:p>
-                  </a:txBody>
-                  <a:tcPr>
-                    <a:lnL w="12700" cap="flat" cmpd="sng" algn="ctr">
-                      <a:solidFill>
-                        <a:schemeClr val="tx1"/>
-                      </a:solidFill>
-                      <a:prstDash val="solid"/>
-                      <a:round/>
-                      <a:headEnd type="none" w="med" len="med"/>
-                      <a:tailEnd type="none" w="med" len="med"/>
-                    </a:lnL>
-                    <a:lnR w="12700" cap="flat" cmpd="sng" algn="ctr">
-                      <a:solidFill>
-                        <a:schemeClr val="tx1"/>
-                      </a:solidFill>
-                      <a:prstDash val="solid"/>
-                      <a:round/>
-                      <a:headEnd type="none" w="med" len="med"/>
-                      <a:tailEnd type="none" w="med" len="med"/>
-                    </a:lnR>
-                    <a:lnT w="12700" cap="flat" cmpd="sng" algn="ctr">
-                      <a:solidFill>
-                        <a:schemeClr val="tx1"/>
-                      </a:solidFill>
-                      <a:prstDash val="solid"/>
-                      <a:round/>
-                      <a:headEnd type="none" w="med" len="med"/>
-                      <a:tailEnd type="none" w="med" len="med"/>
-                    </a:lnT>
-                    <a:lnB w="12700" cap="flat" cmpd="sng" algn="ctr">
-                      <a:solidFill>
-                        <a:schemeClr val="tx1"/>
-                      </a:solidFill>
-                      <a:prstDash val="solid"/>
-                      <a:round/>
-                      <a:headEnd type="none" w="med" len="med"/>
-                      <a:tailEnd type="none" w="med" len="med"/>
-                    </a:lnB>
-                    <a:solidFill>
-                      <a:schemeClr val="bg1"/>
-                    </a:solidFill>
-                  </a:tcPr>
-                </a:tc>
-                <a:extLst>
-                  <a:ext uri="{0D108BD9-81ED-4DB2-BD59-A6C34878D82A}">
-                    <a16:rowId xmlns:a16="http://schemas.microsoft.com/office/drawing/2014/main" val="3506200080"/>
-                  </a:ext>
-                </a:extLst>
-              </a:tr>
-              <a:tr h="1256408">
-                <a:tc>
-                  <a:txBody>
-                    <a:bodyPr/>
-                    <a:lstStyle/>
-                    <a:p>
-                      <a:r>
-                        <a:rPr lang="en-US" altLang="zh-CN" dirty="0"/>
-                        <a:t>.</a:t>
-                      </a:r>
-                    </a:p>
-                    <a:p>
-                      <a:r>
-                        <a:rPr lang="en-US" altLang="zh-CN" dirty="0"/>
-                        <a:t>.</a:t>
-                      </a:r>
-                    </a:p>
-                    <a:p>
-                      <a:r>
-                        <a:rPr lang="en-US" altLang="zh-CN" dirty="0"/>
-                        <a:t>.</a:t>
-                      </a:r>
-                    </a:p>
-                  </a:txBody>
-                  <a:tcPr>
-                    <a:lnL w="12700" cap="flat" cmpd="sng" algn="ctr">
-                      <a:solidFill>
-                        <a:schemeClr val="tx1"/>
-                      </a:solidFill>
-                      <a:prstDash val="solid"/>
-                      <a:round/>
-                      <a:headEnd type="none" w="med" len="med"/>
-                      <a:tailEnd type="none" w="med" len="med"/>
-                    </a:lnL>
-                    <a:lnR w="12700" cap="flat" cmpd="sng" algn="ctr">
-                      <a:solidFill>
-                        <a:schemeClr val="tx1"/>
-                      </a:solidFill>
-                      <a:prstDash val="solid"/>
-                      <a:round/>
-                      <a:headEnd type="none" w="med" len="med"/>
-                      <a:tailEnd type="none" w="med" len="med"/>
-                    </a:lnR>
-                    <a:lnT w="12700" cap="flat" cmpd="sng" algn="ctr">
-                      <a:solidFill>
-                        <a:schemeClr val="tx1"/>
-                      </a:solidFill>
-                      <a:prstDash val="solid"/>
-                      <a:round/>
-                      <a:headEnd type="none" w="med" len="med"/>
-                      <a:tailEnd type="none" w="med" len="med"/>
-                    </a:lnT>
-                    <a:lnB w="12700" cap="flat" cmpd="sng" algn="ctr">
-                      <a:solidFill>
-                        <a:schemeClr val="tx1"/>
-                      </a:solidFill>
-                      <a:prstDash val="solid"/>
-                      <a:round/>
-                      <a:headEnd type="none" w="med" len="med"/>
-                      <a:tailEnd type="none" w="med" len="med"/>
-                    </a:lnB>
-                    <a:solidFill>
-                      <a:schemeClr val="bg1"/>
-                    </a:solidFill>
-                  </a:tcPr>
-                </a:tc>
-                <a:extLst>
-                  <a:ext uri="{0D108BD9-81ED-4DB2-BD59-A6C34878D82A}">
-                    <a16:rowId xmlns:a16="http://schemas.microsoft.com/office/drawing/2014/main" val="2499785529"/>
-                  </a:ext>
-                </a:extLst>
-              </a:tr>
-              <a:tr h="314102">
-                <a:tc>
-                  <a:txBody>
-                    <a:bodyPr/>
-                    <a:lstStyle/>
-                    <a:p>
-                      <a:endParaRPr lang="zh-CN" altLang="en-US" dirty="0"/>
-                    </a:p>
-                  </a:txBody>
-                  <a:tcPr>
-                    <a:lnL w="12700" cap="flat" cmpd="sng" algn="ctr">
-                      <a:solidFill>
-                        <a:schemeClr val="tx1"/>
-                      </a:solidFill>
-                      <a:prstDash val="solid"/>
-                      <a:round/>
-                      <a:headEnd type="none" w="med" len="med"/>
-                      <a:tailEnd type="none" w="med" len="med"/>
-                    </a:lnL>
-                    <a:lnR w="12700" cap="flat" cmpd="sng" algn="ctr">
-                      <a:solidFill>
-                        <a:schemeClr val="tx1"/>
-                      </a:solidFill>
-                      <a:prstDash val="solid"/>
-                      <a:round/>
-                      <a:headEnd type="none" w="med" len="med"/>
-                      <a:tailEnd type="none" w="med" len="med"/>
-                    </a:lnR>
-                    <a:lnT w="12700" cap="flat" cmpd="sng" algn="ctr">
-                      <a:solidFill>
-                        <a:schemeClr val="tx1"/>
-                      </a:solidFill>
-                      <a:prstDash val="solid"/>
-                      <a:round/>
-                      <a:headEnd type="none" w="med" len="med"/>
-                      <a:tailEnd type="none" w="med" len="med"/>
-                    </a:lnT>
-                    <a:lnB w="12700" cap="flat" cmpd="sng" algn="ctr">
-                      <a:solidFill>
-                        <a:schemeClr val="tx1"/>
-                      </a:solidFill>
-                      <a:prstDash val="solid"/>
-                      <a:round/>
-                      <a:headEnd type="none" w="med" len="med"/>
-                      <a:tailEnd type="none" w="med" len="med"/>
-                    </a:lnB>
-                    <a:solidFill>
-                      <a:schemeClr val="bg1"/>
-                    </a:solidFill>
-                  </a:tcPr>
-                </a:tc>
-                <a:extLst>
-                  <a:ext uri="{0D108BD9-81ED-4DB2-BD59-A6C34878D82A}">
-                    <a16:rowId xmlns:a16="http://schemas.microsoft.com/office/drawing/2014/main" val="1511093874"/>
-                  </a:ext>
-                </a:extLst>
-              </a:tr>
-              <a:tr h="314102">
-                <a:tc>
-                  <a:txBody>
-                    <a:bodyPr/>
-                    <a:lstStyle/>
-                    <a:p>
-                      <a:endParaRPr lang="zh-CN" altLang="en-US" dirty="0"/>
-                    </a:p>
-                  </a:txBody>
-                  <a:tcPr>
-                    <a:lnL w="12700" cap="flat" cmpd="sng" algn="ctr">
-                      <a:solidFill>
-                        <a:schemeClr val="tx1"/>
-                      </a:solidFill>
-                      <a:prstDash val="solid"/>
-                      <a:round/>
-                      <a:headEnd type="none" w="med" len="med"/>
-                      <a:tailEnd type="none" w="med" len="med"/>
-                    </a:lnL>
-                    <a:lnR w="12700" cap="flat" cmpd="sng" algn="ctr">
-                      <a:solidFill>
-                        <a:schemeClr val="tx1"/>
-                      </a:solidFill>
-                      <a:prstDash val="solid"/>
-                      <a:round/>
-                      <a:headEnd type="none" w="med" len="med"/>
-                      <a:tailEnd type="none" w="med" len="med"/>
-                    </a:lnR>
-                    <a:lnT w="12700" cap="flat" cmpd="sng" algn="ctr">
-                      <a:solidFill>
-                        <a:schemeClr val="tx1"/>
-                      </a:solidFill>
-                      <a:prstDash val="solid"/>
-                      <a:round/>
-                      <a:headEnd type="none" w="med" len="med"/>
-                      <a:tailEnd type="none" w="med" len="med"/>
-                    </a:lnT>
-                    <a:lnB w="12700" cap="flat" cmpd="sng" algn="ctr">
-                      <a:solidFill>
-                        <a:schemeClr val="tx1"/>
-                      </a:solidFill>
-                      <a:prstDash val="solid"/>
-                      <a:round/>
-                      <a:headEnd type="none" w="med" len="med"/>
-                      <a:tailEnd type="none" w="med" len="med"/>
-                    </a:lnB>
-                    <a:solidFill>
-                      <a:schemeClr val="bg1"/>
-                    </a:solidFill>
-                  </a:tcPr>
-                </a:tc>
-                <a:extLst>
-                  <a:ext uri="{0D108BD9-81ED-4DB2-BD59-A6C34878D82A}">
-                    <a16:rowId xmlns:a16="http://schemas.microsoft.com/office/drawing/2014/main" val="856252709"/>
-                  </a:ext>
-                </a:extLst>
-              </a:tr>
-            </a:tbl>
-          </a:graphicData>
-        </a:graphic>
-      </p:graphicFrame>
-      <p:sp>
-        <p:nvSpPr>
-          <p:cNvPr id="5" name="文本框 4">
-            <a:extLst>
-              <a:ext uri="{FF2B5EF4-FFF2-40B4-BE49-F238E27FC236}">
-                <a16:creationId xmlns:a16="http://schemas.microsoft.com/office/drawing/2014/main" id="{D628A186-F1D5-43F5-9433-44C4D35A174E}"/>
-              </a:ext>
-            </a:extLst>
-          </p:cNvPr>
-          <p:cNvSpPr txBox="1"/>
+      <p:pic>
+        <p:nvPicPr>
+          <p:cNvPr id="6" name="图片 5">
+            <a:extLst>
+              <a:ext uri="{FF2B5EF4-FFF2-40B4-BE49-F238E27FC236}">
+                <a16:creationId xmlns:a16="http://schemas.microsoft.com/office/drawing/2014/main" id="{82926BD7-2403-4D73-98C6-B22550FA8398}"/>
+              </a:ext>
+            </a:extLst>
+          </p:cNvPr>
+          <p:cNvPicPr>
+            <a:picLocks noChangeAspect="1"/>
+          </p:cNvPicPr>
           <p:nvPr/>
-        </p:nvSpPr>
+        </p:nvPicPr>
+        <p:blipFill>
+          <a:blip r:embed="rId2">
+            <a:extLst>
+              <a:ext uri="{28A0092B-C50C-407E-A947-70E740481C1C}">
+                <a14:useLocalDpi xmlns:a14="http://schemas.microsoft.com/office/drawing/2010/main" val="0"/>
+              </a:ext>
+            </a:extLst>
+          </a:blip>
+          <a:stretch>
+            <a:fillRect/>
+          </a:stretch>
+        </p:blipFill>
         <p:spPr>
           <a:xfrm>
-            <a:off x="1331495" y="2920127"/>
-            <a:ext cx="657726" cy="369332"/>
+            <a:off x="2449563" y="2311474"/>
+            <a:ext cx="3213028" cy="2770145"/>
           </a:xfrm>
           <a:prstGeom prst="rect">
             <a:avLst/>
           </a:prstGeom>
-          <a:noFill/>
         </p:spPr>
-        <p:txBody>
-          <a:bodyPr wrap="square" rtlCol="0">
-            <a:spAutoFit/>
-          </a:bodyPr>
-          <a:lstStyle/>
-          <a:p>
-            <a:r>
-              <a:rPr lang="en-US" altLang="zh-CN" dirty="0"/>
-              <a:t>data</a:t>
-            </a:r>
-            <a:endParaRPr lang="zh-CN" altLang="en-US" dirty="0"/>
-          </a:p>
-        </p:txBody>
-      </p:sp>
+      </p:pic>
       <p:sp>
         <p:nvSpPr>
-          <p:cNvPr id="7" name="标题 1">
-            <a:extLst>
-              <a:ext uri="{FF2B5EF4-FFF2-40B4-BE49-F238E27FC236}">
-                <a16:creationId xmlns:a16="http://schemas.microsoft.com/office/drawing/2014/main" id="{7628CEA1-DE67-4E4A-8BDB-38D6A0315053}"/>
+          <p:cNvPr id="4" name="标题 1">
+            <a:extLst>
+              <a:ext uri="{FF2B5EF4-FFF2-40B4-BE49-F238E27FC236}">
+                <a16:creationId xmlns:a16="http://schemas.microsoft.com/office/drawing/2014/main" id="{E8AD697C-47AE-44E5-9E47-5DCB05462336}"/>
               </a:ext>
             </a:extLst>
           </p:cNvPr>
@@ -5377,8 +5003,8 @@
         </p:nvSpPr>
         <p:spPr>
           <a:xfrm>
-            <a:off x="990600" y="517525"/>
-            <a:ext cx="10515600" cy="1325563"/>
+            <a:off x="3809798" y="188217"/>
+            <a:ext cx="4631422" cy="1325563"/>
           </a:xfrm>
           <a:prstGeom prst="rect">
             <a:avLst/>
@@ -5408,9 +5034,10 @@
             </a:lvl1pPr>
           </a:lstStyle>
           <a:p>
-            <a:r>
-              <a:rPr lang="en-US" altLang="zh-CN"/>
-              <a:t>Decision Tree</a:t>
+            <a:pPr algn="ctr"/>
+            <a:r>
+              <a:rPr lang="en-US" altLang="zh-CN" dirty="0"/>
+              <a:t>Decision Tree </a:t>
             </a:r>
             <a:endParaRPr lang="zh-CN" altLang="en-US" dirty="0"/>
           </a:p>
@@ -5418,10 +5045,10 @@
       </p:sp>
       <p:sp>
         <p:nvSpPr>
-          <p:cNvPr id="8" name="文本框 7">
-            <a:extLst>
-              <a:ext uri="{FF2B5EF4-FFF2-40B4-BE49-F238E27FC236}">
-                <a16:creationId xmlns:a16="http://schemas.microsoft.com/office/drawing/2014/main" id="{0EC0EDDE-4E35-4073-AF28-F5B6374D4857}"/>
+          <p:cNvPr id="3" name="文本框 2">
+            <a:extLst>
+              <a:ext uri="{FF2B5EF4-FFF2-40B4-BE49-F238E27FC236}">
+                <a16:creationId xmlns:a16="http://schemas.microsoft.com/office/drawing/2014/main" id="{D5F8C3A1-3076-43E2-AFBD-2D7BCAF057C7}"/>
               </a:ext>
             </a:extLst>
           </p:cNvPr>
@@ -5430,8 +5057,8 @@
         </p:nvSpPr>
         <p:spPr>
           <a:xfrm>
-            <a:off x="1186581" y="1737360"/>
-            <a:ext cx="1605280" cy="523220"/>
+            <a:off x="880844" y="1513780"/>
+            <a:ext cx="6350466" cy="584775"/>
           </a:xfrm>
           <a:prstGeom prst="rect">
             <a:avLst/>
@@ -5445,77 +5072,16 @@
           <a:lstStyle/>
           <a:p>
             <a:r>
-              <a:rPr lang="en-US" altLang="zh-CN" sz="2800" dirty="0"/>
-              <a:t>entropy</a:t>
-            </a:r>
-            <a:endParaRPr lang="zh-CN" altLang="en-US" sz="2800" dirty="0"/>
+              <a:rPr lang="zh-CN" altLang="en-US" sz="3200" dirty="0"/>
+              <a:t>程序设计中对决策树采用字典结构</a:t>
+            </a:r>
           </a:p>
         </p:txBody>
       </p:sp>
-      <p:graphicFrame>
-        <p:nvGraphicFramePr>
-          <p:cNvPr id="9" name="表格 8">
-            <a:extLst>
-              <a:ext uri="{FF2B5EF4-FFF2-40B4-BE49-F238E27FC236}">
-                <a16:creationId xmlns:a16="http://schemas.microsoft.com/office/drawing/2014/main" id="{2CEC9EEA-9C8B-49D5-A1A5-9082A7D9B064}"/>
-              </a:ext>
-            </a:extLst>
-          </p:cNvPr>
-          <p:cNvGraphicFramePr>
-            <a:graphicFrameLocks noGrp="1"/>
-          </p:cNvGraphicFramePr>
-          <p:nvPr>
-            <p:extLst>
-              <p:ext uri="{D42A27DB-BD31-4B8C-83A1-F6EECF244321}">
-                <p14:modId xmlns:p14="http://schemas.microsoft.com/office/powerpoint/2010/main" val="2220761396"/>
-              </p:ext>
-            </p:extLst>
-          </p:nvPr>
-        </p:nvGraphicFramePr>
-        <p:xfrm>
-          <a:off x="5181600" y="3246120"/>
-          <a:ext cx="447040" cy="365760"/>
-        </p:xfrm>
-        <a:graphic>
-          <a:graphicData uri="http://schemas.openxmlformats.org/drawingml/2006/table">
-            <a:tbl>
-              <a:tblPr firstRow="1" bandRow="1">
-                <a:tableStyleId>{5C22544A-7EE6-4342-B048-85BDC9FD1C3A}</a:tableStyleId>
-              </a:tblPr>
-              <a:tblGrid>
-                <a:gridCol w="447040">
-                  <a:extLst>
-                    <a:ext uri="{9D8B030D-6E8A-4147-A177-3AD203B41FA5}">
-                      <a16:colId xmlns:a16="http://schemas.microsoft.com/office/drawing/2014/main" val="2627843466"/>
-                    </a:ext>
-                  </a:extLst>
-                </a:gridCol>
-              </a:tblGrid>
-              <a:tr h="358147">
-                <a:tc>
-                  <a:txBody>
-                    <a:bodyPr/>
-                    <a:lstStyle/>
-                    <a:p>
-                      <a:endParaRPr lang="zh-CN" altLang="en-US" dirty="0"/>
-                    </a:p>
-                  </a:txBody>
-                  <a:tcPr/>
-                </a:tc>
-                <a:extLst>
-                  <a:ext uri="{0D108BD9-81ED-4DB2-BD59-A6C34878D82A}">
-                    <a16:rowId xmlns:a16="http://schemas.microsoft.com/office/drawing/2014/main" val="2203953501"/>
-                  </a:ext>
-                </a:extLst>
-              </a:tr>
-            </a:tbl>
-          </a:graphicData>
-        </a:graphic>
-      </p:graphicFrame>
     </p:spTree>
     <p:extLst>
       <p:ext uri="{BB962C8B-B14F-4D97-AF65-F5344CB8AC3E}">
-        <p14:creationId xmlns:p14="http://schemas.microsoft.com/office/powerpoint/2010/main" val="2734070424"/>
+        <p14:creationId xmlns:p14="http://schemas.microsoft.com/office/powerpoint/2010/main" val="2361495408"/>
       </p:ext>
     </p:extLst>
   </p:cSld>
@@ -5556,7 +5122,7 @@
         </p:nvGrpSpPr>
         <p:grpSpPr>
           <a:xfrm>
-            <a:off x="2187443" y="2005262"/>
+            <a:off x="1454552" y="1820704"/>
             <a:ext cx="4641448" cy="2716980"/>
             <a:chOff x="2187443" y="2005262"/>
             <a:chExt cx="4641448" cy="2716980"/>
@@ -6302,43 +5868,147 @@
               </a:r>
               <a:r>
                 <a:rPr lang="zh-CN" altLang="en-US" dirty="0"/>
-                <a:t>如何判定</a:t>
+                <a:t>如何判定？</a:t>
               </a:r>
+              <a:endParaRPr lang="en-US" altLang="zh-CN" dirty="0"/>
             </a:p>
           </p:txBody>
         </p:sp>
       </p:grpSp>
       <p:sp>
         <p:nvSpPr>
-          <p:cNvPr id="24" name="标题 1">
-            <a:extLst>
-              <a:ext uri="{FF2B5EF4-FFF2-40B4-BE49-F238E27FC236}">
-                <a16:creationId xmlns:a16="http://schemas.microsoft.com/office/drawing/2014/main" id="{3009CD87-D6EB-4142-8168-5F92045105C7}"/>
-              </a:ext>
-            </a:extLst>
-          </p:cNvPr>
-          <p:cNvSpPr>
-            <a:spLocks noGrp="1"/>
-          </p:cNvSpPr>
-          <p:nvPr>
-            <p:ph type="title"/>
-          </p:nvPr>
+          <p:cNvPr id="59" name="矩形 58">
+            <a:extLst>
+              <a:ext uri="{FF2B5EF4-FFF2-40B4-BE49-F238E27FC236}">
+                <a16:creationId xmlns:a16="http://schemas.microsoft.com/office/drawing/2014/main" id="{D63184E6-7AE1-41BD-889C-E804809AEC1A}"/>
+              </a:ext>
+            </a:extLst>
+          </p:cNvPr>
+          <p:cNvSpPr/>
+          <p:nvPr/>
         </p:nvSpPr>
         <p:spPr>
           <a:xfrm>
-            <a:off x="838200" y="365125"/>
-            <a:ext cx="10515600" cy="1325563"/>
+            <a:off x="5988084" y="2005916"/>
+            <a:ext cx="6096000" cy="923330"/>
           </a:xfrm>
+          <a:prstGeom prst="rect">
+            <a:avLst/>
+          </a:prstGeom>
         </p:spPr>
         <p:txBody>
-          <a:bodyPr/>
+          <a:bodyPr>
+            <a:spAutoFit/>
+          </a:bodyPr>
           <a:lstStyle/>
           <a:p>
             <a:r>
+              <a:rPr lang="zh-CN" altLang="en-US" dirty="0"/>
+              <a:t>{('Weather',</a:t>
+            </a:r>
+          </a:p>
+          <a:p>
+            <a:r>
+              <a:rPr lang="zh-CN" altLang="en-US" dirty="0"/>
+              <a:t>  'maybe'): {'cloudy': {('Mood', 'maybe'): {'sad': 'yes',</a:t>
+            </a:r>
+          </a:p>
+          <a:p>
+            <a:r>
+              <a:rPr lang="zh-CN" altLang="en-US" dirty="0"/>
+              <a:t>    'good': 'maybe'}}, 'sunny': {('Mood', 'no'): {'good': 'no'}}}}</a:t>
+            </a:r>
+          </a:p>
+        </p:txBody>
+      </p:sp>
+      <p:sp>
+        <p:nvSpPr>
+          <p:cNvPr id="25" name="标题 1">
+            <a:extLst>
+              <a:ext uri="{FF2B5EF4-FFF2-40B4-BE49-F238E27FC236}">
+                <a16:creationId xmlns:a16="http://schemas.microsoft.com/office/drawing/2014/main" id="{0AFF913A-8CBF-4FC5-B456-8FEF91492414}"/>
+              </a:ext>
+            </a:extLst>
+          </p:cNvPr>
+          <p:cNvSpPr txBox="1">
+            <a:spLocks/>
+          </p:cNvSpPr>
+          <p:nvPr/>
+        </p:nvSpPr>
+        <p:spPr>
+          <a:xfrm>
+            <a:off x="3809798" y="188217"/>
+            <a:ext cx="4631422" cy="1325563"/>
+          </a:xfrm>
+          <a:prstGeom prst="rect">
+            <a:avLst/>
+          </a:prstGeom>
+        </p:spPr>
+        <p:txBody>
+          <a:bodyPr vert="horz" lIns="91440" tIns="45720" rIns="91440" bIns="45720" rtlCol="0" anchor="ctr">
+            <a:normAutofit/>
+          </a:bodyPr>
+          <a:lstStyle>
+            <a:lvl1pPr algn="l" defTabSz="914400" rtl="0" eaLnBrk="1" latinLnBrk="0" hangingPunct="1">
+              <a:lnSpc>
+                <a:spcPct val="90000"/>
+              </a:lnSpc>
+              <a:spcBef>
+                <a:spcPct val="0"/>
+              </a:spcBef>
+              <a:buNone/>
+              <a:defRPr sz="4400" kern="1200">
+                <a:solidFill>
+                  <a:schemeClr val="tx1"/>
+                </a:solidFill>
+                <a:latin typeface="+mj-lt"/>
+                <a:ea typeface="+mj-ea"/>
+                <a:cs typeface="+mj-cs"/>
+              </a:defRPr>
+            </a:lvl1pPr>
+          </a:lstStyle>
+          <a:p>
+            <a:pPr algn="ctr"/>
+            <a:r>
               <a:rPr lang="en-US" altLang="zh-CN" dirty="0"/>
-              <a:t>Decision Tree</a:t>
+              <a:t>Decision Tree </a:t>
             </a:r>
             <a:endParaRPr lang="zh-CN" altLang="en-US" dirty="0"/>
+          </a:p>
+        </p:txBody>
+      </p:sp>
+      <p:sp>
+        <p:nvSpPr>
+          <p:cNvPr id="5" name="文本框 4">
+            <a:extLst>
+              <a:ext uri="{FF2B5EF4-FFF2-40B4-BE49-F238E27FC236}">
+                <a16:creationId xmlns:a16="http://schemas.microsoft.com/office/drawing/2014/main" id="{7DECEE36-7E8C-4913-9F0F-557DB35BF7DB}"/>
+              </a:ext>
+            </a:extLst>
+          </p:cNvPr>
+          <p:cNvSpPr txBox="1"/>
+          <p:nvPr/>
+        </p:nvSpPr>
+        <p:spPr>
+          <a:xfrm>
+            <a:off x="1050953" y="931433"/>
+            <a:ext cx="2080470" cy="584775"/>
+          </a:xfrm>
+          <a:prstGeom prst="rect">
+            <a:avLst/>
+          </a:prstGeom>
+          <a:noFill/>
+        </p:spPr>
+        <p:txBody>
+          <a:bodyPr wrap="square" rtlCol="0">
+            <a:spAutoFit/>
+          </a:bodyPr>
+          <a:lstStyle/>
+          <a:p>
+            <a:r>
+              <a:rPr lang="zh-CN" altLang="en-US" sz="3200" dirty="0"/>
+              <a:t>问题一</a:t>
+            </a:r>
           </a:p>
         </p:txBody>
       </p:sp>
@@ -6374,10 +6044,10 @@
       </p:grpSpPr>
       <p:sp>
         <p:nvSpPr>
-          <p:cNvPr id="2" name="标题 1">
-            <a:extLst>
-              <a:ext uri="{FF2B5EF4-FFF2-40B4-BE49-F238E27FC236}">
-                <a16:creationId xmlns:a16="http://schemas.microsoft.com/office/drawing/2014/main" id="{E7F3B5D2-3398-481D-9DA9-2792DF94771F}"/>
+          <p:cNvPr id="3" name="内容占位符 2">
+            <a:extLst>
+              <a:ext uri="{FF2B5EF4-FFF2-40B4-BE49-F238E27FC236}">
+                <a16:creationId xmlns:a16="http://schemas.microsoft.com/office/drawing/2014/main" id="{76987DC3-7A30-4034-B22C-313E2009128F}"/>
               </a:ext>
             </a:extLst>
           </p:cNvPr>
@@ -6385,74 +6055,173 @@
             <a:spLocks noGrp="1"/>
           </p:cNvSpPr>
           <p:nvPr>
-            <p:ph type="title"/>
+            <p:ph idx="1"/>
           </p:nvPr>
         </p:nvSpPr>
-        <p:spPr/>
+        <p:spPr>
+          <a:xfrm>
+            <a:off x="838200" y="3026886"/>
+            <a:ext cx="10515600" cy="2175669"/>
+          </a:xfrm>
+        </p:spPr>
         <p:txBody>
-          <a:bodyPr/>
+          <a:bodyPr>
+            <a:normAutofit/>
+          </a:bodyPr>
           <a:lstStyle/>
           <a:p>
             <a:r>
-              <a:rPr lang="zh-CN" altLang="en-US" dirty="0"/>
-              <a:t>决策树结构</a:t>
-            </a:r>
-            <a:r>
-              <a:rPr lang="en-US" altLang="zh-CN" dirty="0"/>
-              <a:t>(</a:t>
-            </a:r>
-            <a:r>
-              <a:rPr lang="zh-CN" altLang="en-US" dirty="0"/>
-              <a:t>字典结构</a:t>
-            </a:r>
-            <a:r>
-              <a:rPr lang="en-US" altLang="zh-CN" dirty="0"/>
-              <a:t>)</a:t>
-            </a:r>
-            <a:endParaRPr lang="zh-CN" altLang="en-US" dirty="0"/>
+              <a:rPr lang="en-US" altLang="zh-CN" sz="2400" dirty="0"/>
+              <a:t>new = ['21…50','High','USA’]</a:t>
+            </a:r>
+          </a:p>
+          <a:p>
+            <a:endParaRPr lang="en-US" altLang="zh-CN" sz="2400" dirty="0"/>
+          </a:p>
+          <a:p>
+            <a:r>
+              <a:rPr lang="zh-CN" altLang="en-US" sz="2400" dirty="0"/>
+              <a:t>完整的待测试的样本的特征应该为</a:t>
+            </a:r>
+            <a:r>
+              <a:rPr lang="en-US" altLang="zh-CN" sz="2400" dirty="0"/>
+              <a:t>[</a:t>
+            </a:r>
+            <a:r>
+              <a:rPr lang="en-US" altLang="zh-CN" sz="2400" dirty="0" err="1"/>
+              <a:t>Age,Income,Region,Credit</a:t>
+            </a:r>
+            <a:r>
+              <a:rPr lang="en-US" altLang="zh-CN" sz="2400" dirty="0"/>
+              <a:t> rating] </a:t>
+            </a:r>
+            <a:r>
+              <a:rPr lang="zh-CN" altLang="en-US" sz="2400" dirty="0"/>
+              <a:t>这</a:t>
+            </a:r>
+            <a:r>
+              <a:rPr lang="en-US" altLang="zh-CN" sz="2400" dirty="0"/>
+              <a:t>4</a:t>
+            </a:r>
+            <a:r>
+              <a:rPr lang="zh-CN" altLang="en-US" sz="2400" dirty="0"/>
+              <a:t>个属性，而上述</a:t>
+            </a:r>
+            <a:r>
+              <a:rPr lang="en-US" altLang="zh-CN" sz="2400" dirty="0"/>
+              <a:t>new </a:t>
+            </a:r>
+            <a:r>
+              <a:rPr lang="zh-CN" altLang="en-US" sz="2400" dirty="0"/>
+              <a:t>样本只提供了</a:t>
+            </a:r>
+            <a:r>
+              <a:rPr lang="en-US" altLang="zh-CN" sz="2400" dirty="0"/>
+              <a:t>3</a:t>
+            </a:r>
+            <a:r>
+              <a:rPr lang="zh-CN" altLang="en-US" sz="2400" dirty="0"/>
+              <a:t>个特征值</a:t>
+            </a:r>
+            <a:endParaRPr lang="en-US" altLang="zh-CN" sz="2400" dirty="0"/>
           </a:p>
         </p:txBody>
       </p:sp>
-      <p:pic>
-        <p:nvPicPr>
-          <p:cNvPr id="6" name="图片 5">
-            <a:extLst>
-              <a:ext uri="{FF2B5EF4-FFF2-40B4-BE49-F238E27FC236}">
-                <a16:creationId xmlns:a16="http://schemas.microsoft.com/office/drawing/2014/main" id="{82926BD7-2403-4D73-98C6-B22550FA8398}"/>
-              </a:ext>
-            </a:extLst>
-          </p:cNvPr>
-          <p:cNvPicPr>
-            <a:picLocks noChangeAspect="1"/>
-          </p:cNvPicPr>
+      <p:sp>
+        <p:nvSpPr>
+          <p:cNvPr id="5" name="标题 1">
+            <a:extLst>
+              <a:ext uri="{FF2B5EF4-FFF2-40B4-BE49-F238E27FC236}">
+                <a16:creationId xmlns:a16="http://schemas.microsoft.com/office/drawing/2014/main" id="{1CD62F72-26F3-483A-98FD-2B009BA131BC}"/>
+              </a:ext>
+            </a:extLst>
+          </p:cNvPr>
+          <p:cNvSpPr txBox="1">
+            <a:spLocks/>
+          </p:cNvSpPr>
           <p:nvPr/>
-        </p:nvPicPr>
-        <p:blipFill>
-          <a:blip r:embed="rId2">
-            <a:extLst>
-              <a:ext uri="{28A0092B-C50C-407E-A947-70E740481C1C}">
-                <a14:useLocalDpi xmlns:a14="http://schemas.microsoft.com/office/drawing/2010/main" val="0"/>
-              </a:ext>
-            </a:extLst>
-          </a:blip>
-          <a:stretch>
-            <a:fillRect/>
-          </a:stretch>
-        </p:blipFill>
+        </p:nvSpPr>
         <p:spPr>
           <a:xfrm>
-            <a:off x="3103880" y="1860578"/>
-            <a:ext cx="4224621" cy="3136844"/>
+            <a:off x="3809798" y="188217"/>
+            <a:ext cx="4631422" cy="1325563"/>
           </a:xfrm>
           <a:prstGeom prst="rect">
             <a:avLst/>
           </a:prstGeom>
         </p:spPr>
-      </p:pic>
+        <p:txBody>
+          <a:bodyPr vert="horz" lIns="91440" tIns="45720" rIns="91440" bIns="45720" rtlCol="0" anchor="ctr">
+            <a:normAutofit/>
+          </a:bodyPr>
+          <a:lstStyle>
+            <a:lvl1pPr algn="l" defTabSz="914400" rtl="0" eaLnBrk="1" latinLnBrk="0" hangingPunct="1">
+              <a:lnSpc>
+                <a:spcPct val="90000"/>
+              </a:lnSpc>
+              <a:spcBef>
+                <a:spcPct val="0"/>
+              </a:spcBef>
+              <a:buNone/>
+              <a:defRPr sz="4400" kern="1200">
+                <a:solidFill>
+                  <a:schemeClr val="tx1"/>
+                </a:solidFill>
+                <a:latin typeface="+mj-lt"/>
+                <a:ea typeface="+mj-ea"/>
+                <a:cs typeface="+mj-cs"/>
+              </a:defRPr>
+            </a:lvl1pPr>
+          </a:lstStyle>
+          <a:p>
+            <a:pPr algn="ctr"/>
+            <a:r>
+              <a:rPr lang="en-US" altLang="zh-CN" dirty="0"/>
+              <a:t>Decision Tree </a:t>
+            </a:r>
+            <a:endParaRPr lang="zh-CN" altLang="en-US" dirty="0"/>
+          </a:p>
+        </p:txBody>
+      </p:sp>
+      <p:sp>
+        <p:nvSpPr>
+          <p:cNvPr id="6" name="文本框 5">
+            <a:extLst>
+              <a:ext uri="{FF2B5EF4-FFF2-40B4-BE49-F238E27FC236}">
+                <a16:creationId xmlns:a16="http://schemas.microsoft.com/office/drawing/2014/main" id="{7F086663-4581-44DC-A9D9-7FFB5A660626}"/>
+              </a:ext>
+            </a:extLst>
+          </p:cNvPr>
+          <p:cNvSpPr txBox="1"/>
+          <p:nvPr/>
+        </p:nvSpPr>
+        <p:spPr>
+          <a:xfrm>
+            <a:off x="1050953" y="931433"/>
+            <a:ext cx="2080470" cy="584775"/>
+          </a:xfrm>
+          <a:prstGeom prst="rect">
+            <a:avLst/>
+          </a:prstGeom>
+          <a:noFill/>
+        </p:spPr>
+        <p:txBody>
+          <a:bodyPr wrap="square" rtlCol="0">
+            <a:spAutoFit/>
+          </a:bodyPr>
+          <a:lstStyle/>
+          <a:p>
+            <a:r>
+              <a:rPr lang="zh-CN" altLang="en-US" sz="3200" dirty="0"/>
+              <a:t>问题二</a:t>
+            </a:r>
+          </a:p>
+        </p:txBody>
+      </p:sp>
     </p:spTree>
     <p:extLst>
       <p:ext uri="{BB962C8B-B14F-4D97-AF65-F5344CB8AC3E}">
-        <p14:creationId xmlns:p14="http://schemas.microsoft.com/office/powerpoint/2010/main" val="2361495408"/>
+        <p14:creationId xmlns:p14="http://schemas.microsoft.com/office/powerpoint/2010/main" val="239441364"/>
       </p:ext>
     </p:extLst>
   </p:cSld>
@@ -6479,310 +6248,12 @@
           <a:chExt cx="0" cy="0"/>
         </a:xfrm>
       </p:grpSpPr>
-      <p:sp>
-        <p:nvSpPr>
-          <p:cNvPr id="4" name="文本框 3">
-            <a:extLst>
-              <a:ext uri="{FF2B5EF4-FFF2-40B4-BE49-F238E27FC236}">
-                <a16:creationId xmlns:a16="http://schemas.microsoft.com/office/drawing/2014/main" id="{4A508B2D-00DC-40A3-A610-A82DF8FC7E7C}"/>
-              </a:ext>
-            </a:extLst>
-          </p:cNvPr>
-          <p:cNvSpPr txBox="1"/>
-          <p:nvPr/>
-        </p:nvSpPr>
-        <p:spPr>
-          <a:xfrm>
-            <a:off x="868949" y="4034223"/>
-            <a:ext cx="3965539" cy="2308324"/>
-          </a:xfrm>
-          <a:prstGeom prst="rect">
-            <a:avLst/>
-          </a:prstGeom>
-          <a:noFill/>
-        </p:spPr>
-        <p:txBody>
-          <a:bodyPr wrap="square" rtlCol="0">
-            <a:spAutoFit/>
-          </a:bodyPr>
-          <a:lstStyle/>
-          <a:p>
-            <a:r>
-              <a:rPr lang="en-US" altLang="zh-CN" b="1" dirty="0"/>
-              <a:t>{</a:t>
-            </a:r>
-            <a:r>
-              <a:rPr lang="en-US" altLang="zh-CN" dirty="0"/>
-              <a:t>'Weather’: </a:t>
-            </a:r>
-          </a:p>
-          <a:p>
-            <a:r>
-              <a:rPr lang="en-US" altLang="zh-CN" dirty="0"/>
-              <a:t>    </a:t>
-            </a:r>
-            <a:r>
-              <a:rPr lang="en-US" altLang="zh-CN" dirty="0">
-                <a:solidFill>
-                  <a:srgbClr val="C00000"/>
-                </a:solidFill>
-              </a:rPr>
-              <a:t>{</a:t>
-            </a:r>
-            <a:r>
-              <a:rPr lang="en-US" altLang="zh-CN" dirty="0"/>
-              <a:t>'cloudy’: </a:t>
-            </a:r>
-          </a:p>
-          <a:p>
-            <a:r>
-              <a:rPr lang="en-US" altLang="zh-CN" dirty="0"/>
-              <a:t>        </a:t>
-            </a:r>
-            <a:r>
-              <a:rPr lang="en-US" altLang="zh-CN" dirty="0">
-                <a:solidFill>
-                  <a:srgbClr val="00B0F0"/>
-                </a:solidFill>
-              </a:rPr>
-              <a:t>{</a:t>
-            </a:r>
-            <a:r>
-              <a:rPr lang="en-US" altLang="zh-CN" dirty="0"/>
-              <a:t>'Mood’: </a:t>
-            </a:r>
-          </a:p>
-          <a:p>
-            <a:r>
-              <a:rPr lang="en-US" altLang="zh-CN" dirty="0"/>
-              <a:t>           </a:t>
-            </a:r>
-            <a:r>
-              <a:rPr lang="en-US" altLang="zh-CN" dirty="0">
-                <a:solidFill>
-                  <a:srgbClr val="00B050"/>
-                </a:solidFill>
-              </a:rPr>
-              <a:t> {</a:t>
-            </a:r>
-            <a:r>
-              <a:rPr lang="en-US" altLang="zh-CN" dirty="0"/>
-              <a:t>'good': 'maybe', 'sad': 'yes</a:t>
-            </a:r>
-            <a:r>
-              <a:rPr lang="en-US" altLang="zh-CN" dirty="0">
-                <a:solidFill>
-                  <a:srgbClr val="00B050"/>
-                </a:solidFill>
-              </a:rPr>
-              <a:t>’} </a:t>
-            </a:r>
-            <a:r>
-              <a:rPr lang="en-US" altLang="zh-CN" dirty="0">
-                <a:solidFill>
-                  <a:srgbClr val="00B0F0"/>
-                </a:solidFill>
-              </a:rPr>
-              <a:t>}</a:t>
-            </a:r>
-            <a:r>
-              <a:rPr lang="en-US" altLang="zh-CN" dirty="0"/>
-              <a:t>,</a:t>
-            </a:r>
-          </a:p>
-          <a:p>
-            <a:r>
-              <a:rPr lang="en-US" altLang="zh-CN" dirty="0"/>
-              <a:t>      'sunny’: </a:t>
-            </a:r>
-          </a:p>
-          <a:p>
-            <a:r>
-              <a:rPr lang="en-US" altLang="zh-CN" dirty="0"/>
-              <a:t>         </a:t>
-            </a:r>
-            <a:r>
-              <a:rPr lang="en-US" altLang="zh-CN" dirty="0">
-                <a:solidFill>
-                  <a:srgbClr val="00B0F0"/>
-                </a:solidFill>
-              </a:rPr>
-              <a:t>{</a:t>
-            </a:r>
-            <a:r>
-              <a:rPr lang="en-US" altLang="zh-CN" dirty="0"/>
-              <a:t>'Mood': </a:t>
-            </a:r>
-            <a:r>
-              <a:rPr lang="en-US" altLang="zh-CN" dirty="0">
-                <a:solidFill>
-                  <a:srgbClr val="00B050"/>
-                </a:solidFill>
-              </a:rPr>
-              <a:t>{</a:t>
-            </a:r>
-            <a:r>
-              <a:rPr lang="en-US" altLang="zh-CN" dirty="0"/>
-              <a:t>'good': 'no’</a:t>
-            </a:r>
-            <a:r>
-              <a:rPr lang="en-US" altLang="zh-CN" dirty="0">
-                <a:solidFill>
-                  <a:srgbClr val="00B050"/>
-                </a:solidFill>
-              </a:rPr>
-              <a:t>}</a:t>
-            </a:r>
-            <a:r>
-              <a:rPr lang="en-US" altLang="zh-CN" dirty="0"/>
-              <a:t> </a:t>
-            </a:r>
-            <a:r>
-              <a:rPr lang="en-US" altLang="zh-CN" dirty="0">
-                <a:solidFill>
-                  <a:srgbClr val="00B0F0"/>
-                </a:solidFill>
-              </a:rPr>
-              <a:t>}</a:t>
-            </a:r>
-          </a:p>
-          <a:p>
-            <a:r>
-              <a:rPr lang="en-US" altLang="zh-CN" dirty="0"/>
-              <a:t>   </a:t>
-            </a:r>
-            <a:r>
-              <a:rPr lang="en-US" altLang="zh-CN" dirty="0">
-                <a:solidFill>
-                  <a:srgbClr val="C00000"/>
-                </a:solidFill>
-              </a:rPr>
-              <a:t> }</a:t>
-            </a:r>
-          </a:p>
-          <a:p>
-            <a:r>
-              <a:rPr lang="en-US" altLang="zh-CN" b="1" dirty="0"/>
-              <a:t>}</a:t>
-            </a:r>
-            <a:endParaRPr lang="zh-CN" altLang="en-US" b="1" dirty="0"/>
-          </a:p>
-        </p:txBody>
-      </p:sp>
-      <p:sp>
-        <p:nvSpPr>
-          <p:cNvPr id="5" name="文本框 4">
-            <a:extLst>
-              <a:ext uri="{FF2B5EF4-FFF2-40B4-BE49-F238E27FC236}">
-                <a16:creationId xmlns:a16="http://schemas.microsoft.com/office/drawing/2014/main" id="{F49EC185-EA2B-4940-93B6-E24EDAD5746E}"/>
-              </a:ext>
-            </a:extLst>
-          </p:cNvPr>
-          <p:cNvSpPr txBox="1"/>
-          <p:nvPr/>
-        </p:nvSpPr>
-        <p:spPr>
-          <a:xfrm>
-            <a:off x="695527" y="2197394"/>
-            <a:ext cx="4841240" cy="1477328"/>
-          </a:xfrm>
-          <a:prstGeom prst="rect">
-            <a:avLst/>
-          </a:prstGeom>
-          <a:noFill/>
-        </p:spPr>
-        <p:txBody>
-          <a:bodyPr wrap="square" rtlCol="0">
-            <a:spAutoFit/>
-          </a:bodyPr>
-          <a:lstStyle/>
-          <a:p>
-            <a:r>
-              <a:rPr lang="en-US" altLang="zh-CN" dirty="0"/>
-              <a:t> </a:t>
-            </a:r>
-            <a:r>
-              <a:rPr lang="en-US" altLang="zh-CN" dirty="0" err="1"/>
-              <a:t>dataSet</a:t>
-            </a:r>
-            <a:r>
-              <a:rPr lang="en-US" altLang="zh-CN" dirty="0"/>
-              <a:t> = [['</a:t>
-            </a:r>
-            <a:r>
-              <a:rPr lang="en-US" altLang="zh-CN" dirty="0" err="1"/>
-              <a:t>cloudy','good','maybe</a:t>
-            </a:r>
-            <a:r>
-              <a:rPr lang="en-US" altLang="zh-CN" dirty="0"/>
-              <a:t>'],</a:t>
-            </a:r>
-          </a:p>
-          <a:p>
-            <a:r>
-              <a:rPr lang="en-US" altLang="zh-CN" dirty="0"/>
-              <a:t>               ['</a:t>
-            </a:r>
-            <a:r>
-              <a:rPr lang="en-US" altLang="zh-CN" dirty="0" err="1"/>
-              <a:t>cloudy','sad','yes</a:t>
-            </a:r>
-            <a:r>
-              <a:rPr lang="en-US" altLang="zh-CN" dirty="0"/>
-              <a:t>'],</a:t>
-            </a:r>
-          </a:p>
-          <a:p>
-            <a:r>
-              <a:rPr lang="en-US" altLang="zh-CN" dirty="0"/>
-              <a:t>               ['</a:t>
-            </a:r>
-            <a:r>
-              <a:rPr lang="en-US" altLang="zh-CN" dirty="0" err="1"/>
-              <a:t>cloudy','sad','maybe</a:t>
-            </a:r>
-            <a:r>
-              <a:rPr lang="en-US" altLang="zh-CN" dirty="0"/>
-              <a:t>'],</a:t>
-            </a:r>
-          </a:p>
-          <a:p>
-            <a:r>
-              <a:rPr lang="en-US" altLang="zh-CN" dirty="0"/>
-              <a:t>               ['</a:t>
-            </a:r>
-            <a:r>
-              <a:rPr lang="en-US" altLang="zh-CN" dirty="0" err="1"/>
-              <a:t>sunny','good','no</a:t>
-            </a:r>
-            <a:r>
-              <a:rPr lang="en-US" altLang="zh-CN" dirty="0"/>
-              <a:t>'],</a:t>
-            </a:r>
-          </a:p>
-          <a:p>
-            <a:r>
-              <a:rPr lang="en-US" altLang="zh-CN" dirty="0"/>
-              <a:t>               ['</a:t>
-            </a:r>
-            <a:r>
-              <a:rPr lang="en-US" altLang="zh-CN" dirty="0" err="1"/>
-              <a:t>sunny','good','no</a:t>
-            </a:r>
-            <a:r>
-              <a:rPr lang="en-US" altLang="zh-CN" dirty="0"/>
-              <a:t>']]</a:t>
-            </a:r>
-            <a:endParaRPr lang="zh-CN" altLang="en-US" dirty="0"/>
-          </a:p>
-        </p:txBody>
-      </p:sp>
       <p:grpSp>
         <p:nvGrpSpPr>
-          <p:cNvPr id="6" name="组合 5">
-            <a:extLst>
-              <a:ext uri="{FF2B5EF4-FFF2-40B4-BE49-F238E27FC236}">
-                <a16:creationId xmlns:a16="http://schemas.microsoft.com/office/drawing/2014/main" id="{B86EE997-A88F-4825-8755-593C611F7874}"/>
+          <p:cNvPr id="4" name="组合 3">
+            <a:extLst>
+              <a:ext uri="{FF2B5EF4-FFF2-40B4-BE49-F238E27FC236}">
+                <a16:creationId xmlns:a16="http://schemas.microsoft.com/office/drawing/2014/main" id="{D45D7239-BFF6-44B8-A785-5C61709E677F}"/>
               </a:ext>
             </a:extLst>
           </p:cNvPr>
@@ -6791,18 +6262,18 @@
         </p:nvGrpSpPr>
         <p:grpSpPr>
           <a:xfrm>
-            <a:off x="5924718" y="2471405"/>
-            <a:ext cx="4442327" cy="1864126"/>
-            <a:chOff x="2278648" y="2005262"/>
-            <a:chExt cx="4442327" cy="1864126"/>
+            <a:off x="6462856" y="1714835"/>
+            <a:ext cx="5179255" cy="3910422"/>
+            <a:chOff x="2187442" y="1919816"/>
+            <a:chExt cx="4910807" cy="3910422"/>
           </a:xfrm>
         </p:grpSpPr>
         <p:sp>
           <p:nvSpPr>
-            <p:cNvPr id="7" name="椭圆 6">
+            <p:cNvPr id="5" name="椭圆 4">
               <a:extLst>
                 <a:ext uri="{FF2B5EF4-FFF2-40B4-BE49-F238E27FC236}">
-                  <a16:creationId xmlns:a16="http://schemas.microsoft.com/office/drawing/2014/main" id="{299C2A4B-2AED-4E81-A852-42EFD9E359E5}"/>
+                  <a16:creationId xmlns:a16="http://schemas.microsoft.com/office/drawing/2014/main" id="{A3217AD8-FF32-4658-982F-DF59A99F677E}"/>
                 </a:ext>
               </a:extLst>
             </p:cNvPr>
@@ -6811,8 +6282,101 @@
           </p:nvSpPr>
           <p:spPr>
             <a:xfrm>
-              <a:off x="3994485" y="2005262"/>
-              <a:ext cx="1090862" cy="545432"/>
+              <a:off x="3720601" y="1919816"/>
+              <a:ext cx="2111040" cy="545432"/>
+            </a:xfrm>
+            <a:prstGeom prst="ellipse">
+              <a:avLst/>
+            </a:prstGeom>
+            <a:solidFill>
+              <a:schemeClr val="bg1"/>
+            </a:solidFill>
+            <a:ln>
+              <a:solidFill>
+                <a:schemeClr val="tx1"/>
+              </a:solidFill>
+            </a:ln>
+          </p:spPr>
+          <p:style>
+            <a:lnRef idx="2">
+              <a:schemeClr val="accent1">
+                <a:shade val="50000"/>
+              </a:schemeClr>
+            </a:lnRef>
+            <a:fillRef idx="1">
+              <a:schemeClr val="accent1"/>
+            </a:fillRef>
+            <a:effectRef idx="0">
+              <a:schemeClr val="accent1"/>
+            </a:effectRef>
+            <a:fontRef idx="minor">
+              <a:schemeClr val="lt1"/>
+            </a:fontRef>
+          </p:style>
+          <p:txBody>
+            <a:bodyPr rtlCol="0" anchor="ctr"/>
+            <a:lstStyle/>
+            <a:p>
+              <a:pPr algn="ctr"/>
+              <a:r>
+                <a:rPr lang="zh-CN" altLang="en-US" sz="1200" dirty="0">
+                  <a:solidFill>
+                    <a:schemeClr val="tx1"/>
+                  </a:solidFill>
+                </a:rPr>
+                <a:t>（</a:t>
+              </a:r>
+              <a:r>
+                <a:rPr lang="en-US" altLang="zh-CN" sz="1200" dirty="0">
+                  <a:solidFill>
+                    <a:schemeClr val="tx1"/>
+                  </a:solidFill>
+                </a:rPr>
+                <a:t>Weather</a:t>
+              </a:r>
+              <a:r>
+                <a:rPr lang="zh-CN" altLang="en-US" sz="1200" dirty="0">
+                  <a:solidFill>
+                    <a:schemeClr val="tx1"/>
+                  </a:solidFill>
+                </a:rPr>
+                <a:t>，</a:t>
+              </a:r>
+              <a:r>
+                <a:rPr lang="en-US" altLang="zh-CN" sz="1200" dirty="0">
+                  <a:solidFill>
+                    <a:schemeClr val="tx1"/>
+                  </a:solidFill>
+                </a:rPr>
+                <a:t>maybe</a:t>
+              </a:r>
+              <a:r>
+                <a:rPr lang="zh-CN" altLang="en-US" sz="1200" dirty="0">
+                  <a:solidFill>
+                    <a:schemeClr val="tx1"/>
+                  </a:solidFill>
+                </a:rPr>
+                <a:t>）</a:t>
+              </a:r>
+            </a:p>
+          </p:txBody>
+        </p:sp>
+        <p:sp>
+          <p:nvSpPr>
+            <p:cNvPr id="6" name="椭圆 5">
+              <a:extLst>
+                <a:ext uri="{FF2B5EF4-FFF2-40B4-BE49-F238E27FC236}">
+                  <a16:creationId xmlns:a16="http://schemas.microsoft.com/office/drawing/2014/main" id="{5FEC6916-3923-4849-8784-998A66AA2921}"/>
+                </a:ext>
+              </a:extLst>
+            </p:cNvPr>
+            <p:cNvSpPr/>
+            <p:nvPr/>
+          </p:nvSpPr>
+          <p:spPr>
+            <a:xfrm>
+              <a:off x="2806702" y="2695073"/>
+              <a:ext cx="1371934" cy="545432"/>
             </a:xfrm>
             <a:prstGeom prst="ellipse">
               <a:avLst/>
@@ -6853,7 +6417,23 @@
                     <a:schemeClr val="tx1"/>
                   </a:solidFill>
                 </a:rPr>
-                <a:t>Weather</a:t>
+                <a:t>(</a:t>
+              </a:r>
+              <a:r>
+                <a:rPr lang="en-US" altLang="zh-CN" sz="1200" dirty="0" err="1">
+                  <a:solidFill>
+                    <a:schemeClr val="tx1"/>
+                  </a:solidFill>
+                </a:rPr>
+                <a:t>Mood,maybe</a:t>
+              </a:r>
+              <a:r>
+                <a:rPr lang="en-US" altLang="zh-CN" sz="1200" dirty="0">
+                  <a:solidFill>
+                    <a:schemeClr val="tx1"/>
+                  </a:solidFill>
+                </a:rPr>
+                <a:t>)</a:t>
               </a:r>
               <a:endParaRPr lang="zh-CN" altLang="en-US" sz="1200" dirty="0">
                 <a:solidFill>
@@ -6865,10 +6445,10 @@
         </p:sp>
         <p:sp>
           <p:nvSpPr>
-            <p:cNvPr id="8" name="椭圆 7">
+            <p:cNvPr id="7" name="椭圆 6">
               <a:extLst>
                 <a:ext uri="{FF2B5EF4-FFF2-40B4-BE49-F238E27FC236}">
-                  <a16:creationId xmlns:a16="http://schemas.microsoft.com/office/drawing/2014/main" id="{477B6B8C-DDC9-41A1-A365-023B9BB20F59}"/>
+                  <a16:creationId xmlns:a16="http://schemas.microsoft.com/office/drawing/2014/main" id="{8DF4A246-7085-4D16-BF8F-DF9B16EA9A94}"/>
                 </a:ext>
               </a:extLst>
             </p:cNvPr>
@@ -6877,8 +6457,8 @@
           </p:nvSpPr>
           <p:spPr>
             <a:xfrm>
-              <a:off x="2903623" y="2695073"/>
-              <a:ext cx="1090862" cy="545432"/>
+              <a:off x="5005138" y="2695073"/>
+              <a:ext cx="1371934" cy="545432"/>
             </a:xfrm>
             <a:prstGeom prst="ellipse">
               <a:avLst/>
@@ -6919,73 +6499,23 @@
                     <a:schemeClr val="tx1"/>
                   </a:solidFill>
                 </a:rPr>
-                <a:t>Mood</a:t>
+                <a:t>(</a:t>
               </a:r>
-              <a:endParaRPr lang="zh-CN" altLang="en-US" sz="1200" dirty="0">
-                <a:solidFill>
-                  <a:schemeClr val="tx1"/>
-                </a:solidFill>
-              </a:endParaRPr>
-            </a:p>
-          </p:txBody>
-        </p:sp>
-        <p:sp>
-          <p:nvSpPr>
-            <p:cNvPr id="9" name="椭圆 8">
-              <a:extLst>
-                <a:ext uri="{FF2B5EF4-FFF2-40B4-BE49-F238E27FC236}">
-                  <a16:creationId xmlns:a16="http://schemas.microsoft.com/office/drawing/2014/main" id="{E56FF1D0-45A0-462A-8D50-C94CB22E59DA}"/>
-                </a:ext>
-              </a:extLst>
-            </p:cNvPr>
-            <p:cNvSpPr/>
-            <p:nvPr/>
-          </p:nvSpPr>
-          <p:spPr>
-            <a:xfrm>
-              <a:off x="5005138" y="2695073"/>
-              <a:ext cx="1090862" cy="545432"/>
-            </a:xfrm>
-            <a:prstGeom prst="ellipse">
-              <a:avLst/>
-            </a:prstGeom>
-            <a:solidFill>
-              <a:schemeClr val="bg1"/>
-            </a:solidFill>
-            <a:ln>
-              <a:solidFill>
-                <a:schemeClr val="tx1"/>
-              </a:solidFill>
-            </a:ln>
-          </p:spPr>
-          <p:style>
-            <a:lnRef idx="2">
-              <a:schemeClr val="accent1">
-                <a:shade val="50000"/>
-              </a:schemeClr>
-            </a:lnRef>
-            <a:fillRef idx="1">
-              <a:schemeClr val="accent1"/>
-            </a:fillRef>
-            <a:effectRef idx="0">
-              <a:schemeClr val="accent1"/>
-            </a:effectRef>
-            <a:fontRef idx="minor">
-              <a:schemeClr val="lt1"/>
-            </a:fontRef>
-          </p:style>
-          <p:txBody>
-            <a:bodyPr rtlCol="0" anchor="ctr"/>
-            <a:lstStyle/>
-            <a:p>
-              <a:pPr algn="ctr"/>
+              <a:r>
+                <a:rPr lang="en-US" altLang="zh-CN" sz="1200" dirty="0" err="1">
+                  <a:solidFill>
+                    <a:schemeClr val="tx1"/>
+                  </a:solidFill>
+                </a:rPr>
+                <a:t>Mood,no</a:t>
+              </a:r>
               <a:r>
                 <a:rPr lang="en-US" altLang="zh-CN" sz="1200" dirty="0">
                   <a:solidFill>
                     <a:schemeClr val="tx1"/>
                   </a:solidFill>
                 </a:rPr>
-                <a:t>Mood</a:t>
+                <a:t>)</a:t>
               </a:r>
               <a:endParaRPr lang="zh-CN" altLang="en-US" sz="1200" dirty="0">
                 <a:solidFill>
@@ -6997,23 +6527,24 @@
         </p:sp>
         <p:cxnSp>
           <p:nvCxnSpPr>
-            <p:cNvPr id="10" name="直接箭头连接符 9">
+            <p:cNvPr id="8" name="直接箭头连接符 7">
               <a:extLst>
                 <a:ext uri="{FF2B5EF4-FFF2-40B4-BE49-F238E27FC236}">
-                  <a16:creationId xmlns:a16="http://schemas.microsoft.com/office/drawing/2014/main" id="{1B5C23BC-849A-4E9C-80F0-7A1DC7607C44}"/>
+                  <a16:creationId xmlns:a16="http://schemas.microsoft.com/office/drawing/2014/main" id="{4AECD0DF-2B42-4F76-ABFB-B9ABF8776D11}"/>
                 </a:ext>
               </a:extLst>
             </p:cNvPr>
             <p:cNvCxnSpPr>
-              <a:stCxn id="7" idx="3"/>
-              <a:endCxn id="8" idx="7"/>
+              <a:cxnSpLocks/>
+              <a:stCxn id="5" idx="3"/>
+              <a:endCxn id="6" idx="0"/>
             </p:cNvCxnSpPr>
             <p:nvPr/>
           </p:nvCxnSpPr>
           <p:spPr>
             <a:xfrm flipH="1">
-              <a:off x="3834732" y="2470817"/>
-              <a:ext cx="319506" cy="304133"/>
+              <a:off x="3492669" y="2385371"/>
+              <a:ext cx="537087" cy="309702"/>
             </a:xfrm>
             <a:prstGeom prst="straightConnector1">
               <a:avLst/>
@@ -7039,23 +6570,24 @@
         </p:cxnSp>
         <p:cxnSp>
           <p:nvCxnSpPr>
-            <p:cNvPr id="11" name="直接箭头连接符 10">
+            <p:cNvPr id="9" name="直接箭头连接符 8">
               <a:extLst>
                 <a:ext uri="{FF2B5EF4-FFF2-40B4-BE49-F238E27FC236}">
-                  <a16:creationId xmlns:a16="http://schemas.microsoft.com/office/drawing/2014/main" id="{D6E755EC-15EA-4633-AE5F-EE0F609CA67D}"/>
+                  <a16:creationId xmlns:a16="http://schemas.microsoft.com/office/drawing/2014/main" id="{434A0993-62A3-465B-905A-A3F5F8E28824}"/>
                 </a:ext>
               </a:extLst>
             </p:cNvPr>
             <p:cNvCxnSpPr>
-              <a:stCxn id="7" idx="5"/>
-              <a:endCxn id="9" idx="1"/>
+              <a:cxnSpLocks/>
+              <a:stCxn id="5" idx="5"/>
+              <a:endCxn id="7" idx="0"/>
             </p:cNvCxnSpPr>
             <p:nvPr/>
           </p:nvCxnSpPr>
           <p:spPr>
             <a:xfrm>
-              <a:off x="4925594" y="2470817"/>
-              <a:ext cx="239297" cy="304133"/>
+              <a:off x="5522486" y="2385371"/>
+              <a:ext cx="168619" cy="309702"/>
             </a:xfrm>
             <a:prstGeom prst="straightConnector1">
               <a:avLst/>
@@ -7081,10 +6613,10 @@
         </p:cxnSp>
         <p:sp>
           <p:nvSpPr>
-            <p:cNvPr id="12" name="文本框 11">
+            <p:cNvPr id="10" name="文本框 9">
               <a:extLst>
                 <a:ext uri="{FF2B5EF4-FFF2-40B4-BE49-F238E27FC236}">
-                  <a16:creationId xmlns:a16="http://schemas.microsoft.com/office/drawing/2014/main" id="{7D203B9D-1086-4536-B41B-57541F32F120}"/>
+                  <a16:creationId xmlns:a16="http://schemas.microsoft.com/office/drawing/2014/main" id="{C6741E0E-6471-463C-A8AF-DE6117B1E50F}"/>
                 </a:ext>
               </a:extLst>
             </p:cNvPr>
@@ -7093,7 +6625,7 @@
           </p:nvSpPr>
           <p:spPr>
             <a:xfrm>
-              <a:off x="3369178" y="2403338"/>
+              <a:off x="3224138" y="2341176"/>
               <a:ext cx="1090862" cy="307777"/>
             </a:xfrm>
             <a:prstGeom prst="rect">
@@ -7117,10 +6649,10 @@
         </p:sp>
         <p:sp>
           <p:nvSpPr>
-            <p:cNvPr id="13" name="文本框 12">
+            <p:cNvPr id="11" name="文本框 10">
               <a:extLst>
                 <a:ext uri="{FF2B5EF4-FFF2-40B4-BE49-F238E27FC236}">
-                  <a16:creationId xmlns:a16="http://schemas.microsoft.com/office/drawing/2014/main" id="{9FA6DDE6-998F-4069-BFBA-484A046E85E9}"/>
+                  <a16:creationId xmlns:a16="http://schemas.microsoft.com/office/drawing/2014/main" id="{648A26AD-4114-45B1-BD17-2CB611BCAB7D}"/>
                 </a:ext>
               </a:extLst>
             </p:cNvPr>
@@ -7129,7 +6661,7 @@
           </p:nvSpPr>
           <p:spPr>
             <a:xfrm>
-              <a:off x="4917741" y="2403338"/>
+              <a:off x="5465100" y="2354984"/>
               <a:ext cx="1090862" cy="307777"/>
             </a:xfrm>
             <a:prstGeom prst="rect">
@@ -7153,22 +6685,23 @@
         </p:sp>
         <p:cxnSp>
           <p:nvCxnSpPr>
-            <p:cNvPr id="14" name="直接箭头连接符 13">
+            <p:cNvPr id="12" name="直接箭头连接符 11">
               <a:extLst>
                 <a:ext uri="{FF2B5EF4-FFF2-40B4-BE49-F238E27FC236}">
-                  <a16:creationId xmlns:a16="http://schemas.microsoft.com/office/drawing/2014/main" id="{9575BC50-3571-4950-9BBD-5BC988A771F0}"/>
+                  <a16:creationId xmlns:a16="http://schemas.microsoft.com/office/drawing/2014/main" id="{2587F4AC-E9DA-42FD-AF81-E7098FEEE64C}"/>
                 </a:ext>
               </a:extLst>
             </p:cNvPr>
             <p:cNvCxnSpPr>
-              <a:stCxn id="8" idx="3"/>
+              <a:cxnSpLocks/>
+              <a:stCxn id="6" idx="3"/>
             </p:cNvCxnSpPr>
             <p:nvPr/>
           </p:nvCxnSpPr>
           <p:spPr>
             <a:xfrm flipH="1">
-              <a:off x="2727158" y="3160628"/>
-              <a:ext cx="336218" cy="448846"/>
+              <a:off x="2727159" y="3160628"/>
+              <a:ext cx="280458" cy="448846"/>
             </a:xfrm>
             <a:prstGeom prst="straightConnector1">
               <a:avLst/>
@@ -7194,10 +6727,10 @@
         </p:cxnSp>
         <p:sp>
           <p:nvSpPr>
-            <p:cNvPr id="15" name="文本框 14">
+            <p:cNvPr id="13" name="文本框 12">
               <a:extLst>
                 <a:ext uri="{FF2B5EF4-FFF2-40B4-BE49-F238E27FC236}">
-                  <a16:creationId xmlns:a16="http://schemas.microsoft.com/office/drawing/2014/main" id="{A06A2976-371D-4867-B439-B610167207B9}"/>
+                  <a16:creationId xmlns:a16="http://schemas.microsoft.com/office/drawing/2014/main" id="{A99BE660-0818-4280-9FF1-CE5335C404A2}"/>
                 </a:ext>
               </a:extLst>
             </p:cNvPr>
@@ -7230,10 +6763,10 @@
         </p:sp>
         <p:sp>
           <p:nvSpPr>
-            <p:cNvPr id="16" name="文本框 15">
+            <p:cNvPr id="14" name="文本框 13">
               <a:extLst>
                 <a:ext uri="{FF2B5EF4-FFF2-40B4-BE49-F238E27FC236}">
-                  <a16:creationId xmlns:a16="http://schemas.microsoft.com/office/drawing/2014/main" id="{A596E7E1-0757-41C5-B71B-CD8172C15A35}"/>
+                  <a16:creationId xmlns:a16="http://schemas.microsoft.com/office/drawing/2014/main" id="{69B59EC2-F700-4BEB-9FFC-53001BE574D2}"/>
                 </a:ext>
               </a:extLst>
             </p:cNvPr>
@@ -7266,22 +6799,101 @@
         </p:sp>
         <p:cxnSp>
           <p:nvCxnSpPr>
-            <p:cNvPr id="17" name="直接箭头连接符 16">
+            <p:cNvPr id="15" name="直接箭头连接符 14">
               <a:extLst>
                 <a:ext uri="{FF2B5EF4-FFF2-40B4-BE49-F238E27FC236}">
-                  <a16:creationId xmlns:a16="http://schemas.microsoft.com/office/drawing/2014/main" id="{48AF9C68-B07F-400F-BC1C-9E31B892412F}"/>
+                  <a16:creationId xmlns:a16="http://schemas.microsoft.com/office/drawing/2014/main" id="{228B959B-BF9D-40B6-A724-EF937FFA4E19}"/>
                 </a:ext>
               </a:extLst>
             </p:cNvPr>
             <p:cNvCxnSpPr>
-              <a:stCxn id="8" idx="5"/>
+              <a:cxnSpLocks/>
+              <a:stCxn id="6" idx="5"/>
             </p:cNvCxnSpPr>
             <p:nvPr/>
           </p:nvCxnSpPr>
           <p:spPr>
             <a:xfrm>
-              <a:off x="3834732" y="3160628"/>
-              <a:ext cx="319506" cy="400983"/>
+              <a:off x="3977721" y="3160628"/>
+              <a:ext cx="176517" cy="400983"/>
+            </a:xfrm>
+            <a:prstGeom prst="straightConnector1">
+              <a:avLst/>
+            </a:prstGeom>
+            <a:ln>
+              <a:tailEnd type="triangle"/>
+            </a:ln>
+          </p:spPr>
+          <p:style>
+            <a:lnRef idx="1">
+              <a:schemeClr val="accent1"/>
+            </a:lnRef>
+            <a:fillRef idx="0">
+              <a:schemeClr val="accent1"/>
+            </a:fillRef>
+            <a:effectRef idx="0">
+              <a:schemeClr val="accent1"/>
+            </a:effectRef>
+            <a:fontRef idx="minor">
+              <a:schemeClr val="tx1"/>
+            </a:fontRef>
+          </p:style>
+        </p:cxnSp>
+        <p:sp>
+          <p:nvSpPr>
+            <p:cNvPr id="16" name="文本框 15">
+              <a:extLst>
+                <a:ext uri="{FF2B5EF4-FFF2-40B4-BE49-F238E27FC236}">
+                  <a16:creationId xmlns:a16="http://schemas.microsoft.com/office/drawing/2014/main" id="{BBE7C1B1-7721-4E71-B28C-17FEFCFACA3A}"/>
+                </a:ext>
+              </a:extLst>
+            </p:cNvPr>
+            <p:cNvSpPr txBox="1"/>
+            <p:nvPr/>
+          </p:nvSpPr>
+          <p:spPr>
+            <a:xfrm>
+              <a:off x="5485417" y="3548282"/>
+              <a:ext cx="1090862" cy="307777"/>
+            </a:xfrm>
+            <a:prstGeom prst="rect">
+              <a:avLst/>
+            </a:prstGeom>
+            <a:noFill/>
+          </p:spPr>
+          <p:txBody>
+            <a:bodyPr wrap="square" rtlCol="0">
+              <a:spAutoFit/>
+            </a:bodyPr>
+            <a:lstStyle/>
+            <a:p>
+              <a:r>
+                <a:rPr lang="en-US" altLang="zh-CN" sz="1400" dirty="0"/>
+                <a:t>no</a:t>
+              </a:r>
+              <a:endParaRPr lang="zh-CN" altLang="en-US" sz="1400" dirty="0"/>
+            </a:p>
+          </p:txBody>
+        </p:sp>
+        <p:cxnSp>
+          <p:nvCxnSpPr>
+            <p:cNvPr id="17" name="直接箭头连接符 16">
+              <a:extLst>
+                <a:ext uri="{FF2B5EF4-FFF2-40B4-BE49-F238E27FC236}">
+                  <a16:creationId xmlns:a16="http://schemas.microsoft.com/office/drawing/2014/main" id="{3281C36F-1864-4D79-BF54-0A339E5CAAA2}"/>
+                </a:ext>
+              </a:extLst>
+            </p:cNvPr>
+            <p:cNvCxnSpPr>
+              <a:cxnSpLocks/>
+              <a:stCxn id="7" idx="4"/>
+            </p:cNvCxnSpPr>
+            <p:nvPr/>
+          </p:nvCxnSpPr>
+          <p:spPr>
+            <a:xfrm>
+              <a:off x="5691105" y="3240505"/>
+              <a:ext cx="0" cy="312492"/>
             </a:xfrm>
             <a:prstGeom prst="straightConnector1">
               <a:avLst/>
@@ -7310,85 +6922,7 @@
             <p:cNvPr id="18" name="文本框 17">
               <a:extLst>
                 <a:ext uri="{FF2B5EF4-FFF2-40B4-BE49-F238E27FC236}">
-                  <a16:creationId xmlns:a16="http://schemas.microsoft.com/office/drawing/2014/main" id="{B4A69E7A-B475-48B9-AB21-7B3374E8A67B}"/>
-                </a:ext>
-              </a:extLst>
-            </p:cNvPr>
-            <p:cNvSpPr txBox="1"/>
-            <p:nvPr/>
-          </p:nvSpPr>
-          <p:spPr>
-            <a:xfrm>
-              <a:off x="5286210" y="3532240"/>
-              <a:ext cx="1090862" cy="307777"/>
-            </a:xfrm>
-            <a:prstGeom prst="rect">
-              <a:avLst/>
-            </a:prstGeom>
-            <a:noFill/>
-          </p:spPr>
-          <p:txBody>
-            <a:bodyPr wrap="square" rtlCol="0">
-              <a:spAutoFit/>
-            </a:bodyPr>
-            <a:lstStyle/>
-            <a:p>
-              <a:r>
-                <a:rPr lang="en-US" altLang="zh-CN" sz="1400" dirty="0"/>
-                <a:t>no</a:t>
-              </a:r>
-              <a:endParaRPr lang="zh-CN" altLang="en-US" sz="1400" dirty="0"/>
-            </a:p>
-          </p:txBody>
-        </p:sp>
-        <p:cxnSp>
-          <p:nvCxnSpPr>
-            <p:cNvPr id="19" name="直接箭头连接符 18">
-              <a:extLst>
-                <a:ext uri="{FF2B5EF4-FFF2-40B4-BE49-F238E27FC236}">
-                  <a16:creationId xmlns:a16="http://schemas.microsoft.com/office/drawing/2014/main" id="{C858ECEA-3460-430B-8479-638E79E2278C}"/>
-                </a:ext>
-              </a:extLst>
-            </p:cNvPr>
-            <p:cNvCxnSpPr>
-              <a:cxnSpLocks/>
-              <a:stCxn id="9" idx="4"/>
-            </p:cNvCxnSpPr>
-            <p:nvPr/>
-          </p:nvCxnSpPr>
-          <p:spPr>
-            <a:xfrm>
-              <a:off x="5550569" y="3240505"/>
-              <a:ext cx="0" cy="291735"/>
-            </a:xfrm>
-            <a:prstGeom prst="straightConnector1">
-              <a:avLst/>
-            </a:prstGeom>
-            <a:ln>
-              <a:tailEnd type="triangle"/>
-            </a:ln>
-          </p:spPr>
-          <p:style>
-            <a:lnRef idx="1">
-              <a:schemeClr val="accent1"/>
-            </a:lnRef>
-            <a:fillRef idx="0">
-              <a:schemeClr val="accent1"/>
-            </a:fillRef>
-            <a:effectRef idx="0">
-              <a:schemeClr val="accent1"/>
-            </a:effectRef>
-            <a:fontRef idx="minor">
-              <a:schemeClr val="tx1"/>
-            </a:fontRef>
-          </p:style>
-        </p:cxnSp>
-        <p:sp>
-          <p:nvSpPr>
-            <p:cNvPr id="20" name="文本框 19">
-              <a:extLst>
-                <a:ext uri="{FF2B5EF4-FFF2-40B4-BE49-F238E27FC236}">
-                  <a16:creationId xmlns:a16="http://schemas.microsoft.com/office/drawing/2014/main" id="{2EFF821B-0929-4DA3-8B5A-F49B6A2AA5D4}"/>
+                  <a16:creationId xmlns:a16="http://schemas.microsoft.com/office/drawing/2014/main" id="{3001D49B-4E26-44F0-9742-9645949A543B}"/>
                 </a:ext>
               </a:extLst>
             </p:cNvPr>
@@ -7421,10 +6955,10 @@
         </p:sp>
         <p:sp>
           <p:nvSpPr>
-            <p:cNvPr id="21" name="文本框 20">
+            <p:cNvPr id="19" name="文本框 18">
               <a:extLst>
                 <a:ext uri="{FF2B5EF4-FFF2-40B4-BE49-F238E27FC236}">
-                  <a16:creationId xmlns:a16="http://schemas.microsoft.com/office/drawing/2014/main" id="{13A0FD2C-A141-434A-A400-8557BF7014D9}"/>
+                  <a16:creationId xmlns:a16="http://schemas.microsoft.com/office/drawing/2014/main" id="{B98E28EE-30FB-4FA7-A132-F4FC563A1388}"/>
                 </a:ext>
               </a:extLst>
             </p:cNvPr>
@@ -7457,10 +6991,10 @@
         </p:sp>
         <p:sp>
           <p:nvSpPr>
-            <p:cNvPr id="22" name="文本框 21">
+            <p:cNvPr id="20" name="文本框 19">
               <a:extLst>
                 <a:ext uri="{FF2B5EF4-FFF2-40B4-BE49-F238E27FC236}">
-                  <a16:creationId xmlns:a16="http://schemas.microsoft.com/office/drawing/2014/main" id="{81934147-8B85-4CB9-8815-E8A1DDA4AFD2}"/>
+                  <a16:creationId xmlns:a16="http://schemas.microsoft.com/office/drawing/2014/main" id="{C6B6D442-6621-4F27-8E6D-0CEFF6866A7C}"/>
                 </a:ext>
               </a:extLst>
             </p:cNvPr>
@@ -7491,13 +7025,308 @@
             </a:p>
           </p:txBody>
         </p:sp>
+        <p:sp>
+          <p:nvSpPr>
+            <p:cNvPr id="21" name="文本框 20">
+              <a:extLst>
+                <a:ext uri="{FF2B5EF4-FFF2-40B4-BE49-F238E27FC236}">
+                  <a16:creationId xmlns:a16="http://schemas.microsoft.com/office/drawing/2014/main" id="{CEEB66D5-5DC5-4E9E-9680-DC54D9E17E91}"/>
+                </a:ext>
+              </a:extLst>
+            </p:cNvPr>
+            <p:cNvSpPr txBox="1"/>
+            <p:nvPr/>
+          </p:nvSpPr>
+          <p:spPr>
+            <a:xfrm>
+              <a:off x="2187442" y="4352910"/>
+              <a:ext cx="4910807" cy="1477328"/>
+            </a:xfrm>
+            <a:prstGeom prst="rect">
+              <a:avLst/>
+            </a:prstGeom>
+            <a:noFill/>
+          </p:spPr>
+          <p:txBody>
+            <a:bodyPr wrap="square" rtlCol="0">
+              <a:spAutoFit/>
+            </a:bodyPr>
+            <a:lstStyle/>
+            <a:p>
+              <a:endParaRPr lang="en-US" altLang="zh-CN" dirty="0"/>
+            </a:p>
+            <a:p>
+              <a:r>
+                <a:rPr lang="zh-CN" altLang="en-US" dirty="0"/>
+                <a:t>每一个节点，更改为</a:t>
+              </a:r>
+              <a:r>
+                <a:rPr lang="en-US" altLang="zh-CN" dirty="0"/>
+                <a:t>(</a:t>
+              </a:r>
+              <a:r>
+                <a:rPr lang="en-US" altLang="zh-CN" dirty="0" err="1"/>
+                <a:t>attriName,label</a:t>
+              </a:r>
+              <a:r>
+                <a:rPr lang="en-US" altLang="zh-CN" dirty="0"/>
+                <a:t>) </a:t>
+              </a:r>
+            </a:p>
+            <a:p>
+              <a:r>
+                <a:rPr lang="en-US" altLang="zh-CN" dirty="0" err="1"/>
+                <a:t>attriName</a:t>
+              </a:r>
+              <a:r>
+                <a:rPr lang="en-US" altLang="zh-CN" dirty="0"/>
+                <a:t> </a:t>
+              </a:r>
+              <a:r>
+                <a:rPr lang="zh-CN" altLang="en-US" dirty="0"/>
+                <a:t>还是该节点原来的属性名称</a:t>
+              </a:r>
+              <a:endParaRPr lang="en-US" altLang="zh-CN" dirty="0"/>
+            </a:p>
+            <a:p>
+              <a:r>
+                <a:rPr lang="en-US" altLang="zh-CN" dirty="0"/>
+                <a:t>label </a:t>
+              </a:r>
+              <a:r>
+                <a:rPr lang="zh-CN" altLang="en-US" dirty="0"/>
+                <a:t>是该节点之下对应的子数据集中出现频率最高的那个 </a:t>
+              </a:r>
+              <a:r>
+                <a:rPr lang="en-US" altLang="zh-CN" dirty="0"/>
+                <a:t>label</a:t>
+              </a:r>
+              <a:endParaRPr lang="zh-CN" altLang="en-US" dirty="0"/>
+            </a:p>
+          </p:txBody>
+        </p:sp>
       </p:grpSp>
       <p:sp>
         <p:nvSpPr>
-          <p:cNvPr id="24" name="标题 1">
-            <a:extLst>
-              <a:ext uri="{FF2B5EF4-FFF2-40B4-BE49-F238E27FC236}">
-                <a16:creationId xmlns:a16="http://schemas.microsoft.com/office/drawing/2014/main" id="{5750CDC1-7149-49B1-A626-D4D38884A252}"/>
+          <p:cNvPr id="22" name="矩形 21">
+            <a:extLst>
+              <a:ext uri="{FF2B5EF4-FFF2-40B4-BE49-F238E27FC236}">
+                <a16:creationId xmlns:a16="http://schemas.microsoft.com/office/drawing/2014/main" id="{9339DD1C-9427-418E-8B9A-81A3C0DFDCE2}"/>
+              </a:ext>
+            </a:extLst>
+          </p:cNvPr>
+          <p:cNvSpPr/>
+          <p:nvPr/>
+        </p:nvSpPr>
+        <p:spPr>
+          <a:xfrm>
+            <a:off x="549889" y="3961366"/>
+            <a:ext cx="6096000" cy="2308324"/>
+          </a:xfrm>
+          <a:prstGeom prst="rect">
+            <a:avLst/>
+          </a:prstGeom>
+        </p:spPr>
+        <p:txBody>
+          <a:bodyPr>
+            <a:spAutoFit/>
+          </a:bodyPr>
+          <a:lstStyle/>
+          <a:p>
+            <a:r>
+              <a:rPr lang="zh-CN" altLang="en-US" dirty="0"/>
+              <a:t>{</a:t>
+            </a:r>
+            <a:endParaRPr lang="en-US" altLang="zh-CN" dirty="0"/>
+          </a:p>
+          <a:p>
+            <a:r>
+              <a:rPr lang="zh-CN" altLang="en-US" dirty="0"/>
+              <a:t>   ('Weather‘,  'maybe’):</a:t>
+            </a:r>
+            <a:endParaRPr lang="en-US" altLang="zh-CN" dirty="0"/>
+          </a:p>
+          <a:p>
+            <a:r>
+              <a:rPr lang="zh-CN" altLang="en-US" dirty="0"/>
+              <a:t> </a:t>
+            </a:r>
+            <a:r>
+              <a:rPr lang="en-US" altLang="zh-CN" dirty="0"/>
+              <a:t>	</a:t>
+            </a:r>
+            <a:r>
+              <a:rPr lang="zh-CN" altLang="en-US" dirty="0"/>
+              <a:t>{'cloudy’: </a:t>
+            </a:r>
+            <a:endParaRPr lang="en-US" altLang="zh-CN" dirty="0"/>
+          </a:p>
+          <a:p>
+            <a:r>
+              <a:rPr lang="en-US" altLang="zh-CN" dirty="0"/>
+              <a:t>		</a:t>
+            </a:r>
+            <a:r>
+              <a:rPr lang="zh-CN" altLang="en-US" dirty="0"/>
+              <a:t>{('Mood', 'maybe’): </a:t>
+            </a:r>
+            <a:endParaRPr lang="en-US" altLang="zh-CN" dirty="0"/>
+          </a:p>
+          <a:p>
+            <a:r>
+              <a:rPr lang="en-US" altLang="zh-CN" dirty="0"/>
+              <a:t>			</a:t>
+            </a:r>
+            <a:r>
+              <a:rPr lang="zh-CN" altLang="en-US" dirty="0"/>
+              <a:t>{'sad': 'yes‘, 'good': 'maybe’}},</a:t>
+            </a:r>
+            <a:endParaRPr lang="en-US" altLang="zh-CN" dirty="0"/>
+          </a:p>
+          <a:p>
+            <a:r>
+              <a:rPr lang="en-US" altLang="zh-CN" dirty="0"/>
+              <a:t>	</a:t>
+            </a:r>
+            <a:r>
+              <a:rPr lang="zh-CN" altLang="en-US" dirty="0"/>
+              <a:t> 'sunny': {('Mood', 'no'): {'good': 'no’}}</a:t>
+            </a:r>
+            <a:endParaRPr lang="en-US" altLang="zh-CN" dirty="0"/>
+          </a:p>
+          <a:p>
+            <a:r>
+              <a:rPr lang="en-US" altLang="zh-CN" dirty="0"/>
+              <a:t>	</a:t>
+            </a:r>
+            <a:r>
+              <a:rPr lang="zh-CN" altLang="en-US" dirty="0"/>
+              <a:t>}</a:t>
+            </a:r>
+            <a:endParaRPr lang="en-US" altLang="zh-CN" dirty="0"/>
+          </a:p>
+          <a:p>
+            <a:r>
+              <a:rPr lang="zh-CN" altLang="en-US" dirty="0"/>
+              <a:t>}</a:t>
+            </a:r>
+          </a:p>
+        </p:txBody>
+      </p:sp>
+      <p:sp>
+        <p:nvSpPr>
+          <p:cNvPr id="23" name="文本框 22">
+            <a:extLst>
+              <a:ext uri="{FF2B5EF4-FFF2-40B4-BE49-F238E27FC236}">
+                <a16:creationId xmlns:a16="http://schemas.microsoft.com/office/drawing/2014/main" id="{84540FD7-DB22-4577-B176-F055723453AE}"/>
+              </a:ext>
+            </a:extLst>
+          </p:cNvPr>
+          <p:cNvSpPr txBox="1"/>
+          <p:nvPr/>
+        </p:nvSpPr>
+        <p:spPr>
+          <a:xfrm>
+            <a:off x="854184" y="2046005"/>
+            <a:ext cx="4841240" cy="1477328"/>
+          </a:xfrm>
+          <a:prstGeom prst="rect">
+            <a:avLst/>
+          </a:prstGeom>
+          <a:noFill/>
+        </p:spPr>
+        <p:txBody>
+          <a:bodyPr wrap="square" rtlCol="0">
+            <a:spAutoFit/>
+          </a:bodyPr>
+          <a:lstStyle/>
+          <a:p>
+            <a:r>
+              <a:rPr lang="en-US" altLang="zh-CN" dirty="0"/>
+              <a:t> </a:t>
+            </a:r>
+            <a:r>
+              <a:rPr lang="en-US" altLang="zh-CN" dirty="0" err="1"/>
+              <a:t>dataSet</a:t>
+            </a:r>
+            <a:r>
+              <a:rPr lang="en-US" altLang="zh-CN" dirty="0"/>
+              <a:t> = [['</a:t>
+            </a:r>
+            <a:r>
+              <a:rPr lang="en-US" altLang="zh-CN" dirty="0" err="1"/>
+              <a:t>cloudy','good','maybe</a:t>
+            </a:r>
+            <a:r>
+              <a:rPr lang="en-US" altLang="zh-CN" dirty="0"/>
+              <a:t>'],</a:t>
+            </a:r>
+          </a:p>
+          <a:p>
+            <a:r>
+              <a:rPr lang="en-US" altLang="zh-CN" dirty="0"/>
+              <a:t>               ['</a:t>
+            </a:r>
+            <a:r>
+              <a:rPr lang="en-US" altLang="zh-CN" dirty="0" err="1"/>
+              <a:t>cloudy','sad','yes</a:t>
+            </a:r>
+            <a:r>
+              <a:rPr lang="en-US" altLang="zh-CN" dirty="0"/>
+              <a:t>'],</a:t>
+            </a:r>
+          </a:p>
+          <a:p>
+            <a:r>
+              <a:rPr lang="en-US" altLang="zh-CN" dirty="0"/>
+              <a:t>               ['</a:t>
+            </a:r>
+            <a:r>
+              <a:rPr lang="en-US" altLang="zh-CN" dirty="0" err="1"/>
+              <a:t>cloudy','sad','maybe</a:t>
+            </a:r>
+            <a:r>
+              <a:rPr lang="en-US" altLang="zh-CN" dirty="0"/>
+              <a:t>'],</a:t>
+            </a:r>
+          </a:p>
+          <a:p>
+            <a:r>
+              <a:rPr lang="en-US" altLang="zh-CN" dirty="0"/>
+              <a:t>               ['</a:t>
+            </a:r>
+            <a:r>
+              <a:rPr lang="en-US" altLang="zh-CN" dirty="0" err="1"/>
+              <a:t>sunny','good','no</a:t>
+            </a:r>
+            <a:r>
+              <a:rPr lang="en-US" altLang="zh-CN" dirty="0"/>
+              <a:t>'],</a:t>
+            </a:r>
+          </a:p>
+          <a:p>
+            <a:r>
+              <a:rPr lang="en-US" altLang="zh-CN" dirty="0"/>
+              <a:t>               ['</a:t>
+            </a:r>
+            <a:r>
+              <a:rPr lang="en-US" altLang="zh-CN" dirty="0" err="1"/>
+              <a:t>sunny','good','no</a:t>
+            </a:r>
+            <a:r>
+              <a:rPr lang="en-US" altLang="zh-CN" dirty="0"/>
+              <a:t>']]</a:t>
+            </a:r>
+            <a:endParaRPr lang="zh-CN" altLang="en-US" dirty="0"/>
+          </a:p>
+        </p:txBody>
+      </p:sp>
+      <p:sp>
+        <p:nvSpPr>
+          <p:cNvPr id="26" name="标题 1">
+            <a:extLst>
+              <a:ext uri="{FF2B5EF4-FFF2-40B4-BE49-F238E27FC236}">
+                <a16:creationId xmlns:a16="http://schemas.microsoft.com/office/drawing/2014/main" id="{5AC92889-AEC2-4CE2-B16A-FCE36B3742BC}"/>
               </a:ext>
             </a:extLst>
           </p:cNvPr>
@@ -7510,17 +7339,62 @@
         </p:nvSpPr>
         <p:spPr>
           <a:xfrm>
-            <a:off x="838200" y="365125"/>
-            <a:ext cx="10515600" cy="1325563"/>
+            <a:off x="3809798" y="188217"/>
+            <a:ext cx="4631422" cy="1325563"/>
           </a:xfrm>
         </p:spPr>
         <p:txBody>
           <a:bodyPr/>
           <a:lstStyle/>
           <a:p>
-            <a:r>
-              <a:rPr lang="zh-CN" altLang="en-US" dirty="0"/>
-              <a:t>决策树字典结构实例</a:t>
+            <a:pPr algn="ctr"/>
+            <a:r>
+              <a:rPr lang="en-US" altLang="zh-CN" dirty="0"/>
+              <a:t>Decision Tree </a:t>
+            </a:r>
+            <a:endParaRPr lang="zh-CN" altLang="en-US" dirty="0"/>
+          </a:p>
+        </p:txBody>
+      </p:sp>
+      <p:sp>
+        <p:nvSpPr>
+          <p:cNvPr id="27" name="文本框 26">
+            <a:extLst>
+              <a:ext uri="{FF2B5EF4-FFF2-40B4-BE49-F238E27FC236}">
+                <a16:creationId xmlns:a16="http://schemas.microsoft.com/office/drawing/2014/main" id="{FEE12F69-D140-4DE8-81D5-3C525CA9A290}"/>
+              </a:ext>
+            </a:extLst>
+          </p:cNvPr>
+          <p:cNvSpPr txBox="1"/>
+          <p:nvPr/>
+        </p:nvSpPr>
+        <p:spPr>
+          <a:xfrm>
+            <a:off x="755009" y="1090569"/>
+            <a:ext cx="4379053" cy="584775"/>
+          </a:xfrm>
+          <a:prstGeom prst="rect">
+            <a:avLst/>
+          </a:prstGeom>
+          <a:noFill/>
+        </p:spPr>
+        <p:txBody>
+          <a:bodyPr wrap="square" rtlCol="0">
+            <a:spAutoFit/>
+          </a:bodyPr>
+          <a:lstStyle/>
+          <a:p>
+            <a:r>
+              <a:rPr lang="zh-CN" altLang="en-US" sz="3200" dirty="0"/>
+              <a:t>改进决策树</a:t>
+            </a:r>
+            <a:r>
+              <a:rPr lang="en-US" altLang="zh-CN" sz="3200" dirty="0"/>
+              <a:t>-</a:t>
+            </a:r>
+            <a:r>
+              <a:rPr lang="zh-CN" altLang="en-US" sz="3200" dirty="0"/>
+              <a:t>实例示范</a:t>
             </a:r>
           </a:p>
         </p:txBody>
@@ -7528,7 +7402,7 @@
     </p:spTree>
     <p:extLst>
       <p:ext uri="{BB962C8B-B14F-4D97-AF65-F5344CB8AC3E}">
-        <p14:creationId xmlns:p14="http://schemas.microsoft.com/office/powerpoint/2010/main" val="1017380603"/>
+        <p14:creationId xmlns:p14="http://schemas.microsoft.com/office/powerpoint/2010/main" val="2708268037"/>
       </p:ext>
     </p:extLst>
   </p:cSld>
@@ -7557,124 +7431,174 @@
       </p:grpSpPr>
       <p:sp>
         <p:nvSpPr>
-          <p:cNvPr id="2" name="标题 1">
-            <a:extLst>
-              <a:ext uri="{FF2B5EF4-FFF2-40B4-BE49-F238E27FC236}">
-                <a16:creationId xmlns:a16="http://schemas.microsoft.com/office/drawing/2014/main" id="{1C466F9C-A062-4190-90AD-D9D4BE80BD10}"/>
-              </a:ext>
-            </a:extLst>
-          </p:cNvPr>
-          <p:cNvSpPr>
-            <a:spLocks noGrp="1"/>
-          </p:cNvSpPr>
-          <p:nvPr>
-            <p:ph type="title"/>
-          </p:nvPr>
+          <p:cNvPr id="4" name="矩形 3">
+            <a:extLst>
+              <a:ext uri="{FF2B5EF4-FFF2-40B4-BE49-F238E27FC236}">
+                <a16:creationId xmlns:a16="http://schemas.microsoft.com/office/drawing/2014/main" id="{1F0B4FCF-C7C8-44D0-9854-576111CB36C3}"/>
+              </a:ext>
+            </a:extLst>
+          </p:cNvPr>
+          <p:cNvSpPr/>
+          <p:nvPr/>
         </p:nvSpPr>
         <p:spPr>
           <a:xfrm>
-            <a:off x="838200" y="1655445"/>
-            <a:ext cx="10515600" cy="1325563"/>
+            <a:off x="1371330" y="3443579"/>
+            <a:ext cx="9668581" cy="3046988"/>
           </a:xfrm>
+          <a:prstGeom prst="rect">
+            <a:avLst/>
+          </a:prstGeom>
         </p:spPr>
         <p:txBody>
-          <a:bodyPr/>
+          <a:bodyPr wrap="square">
+            <a:spAutoFit/>
+          </a:bodyPr>
           <a:lstStyle/>
           <a:p>
             <a:r>
-              <a:rPr lang="zh-CN" altLang="en-US" dirty="0"/>
-              <a:t>测试样本的特征不完备如何处理？</a:t>
-            </a:r>
+              <a:rPr lang="zh-CN" altLang="en-US" sz="2400" dirty="0"/>
+              <a:t>以上两个问题解决方案</a:t>
+            </a:r>
+            <a:endParaRPr lang="en-US" altLang="zh-CN" sz="2400" dirty="0"/>
+          </a:p>
+          <a:p>
+            <a:r>
+              <a:rPr lang="zh-CN" altLang="en-US" sz="2400" dirty="0"/>
+              <a:t>解决第一个问题：</a:t>
+            </a:r>
+            <a:endParaRPr lang="en-US" altLang="zh-CN" sz="2400" dirty="0"/>
+          </a:p>
+          <a:p>
+            <a:r>
+              <a:rPr lang="en-US" altLang="zh-CN" sz="2400" dirty="0"/>
+              <a:t>	</a:t>
+            </a:r>
+            <a:r>
+              <a:rPr lang="zh-CN" altLang="en-US" sz="2400" dirty="0"/>
+              <a:t>如果是“完全新”的样本，则决策树中会出现分支缺少，</a:t>
+            </a:r>
+            <a:r>
+              <a:rPr lang="en-US" altLang="zh-CN" sz="2400" dirty="0"/>
+              <a:t>python </a:t>
+            </a:r>
+            <a:r>
+              <a:rPr lang="zh-CN" altLang="en-US" sz="2400" dirty="0"/>
+              <a:t>判定相应的键值</a:t>
+            </a:r>
+            <a:r>
+              <a:rPr lang="en-US" altLang="zh-CN" sz="2400" dirty="0"/>
+              <a:t>”sunny”</a:t>
+            </a:r>
+            <a:r>
+              <a:rPr lang="zh-CN" altLang="en-US" sz="2400" dirty="0"/>
+              <a:t>是否存在，如果不存在，则返回上面属性节点内的 </a:t>
+            </a:r>
+            <a:r>
+              <a:rPr lang="en-US" altLang="zh-CN" sz="2400" dirty="0"/>
+              <a:t>label.</a:t>
+            </a:r>
+          </a:p>
+          <a:p>
+            <a:r>
+              <a:rPr lang="zh-CN" altLang="en-US" sz="2400" dirty="0"/>
+              <a:t>解决第二个问题：</a:t>
+            </a:r>
+            <a:endParaRPr lang="en-US" altLang="zh-CN" sz="2400" dirty="0"/>
+          </a:p>
+          <a:p>
+            <a:r>
+              <a:rPr lang="en-US" altLang="zh-CN" sz="2400" dirty="0"/>
+              <a:t>	</a:t>
+            </a:r>
+            <a:r>
+              <a:rPr lang="zh-CN" altLang="en-US" sz="2400" dirty="0"/>
+              <a:t>在决策树判定向下走的过程中，如果还未遇到叶子就走不下去，则返回当前节点对应的 </a:t>
+            </a:r>
+            <a:r>
+              <a:rPr lang="en-US" altLang="zh-CN" sz="2400" dirty="0"/>
+              <a:t>label.</a:t>
+            </a:r>
+            <a:endParaRPr lang="zh-CN" altLang="en-US" sz="2400" dirty="0"/>
           </a:p>
         </p:txBody>
       </p:sp>
       <p:sp>
         <p:nvSpPr>
-          <p:cNvPr id="3" name="内容占位符 2">
-            <a:extLst>
-              <a:ext uri="{FF2B5EF4-FFF2-40B4-BE49-F238E27FC236}">
-                <a16:creationId xmlns:a16="http://schemas.microsoft.com/office/drawing/2014/main" id="{76987DC3-7A30-4034-B22C-313E2009128F}"/>
-              </a:ext>
-            </a:extLst>
-          </p:cNvPr>
-          <p:cNvSpPr>
-            <a:spLocks noGrp="1"/>
-          </p:cNvSpPr>
-          <p:nvPr>
-            <p:ph idx="1"/>
-          </p:nvPr>
+          <p:cNvPr id="5" name="矩形 4">
+            <a:extLst>
+              <a:ext uri="{FF2B5EF4-FFF2-40B4-BE49-F238E27FC236}">
+                <a16:creationId xmlns:a16="http://schemas.microsoft.com/office/drawing/2014/main" id="{881DAD83-8B0E-4C64-BC0A-58E2BDF2F585}"/>
+              </a:ext>
+            </a:extLst>
+          </p:cNvPr>
+          <p:cNvSpPr/>
+          <p:nvPr/>
         </p:nvSpPr>
         <p:spPr>
           <a:xfrm>
-            <a:off x="838200" y="3026886"/>
-            <a:ext cx="10515600" cy="2175669"/>
+            <a:off x="1371330" y="1281336"/>
+            <a:ext cx="9290918" cy="1938992"/>
           </a:xfrm>
+          <a:prstGeom prst="rect">
+            <a:avLst/>
+          </a:prstGeom>
         </p:spPr>
         <p:txBody>
-          <a:bodyPr>
-            <a:normAutofit/>
+          <a:bodyPr wrap="square">
+            <a:spAutoFit/>
           </a:bodyPr>
           <a:lstStyle/>
           <a:p>
             <a:r>
+              <a:rPr lang="zh-CN" altLang="en-US" sz="2400" dirty="0"/>
+              <a:t>输入要求：</a:t>
+            </a:r>
+            <a:endParaRPr lang="en-US" altLang="zh-CN" sz="2400" dirty="0"/>
+          </a:p>
+          <a:p>
+            <a:r>
+              <a:rPr lang="zh-CN" altLang="en-US" sz="2400" dirty="0"/>
+              <a:t>提交给</a:t>
+            </a:r>
+            <a:r>
               <a:rPr lang="en-US" altLang="zh-CN" sz="2400" dirty="0"/>
-              <a:t>new = ['21…50','High','USA’]</a:t>
-            </a:r>
-          </a:p>
-          <a:p>
+              <a:t>decision</a:t>
+            </a:r>
             <a:r>
               <a:rPr lang="zh-CN" altLang="en-US" sz="2400" dirty="0"/>
-              <a:t>完整的待测试的样本的特征应该为</a:t>
-            </a:r>
+              <a:t>函数判定的样本必须严格填写所有特征，</a:t>
+            </a:r>
+            <a:endParaRPr lang="en-US" altLang="zh-CN" sz="2400" dirty="0"/>
+          </a:p>
+          <a:p>
+            <a:r>
+              <a:rPr lang="zh-CN" altLang="en-US" sz="2400" dirty="0"/>
+              <a:t>如果特征缺失，则填入空字符串</a:t>
+            </a:r>
+            <a:endParaRPr lang="en-US" altLang="zh-CN" sz="2400" dirty="0"/>
+          </a:p>
+          <a:p>
+            <a:r>
+              <a:rPr lang="zh-CN" altLang="en-US" sz="2400" dirty="0"/>
+              <a:t>如下：</a:t>
+            </a:r>
+            <a:endParaRPr lang="en-US" altLang="zh-CN" sz="2400" dirty="0"/>
+          </a:p>
+          <a:p>
             <a:r>
               <a:rPr lang="en-US" altLang="zh-CN" sz="2400" dirty="0"/>
-              <a:t>[</a:t>
-            </a:r>
-            <a:r>
-              <a:rPr lang="en-US" altLang="zh-CN" sz="2400" dirty="0" err="1"/>
-              <a:t>Age,Income,Region,Credit</a:t>
-            </a:r>
-            <a:r>
-              <a:rPr lang="en-US" altLang="zh-CN" sz="2400" dirty="0"/>
-              <a:t> rating] </a:t>
-            </a:r>
-            <a:r>
-              <a:rPr lang="zh-CN" altLang="en-US" sz="2400" dirty="0"/>
-              <a:t>这</a:t>
-            </a:r>
-            <a:r>
-              <a:rPr lang="en-US" altLang="zh-CN" sz="2400" dirty="0"/>
-              <a:t>4</a:t>
-            </a:r>
-            <a:r>
-              <a:rPr lang="zh-CN" altLang="en-US" sz="2400" dirty="0"/>
-              <a:t>个属性，而上述</a:t>
-            </a:r>
-            <a:r>
-              <a:rPr lang="en-US" altLang="zh-CN" sz="2400" dirty="0"/>
-              <a:t>new </a:t>
-            </a:r>
-            <a:r>
-              <a:rPr lang="zh-CN" altLang="en-US" sz="2400" dirty="0"/>
-              <a:t>样本只提供了</a:t>
-            </a:r>
-            <a:r>
-              <a:rPr lang="en-US" altLang="zh-CN" sz="2400" dirty="0"/>
-              <a:t>3</a:t>
-            </a:r>
-            <a:r>
-              <a:rPr lang="zh-CN" altLang="en-US" sz="2400" dirty="0"/>
-              <a:t>个特征值</a:t>
+              <a:t>new = [‘21…50’,‘High’,‘USA’,’’]</a:t>
             </a:r>
           </a:p>
         </p:txBody>
       </p:sp>
       <p:sp>
         <p:nvSpPr>
-          <p:cNvPr id="4" name="标题 1">
-            <a:extLst>
-              <a:ext uri="{FF2B5EF4-FFF2-40B4-BE49-F238E27FC236}">
-                <a16:creationId xmlns:a16="http://schemas.microsoft.com/office/drawing/2014/main" id="{75502CED-E531-41C6-8447-88BB5DD5200C}"/>
+          <p:cNvPr id="6" name="标题 1">
+            <a:extLst>
+              <a:ext uri="{FF2B5EF4-FFF2-40B4-BE49-F238E27FC236}">
+                <a16:creationId xmlns:a16="http://schemas.microsoft.com/office/drawing/2014/main" id="{DB020313-CC8A-4505-961E-D2AB05593190}"/>
               </a:ext>
             </a:extLst>
           </p:cNvPr>
@@ -7685,8 +7609,8 @@
         </p:nvSpPr>
         <p:spPr>
           <a:xfrm>
-            <a:off x="838200" y="365125"/>
-            <a:ext cx="10515600" cy="1325563"/>
+            <a:off x="3809798" y="188217"/>
+            <a:ext cx="4631422" cy="1325563"/>
           </a:xfrm>
           <a:prstGeom prst="rect">
             <a:avLst/>
@@ -7716,9 +7640,10 @@
             </a:lvl1pPr>
           </a:lstStyle>
           <a:p>
-            <a:r>
-              <a:rPr lang="en-US" altLang="zh-CN"/>
-              <a:t>Decision Tree</a:t>
+            <a:pPr algn="ctr"/>
+            <a:r>
+              <a:rPr lang="en-US" altLang="zh-CN" dirty="0"/>
+              <a:t>Decision Tree </a:t>
             </a:r>
             <a:endParaRPr lang="zh-CN" altLang="en-US" dirty="0"/>
           </a:p>
@@ -7727,7 +7652,7 @@
     </p:spTree>
     <p:extLst>
       <p:ext uri="{BB962C8B-B14F-4D97-AF65-F5344CB8AC3E}">
-        <p14:creationId xmlns:p14="http://schemas.microsoft.com/office/powerpoint/2010/main" val="239441364"/>
+        <p14:creationId xmlns:p14="http://schemas.microsoft.com/office/powerpoint/2010/main" val="2358665202"/>
       </p:ext>
     </p:extLst>
   </p:cSld>
@@ -7783,8 +7708,8 @@
           </a:p>
         </p:txBody>
       </p:sp>
-      <mc:AlternateContent xmlns:mc="http://schemas.openxmlformats.org/markup-compatibility/2006">
-        <mc:Choice xmlns:a14="http://schemas.microsoft.com/office/drawing/2010/main" Requires="a14">
+      <mc:AlternateContent xmlns:mc="http://schemas.openxmlformats.org/markup-compatibility/2006" xmlns:a14="http://schemas.microsoft.com/office/drawing/2010/main">
+        <mc:Choice Requires="a14">
           <p:sp>
             <p:nvSpPr>
               <p:cNvPr id="3" name="内容占位符 2">
@@ -8166,7 +8091,7 @@
             </p:txBody>
           </p:sp>
         </mc:Choice>
-        <mc:Fallback>
+        <mc:Fallback xmlns="">
           <p:sp>
             <p:nvSpPr>
               <p:cNvPr id="3" name="内容占位符 2">

--- a/GroupHomework/Record.pptx
+++ b/GroupHomework/Record.pptx
@@ -12,7 +12,10 @@
     <p:sldId id="261" r:id="rId6"/>
     <p:sldId id="265" r:id="rId7"/>
     <p:sldId id="266" r:id="rId8"/>
-    <p:sldId id="262" r:id="rId9"/>
+    <p:sldId id="267" r:id="rId9"/>
+    <p:sldId id="262" r:id="rId10"/>
+    <p:sldId id="269" r:id="rId11"/>
+    <p:sldId id="268" r:id="rId12"/>
   </p:sldIdLst>
   <p:sldSz cx="12192000" cy="6858000"/>
   <p:notesSz cx="6858000" cy="9144000"/>
@@ -3394,6 +3397,967 @@
     <p:extLst>
       <p:ext uri="{BB962C8B-B14F-4D97-AF65-F5344CB8AC3E}">
         <p14:creationId xmlns:p14="http://schemas.microsoft.com/office/powerpoint/2010/main" val="71198877"/>
+      </p:ext>
+    </p:extLst>
+  </p:cSld>
+  <p:clrMapOvr>
+    <a:masterClrMapping/>
+  </p:clrMapOvr>
+</p:sld>
+</file>
+
+<file path=ppt/slides/slide10.xml><?xml version="1.0" encoding="utf-8"?>
+<p:sld xmlns:a="http://schemas.openxmlformats.org/drawingml/2006/main" xmlns:r="http://schemas.openxmlformats.org/officeDocument/2006/relationships" xmlns:p="http://schemas.openxmlformats.org/presentationml/2006/main">
+  <p:cSld>
+    <p:spTree>
+      <p:nvGrpSpPr>
+        <p:cNvPr id="1" name=""/>
+        <p:cNvGrpSpPr/>
+        <p:nvPr/>
+      </p:nvGrpSpPr>
+      <p:grpSpPr>
+        <a:xfrm>
+          <a:off x="0" y="0"/>
+          <a:ext cx="0" cy="0"/>
+          <a:chOff x="0" y="0"/>
+          <a:chExt cx="0" cy="0"/>
+        </a:xfrm>
+      </p:grpSpPr>
+      <mc:AlternateContent xmlns:mc="http://schemas.openxmlformats.org/markup-compatibility/2006" xmlns:a14="http://schemas.microsoft.com/office/drawing/2010/main">
+        <mc:Choice Requires="a14">
+          <p:sp>
+            <p:nvSpPr>
+              <p:cNvPr id="3" name="内容占位符 2">
+                <a:extLst>
+                  <a:ext uri="{FF2B5EF4-FFF2-40B4-BE49-F238E27FC236}">
+                    <a16:creationId xmlns:a16="http://schemas.microsoft.com/office/drawing/2014/main" id="{1AFD720B-9158-463D-986D-288687C61AAB}"/>
+                  </a:ext>
+                </a:extLst>
+              </p:cNvPr>
+              <p:cNvSpPr>
+                <a:spLocks noGrp="1"/>
+              </p:cNvSpPr>
+              <p:nvPr>
+                <p:ph idx="1"/>
+              </p:nvPr>
+            </p:nvSpPr>
+            <p:spPr/>
+            <p:txBody>
+              <a:bodyPr/>
+              <a:lstStyle/>
+              <a:p>
+                <a:r>
+                  <a:rPr lang="zh-CN" altLang="en-US" dirty="0"/>
+                  <a:t>问题一解决方案：</a:t>
+                </a:r>
+                <a:endParaRPr lang="en-US" altLang="zh-CN" dirty="0"/>
+              </a:p>
+              <a:p>
+                <a:pPr marL="457200" lvl="1" indent="0">
+                  <a:buNone/>
+                </a:pPr>
+                <a:r>
+                  <a:rPr lang="zh-CN" altLang="en-US" dirty="0"/>
+                  <a:t>最为直接不考虑后果的就是将</a:t>
+                </a:r>
+                <a:endParaRPr lang="en-US" altLang="zh-CN" i="1" dirty="0">
+                  <a:latin typeface="Cambria Math" panose="02040503050406030204" pitchFamily="18" charset="0"/>
+                </a:endParaRPr>
+              </a:p>
+              <a:p>
+                <a:pPr marL="457200" lvl="1" indent="0">
+                  <a:buNone/>
+                </a:pPr>
+                <a:r>
+                  <a:rPr lang="en-US" altLang="zh-CN" dirty="0"/>
+                  <a:t>	</a:t>
+                </a:r>
+                <a14:m>
+                  <m:oMath xmlns:m="http://schemas.openxmlformats.org/officeDocument/2006/math">
+                    <m:sSub>
+                      <m:sSubPr>
+                        <m:ctrlPr>
+                          <a:rPr lang="en-US" altLang="zh-CN" i="1">
+                            <a:latin typeface="Cambria Math" panose="02040503050406030204" pitchFamily="18" charset="0"/>
+                          </a:rPr>
+                        </m:ctrlPr>
+                      </m:sSubPr>
+                      <m:e>
+                        <m:r>
+                          <a:rPr lang="en-US" altLang="zh-CN" i="1">
+                            <a:latin typeface="Cambria Math" panose="02040503050406030204" pitchFamily="18" charset="0"/>
+                          </a:rPr>
+                          <m:t>𝐷</m:t>
+                        </m:r>
+                      </m:e>
+                      <m:sub>
+                        <m:r>
+                          <a:rPr lang="en-US" altLang="zh-CN" i="1">
+                            <a:latin typeface="Cambria Math" panose="02040503050406030204" pitchFamily="18" charset="0"/>
+                          </a:rPr>
+                          <m:t>𝐾𝐿</m:t>
+                        </m:r>
+                      </m:sub>
+                    </m:sSub>
+                    <m:d>
+                      <m:dPr>
+                        <m:ctrlPr>
+                          <a:rPr lang="en-US" altLang="zh-CN" i="1">
+                            <a:latin typeface="Cambria Math" panose="02040503050406030204" pitchFamily="18" charset="0"/>
+                          </a:rPr>
+                        </m:ctrlPr>
+                      </m:dPr>
+                      <m:e>
+                        <m:acc>
+                          <m:accPr>
+                            <m:chr m:val="⃗"/>
+                            <m:ctrlPr>
+                              <a:rPr lang="en-US" altLang="zh-CN" i="1">
+                                <a:latin typeface="Cambria Math" panose="02040503050406030204" pitchFamily="18" charset="0"/>
+                              </a:rPr>
+                            </m:ctrlPr>
+                          </m:accPr>
+                          <m:e>
+                            <m:r>
+                              <a:rPr lang="en-US" altLang="zh-CN" i="1">
+                                <a:latin typeface="Cambria Math" panose="02040503050406030204" pitchFamily="18" charset="0"/>
+                              </a:rPr>
+                              <m:t>𝑎</m:t>
+                            </m:r>
+                          </m:e>
+                        </m:acc>
+                        <m:d>
+                          <m:dPr>
+                            <m:begChr m:val="‖"/>
+                            <m:endChr m:val=""/>
+                            <m:ctrlPr>
+                              <a:rPr lang="en-US" altLang="zh-CN" i="1">
+                                <a:latin typeface="Cambria Math" panose="02040503050406030204" pitchFamily="18" charset="0"/>
+                              </a:rPr>
+                            </m:ctrlPr>
+                          </m:dPr>
+                          <m:e>
+                            <m:acc>
+                              <m:accPr>
+                                <m:chr m:val="⃗"/>
+                                <m:ctrlPr>
+                                  <a:rPr lang="en-US" altLang="zh-CN" i="1">
+                                    <a:latin typeface="Cambria Math" panose="02040503050406030204" pitchFamily="18" charset="0"/>
+                                  </a:rPr>
+                                </m:ctrlPr>
+                              </m:accPr>
+                              <m:e>
+                                <m:r>
+                                  <a:rPr lang="en-US" altLang="zh-CN" i="1">
+                                    <a:latin typeface="Cambria Math" panose="02040503050406030204" pitchFamily="18" charset="0"/>
+                                  </a:rPr>
+                                  <m:t>𝑏</m:t>
+                                </m:r>
+                              </m:e>
+                            </m:acc>
+                          </m:e>
+                        </m:d>
+                      </m:e>
+                    </m:d>
+                    <m:r>
+                      <a:rPr lang="en-US" altLang="zh-CN" i="1">
+                        <a:latin typeface="Cambria Math" panose="02040503050406030204" pitchFamily="18" charset="0"/>
+                      </a:rPr>
+                      <m:t>=</m:t>
+                    </m:r>
+                    <m:nary>
+                      <m:naryPr>
+                        <m:chr m:val="∑"/>
+                        <m:ctrlPr>
+                          <a:rPr lang="en-US" altLang="zh-CN" i="1">
+                            <a:latin typeface="Cambria Math" panose="02040503050406030204" pitchFamily="18" charset="0"/>
+                          </a:rPr>
+                        </m:ctrlPr>
+                      </m:naryPr>
+                      <m:sub>
+                        <m:r>
+                          <m:rPr>
+                            <m:brk m:alnAt="23"/>
+                          </m:rPr>
+                          <a:rPr lang="en-US" altLang="zh-CN" i="1">
+                            <a:latin typeface="Cambria Math" panose="02040503050406030204" pitchFamily="18" charset="0"/>
+                          </a:rPr>
+                          <m:t>𝑡</m:t>
+                        </m:r>
+                        <m:r>
+                          <a:rPr lang="en-US" altLang="zh-CN" i="1">
+                            <a:latin typeface="Cambria Math" panose="02040503050406030204" pitchFamily="18" charset="0"/>
+                          </a:rPr>
+                          <m:t>=1</m:t>
+                        </m:r>
+                      </m:sub>
+                      <m:sup>
+                        <m:r>
+                          <a:rPr lang="en-US" altLang="zh-CN" i="1">
+                            <a:latin typeface="Cambria Math" panose="02040503050406030204" pitchFamily="18" charset="0"/>
+                          </a:rPr>
+                          <m:t>𝑚</m:t>
+                        </m:r>
+                      </m:sup>
+                      <m:e>
+                        <m:sSub>
+                          <m:sSubPr>
+                            <m:ctrlPr>
+                              <a:rPr lang="en-US" altLang="zh-CN" i="1">
+                                <a:latin typeface="Cambria Math" panose="02040503050406030204" pitchFamily="18" charset="0"/>
+                              </a:rPr>
+                            </m:ctrlPr>
+                          </m:sSubPr>
+                          <m:e>
+                            <m:r>
+                              <a:rPr lang="en-US" altLang="zh-CN" i="1">
+                                <a:latin typeface="Cambria Math" panose="02040503050406030204" pitchFamily="18" charset="0"/>
+                              </a:rPr>
+                              <m:t>𝑤</m:t>
+                            </m:r>
+                          </m:e>
+                          <m:sub>
+                            <m:r>
+                              <a:rPr lang="en-US" altLang="zh-CN" i="1">
+                                <a:latin typeface="Cambria Math" panose="02040503050406030204" pitchFamily="18" charset="0"/>
+                              </a:rPr>
+                              <m:t>𝑡</m:t>
+                            </m:r>
+                            <m:r>
+                              <a:rPr lang="en-US" altLang="zh-CN" i="1">
+                                <a:latin typeface="Cambria Math" panose="02040503050406030204" pitchFamily="18" charset="0"/>
+                              </a:rPr>
+                              <m:t>,</m:t>
+                            </m:r>
+                            <m:r>
+                              <a:rPr lang="en-US" altLang="zh-CN" i="1">
+                                <a:latin typeface="Cambria Math" panose="02040503050406030204" pitchFamily="18" charset="0"/>
+                              </a:rPr>
+                              <m:t>𝑎</m:t>
+                            </m:r>
+                          </m:sub>
+                        </m:sSub>
+                        <m:r>
+                          <a:rPr lang="en-US" altLang="zh-CN" i="1">
+                            <a:latin typeface="Cambria Math" panose="02040503050406030204" pitchFamily="18" charset="0"/>
+                          </a:rPr>
+                          <m:t>×</m:t>
+                        </m:r>
+                        <m:r>
+                          <a:rPr lang="en-US" altLang="zh-CN" i="1">
+                            <a:latin typeface="Cambria Math" panose="02040503050406030204" pitchFamily="18" charset="0"/>
+                          </a:rPr>
+                          <m:t>𝑙𝑜𝑔</m:t>
+                        </m:r>
+                        <m:f>
+                          <m:fPr>
+                            <m:ctrlPr>
+                              <a:rPr lang="en-US" altLang="zh-CN" i="1">
+                                <a:latin typeface="Cambria Math" panose="02040503050406030204" pitchFamily="18" charset="0"/>
+                              </a:rPr>
+                            </m:ctrlPr>
+                          </m:fPr>
+                          <m:num>
+                            <m:sSub>
+                              <m:sSubPr>
+                                <m:ctrlPr>
+                                  <a:rPr lang="en-US" altLang="zh-CN" i="1">
+                                    <a:latin typeface="Cambria Math" panose="02040503050406030204" pitchFamily="18" charset="0"/>
+                                  </a:rPr>
+                                </m:ctrlPr>
+                              </m:sSubPr>
+                              <m:e>
+                                <m:r>
+                                  <a:rPr lang="en-US" altLang="zh-CN" i="1">
+                                    <a:latin typeface="Cambria Math" panose="02040503050406030204" pitchFamily="18" charset="0"/>
+                                  </a:rPr>
+                                  <m:t>𝑤</m:t>
+                                </m:r>
+                              </m:e>
+                              <m:sub>
+                                <m:r>
+                                  <a:rPr lang="en-US" altLang="zh-CN" i="1">
+                                    <a:latin typeface="Cambria Math" panose="02040503050406030204" pitchFamily="18" charset="0"/>
+                                  </a:rPr>
+                                  <m:t>𝑡</m:t>
+                                </m:r>
+                                <m:r>
+                                  <a:rPr lang="en-US" altLang="zh-CN" i="1">
+                                    <a:latin typeface="Cambria Math" panose="02040503050406030204" pitchFamily="18" charset="0"/>
+                                  </a:rPr>
+                                  <m:t>,</m:t>
+                                </m:r>
+                                <m:r>
+                                  <a:rPr lang="en-US" altLang="zh-CN" i="1">
+                                    <a:latin typeface="Cambria Math" panose="02040503050406030204" pitchFamily="18" charset="0"/>
+                                  </a:rPr>
+                                  <m:t>𝑎</m:t>
+                                </m:r>
+                              </m:sub>
+                            </m:sSub>
+                          </m:num>
+                          <m:den>
+                            <m:sSub>
+                              <m:sSubPr>
+                                <m:ctrlPr>
+                                  <a:rPr lang="en-US" altLang="zh-CN" i="1">
+                                    <a:solidFill>
+                                      <a:srgbClr val="C00000"/>
+                                    </a:solidFill>
+                                    <a:latin typeface="Cambria Math" panose="02040503050406030204" pitchFamily="18" charset="0"/>
+                                  </a:rPr>
+                                </m:ctrlPr>
+                              </m:sSubPr>
+                              <m:e>
+                                <m:r>
+                                  <a:rPr lang="en-US" altLang="zh-CN" i="1">
+                                    <a:solidFill>
+                                      <a:srgbClr val="C00000"/>
+                                    </a:solidFill>
+                                    <a:latin typeface="Cambria Math" panose="02040503050406030204" pitchFamily="18" charset="0"/>
+                                  </a:rPr>
+                                  <m:t>𝑤</m:t>
+                                </m:r>
+                              </m:e>
+                              <m:sub>
+                                <m:r>
+                                  <a:rPr lang="en-US" altLang="zh-CN" i="1">
+                                    <a:solidFill>
+                                      <a:srgbClr val="C00000"/>
+                                    </a:solidFill>
+                                    <a:latin typeface="Cambria Math" panose="02040503050406030204" pitchFamily="18" charset="0"/>
+                                  </a:rPr>
+                                  <m:t>𝑡</m:t>
+                                </m:r>
+                                <m:r>
+                                  <a:rPr lang="en-US" altLang="zh-CN" i="1">
+                                    <a:solidFill>
+                                      <a:srgbClr val="C00000"/>
+                                    </a:solidFill>
+                                    <a:latin typeface="Cambria Math" panose="02040503050406030204" pitchFamily="18" charset="0"/>
+                                  </a:rPr>
+                                  <m:t>,</m:t>
+                                </m:r>
+                                <m:r>
+                                  <a:rPr lang="en-US" altLang="zh-CN" i="1">
+                                    <a:solidFill>
+                                      <a:srgbClr val="C00000"/>
+                                    </a:solidFill>
+                                    <a:latin typeface="Cambria Math" panose="02040503050406030204" pitchFamily="18" charset="0"/>
+                                  </a:rPr>
+                                  <m:t>𝑏</m:t>
+                                </m:r>
+                              </m:sub>
+                            </m:sSub>
+                          </m:den>
+                        </m:f>
+                        <m:r>
+                          <a:rPr lang="en-US" altLang="zh-CN" i="1">
+                            <a:latin typeface="Cambria Math" panose="02040503050406030204" pitchFamily="18" charset="0"/>
+                          </a:rPr>
+                          <m:t>.</m:t>
+                        </m:r>
+                      </m:e>
+                    </m:nary>
+                  </m:oMath>
+                </a14:m>
+                <a:r>
+                  <a:rPr lang="zh-CN" altLang="en-US" dirty="0"/>
+                  <a:t> </a:t>
+                </a:r>
+                <a:endParaRPr lang="en-US" altLang="zh-CN" dirty="0"/>
+              </a:p>
+              <a:p>
+                <a:pPr marL="457200" lvl="1" indent="0">
+                  <a:buNone/>
+                </a:pPr>
+                <a:r>
+                  <a:rPr lang="zh-CN" altLang="en-US" dirty="0"/>
+                  <a:t>更改为</a:t>
+                </a:r>
+                <a:endParaRPr lang="en-US" altLang="zh-CN" dirty="0"/>
+              </a:p>
+              <a:p>
+                <a:pPr marL="457200" lvl="1" indent="0">
+                  <a:buNone/>
+                </a:pPr>
+                <a:r>
+                  <a:rPr lang="en-US" altLang="zh-CN" dirty="0"/>
+                  <a:t>	</a:t>
+                </a:r>
+                <a14:m>
+                  <m:oMath xmlns:m="http://schemas.openxmlformats.org/officeDocument/2006/math">
+                    <m:sSub>
+                      <m:sSubPr>
+                        <m:ctrlPr>
+                          <a:rPr lang="en-US" altLang="zh-CN" i="1">
+                            <a:latin typeface="Cambria Math" panose="02040503050406030204" pitchFamily="18" charset="0"/>
+                          </a:rPr>
+                        </m:ctrlPr>
+                      </m:sSubPr>
+                      <m:e>
+                        <m:r>
+                          <a:rPr lang="en-US" altLang="zh-CN" i="1">
+                            <a:latin typeface="Cambria Math" panose="02040503050406030204" pitchFamily="18" charset="0"/>
+                          </a:rPr>
+                          <m:t>𝐷</m:t>
+                        </m:r>
+                      </m:e>
+                      <m:sub>
+                        <m:r>
+                          <a:rPr lang="en-US" altLang="zh-CN" i="1">
+                            <a:latin typeface="Cambria Math" panose="02040503050406030204" pitchFamily="18" charset="0"/>
+                          </a:rPr>
+                          <m:t>𝐾𝐿</m:t>
+                        </m:r>
+                      </m:sub>
+                    </m:sSub>
+                    <m:d>
+                      <m:dPr>
+                        <m:ctrlPr>
+                          <a:rPr lang="en-US" altLang="zh-CN" i="1">
+                            <a:latin typeface="Cambria Math" panose="02040503050406030204" pitchFamily="18" charset="0"/>
+                          </a:rPr>
+                        </m:ctrlPr>
+                      </m:dPr>
+                      <m:e>
+                        <m:acc>
+                          <m:accPr>
+                            <m:chr m:val="⃗"/>
+                            <m:ctrlPr>
+                              <a:rPr lang="en-US" altLang="zh-CN" i="1">
+                                <a:latin typeface="Cambria Math" panose="02040503050406030204" pitchFamily="18" charset="0"/>
+                              </a:rPr>
+                            </m:ctrlPr>
+                          </m:accPr>
+                          <m:e>
+                            <m:r>
+                              <a:rPr lang="en-US" altLang="zh-CN" i="1">
+                                <a:latin typeface="Cambria Math" panose="02040503050406030204" pitchFamily="18" charset="0"/>
+                              </a:rPr>
+                              <m:t>𝑎</m:t>
+                            </m:r>
+                          </m:e>
+                        </m:acc>
+                        <m:d>
+                          <m:dPr>
+                            <m:begChr m:val="‖"/>
+                            <m:endChr m:val=""/>
+                            <m:ctrlPr>
+                              <a:rPr lang="en-US" altLang="zh-CN" i="1">
+                                <a:latin typeface="Cambria Math" panose="02040503050406030204" pitchFamily="18" charset="0"/>
+                              </a:rPr>
+                            </m:ctrlPr>
+                          </m:dPr>
+                          <m:e>
+                            <m:acc>
+                              <m:accPr>
+                                <m:chr m:val="⃗"/>
+                                <m:ctrlPr>
+                                  <a:rPr lang="en-US" altLang="zh-CN" i="1">
+                                    <a:latin typeface="Cambria Math" panose="02040503050406030204" pitchFamily="18" charset="0"/>
+                                  </a:rPr>
+                                </m:ctrlPr>
+                              </m:accPr>
+                              <m:e>
+                                <m:r>
+                                  <a:rPr lang="en-US" altLang="zh-CN" i="1">
+                                    <a:latin typeface="Cambria Math" panose="02040503050406030204" pitchFamily="18" charset="0"/>
+                                  </a:rPr>
+                                  <m:t>𝑏</m:t>
+                                </m:r>
+                              </m:e>
+                            </m:acc>
+                          </m:e>
+                        </m:d>
+                      </m:e>
+                    </m:d>
+                    <m:r>
+                      <a:rPr lang="en-US" altLang="zh-CN" i="1">
+                        <a:latin typeface="Cambria Math" panose="02040503050406030204" pitchFamily="18" charset="0"/>
+                      </a:rPr>
+                      <m:t>=</m:t>
+                    </m:r>
+                    <m:nary>
+                      <m:naryPr>
+                        <m:chr m:val="∑"/>
+                        <m:ctrlPr>
+                          <a:rPr lang="en-US" altLang="zh-CN" i="1">
+                            <a:latin typeface="Cambria Math" panose="02040503050406030204" pitchFamily="18" charset="0"/>
+                          </a:rPr>
+                        </m:ctrlPr>
+                      </m:naryPr>
+                      <m:sub>
+                        <m:r>
+                          <m:rPr>
+                            <m:brk m:alnAt="23"/>
+                          </m:rPr>
+                          <a:rPr lang="en-US" altLang="zh-CN" i="1">
+                            <a:latin typeface="Cambria Math" panose="02040503050406030204" pitchFamily="18" charset="0"/>
+                          </a:rPr>
+                          <m:t>𝑡</m:t>
+                        </m:r>
+                        <m:r>
+                          <a:rPr lang="en-US" altLang="zh-CN" i="1">
+                            <a:latin typeface="Cambria Math" panose="02040503050406030204" pitchFamily="18" charset="0"/>
+                          </a:rPr>
+                          <m:t>=1</m:t>
+                        </m:r>
+                      </m:sub>
+                      <m:sup>
+                        <m:r>
+                          <a:rPr lang="en-US" altLang="zh-CN" i="1">
+                            <a:latin typeface="Cambria Math" panose="02040503050406030204" pitchFamily="18" charset="0"/>
+                          </a:rPr>
+                          <m:t>𝑚</m:t>
+                        </m:r>
+                      </m:sup>
+                      <m:e>
+                        <m:sSub>
+                          <m:sSubPr>
+                            <m:ctrlPr>
+                              <a:rPr lang="en-US" altLang="zh-CN" i="1">
+                                <a:latin typeface="Cambria Math" panose="02040503050406030204" pitchFamily="18" charset="0"/>
+                              </a:rPr>
+                            </m:ctrlPr>
+                          </m:sSubPr>
+                          <m:e>
+                            <m:r>
+                              <a:rPr lang="en-US" altLang="zh-CN" i="1">
+                                <a:latin typeface="Cambria Math" panose="02040503050406030204" pitchFamily="18" charset="0"/>
+                              </a:rPr>
+                              <m:t>𝑤</m:t>
+                            </m:r>
+                          </m:e>
+                          <m:sub>
+                            <m:r>
+                              <a:rPr lang="en-US" altLang="zh-CN" i="1">
+                                <a:latin typeface="Cambria Math" panose="02040503050406030204" pitchFamily="18" charset="0"/>
+                              </a:rPr>
+                              <m:t>𝑡</m:t>
+                            </m:r>
+                            <m:r>
+                              <a:rPr lang="en-US" altLang="zh-CN" i="1">
+                                <a:latin typeface="Cambria Math" panose="02040503050406030204" pitchFamily="18" charset="0"/>
+                              </a:rPr>
+                              <m:t>,</m:t>
+                            </m:r>
+                            <m:r>
+                              <a:rPr lang="en-US" altLang="zh-CN" i="1">
+                                <a:latin typeface="Cambria Math" panose="02040503050406030204" pitchFamily="18" charset="0"/>
+                              </a:rPr>
+                              <m:t>𝑎</m:t>
+                            </m:r>
+                          </m:sub>
+                        </m:sSub>
+                        <m:r>
+                          <a:rPr lang="en-US" altLang="zh-CN" i="1">
+                            <a:latin typeface="Cambria Math" panose="02040503050406030204" pitchFamily="18" charset="0"/>
+                          </a:rPr>
+                          <m:t>×</m:t>
+                        </m:r>
+                        <m:r>
+                          <a:rPr lang="en-US" altLang="zh-CN" i="1">
+                            <a:latin typeface="Cambria Math" panose="02040503050406030204" pitchFamily="18" charset="0"/>
+                          </a:rPr>
+                          <m:t>𝑙𝑜𝑔</m:t>
+                        </m:r>
+                        <m:f>
+                          <m:fPr>
+                            <m:ctrlPr>
+                              <a:rPr lang="en-US" altLang="zh-CN" i="1">
+                                <a:latin typeface="Cambria Math" panose="02040503050406030204" pitchFamily="18" charset="0"/>
+                              </a:rPr>
+                            </m:ctrlPr>
+                          </m:fPr>
+                          <m:num>
+                            <m:sSub>
+                              <m:sSubPr>
+                                <m:ctrlPr>
+                                  <a:rPr lang="en-US" altLang="zh-CN" i="1">
+                                    <a:latin typeface="Cambria Math" panose="02040503050406030204" pitchFamily="18" charset="0"/>
+                                  </a:rPr>
+                                </m:ctrlPr>
+                              </m:sSubPr>
+                              <m:e>
+                                <m:r>
+                                  <a:rPr lang="en-US" altLang="zh-CN" i="1">
+                                    <a:latin typeface="Cambria Math" panose="02040503050406030204" pitchFamily="18" charset="0"/>
+                                  </a:rPr>
+                                  <m:t>𝑤</m:t>
+                                </m:r>
+                              </m:e>
+                              <m:sub>
+                                <m:r>
+                                  <a:rPr lang="en-US" altLang="zh-CN" i="1">
+                                    <a:latin typeface="Cambria Math" panose="02040503050406030204" pitchFamily="18" charset="0"/>
+                                  </a:rPr>
+                                  <m:t>𝑡</m:t>
+                                </m:r>
+                                <m:r>
+                                  <a:rPr lang="en-US" altLang="zh-CN" i="1">
+                                    <a:latin typeface="Cambria Math" panose="02040503050406030204" pitchFamily="18" charset="0"/>
+                                  </a:rPr>
+                                  <m:t>,</m:t>
+                                </m:r>
+                                <m:r>
+                                  <a:rPr lang="en-US" altLang="zh-CN" i="1">
+                                    <a:latin typeface="Cambria Math" panose="02040503050406030204" pitchFamily="18" charset="0"/>
+                                  </a:rPr>
+                                  <m:t>𝑎</m:t>
+                                </m:r>
+                              </m:sub>
+                            </m:sSub>
+                            <m:r>
+                              <a:rPr lang="en-US" altLang="zh-CN" i="1">
+                                <a:latin typeface="Cambria Math" panose="02040503050406030204" pitchFamily="18" charset="0"/>
+                              </a:rPr>
+                              <m:t>+</m:t>
+                            </m:r>
+                            <m:r>
+                              <a:rPr lang="en-US" altLang="zh-CN" b="0" i="1" smtClean="0">
+                                <a:latin typeface="Cambria Math" panose="02040503050406030204" pitchFamily="18" charset="0"/>
+                              </a:rPr>
+                              <m:t>1</m:t>
+                            </m:r>
+                          </m:num>
+                          <m:den>
+                            <m:sSub>
+                              <m:sSubPr>
+                                <m:ctrlPr>
+                                  <a:rPr lang="en-US" altLang="zh-CN" i="1">
+                                    <a:solidFill>
+                                      <a:srgbClr val="C00000"/>
+                                    </a:solidFill>
+                                    <a:latin typeface="Cambria Math" panose="02040503050406030204" pitchFamily="18" charset="0"/>
+                                  </a:rPr>
+                                </m:ctrlPr>
+                              </m:sSubPr>
+                              <m:e>
+                                <m:r>
+                                  <a:rPr lang="en-US" altLang="zh-CN" i="1">
+                                    <a:solidFill>
+                                      <a:srgbClr val="C00000"/>
+                                    </a:solidFill>
+                                    <a:latin typeface="Cambria Math" panose="02040503050406030204" pitchFamily="18" charset="0"/>
+                                  </a:rPr>
+                                  <m:t>𝑤</m:t>
+                                </m:r>
+                              </m:e>
+                              <m:sub>
+                                <m:r>
+                                  <a:rPr lang="en-US" altLang="zh-CN" i="1">
+                                    <a:solidFill>
+                                      <a:srgbClr val="C00000"/>
+                                    </a:solidFill>
+                                    <a:latin typeface="Cambria Math" panose="02040503050406030204" pitchFamily="18" charset="0"/>
+                                  </a:rPr>
+                                  <m:t>𝑡</m:t>
+                                </m:r>
+                                <m:r>
+                                  <a:rPr lang="en-US" altLang="zh-CN" i="1">
+                                    <a:solidFill>
+                                      <a:srgbClr val="C00000"/>
+                                    </a:solidFill>
+                                    <a:latin typeface="Cambria Math" panose="02040503050406030204" pitchFamily="18" charset="0"/>
+                                  </a:rPr>
+                                  <m:t>,</m:t>
+                                </m:r>
+                                <m:r>
+                                  <a:rPr lang="en-US" altLang="zh-CN" i="1">
+                                    <a:solidFill>
+                                      <a:srgbClr val="C00000"/>
+                                    </a:solidFill>
+                                    <a:latin typeface="Cambria Math" panose="02040503050406030204" pitchFamily="18" charset="0"/>
+                                  </a:rPr>
+                                  <m:t>𝑏</m:t>
+                                </m:r>
+                              </m:sub>
+                            </m:sSub>
+                            <m:r>
+                              <a:rPr lang="en-US" altLang="zh-CN" i="1">
+                                <a:solidFill>
+                                  <a:srgbClr val="C00000"/>
+                                </a:solidFill>
+                                <a:latin typeface="Cambria Math" panose="02040503050406030204" pitchFamily="18" charset="0"/>
+                              </a:rPr>
+                              <m:t>+</m:t>
+                            </m:r>
+                            <m:r>
+                              <a:rPr lang="en-US" altLang="zh-CN" b="0" i="1" smtClean="0">
+                                <a:solidFill>
+                                  <a:srgbClr val="C00000"/>
+                                </a:solidFill>
+                                <a:latin typeface="Cambria Math" panose="02040503050406030204" pitchFamily="18" charset="0"/>
+                              </a:rPr>
+                              <m:t>1</m:t>
+                            </m:r>
+                          </m:den>
+                        </m:f>
+                        <m:r>
+                          <a:rPr lang="en-US" altLang="zh-CN" i="1">
+                            <a:latin typeface="Cambria Math" panose="02040503050406030204" pitchFamily="18" charset="0"/>
+                          </a:rPr>
+                          <m:t>.</m:t>
+                        </m:r>
+                      </m:e>
+                    </m:nary>
+                  </m:oMath>
+                </a14:m>
+                <a:r>
+                  <a:rPr lang="zh-CN" altLang="en-US" dirty="0"/>
+                  <a:t> </a:t>
+                </a:r>
+                <a:endParaRPr lang="en-US" altLang="zh-CN" dirty="0"/>
+              </a:p>
+              <a:p>
+                <a:pPr marL="457200" lvl="1" indent="0">
+                  <a:buNone/>
+                </a:pPr>
+                <a:endParaRPr lang="en-US" altLang="zh-CN" dirty="0"/>
+              </a:p>
+            </p:txBody>
+          </p:sp>
+        </mc:Choice>
+        <mc:Fallback xmlns="">
+          <p:sp>
+            <p:nvSpPr>
+              <p:cNvPr id="3" name="内容占位符 2">
+                <a:extLst>
+                  <a:ext uri="{FF2B5EF4-FFF2-40B4-BE49-F238E27FC236}">
+                    <a16:creationId xmlns:a16="http://schemas.microsoft.com/office/drawing/2014/main" id="{1AFD720B-9158-463D-986D-288687C61AAB}"/>
+                  </a:ext>
+                </a:extLst>
+              </p:cNvPr>
+              <p:cNvSpPr>
+                <a:spLocks noGrp="1" noRot="1" noChangeAspect="1" noMove="1" noResize="1" noEditPoints="1" noAdjustHandles="1" noChangeArrowheads="1" noChangeShapeType="1" noTextEdit="1"/>
+              </p:cNvSpPr>
+              <p:nvPr>
+                <p:ph idx="1"/>
+              </p:nvPr>
+            </p:nvSpPr>
+            <p:spPr>
+              <a:blipFill>
+                <a:blip r:embed="rId2"/>
+                <a:stretch>
+                  <a:fillRect l="-1043" t="-2521"/>
+                </a:stretch>
+              </a:blipFill>
+            </p:spPr>
+            <p:txBody>
+              <a:bodyPr/>
+              <a:lstStyle/>
+              <a:p>
+                <a:r>
+                  <a:rPr lang="zh-CN" altLang="en-US">
+                    <a:noFill/>
+                  </a:rPr>
+                  <a:t> </a:t>
+                </a:r>
+              </a:p>
+            </p:txBody>
+          </p:sp>
+        </mc:Fallback>
+      </mc:AlternateContent>
+      <p:sp>
+        <p:nvSpPr>
+          <p:cNvPr id="4" name="标题 1">
+            <a:extLst>
+              <a:ext uri="{FF2B5EF4-FFF2-40B4-BE49-F238E27FC236}">
+                <a16:creationId xmlns:a16="http://schemas.microsoft.com/office/drawing/2014/main" id="{0CDDD25C-CD90-41D3-B1A4-075278E5EC78}"/>
+              </a:ext>
+            </a:extLst>
+          </p:cNvPr>
+          <p:cNvSpPr>
+            <a:spLocks noGrp="1"/>
+          </p:cNvSpPr>
+          <p:nvPr>
+            <p:ph type="title"/>
+          </p:nvPr>
+        </p:nvSpPr>
+        <p:spPr>
+          <a:xfrm>
+            <a:off x="3419562" y="205734"/>
+            <a:ext cx="5352875" cy="1325563"/>
+          </a:xfrm>
+        </p:spPr>
+        <p:txBody>
+          <a:bodyPr/>
+          <a:lstStyle/>
+          <a:p>
+            <a:r>
+              <a:rPr lang="en-US" altLang="zh-CN" dirty="0"/>
+              <a:t>Document Clustering</a:t>
+            </a:r>
+            <a:endParaRPr lang="zh-CN" altLang="en-US" dirty="0"/>
+          </a:p>
+        </p:txBody>
+      </p:sp>
+    </p:spTree>
+    <p:extLst>
+      <p:ext uri="{BB962C8B-B14F-4D97-AF65-F5344CB8AC3E}">
+        <p14:creationId xmlns:p14="http://schemas.microsoft.com/office/powerpoint/2010/main" val="2230306626"/>
+      </p:ext>
+    </p:extLst>
+  </p:cSld>
+  <p:clrMapOvr>
+    <a:masterClrMapping/>
+  </p:clrMapOvr>
+</p:sld>
+</file>
+
+<file path=ppt/slides/slide11.xml><?xml version="1.0" encoding="utf-8"?>
+<p:sld xmlns:a="http://schemas.openxmlformats.org/drawingml/2006/main" xmlns:r="http://schemas.openxmlformats.org/officeDocument/2006/relationships" xmlns:p="http://schemas.openxmlformats.org/presentationml/2006/main">
+  <p:cSld>
+    <p:spTree>
+      <p:nvGrpSpPr>
+        <p:cNvPr id="1" name=""/>
+        <p:cNvGrpSpPr/>
+        <p:nvPr/>
+      </p:nvGrpSpPr>
+      <p:grpSpPr>
+        <a:xfrm>
+          <a:off x="0" y="0"/>
+          <a:ext cx="0" cy="0"/>
+          <a:chOff x="0" y="0"/>
+          <a:chExt cx="0" cy="0"/>
+        </a:xfrm>
+      </p:grpSpPr>
+      <p:sp>
+        <p:nvSpPr>
+          <p:cNvPr id="3" name="内容占位符 2">
+            <a:extLst>
+              <a:ext uri="{FF2B5EF4-FFF2-40B4-BE49-F238E27FC236}">
+                <a16:creationId xmlns:a16="http://schemas.microsoft.com/office/drawing/2014/main" id="{CCD6F65C-9771-4A7A-9435-D0992634C714}"/>
+              </a:ext>
+            </a:extLst>
+          </p:cNvPr>
+          <p:cNvSpPr>
+            <a:spLocks noGrp="1"/>
+          </p:cNvSpPr>
+          <p:nvPr>
+            <p:ph idx="1"/>
+          </p:nvPr>
+        </p:nvSpPr>
+        <p:spPr/>
+        <p:txBody>
+          <a:bodyPr/>
+          <a:lstStyle/>
+          <a:p>
+            <a:r>
+              <a:rPr lang="zh-CN" altLang="en-US" dirty="0"/>
+              <a:t>聚类结果不好，我指定了 </a:t>
+            </a:r>
+            <a:r>
+              <a:rPr lang="en-US" altLang="zh-CN" dirty="0"/>
+              <a:t>k=5</a:t>
+            </a:r>
+            <a:r>
+              <a:rPr lang="zh-CN" altLang="en-US" dirty="0"/>
+              <a:t>，即希望分为</a:t>
+            </a:r>
+            <a:r>
+              <a:rPr lang="en-US" altLang="zh-CN" dirty="0"/>
+              <a:t>5</a:t>
+            </a:r>
+            <a:r>
+              <a:rPr lang="zh-CN" altLang="en-US" dirty="0"/>
+              <a:t>个类，观察结果发现大多数文档被归属为了同一个类别</a:t>
+            </a:r>
+            <a:r>
+              <a:rPr lang="en-US" altLang="zh-CN" dirty="0"/>
+              <a:t>.</a:t>
+            </a:r>
+          </a:p>
+          <a:p>
+            <a:r>
+              <a:rPr lang="zh-CN" altLang="en-US" dirty="0"/>
+              <a:t>可能是使用 </a:t>
+            </a:r>
+            <a:r>
+              <a:rPr lang="en-US" altLang="zh-CN" dirty="0"/>
+              <a:t>average KL Divergence </a:t>
+            </a:r>
+            <a:r>
+              <a:rPr lang="zh-CN" altLang="en-US" dirty="0"/>
+              <a:t>作为距离导致区分不开来</a:t>
+            </a:r>
+          </a:p>
+        </p:txBody>
+      </p:sp>
+      <p:sp>
+        <p:nvSpPr>
+          <p:cNvPr id="4" name="文本框 3">
+            <a:extLst>
+              <a:ext uri="{FF2B5EF4-FFF2-40B4-BE49-F238E27FC236}">
+                <a16:creationId xmlns:a16="http://schemas.microsoft.com/office/drawing/2014/main" id="{0CBD9839-088B-4FE5-B23F-24288FCEB6BC}"/>
+              </a:ext>
+            </a:extLst>
+          </p:cNvPr>
+          <p:cNvSpPr txBox="1"/>
+          <p:nvPr/>
+        </p:nvSpPr>
+        <p:spPr>
+          <a:xfrm>
+            <a:off x="729842" y="868515"/>
+            <a:ext cx="2550253" cy="584775"/>
+          </a:xfrm>
+          <a:prstGeom prst="rect">
+            <a:avLst/>
+          </a:prstGeom>
+          <a:noFill/>
+        </p:spPr>
+        <p:txBody>
+          <a:bodyPr wrap="square" rtlCol="0">
+            <a:spAutoFit/>
+          </a:bodyPr>
+          <a:lstStyle/>
+          <a:p>
+            <a:r>
+              <a:rPr lang="zh-CN" altLang="en-US" sz="3200" dirty="0"/>
+              <a:t>问题二</a:t>
+            </a:r>
+          </a:p>
+        </p:txBody>
+      </p:sp>
+      <p:sp>
+        <p:nvSpPr>
+          <p:cNvPr id="5" name="标题 1">
+            <a:extLst>
+              <a:ext uri="{FF2B5EF4-FFF2-40B4-BE49-F238E27FC236}">
+                <a16:creationId xmlns:a16="http://schemas.microsoft.com/office/drawing/2014/main" id="{7E497512-8D53-45E4-A326-D2A7AA7C1CCF}"/>
+              </a:ext>
+            </a:extLst>
+          </p:cNvPr>
+          <p:cNvSpPr>
+            <a:spLocks noGrp="1"/>
+          </p:cNvSpPr>
+          <p:nvPr>
+            <p:ph type="title"/>
+          </p:nvPr>
+        </p:nvSpPr>
+        <p:spPr>
+          <a:xfrm>
+            <a:off x="3419562" y="205734"/>
+            <a:ext cx="5352875" cy="1325563"/>
+          </a:xfrm>
+        </p:spPr>
+        <p:txBody>
+          <a:bodyPr/>
+          <a:lstStyle/>
+          <a:p>
+            <a:r>
+              <a:rPr lang="en-US" altLang="zh-CN" dirty="0"/>
+              <a:t>Document Clustering</a:t>
+            </a:r>
+            <a:endParaRPr lang="zh-CN" altLang="en-US" dirty="0"/>
+          </a:p>
+        </p:txBody>
+      </p:sp>
+    </p:spTree>
+    <p:extLst>
+      <p:ext uri="{BB962C8B-B14F-4D97-AF65-F5344CB8AC3E}">
+        <p14:creationId xmlns:p14="http://schemas.microsoft.com/office/powerpoint/2010/main" val="3750202611"/>
       </p:ext>
     </p:extLst>
   </p:cSld>
@@ -7681,6 +8645,115 @@
       </p:grpSpPr>
       <p:sp>
         <p:nvSpPr>
+          <p:cNvPr id="3" name="内容占位符 2">
+            <a:extLst>
+              <a:ext uri="{FF2B5EF4-FFF2-40B4-BE49-F238E27FC236}">
+                <a16:creationId xmlns:a16="http://schemas.microsoft.com/office/drawing/2014/main" id="{6D18771E-A844-409D-BC9B-35A717FD9958}"/>
+              </a:ext>
+            </a:extLst>
+          </p:cNvPr>
+          <p:cNvSpPr>
+            <a:spLocks noGrp="1"/>
+          </p:cNvSpPr>
+          <p:nvPr>
+            <p:ph idx="1"/>
+          </p:nvPr>
+        </p:nvSpPr>
+        <p:spPr/>
+        <p:txBody>
+          <a:bodyPr/>
+          <a:lstStyle/>
+          <a:p>
+            <a:r>
+              <a:rPr lang="zh-CN" altLang="en-US" dirty="0"/>
+              <a:t>以两个向量之间的散度作为两个向量之间的距离的度量，基于这种距离度量方式，对所有的向量实施</a:t>
+            </a:r>
+            <a:r>
+              <a:rPr lang="en-US" altLang="zh-CN" dirty="0"/>
+              <a:t>k-means </a:t>
+            </a:r>
+            <a:r>
+              <a:rPr lang="zh-CN" altLang="en-US" dirty="0"/>
+              <a:t>聚类，即把相近的向量聚为同一类，进而得到 </a:t>
+            </a:r>
+            <a:r>
+              <a:rPr lang="en-US" altLang="zh-CN" dirty="0"/>
+              <a:t>k </a:t>
+            </a:r>
+            <a:r>
+              <a:rPr lang="zh-CN" altLang="en-US" dirty="0"/>
+              <a:t>各类，即实现了文本聚类，作业结束。</a:t>
+            </a:r>
+            <a:endParaRPr lang="en-US" altLang="zh-CN" dirty="0"/>
+          </a:p>
+        </p:txBody>
+      </p:sp>
+      <p:sp>
+        <p:nvSpPr>
+          <p:cNvPr id="4" name="标题 1">
+            <a:extLst>
+              <a:ext uri="{FF2B5EF4-FFF2-40B4-BE49-F238E27FC236}">
+                <a16:creationId xmlns:a16="http://schemas.microsoft.com/office/drawing/2014/main" id="{879C9B0E-CE70-44B7-8323-D3575AE4BBE2}"/>
+              </a:ext>
+            </a:extLst>
+          </p:cNvPr>
+          <p:cNvSpPr>
+            <a:spLocks noGrp="1"/>
+          </p:cNvSpPr>
+          <p:nvPr>
+            <p:ph type="title"/>
+          </p:nvPr>
+        </p:nvSpPr>
+        <p:spPr>
+          <a:xfrm>
+            <a:off x="3419562" y="205734"/>
+            <a:ext cx="5352875" cy="1325563"/>
+          </a:xfrm>
+        </p:spPr>
+        <p:txBody>
+          <a:bodyPr/>
+          <a:lstStyle/>
+          <a:p>
+            <a:r>
+              <a:rPr lang="en-US" altLang="zh-CN" dirty="0"/>
+              <a:t>Document Clustering</a:t>
+            </a:r>
+            <a:endParaRPr lang="zh-CN" altLang="en-US" dirty="0"/>
+          </a:p>
+        </p:txBody>
+      </p:sp>
+    </p:spTree>
+    <p:extLst>
+      <p:ext uri="{BB962C8B-B14F-4D97-AF65-F5344CB8AC3E}">
+        <p14:creationId xmlns:p14="http://schemas.microsoft.com/office/powerpoint/2010/main" val="1426553086"/>
+      </p:ext>
+    </p:extLst>
+  </p:cSld>
+  <p:clrMapOvr>
+    <a:masterClrMapping/>
+  </p:clrMapOvr>
+</p:sld>
+</file>
+
+<file path=ppt/slides/slide9.xml><?xml version="1.0" encoding="utf-8"?>
+<p:sld xmlns:a="http://schemas.openxmlformats.org/drawingml/2006/main" xmlns:r="http://schemas.openxmlformats.org/officeDocument/2006/relationships" xmlns:p="http://schemas.openxmlformats.org/presentationml/2006/main">
+  <p:cSld>
+    <p:spTree>
+      <p:nvGrpSpPr>
+        <p:cNvPr id="1" name=""/>
+        <p:cNvGrpSpPr/>
+        <p:nvPr/>
+      </p:nvGrpSpPr>
+      <p:grpSpPr>
+        <a:xfrm>
+          <a:off x="0" y="0"/>
+          <a:ext cx="0" cy="0"/>
+          <a:chOff x="0" y="0"/>
+          <a:chExt cx="0" cy="0"/>
+        </a:xfrm>
+      </p:grpSpPr>
+      <p:sp>
+        <p:nvSpPr>
           <p:cNvPr id="2" name="标题 1">
             <a:extLst>
               <a:ext uri="{FF2B5EF4-FFF2-40B4-BE49-F238E27FC236}">
@@ -7695,7 +8768,12 @@
             <p:ph type="title"/>
           </p:nvPr>
         </p:nvSpPr>
-        <p:spPr/>
+        <p:spPr>
+          <a:xfrm>
+            <a:off x="3419562" y="205734"/>
+            <a:ext cx="5352875" cy="1325563"/>
+          </a:xfrm>
+        </p:spPr>
         <p:txBody>
           <a:bodyPr/>
           <a:lstStyle/>
@@ -7728,7 +8806,9 @@
             </p:nvSpPr>
             <p:spPr/>
             <p:txBody>
-              <a:bodyPr/>
+              <a:bodyPr>
+                <a:normAutofit/>
+              </a:bodyPr>
               <a:lstStyle/>
               <a:p>
                 <a14:m>
@@ -7736,7 +8816,7 @@
                     <m:sSub>
                       <m:sSubPr>
                         <m:ctrlPr>
-                          <a:rPr lang="en-US" altLang="zh-CN" i="1">
+                          <a:rPr lang="en-US" altLang="zh-CN" i="1" smtClean="0">
                             <a:latin typeface="Cambria Math" panose="02040503050406030204" pitchFamily="18" charset="0"/>
                           </a:rPr>
                         </m:ctrlPr>
@@ -8027,6 +9107,23 @@
                 <a:endParaRPr lang="en-US" altLang="zh-CN" dirty="0"/>
               </a:p>
               <a:p>
+                <a:endParaRPr lang="en-US" altLang="zh-CN" i="1" dirty="0">
+                  <a:solidFill>
+                    <a:srgbClr val="C00000"/>
+                  </a:solidFill>
+                  <a:latin typeface="Cambria Math" panose="02040503050406030204" pitchFamily="18" charset="0"/>
+                </a:endParaRPr>
+              </a:p>
+              <a:p>
+                <a:r>
+                  <a:rPr lang="en-US" altLang="zh-CN" i="1" dirty="0">
+                    <a:solidFill>
+                      <a:srgbClr val="C00000"/>
+                    </a:solidFill>
+                    <a:latin typeface="Cambria Math" panose="02040503050406030204" pitchFamily="18" charset="0"/>
+                  </a:rPr>
+                  <a:t> </a:t>
+                </a:r>
                 <a14:m>
                   <m:oMath xmlns:m="http://schemas.openxmlformats.org/officeDocument/2006/math">
                     <m:sSub>
@@ -8085,7 +9182,310 @@
                 </a14:m>
                 <a:r>
                   <a:rPr lang="zh-CN" altLang="en-US" dirty="0"/>
-                  <a:t> 为零怎么办？</a:t>
+                  <a:t> 表示单词 </a:t>
+                </a:r>
+                <a:r>
+                  <a:rPr lang="en-US" altLang="zh-CN" dirty="0"/>
+                  <a:t>t </a:t>
+                </a:r>
+                <a:r>
+                  <a:rPr lang="zh-CN" altLang="en-US" dirty="0"/>
+                  <a:t>对于文档 </a:t>
+                </a:r>
+                <a:r>
+                  <a:rPr lang="en-US" altLang="zh-CN" dirty="0"/>
+                  <a:t>b </a:t>
+                </a:r>
+                <a:r>
+                  <a:rPr lang="zh-CN" altLang="en-US" dirty="0"/>
+                  <a:t>的重要性，其计算公式为：</a:t>
+                </a:r>
+                <a:endParaRPr lang="en-US" altLang="zh-CN" dirty="0"/>
+              </a:p>
+              <a:p>
+                <a:pPr marL="0" indent="0">
+                  <a:buNone/>
+                </a:pPr>
+                <a14:m>
+                  <m:oMathPara xmlns:m="http://schemas.openxmlformats.org/officeDocument/2006/math">
+                    <m:oMathParaPr>
+                      <m:jc m:val="centerGroup"/>
+                    </m:oMathParaPr>
+                    <m:oMath xmlns:m="http://schemas.openxmlformats.org/officeDocument/2006/math">
+                      <m:sSub>
+                        <m:sSubPr>
+                          <m:ctrlPr>
+                            <a:rPr lang="en-US" altLang="zh-CN" i="1">
+                              <a:latin typeface="Cambria Math" panose="02040503050406030204" pitchFamily="18" charset="0"/>
+                            </a:rPr>
+                          </m:ctrlPr>
+                        </m:sSubPr>
+                        <m:e>
+                          <m:r>
+                            <a:rPr lang="en-US" altLang="zh-CN" i="1">
+                              <a:latin typeface="Cambria Math" panose="02040503050406030204" pitchFamily="18" charset="0"/>
+                            </a:rPr>
+                            <m:t>𝑤</m:t>
+                          </m:r>
+                        </m:e>
+                        <m:sub>
+                          <m:r>
+                            <a:rPr lang="en-US" altLang="zh-CN" i="1">
+                              <a:latin typeface="Cambria Math" panose="02040503050406030204" pitchFamily="18" charset="0"/>
+                            </a:rPr>
+                            <m:t>𝑡</m:t>
+                          </m:r>
+                          <m:r>
+                            <a:rPr lang="en-US" altLang="zh-CN" i="1">
+                              <a:latin typeface="Cambria Math" panose="02040503050406030204" pitchFamily="18" charset="0"/>
+                            </a:rPr>
+                            <m:t>,</m:t>
+                          </m:r>
+                          <m:r>
+                            <a:rPr lang="en-US" altLang="zh-CN" b="0" i="1" smtClean="0">
+                              <a:latin typeface="Cambria Math" panose="02040503050406030204" pitchFamily="18" charset="0"/>
+                            </a:rPr>
+                            <m:t>𝑏</m:t>
+                          </m:r>
+                        </m:sub>
+                      </m:sSub>
+                      <m:r>
+                        <a:rPr lang="en-US" altLang="zh-CN" i="1">
+                          <a:latin typeface="Cambria Math" panose="02040503050406030204" pitchFamily="18" charset="0"/>
+                        </a:rPr>
+                        <m:t>=</m:t>
+                      </m:r>
+                      <m:r>
+                        <a:rPr lang="en-US" altLang="zh-CN" i="1">
+                          <a:latin typeface="Cambria Math" panose="02040503050406030204" pitchFamily="18" charset="0"/>
+                        </a:rPr>
+                        <m:t>𝑡𝑓</m:t>
+                      </m:r>
+                      <m:d>
+                        <m:dPr>
+                          <m:ctrlPr>
+                            <a:rPr lang="en-US" altLang="zh-CN" i="1">
+                              <a:latin typeface="Cambria Math" panose="02040503050406030204" pitchFamily="18" charset="0"/>
+                            </a:rPr>
+                          </m:ctrlPr>
+                        </m:dPr>
+                        <m:e>
+                          <m:r>
+                            <a:rPr lang="en-US" altLang="zh-CN" b="0" i="1" smtClean="0">
+                              <a:latin typeface="Cambria Math" panose="02040503050406030204" pitchFamily="18" charset="0"/>
+                            </a:rPr>
+                            <m:t>𝑏</m:t>
+                          </m:r>
+                          <m:r>
+                            <a:rPr lang="en-US" altLang="zh-CN" i="1">
+                              <a:latin typeface="Cambria Math" panose="02040503050406030204" pitchFamily="18" charset="0"/>
+                            </a:rPr>
+                            <m:t>,</m:t>
+                          </m:r>
+                          <m:r>
+                            <a:rPr lang="en-US" altLang="zh-CN" i="1">
+                              <a:latin typeface="Cambria Math" panose="02040503050406030204" pitchFamily="18" charset="0"/>
+                            </a:rPr>
+                            <m:t>𝑡</m:t>
+                          </m:r>
+                        </m:e>
+                      </m:d>
+                      <m:r>
+                        <a:rPr lang="en-US" altLang="zh-CN" i="1">
+                          <a:latin typeface="Cambria Math" panose="02040503050406030204" pitchFamily="18" charset="0"/>
+                        </a:rPr>
+                        <m:t>×</m:t>
+                      </m:r>
+                      <m:r>
+                        <a:rPr lang="en-US" altLang="zh-CN" i="1">
+                          <a:latin typeface="Cambria Math" panose="02040503050406030204" pitchFamily="18" charset="0"/>
+                        </a:rPr>
+                        <m:t>𝑙𝑜𝑔</m:t>
+                      </m:r>
+                      <m:f>
+                        <m:fPr>
+                          <m:ctrlPr>
+                            <a:rPr lang="en-US" altLang="zh-CN" i="1">
+                              <a:latin typeface="Cambria Math" panose="02040503050406030204" pitchFamily="18" charset="0"/>
+                            </a:rPr>
+                          </m:ctrlPr>
+                        </m:fPr>
+                        <m:num>
+                          <m:d>
+                            <m:dPr>
+                              <m:begChr m:val="|"/>
+                              <m:endChr m:val="|"/>
+                              <m:ctrlPr>
+                                <a:rPr lang="en-US" altLang="zh-CN" i="1">
+                                  <a:latin typeface="Cambria Math" panose="02040503050406030204" pitchFamily="18" charset="0"/>
+                                </a:rPr>
+                              </m:ctrlPr>
+                            </m:dPr>
+                            <m:e>
+                              <m:r>
+                                <a:rPr lang="en-US" altLang="zh-CN" i="1">
+                                  <a:latin typeface="Cambria Math" panose="02040503050406030204" pitchFamily="18" charset="0"/>
+                                </a:rPr>
+                                <m:t>𝐷</m:t>
+                              </m:r>
+                            </m:e>
+                          </m:d>
+                        </m:num>
+                        <m:den>
+                          <m:r>
+                            <a:rPr lang="en-US" altLang="zh-CN" i="1">
+                              <a:latin typeface="Cambria Math" panose="02040503050406030204" pitchFamily="18" charset="0"/>
+                            </a:rPr>
+                            <m:t>𝑑𝑓</m:t>
+                          </m:r>
+                          <m:d>
+                            <m:dPr>
+                              <m:ctrlPr>
+                                <a:rPr lang="en-US" altLang="zh-CN" i="1">
+                                  <a:latin typeface="Cambria Math" panose="02040503050406030204" pitchFamily="18" charset="0"/>
+                                </a:rPr>
+                              </m:ctrlPr>
+                            </m:dPr>
+                            <m:e>
+                              <m:r>
+                                <a:rPr lang="en-US" altLang="zh-CN" i="1">
+                                  <a:latin typeface="Cambria Math" panose="02040503050406030204" pitchFamily="18" charset="0"/>
+                                </a:rPr>
+                                <m:t>𝑡</m:t>
+                              </m:r>
+                            </m:e>
+                          </m:d>
+                        </m:den>
+                      </m:f>
+                    </m:oMath>
+                  </m:oMathPara>
+                </a14:m>
+                <a:endParaRPr lang="en-US" altLang="zh-CN" dirty="0"/>
+              </a:p>
+              <a:p>
+                <a:r>
+                  <a:rPr lang="en-US" altLang="zh-CN" dirty="0" err="1"/>
+                  <a:t>tf</a:t>
+                </a:r>
+                <a:r>
+                  <a:rPr lang="en-US" altLang="zh-CN" dirty="0"/>
+                  <a:t>(</a:t>
+                </a:r>
+                <a:r>
+                  <a:rPr lang="en-US" altLang="zh-CN" dirty="0" err="1"/>
+                  <a:t>b,t</a:t>
+                </a:r>
+                <a:r>
+                  <a:rPr lang="en-US" altLang="zh-CN" dirty="0"/>
+                  <a:t>) </a:t>
+                </a:r>
+                <a:r>
+                  <a:rPr lang="zh-CN" altLang="en-US" dirty="0"/>
+                  <a:t>表示单词 </a:t>
+                </a:r>
+                <a:r>
+                  <a:rPr lang="en-US" altLang="zh-CN" dirty="0"/>
+                  <a:t>t </a:t>
+                </a:r>
+                <a:r>
+                  <a:rPr lang="zh-CN" altLang="en-US" dirty="0"/>
+                  <a:t>在文档 </a:t>
+                </a:r>
+                <a:r>
+                  <a:rPr lang="en-US" altLang="zh-CN" dirty="0"/>
+                  <a:t>b</a:t>
+                </a:r>
+                <a:r>
+                  <a:rPr lang="zh-CN" altLang="en-US" dirty="0"/>
+                  <a:t>中出现的次数，显然 </a:t>
+                </a:r>
+                <a:r>
+                  <a:rPr lang="en-US" altLang="zh-CN" dirty="0" err="1"/>
+                  <a:t>tf</a:t>
+                </a:r>
+                <a:r>
+                  <a:rPr lang="en-US" altLang="zh-CN" dirty="0"/>
+                  <a:t>(</a:t>
+                </a:r>
+                <a:r>
+                  <a:rPr lang="en-US" altLang="zh-CN" dirty="0" err="1"/>
+                  <a:t>b,t</a:t>
+                </a:r>
+                <a:r>
+                  <a:rPr lang="en-US" altLang="zh-CN" dirty="0"/>
+                  <a:t>) </a:t>
+                </a:r>
+                <a:r>
+                  <a:rPr lang="zh-CN" altLang="en-US" dirty="0"/>
+                  <a:t>有可能为 </a:t>
+                </a:r>
+                <a:r>
+                  <a:rPr lang="en-US" altLang="zh-CN" dirty="0"/>
+                  <a:t>0</a:t>
+                </a:r>
+                <a:r>
+                  <a:rPr lang="zh-CN" altLang="en-US" dirty="0"/>
+                  <a:t>，进而导致 </a:t>
+                </a:r>
+                <a14:m>
+                  <m:oMath xmlns:m="http://schemas.openxmlformats.org/officeDocument/2006/math">
+                    <m:sSub>
+                      <m:sSubPr>
+                        <m:ctrlPr>
+                          <a:rPr lang="en-US" altLang="zh-CN" i="1">
+                            <a:solidFill>
+                              <a:srgbClr val="C00000"/>
+                            </a:solidFill>
+                            <a:latin typeface="Cambria Math" panose="02040503050406030204" pitchFamily="18" charset="0"/>
+                          </a:rPr>
+                        </m:ctrlPr>
+                      </m:sSubPr>
+                      <m:e>
+                        <m:r>
+                          <a:rPr lang="en-US" altLang="zh-CN" i="1">
+                            <a:solidFill>
+                              <a:srgbClr val="C00000"/>
+                            </a:solidFill>
+                            <a:latin typeface="Cambria Math" panose="02040503050406030204" pitchFamily="18" charset="0"/>
+                          </a:rPr>
+                          <m:t>𝑤</m:t>
+                        </m:r>
+                      </m:e>
+                      <m:sub>
+                        <m:r>
+                          <a:rPr lang="en-US" altLang="zh-CN" i="1">
+                            <a:solidFill>
+                              <a:srgbClr val="C00000"/>
+                            </a:solidFill>
+                            <a:latin typeface="Cambria Math" panose="02040503050406030204" pitchFamily="18" charset="0"/>
+                          </a:rPr>
+                          <m:t>𝑡</m:t>
+                        </m:r>
+                        <m:r>
+                          <a:rPr lang="en-US" altLang="zh-CN" i="1">
+                            <a:solidFill>
+                              <a:srgbClr val="C00000"/>
+                            </a:solidFill>
+                            <a:latin typeface="Cambria Math" panose="02040503050406030204" pitchFamily="18" charset="0"/>
+                          </a:rPr>
+                          <m:t>,</m:t>
+                        </m:r>
+                        <m:r>
+                          <a:rPr lang="en-US" altLang="zh-CN" i="1">
+                            <a:solidFill>
+                              <a:srgbClr val="C00000"/>
+                            </a:solidFill>
+                            <a:latin typeface="Cambria Math" panose="02040503050406030204" pitchFamily="18" charset="0"/>
+                          </a:rPr>
+                          <m:t>𝑏</m:t>
+                        </m:r>
+                      </m:sub>
+                    </m:sSub>
+                  </m:oMath>
+                </a14:m>
+                <a:r>
+                  <a:rPr lang="zh-CN" altLang="en-US" dirty="0"/>
+                  <a:t> 为零，进而导致分母为零，如何处理？</a:t>
                 </a:r>
               </a:p>
             </p:txBody>
@@ -8112,7 +9512,7 @@
               <a:blipFill>
                 <a:blip r:embed="rId2"/>
                 <a:stretch>
-                  <a:fillRect/>
+                  <a:fillRect l="-1043" r="-2899"/>
                 </a:stretch>
               </a:blipFill>
             </p:spPr>
@@ -8131,6 +9531,41 @@
           </p:sp>
         </mc:Fallback>
       </mc:AlternateContent>
+      <p:sp>
+        <p:nvSpPr>
+          <p:cNvPr id="4" name="文本框 3">
+            <a:extLst>
+              <a:ext uri="{FF2B5EF4-FFF2-40B4-BE49-F238E27FC236}">
+                <a16:creationId xmlns:a16="http://schemas.microsoft.com/office/drawing/2014/main" id="{7A2BA3C1-B86A-45D3-9A29-F94C976A8129}"/>
+              </a:ext>
+            </a:extLst>
+          </p:cNvPr>
+          <p:cNvSpPr txBox="1"/>
+          <p:nvPr/>
+        </p:nvSpPr>
+        <p:spPr>
+          <a:xfrm>
+            <a:off x="729842" y="868515"/>
+            <a:ext cx="2550253" cy="584775"/>
+          </a:xfrm>
+          <a:prstGeom prst="rect">
+            <a:avLst/>
+          </a:prstGeom>
+          <a:noFill/>
+        </p:spPr>
+        <p:txBody>
+          <a:bodyPr wrap="square" rtlCol="0">
+            <a:spAutoFit/>
+          </a:bodyPr>
+          <a:lstStyle/>
+          <a:p>
+            <a:r>
+              <a:rPr lang="zh-CN" altLang="en-US" sz="3200" dirty="0"/>
+              <a:t>问题一</a:t>
+            </a:r>
+          </a:p>
+        </p:txBody>
+      </p:sp>
     </p:spTree>
     <p:extLst>
       <p:ext uri="{BB962C8B-B14F-4D97-AF65-F5344CB8AC3E}">

--- a/GroupHomework/Record.pptx
+++ b/GroupHomework/Record.pptx
@@ -16,6 +16,8 @@
     <p:sldId id="262" r:id="rId10"/>
     <p:sldId id="269" r:id="rId11"/>
     <p:sldId id="268" r:id="rId12"/>
+    <p:sldId id="270" r:id="rId13"/>
+    <p:sldId id="271" r:id="rId14"/>
   </p:sldIdLst>
   <p:sldSz cx="12192000" cy="6858000"/>
   <p:notesSz cx="6858000" cy="9144000"/>
@@ -269,7 +271,7 @@
           <a:p>
             <a:fld id="{C1A1EA91-298B-4DC2-BA8A-339FF847713D}" type="datetimeFigureOut">
               <a:rPr lang="zh-CN" altLang="en-US" smtClean="0"/>
-              <a:t>2019/11/9</a:t>
+              <a:t>2019/11/11</a:t>
             </a:fld>
             <a:endParaRPr lang="zh-CN" altLang="en-US"/>
           </a:p>
@@ -467,7 +469,7 @@
           <a:p>
             <a:fld id="{C1A1EA91-298B-4DC2-BA8A-339FF847713D}" type="datetimeFigureOut">
               <a:rPr lang="zh-CN" altLang="en-US" smtClean="0"/>
-              <a:t>2019/11/9</a:t>
+              <a:t>2019/11/11</a:t>
             </a:fld>
             <a:endParaRPr lang="zh-CN" altLang="en-US"/>
           </a:p>
@@ -675,7 +677,7 @@
           <a:p>
             <a:fld id="{C1A1EA91-298B-4DC2-BA8A-339FF847713D}" type="datetimeFigureOut">
               <a:rPr lang="zh-CN" altLang="en-US" smtClean="0"/>
-              <a:t>2019/11/9</a:t>
+              <a:t>2019/11/11</a:t>
             </a:fld>
             <a:endParaRPr lang="zh-CN" altLang="en-US"/>
           </a:p>
@@ -873,7 +875,7 @@
           <a:p>
             <a:fld id="{C1A1EA91-298B-4DC2-BA8A-339FF847713D}" type="datetimeFigureOut">
               <a:rPr lang="zh-CN" altLang="en-US" smtClean="0"/>
-              <a:t>2019/11/9</a:t>
+              <a:t>2019/11/11</a:t>
             </a:fld>
             <a:endParaRPr lang="zh-CN" altLang="en-US"/>
           </a:p>
@@ -1148,7 +1150,7 @@
           <a:p>
             <a:fld id="{C1A1EA91-298B-4DC2-BA8A-339FF847713D}" type="datetimeFigureOut">
               <a:rPr lang="zh-CN" altLang="en-US" smtClean="0"/>
-              <a:t>2019/11/9</a:t>
+              <a:t>2019/11/11</a:t>
             </a:fld>
             <a:endParaRPr lang="zh-CN" altLang="en-US"/>
           </a:p>
@@ -1413,7 +1415,7 @@
           <a:p>
             <a:fld id="{C1A1EA91-298B-4DC2-BA8A-339FF847713D}" type="datetimeFigureOut">
               <a:rPr lang="zh-CN" altLang="en-US" smtClean="0"/>
-              <a:t>2019/11/9</a:t>
+              <a:t>2019/11/11</a:t>
             </a:fld>
             <a:endParaRPr lang="zh-CN" altLang="en-US"/>
           </a:p>
@@ -1825,7 +1827,7 @@
           <a:p>
             <a:fld id="{C1A1EA91-298B-4DC2-BA8A-339FF847713D}" type="datetimeFigureOut">
               <a:rPr lang="zh-CN" altLang="en-US" smtClean="0"/>
-              <a:t>2019/11/9</a:t>
+              <a:t>2019/11/11</a:t>
             </a:fld>
             <a:endParaRPr lang="zh-CN" altLang="en-US"/>
           </a:p>
@@ -1966,7 +1968,7 @@
           <a:p>
             <a:fld id="{C1A1EA91-298B-4DC2-BA8A-339FF847713D}" type="datetimeFigureOut">
               <a:rPr lang="zh-CN" altLang="en-US" smtClean="0"/>
-              <a:t>2019/11/9</a:t>
+              <a:t>2019/11/11</a:t>
             </a:fld>
             <a:endParaRPr lang="zh-CN" altLang="en-US"/>
           </a:p>
@@ -2079,7 +2081,7 @@
           <a:p>
             <a:fld id="{C1A1EA91-298B-4DC2-BA8A-339FF847713D}" type="datetimeFigureOut">
               <a:rPr lang="zh-CN" altLang="en-US" smtClean="0"/>
-              <a:t>2019/11/9</a:t>
+              <a:t>2019/11/11</a:t>
             </a:fld>
             <a:endParaRPr lang="zh-CN" altLang="en-US"/>
           </a:p>
@@ -2390,7 +2392,7 @@
           <a:p>
             <a:fld id="{C1A1EA91-298B-4DC2-BA8A-339FF847713D}" type="datetimeFigureOut">
               <a:rPr lang="zh-CN" altLang="en-US" smtClean="0"/>
-              <a:t>2019/11/9</a:t>
+              <a:t>2019/11/11</a:t>
             </a:fld>
             <a:endParaRPr lang="zh-CN" altLang="en-US"/>
           </a:p>
@@ -2678,7 +2680,7 @@
           <a:p>
             <a:fld id="{C1A1EA91-298B-4DC2-BA8A-339FF847713D}" type="datetimeFigureOut">
               <a:rPr lang="zh-CN" altLang="en-US" smtClean="0"/>
-              <a:t>2019/11/9</a:t>
+              <a:t>2019/11/11</a:t>
             </a:fld>
             <a:endParaRPr lang="zh-CN" altLang="en-US"/>
           </a:p>
@@ -2919,7 +2921,7 @@
           <a:p>
             <a:fld id="{C1A1EA91-298B-4DC2-BA8A-339FF847713D}" type="datetimeFigureOut">
               <a:rPr lang="zh-CN" altLang="en-US" smtClean="0"/>
-              <a:t>2019/11/9</a:t>
+              <a:t>2019/11/11</a:t>
             </a:fld>
             <a:endParaRPr lang="zh-CN" altLang="en-US"/>
           </a:p>
@@ -4358,6 +4360,197 @@
     <p:extLst>
       <p:ext uri="{BB962C8B-B14F-4D97-AF65-F5344CB8AC3E}">
         <p14:creationId xmlns:p14="http://schemas.microsoft.com/office/powerpoint/2010/main" val="3750202611"/>
+      </p:ext>
+    </p:extLst>
+  </p:cSld>
+  <p:clrMapOvr>
+    <a:masterClrMapping/>
+  </p:clrMapOvr>
+</p:sld>
+</file>
+
+<file path=ppt/slides/slide12.xml><?xml version="1.0" encoding="utf-8"?>
+<p:sld xmlns:a="http://schemas.openxmlformats.org/drawingml/2006/main" xmlns:r="http://schemas.openxmlformats.org/officeDocument/2006/relationships" xmlns:p="http://schemas.openxmlformats.org/presentationml/2006/main">
+  <p:cSld>
+    <p:spTree>
+      <p:nvGrpSpPr>
+        <p:cNvPr id="1" name=""/>
+        <p:cNvGrpSpPr/>
+        <p:nvPr/>
+      </p:nvGrpSpPr>
+      <p:grpSpPr>
+        <a:xfrm>
+          <a:off x="0" y="0"/>
+          <a:ext cx="0" cy="0"/>
+          <a:chOff x="0" y="0"/>
+          <a:chExt cx="0" cy="0"/>
+        </a:xfrm>
+      </p:grpSpPr>
+      <p:sp>
+        <p:nvSpPr>
+          <p:cNvPr id="2" name="标题 1">
+            <a:extLst>
+              <a:ext uri="{FF2B5EF4-FFF2-40B4-BE49-F238E27FC236}">
+                <a16:creationId xmlns:a16="http://schemas.microsoft.com/office/drawing/2014/main" id="{6E6BBE08-79B4-4F7A-A6D5-E9D3A5DA7BF0}"/>
+              </a:ext>
+            </a:extLst>
+          </p:cNvPr>
+          <p:cNvSpPr>
+            <a:spLocks noGrp="1"/>
+          </p:cNvSpPr>
+          <p:nvPr>
+            <p:ph type="title"/>
+          </p:nvPr>
+        </p:nvSpPr>
+        <p:spPr/>
+        <p:txBody>
+          <a:bodyPr/>
+          <a:lstStyle/>
+          <a:p>
+            <a:r>
+              <a:rPr lang="en-US" altLang="zh-CN" dirty="0"/>
+              <a:t>Document clustering </a:t>
+            </a:r>
+            <a:r>
+              <a:rPr lang="zh-CN" altLang="en-US" dirty="0"/>
+              <a:t>根据 </a:t>
+            </a:r>
+            <a:r>
+              <a:rPr lang="en-US" altLang="zh-CN" dirty="0"/>
+              <a:t>KL</a:t>
+            </a:r>
+            <a:r>
+              <a:rPr lang="zh-CN" altLang="en-US" dirty="0"/>
+              <a:t>散度得到的结果</a:t>
+            </a:r>
+          </a:p>
+        </p:txBody>
+      </p:sp>
+      <p:sp>
+        <p:nvSpPr>
+          <p:cNvPr id="3" name="内容占位符 2">
+            <a:extLst>
+              <a:ext uri="{FF2B5EF4-FFF2-40B4-BE49-F238E27FC236}">
+                <a16:creationId xmlns:a16="http://schemas.microsoft.com/office/drawing/2014/main" id="{B8852828-546C-4F88-A7A5-B7DAFA0A673C}"/>
+              </a:ext>
+            </a:extLst>
+          </p:cNvPr>
+          <p:cNvSpPr>
+            <a:spLocks noGrp="1"/>
+          </p:cNvSpPr>
+          <p:nvPr>
+            <p:ph idx="1"/>
+          </p:nvPr>
+        </p:nvSpPr>
+        <p:spPr/>
+        <p:txBody>
+          <a:bodyPr>
+            <a:normAutofit fontScale="92500" lnSpcReduction="20000"/>
+          </a:bodyPr>
+          <a:lstStyle/>
+          <a:p>
+            <a:r>
+              <a:rPr lang="en-US" altLang="zh-CN" dirty="0"/>
+              <a:t>[4, 4, 2, 3, 4, 4, 0, 4, 3, 4, 0, 4, 4, 3, 0, 0, 1, 4, 4, 4, 1, 0, 3, 4, 0, 3, 1, 0, 3, 3, 2, 0, 4, 4, 0, 1, 4, 1, 4, 3, 4, 1, 3, 4, 2, 4, 4, 4, 4, 0, 3, 4, 4, 4, 4, 3, 0, 0, 1, 4, 2, 4, 3, 1, 3, 0, 1, 2, 3, 4, 2, 3, 4, 4, 3, 4, 0, 0, 3, 3, 0, 3, 4, 4, 3, 3, 4, 0, 4, 4, 4, 3, 0, 0, 4, 0, 4, 1, 3, 3, 1, 3, 3, 3, 0, 0, 3, 0, 4, 0, 3, 0, 4, 1, 0, 0, 4, 3, 4, 4, 3, 4, 4, 0, 1, 4, 4, 0, 4, 0, 4, 0, 4, 4, 1, 1, 3, 4, 0, 4, 1, 4, 4, 3, 4, 3, 3, 4, 0, 4, 4, 4, 3, 0, 4, 0, 3, 0, 4, 1, 4, 2, 3, 4, 0, 3, 3, 4, 0, 0, 1, 3, 0, 0, 1, 4, 3, 0, 3, 3, 0, 2, 4, 4, 3, 0, 4, 3, 0, 3, 0, 2, 0, 4, 4, 0, 0, 1, 0, 4, 0, 0, 4, 4, 4, 3, 0, 4, 4, 1, 4, 4, 0, 0, 1, 1, 3, 4, 1, 4, 0, 4, 4, 3, 2, 4, 1, 3, 4, 4, 0, 1, 4, 3, 3, 4, 3, 0, 4, 0, 4, 1, 4, 4, 3, 0, 3, 0, 4, 4, 0, 4, 1, 4, 4, 3, 3, 4, 4, 4, 4, 2, 3, 4, 4, 1, 0, 4, 3, 3, 2, 4, 0, 4, 3, 3, 4, 3, 4, 1, 4, 0, 4, 0, 0, 4, 3, 3, 4, 0, 4, 0, 0, 4, 0, 2, 3, 4, 4, 4, 3, 1, 4, 2, 0, 4, 3, 2, 1, 4, 4, 3, 0, 3, 0, 0, 4, 3, 4, 0, 1, 3, 4, 0, 1, 4, 0, 4, 4, 4, 3, 4, 4, 0, 0, 4, 2, 3, 0, 4, 0, 4, 3, 2, 4, 0, 0, 1, 4, 4, 4, 4, 0, 4, 0, 4, 0, 3, 0, 2, 4, 1, 4, 4, 4, 4, 2, 1, 4, 0, 0, 3, 4, 1, 0, 0, 4, 0, 4, 3, 1, 1, 4, 0, 3, 4, 0, 0, 4, 0, 0, 0, 4, 3, 4, 0, 1, 4]</a:t>
+            </a:r>
+            <a:endParaRPr lang="zh-CN" altLang="en-US" dirty="0"/>
+          </a:p>
+        </p:txBody>
+      </p:sp>
+    </p:spTree>
+    <p:extLst>
+      <p:ext uri="{BB962C8B-B14F-4D97-AF65-F5344CB8AC3E}">
+        <p14:creationId xmlns:p14="http://schemas.microsoft.com/office/powerpoint/2010/main" val="2535839025"/>
+      </p:ext>
+    </p:extLst>
+  </p:cSld>
+  <p:clrMapOvr>
+    <a:masterClrMapping/>
+  </p:clrMapOvr>
+</p:sld>
+</file>
+
+<file path=ppt/slides/slide13.xml><?xml version="1.0" encoding="utf-8"?>
+<p:sld xmlns:a="http://schemas.openxmlformats.org/drawingml/2006/main" xmlns:r="http://schemas.openxmlformats.org/officeDocument/2006/relationships" xmlns:p="http://schemas.openxmlformats.org/presentationml/2006/main">
+  <p:cSld>
+    <p:spTree>
+      <p:nvGrpSpPr>
+        <p:cNvPr id="1" name=""/>
+        <p:cNvGrpSpPr/>
+        <p:nvPr/>
+      </p:nvGrpSpPr>
+      <p:grpSpPr>
+        <a:xfrm>
+          <a:off x="0" y="0"/>
+          <a:ext cx="0" cy="0"/>
+          <a:chOff x="0" y="0"/>
+          <a:chExt cx="0" cy="0"/>
+        </a:xfrm>
+      </p:grpSpPr>
+      <p:sp>
+        <p:nvSpPr>
+          <p:cNvPr id="2" name="标题 1">
+            <a:extLst>
+              <a:ext uri="{FF2B5EF4-FFF2-40B4-BE49-F238E27FC236}">
+                <a16:creationId xmlns:a16="http://schemas.microsoft.com/office/drawing/2014/main" id="{F0204979-4BD7-4E1C-9B6E-077BC76E39E7}"/>
+              </a:ext>
+            </a:extLst>
+          </p:cNvPr>
+          <p:cNvSpPr>
+            <a:spLocks noGrp="1"/>
+          </p:cNvSpPr>
+          <p:nvPr>
+            <p:ph type="title"/>
+          </p:nvPr>
+        </p:nvSpPr>
+        <p:spPr/>
+        <p:txBody>
+          <a:bodyPr/>
+          <a:lstStyle/>
+          <a:p>
+            <a:r>
+              <a:rPr lang="en-US" altLang="zh-CN" dirty="0"/>
+              <a:t>D</a:t>
+            </a:r>
+            <a:endParaRPr lang="zh-CN" altLang="en-US" dirty="0"/>
+          </a:p>
+        </p:txBody>
+      </p:sp>
+      <p:sp>
+        <p:nvSpPr>
+          <p:cNvPr id="3" name="内容占位符 2">
+            <a:extLst>
+              <a:ext uri="{FF2B5EF4-FFF2-40B4-BE49-F238E27FC236}">
+                <a16:creationId xmlns:a16="http://schemas.microsoft.com/office/drawing/2014/main" id="{9811C158-CD0B-4D65-B478-527B27F65497}"/>
+              </a:ext>
+            </a:extLst>
+          </p:cNvPr>
+          <p:cNvSpPr>
+            <a:spLocks noGrp="1"/>
+          </p:cNvSpPr>
+          <p:nvPr>
+            <p:ph idx="1"/>
+          </p:nvPr>
+        </p:nvSpPr>
+        <p:spPr/>
+        <p:txBody>
+          <a:bodyPr/>
+          <a:lstStyle/>
+          <a:p>
+            <a:pPr marL="0" indent="0">
+              <a:buNone/>
+            </a:pPr>
+            <a:endParaRPr lang="en-US" altLang="zh-CN" b="0" dirty="0"/>
+          </a:p>
+          <a:p>
+            <a:endParaRPr lang="zh-CN" altLang="en-US" dirty="0"/>
+          </a:p>
+        </p:txBody>
+      </p:sp>
+    </p:spTree>
+    <p:extLst>
+      <p:ext uri="{BB962C8B-B14F-4D97-AF65-F5344CB8AC3E}">
+        <p14:creationId xmlns:p14="http://schemas.microsoft.com/office/powerpoint/2010/main" val="811964722"/>
       </p:ext>
     </p:extLst>
   </p:cSld>
